--- a/LABORATORIO DE INGENIERIA.pptx
+++ b/LABORATORIO DE INGENIERIA.pptx
@@ -5,7 +5,7 @@
     <p:sldMasterId id="2147483648" r:id="rId1"/>
   </p:sldMasterIdLst>
   <p:notesMasterIdLst>
-    <p:notesMasterId r:id="rId17"/>
+    <p:notesMasterId r:id="rId18"/>
   </p:notesMasterIdLst>
   <p:sldIdLst>
     <p:sldId id="256" r:id="rId2"/>
@@ -23,6 +23,7 @@
     <p:sldId id="267" r:id="rId14"/>
     <p:sldId id="269" r:id="rId15"/>
     <p:sldId id="270" r:id="rId16"/>
+    <p:sldId id="271" r:id="rId17"/>
   </p:sldIdLst>
   <p:sldSz cx="12192000" cy="6858000"/>
   <p:notesSz cx="6858000" cy="9144000"/>
@@ -123,7 +124,7 @@
   </p:defaultTextStyle>
   <p:extLst>
     <p:ext uri="{EFAFB233-063F-42B5-8137-9DF3F51BA10A}">
-      <p15:sldGuideLst xmlns="" xmlns:p15="http://schemas.microsoft.com/office/powerpoint/2012/main"/>
+      <p15:sldGuideLst xmlns:p15="http://schemas.microsoft.com/office/powerpoint/2012/main" xmlns=""/>
     </p:ext>
   </p:extLst>
 </p:presentation>
@@ -212,7 +213,7 @@
             <a:fld id="{5BF436D5-7453-4F48-99C2-7B4FB01B9F03}" type="datetimeFigureOut">
               <a:rPr lang="es-ES_tradnl" smtClean="0"/>
               <a:pPr/>
-              <a:t>03/07/2018</a:t>
+              <a:t>04/07/2018</a:t>
             </a:fld>
             <a:endParaRPr lang="es-ES_tradnl"/>
           </a:p>
@@ -381,7 +382,7 @@
     </p:spTree>
     <p:extLst>
       <p:ext uri="{BB962C8B-B14F-4D97-AF65-F5344CB8AC3E}">
-        <p14:creationId xmlns="" xmlns:p14="http://schemas.microsoft.com/office/powerpoint/2010/main" val="1208811473"/>
+        <p14:creationId xmlns:p14="http://schemas.microsoft.com/office/powerpoint/2010/main" xmlns="" val="1208811473"/>
       </p:ext>
     </p:extLst>
   </p:cSld>
@@ -556,7 +557,7 @@
     </p:spTree>
     <p:extLst>
       <p:ext uri="{BB962C8B-B14F-4D97-AF65-F5344CB8AC3E}">
-        <p14:creationId xmlns="" xmlns:p14="http://schemas.microsoft.com/office/powerpoint/2010/main" val="1299126091"/>
+        <p14:creationId xmlns:p14="http://schemas.microsoft.com/office/powerpoint/2010/main" xmlns="" val="1299126091"/>
       </p:ext>
     </p:extLst>
   </p:cSld>
@@ -753,7 +754,7 @@
             <a:fld id="{4AAD347D-5ACD-4C99-B74B-A9C85AD731AF}" type="datetimeFigureOut">
               <a:rPr lang="en-US" dirty="0"/>
               <a:pPr/>
-              <a:t>7/3/2018</a:t>
+              <a:t>7/4/2018</a:t>
             </a:fld>
             <a:endParaRPr lang="en-US" dirty="0"/>
           </a:p>
@@ -1025,7 +1026,7 @@
             <a:fld id="{4509A250-FF31-4206-8172-F9D3106AACB1}" type="datetimeFigureOut">
               <a:rPr lang="en-US" dirty="0"/>
               <a:pPr/>
-              <a:t>7/3/2018</a:t>
+              <a:t>7/4/2018</a:t>
             </a:fld>
             <a:endParaRPr lang="en-US" dirty="0"/>
           </a:p>
@@ -1216,7 +1217,7 @@
             <a:fld id="{4509A250-FF31-4206-8172-F9D3106AACB1}" type="datetimeFigureOut">
               <a:rPr lang="en-US" dirty="0"/>
               <a:pPr/>
-              <a:t>7/3/2018</a:t>
+              <a:t>7/4/2018</a:t>
             </a:fld>
             <a:endParaRPr lang="en-US" dirty="0"/>
           </a:p>
@@ -1486,7 +1487,7 @@
             <a:fld id="{4509A250-FF31-4206-8172-F9D3106AACB1}" type="datetimeFigureOut">
               <a:rPr lang="en-US" dirty="0"/>
               <a:pPr/>
-              <a:t>7/3/2018</a:t>
+              <a:t>7/4/2018</a:t>
             </a:fld>
             <a:endParaRPr lang="en-US" dirty="0"/>
           </a:p>
@@ -1824,7 +1825,7 @@
             <a:fld id="{4509A250-FF31-4206-8172-F9D3106AACB1}" type="datetimeFigureOut">
               <a:rPr lang="en-US" dirty="0"/>
               <a:pPr/>
-              <a:t>7/3/2018</a:t>
+              <a:t>7/4/2018</a:t>
             </a:fld>
             <a:endParaRPr lang="en-US" dirty="0"/>
           </a:p>
@@ -2444,7 +2445,7 @@
             <a:fld id="{4509A250-FF31-4206-8172-F9D3106AACB1}" type="datetimeFigureOut">
               <a:rPr lang="en-US" dirty="0"/>
               <a:pPr/>
-              <a:t>7/3/2018</a:t>
+              <a:t>7/4/2018</a:t>
             </a:fld>
             <a:endParaRPr lang="en-US" dirty="0"/>
           </a:p>
@@ -3301,7 +3302,7 @@
             <a:fld id="{4509A250-FF31-4206-8172-F9D3106AACB1}" type="datetimeFigureOut">
               <a:rPr lang="en-US" dirty="0"/>
               <a:pPr/>
-              <a:t>7/3/2018</a:t>
+              <a:t>7/4/2018</a:t>
             </a:fld>
             <a:endParaRPr lang="en-US" dirty="0"/>
           </a:p>
@@ -3468,7 +3469,7 @@
             <a:fld id="{4509A250-FF31-4206-8172-F9D3106AACB1}" type="datetimeFigureOut">
               <a:rPr lang="en-US" dirty="0"/>
               <a:pPr/>
-              <a:t>7/3/2018</a:t>
+              <a:t>7/4/2018</a:t>
             </a:fld>
             <a:endParaRPr lang="en-US" dirty="0"/>
           </a:p>
@@ -3645,7 +3646,7 @@
             <a:fld id="{4509A250-FF31-4206-8172-F9D3106AACB1}" type="datetimeFigureOut">
               <a:rPr lang="en-US" dirty="0"/>
               <a:pPr/>
-              <a:t>7/3/2018</a:t>
+              <a:t>7/4/2018</a:t>
             </a:fld>
             <a:endParaRPr lang="en-US" dirty="0"/>
           </a:p>
@@ -3812,7 +3813,7 @@
             <a:fld id="{4509A250-FF31-4206-8172-F9D3106AACB1}" type="datetimeFigureOut">
               <a:rPr lang="en-US" dirty="0"/>
               <a:pPr/>
-              <a:t>7/3/2018</a:t>
+              <a:t>7/4/2018</a:t>
             </a:fld>
             <a:endParaRPr lang="en-US" dirty="0"/>
           </a:p>
@@ -4056,7 +4057,7 @@
             <a:fld id="{9796027F-7875-4030-9381-8BD8C4F21935}" type="datetimeFigureOut">
               <a:rPr lang="en-US" dirty="0"/>
               <a:pPr/>
-              <a:t>7/3/2018</a:t>
+              <a:t>7/4/2018</a:t>
             </a:fld>
             <a:endParaRPr lang="en-US" dirty="0"/>
           </a:p>
@@ -4345,7 +4346,7 @@
             <a:fld id="{9796027F-7875-4030-9381-8BD8C4F21935}" type="datetimeFigureOut">
               <a:rPr lang="en-US" dirty="0"/>
               <a:pPr/>
-              <a:t>7/3/2018</a:t>
+              <a:t>7/4/2018</a:t>
             </a:fld>
             <a:endParaRPr lang="en-US" dirty="0"/>
           </a:p>
@@ -4786,7 +4787,7 @@
             <a:fld id="{9796027F-7875-4030-9381-8BD8C4F21935}" type="datetimeFigureOut">
               <a:rPr lang="en-US" dirty="0"/>
               <a:pPr/>
-              <a:t>7/3/2018</a:t>
+              <a:t>7/4/2018</a:t>
             </a:fld>
             <a:endParaRPr lang="en-US" dirty="0"/>
           </a:p>
@@ -4901,7 +4902,7 @@
             <a:fld id="{4509A250-FF31-4206-8172-F9D3106AACB1}" type="datetimeFigureOut">
               <a:rPr lang="en-US" dirty="0"/>
               <a:pPr/>
-              <a:t>7/3/2018</a:t>
+              <a:t>7/4/2018</a:t>
             </a:fld>
             <a:endParaRPr lang="en-US" dirty="0"/>
           </a:p>
@@ -4993,7 +4994,7 @@
             <a:fld id="{4509A250-FF31-4206-8172-F9D3106AACB1}" type="datetimeFigureOut">
               <a:rPr lang="en-US" dirty="0"/>
               <a:pPr/>
-              <a:t>7/3/2018</a:t>
+              <a:t>7/4/2018</a:t>
             </a:fld>
             <a:endParaRPr lang="en-US" dirty="0"/>
           </a:p>
@@ -5269,7 +5270,7 @@
             <a:fld id="{4509A250-FF31-4206-8172-F9D3106AACB1}" type="datetimeFigureOut">
               <a:rPr lang="en-US" dirty="0"/>
               <a:pPr/>
-              <a:t>7/3/2018</a:t>
+              <a:t>7/4/2018</a:t>
             </a:fld>
             <a:endParaRPr lang="en-US" dirty="0"/>
           </a:p>
@@ -5541,7 +5542,7 @@
             <a:fld id="{4509A250-FF31-4206-8172-F9D3106AACB1}" type="datetimeFigureOut">
               <a:rPr lang="en-US" dirty="0"/>
               <a:pPr/>
-              <a:t>7/3/2018</a:t>
+              <a:t>7/4/2018</a:t>
             </a:fld>
             <a:endParaRPr lang="en-US" dirty="0"/>
           </a:p>
@@ -5632,7 +5633,7 @@
           <a:blip r:embed="rId19">
             <a:extLst>
               <a:ext uri="{28A0092B-C50C-407E-A947-70E740481C1C}">
-                <a14:useLocalDpi xmlns="" xmlns:a14="http://schemas.microsoft.com/office/drawing/2010/main" val="0"/>
+                <a14:useLocalDpi xmlns:a14="http://schemas.microsoft.com/office/drawing/2010/main" xmlns="" val="0"/>
               </a:ext>
             </a:extLst>
           </a:blip>
@@ -5661,7 +5662,7 @@
           <a:blip r:embed="rId20">
             <a:extLst>
               <a:ext uri="{28A0092B-C50C-407E-A947-70E740481C1C}">
-                <a14:useLocalDpi xmlns="" xmlns:a14="http://schemas.microsoft.com/office/drawing/2010/main" val="0"/>
+                <a14:useLocalDpi xmlns:a14="http://schemas.microsoft.com/office/drawing/2010/main" xmlns="" val="0"/>
               </a:ext>
             </a:extLst>
           </a:blip>
@@ -5753,7 +5754,7 @@
           <a:blip r:embed="rId21">
             <a:extLst>
               <a:ext uri="{28A0092B-C50C-407E-A947-70E740481C1C}">
-                <a14:useLocalDpi xmlns="" xmlns:a14="http://schemas.microsoft.com/office/drawing/2010/main" val="0"/>
+                <a14:useLocalDpi xmlns:a14="http://schemas.microsoft.com/office/drawing/2010/main" xmlns="" val="0"/>
               </a:ext>
             </a:extLst>
           </a:blip>
@@ -5782,7 +5783,7 @@
           <a:blip r:embed="rId22">
             <a:extLst>
               <a:ext uri="{28A0092B-C50C-407E-A947-70E740481C1C}">
-                <a14:useLocalDpi xmlns="" xmlns:a14="http://schemas.microsoft.com/office/drawing/2010/main" val="0"/>
+                <a14:useLocalDpi xmlns:a14="http://schemas.microsoft.com/office/drawing/2010/main" xmlns="" val="0"/>
               </a:ext>
             </a:extLst>
           </a:blip>
@@ -5967,7 +5968,7 @@
             <a:fld id="{4AAD347D-5ACD-4C99-B74B-A9C85AD731AF}" type="datetimeFigureOut">
               <a:rPr lang="en-US" dirty="0"/>
               <a:pPr/>
-              <a:t>7/3/2018</a:t>
+              <a:t>7/4/2018</a:t>
             </a:fld>
             <a:endParaRPr lang="en-US" dirty="0"/>
           </a:p>
@@ -6582,7 +6583,7 @@
     </p:spTree>
     <p:extLst>
       <p:ext uri="{BB962C8B-B14F-4D97-AF65-F5344CB8AC3E}">
-        <p14:creationId xmlns="" xmlns:p14="http://schemas.microsoft.com/office/powerpoint/2010/main" val="700725420"/>
+        <p14:creationId xmlns:p14="http://schemas.microsoft.com/office/powerpoint/2010/main" xmlns="" val="700725420"/>
       </p:ext>
     </p:extLst>
   </p:cSld>
@@ -6689,12 +6690,8 @@
               <a:t>Pero cuando ejecutamos la función explicada anteriormente como ejemplo en el </a:t>
             </a:r>
             <a:r>
-              <a:rPr lang="es-ES" dirty="0" err="1" smtClean="0"/>
-              <a:t>client</a:t>
-            </a:r>
-            <a:r>
               <a:rPr lang="es-ES" dirty="0" smtClean="0"/>
-              <a:t>, </a:t>
+              <a:t>cliente, </a:t>
             </a:r>
             <a:r>
               <a:rPr lang="es-ES" dirty="0"/>
@@ -6951,7 +6948,7 @@
     </p:spTree>
     <p:extLst>
       <p:ext uri="{BB962C8B-B14F-4D97-AF65-F5344CB8AC3E}">
-        <p14:creationId xmlns="" xmlns:p14="http://schemas.microsoft.com/office/powerpoint/2010/main" val="945972388"/>
+        <p14:creationId xmlns:p14="http://schemas.microsoft.com/office/powerpoint/2010/main" xmlns="" val="945972388"/>
       </p:ext>
     </p:extLst>
   </p:cSld>
@@ -7142,7 +7139,7 @@
     </p:spTree>
     <p:extLst>
       <p:ext uri="{BB962C8B-B14F-4D97-AF65-F5344CB8AC3E}">
-        <p14:creationId xmlns="" xmlns:p14="http://schemas.microsoft.com/office/powerpoint/2010/main" val="1144283665"/>
+        <p14:creationId xmlns:p14="http://schemas.microsoft.com/office/powerpoint/2010/main" xmlns="" val="1144283665"/>
       </p:ext>
     </p:extLst>
   </p:cSld>
@@ -7222,7 +7219,9 @@
           </a:xfrm>
         </p:spPr>
         <p:txBody>
-          <a:bodyPr/>
+          <a:bodyPr>
+            <a:normAutofit fontScale="92500" lnSpcReduction="10000"/>
+          </a:bodyPr>
           <a:lstStyle/>
           <a:p>
             <a:pPr marL="0" lvl="0" indent="0" defTabSz="914400">
@@ -7244,15 +7243,7 @@
             </a:r>
             <a:r>
               <a:rPr lang="es-ES_tradnl" dirty="0"/>
-              <a:t> a la función de angular que ejecuto en el </a:t>
-            </a:r>
-            <a:r>
-              <a:rPr lang="es-ES_tradnl" dirty="0" err="1"/>
-              <a:t>HTTP.get</a:t>
-            </a:r>
-            <a:r>
-              <a:rPr lang="es-ES_tradnl" dirty="0"/>
-              <a:t> (en nuestro ejemplo $</a:t>
+              <a:t> a la función de angular que ejecuto en el HTTP.get (en nuestro ejemplo $</a:t>
             </a:r>
             <a:r>
               <a:rPr lang="es-ES_tradnl" dirty="0" err="1"/>
@@ -7260,20 +7251,9 @@
             </a:r>
             <a:r>
               <a:rPr lang="es-ES_tradnl" dirty="0"/>
-              <a:t>), y así el HTML se actualizará con los datos obtenidos para ser mostrados al usuario. Aparte de esta función HTTP GET explicada se </a:t>
-            </a:r>
-            <a:r>
-              <a:rPr lang="es-ES_tradnl" dirty="0" smtClean="0"/>
-              <a:t>utilizan </a:t>
-            </a:r>
-            <a:r>
-              <a:rPr lang="es-ES_tradnl" dirty="0"/>
-              <a:t>más funciones según lo que se quiera hacer como</a:t>
-            </a:r>
-            <a:r>
-              <a:rPr lang="es-ES_tradnl" dirty="0" smtClean="0"/>
-              <a:t>:</a:t>
-            </a:r>
+              <a:t>), y así el HTML se actualizará con los datos obtenidos para ser mostrados al usuario. </a:t>
+            </a:r>
+            <a:endParaRPr lang="es-ES_tradnl" dirty="0" smtClean="0"/>
           </a:p>
           <a:p>
             <a:pPr marL="0" lvl="0" indent="0" defTabSz="914400">
@@ -7285,7 +7265,7 @@
               <a:buNone/>
               <a:defRPr/>
             </a:pPr>
-            <a:endParaRPr lang="es-ES_tradnl" dirty="0"/>
+            <a:endParaRPr lang="es-ES_tradnl" dirty="0" smtClean="0"/>
           </a:p>
           <a:p>
             <a:pPr marL="0" lvl="0" indent="0" defTabSz="914400">
@@ -7297,20 +7277,38 @@
               <a:buNone/>
               <a:defRPr/>
             </a:pPr>
-            <a:endParaRPr lang="es-ES_tradnl" dirty="0"/>
-          </a:p>
-          <a:p>
-            <a:pPr defTabSz="914400">
+            <a:r>
+              <a:rPr lang="es-ES_tradnl" dirty="0" smtClean="0"/>
+              <a:t>Aparte </a:t>
+            </a:r>
+            <a:r>
+              <a:rPr lang="es-ES_tradnl" dirty="0"/>
+              <a:t>de esta función HTTP GET explicada se </a:t>
+            </a:r>
+            <a:r>
+              <a:rPr lang="es-ES_tradnl" dirty="0" smtClean="0"/>
+              <a:t>utilizan </a:t>
+            </a:r>
+            <a:r>
+              <a:rPr lang="es-ES_tradnl" dirty="0"/>
+              <a:t>más funciones según lo que se quiera hacer como</a:t>
+            </a:r>
+            <a:r>
+              <a:rPr lang="es-ES_tradnl" dirty="0" smtClean="0"/>
+              <a:t>:</a:t>
+            </a:r>
+          </a:p>
+          <a:p>
+            <a:pPr marL="0" lvl="0" indent="0" defTabSz="914400">
               <a:spcBef>
                 <a:spcPts val="0"/>
               </a:spcBef>
               <a:buClrTx/>
               <a:buSzTx/>
-            </a:pPr>
-            <a:r>
-              <a:rPr lang="es-ES_tradnl" dirty="0"/>
-              <a:t>HTTP POST: para crear tarea.</a:t>
-            </a:r>
+              <a:buNone/>
+              <a:defRPr/>
+            </a:pPr>
+            <a:endParaRPr lang="es-ES_tradnl" dirty="0"/>
           </a:p>
           <a:p>
             <a:pPr defTabSz="914400">
@@ -7320,6 +7318,50 @@
               <a:buClrTx/>
               <a:buSzTx/>
             </a:pPr>
+            <a:r>
+              <a:rPr lang="es-ES_tradnl" dirty="0"/>
+              <a:t>HTTP POST: </a:t>
+            </a:r>
+            <a:r>
+              <a:rPr lang="es-ES_tradnl" dirty="0" smtClean="0"/>
+              <a:t>por ejemplo, para que el </a:t>
+            </a:r>
+            <a:r>
+              <a:rPr lang="es-ES_tradnl" i="1" dirty="0" err="1" smtClean="0"/>
+              <a:t>scrum</a:t>
+            </a:r>
+            <a:r>
+              <a:rPr lang="es-ES_tradnl" i="1" dirty="0" smtClean="0"/>
+              <a:t> </a:t>
+            </a:r>
+            <a:r>
+              <a:rPr lang="es-ES_tradnl" i="1" dirty="0" err="1" smtClean="0"/>
+              <a:t>master</a:t>
+            </a:r>
+            <a:r>
+              <a:rPr lang="es-ES_tradnl" i="1" dirty="0" smtClean="0"/>
+              <a:t> </a:t>
+            </a:r>
+            <a:r>
+              <a:rPr lang="es-ES_tradnl" dirty="0" smtClean="0"/>
+              <a:t>pueda crear nuevos </a:t>
+            </a:r>
+            <a:r>
+              <a:rPr lang="es-ES_tradnl" dirty="0" err="1" smtClean="0"/>
+              <a:t>Sprints</a:t>
+            </a:r>
+            <a:r>
+              <a:rPr lang="es-ES_tradnl" dirty="0" smtClean="0"/>
+              <a:t> e </a:t>
+            </a:r>
+            <a:r>
+              <a:rPr lang="es-ES_tradnl" dirty="0" err="1" smtClean="0"/>
+              <a:t>Hiestorias</a:t>
+            </a:r>
+            <a:r>
+              <a:rPr lang="es-ES_tradnl" dirty="0" smtClean="0"/>
+              <a:t> de usuario.</a:t>
+            </a:r>
             <a:endParaRPr lang="es-ES_tradnl" dirty="0"/>
           </a:p>
           <a:p>
@@ -7330,10 +7372,7 @@
               <a:buClrTx/>
               <a:buSzTx/>
             </a:pPr>
-            <a:r>
-              <a:rPr lang="es-ES_tradnl" dirty="0"/>
-              <a:t>HTTP PUT: para descargar tarea.</a:t>
-            </a:r>
+            <a:endParaRPr lang="es-ES_tradnl" dirty="0"/>
           </a:p>
           <a:p>
             <a:pPr defTabSz="914400">
@@ -7343,6 +7382,26 @@
               <a:buClrTx/>
               <a:buSzTx/>
             </a:pPr>
+            <a:r>
+              <a:rPr lang="es-ES_tradnl" dirty="0"/>
+              <a:t>HTTP PUT: </a:t>
+            </a:r>
+            <a:r>
+              <a:rPr lang="es-ES_tradnl" dirty="0" smtClean="0"/>
+              <a:t>por ejemplo, p</a:t>
+            </a:r>
+            <a:r>
+              <a:rPr lang="es-ES_tradnl" dirty="0" smtClean="0"/>
+              <a:t>ara actualizar  el estado de las Historias de </a:t>
+            </a:r>
+            <a:r>
+              <a:rPr lang="es-ES_tradnl" dirty="0" err="1" smtClean="0"/>
+              <a:t>usario</a:t>
+            </a:r>
+            <a:r>
+              <a:rPr lang="es-ES_tradnl" dirty="0" smtClean="0"/>
+              <a:t> o cambiar el estado de un Sprint.</a:t>
+            </a:r>
             <a:endParaRPr lang="es-ES_tradnl" dirty="0"/>
           </a:p>
           <a:p>
@@ -7353,10 +7412,54 @@
               <a:buClrTx/>
               <a:buSzTx/>
             </a:pPr>
+            <a:endParaRPr lang="es-ES_tradnl" dirty="0"/>
+          </a:p>
+          <a:p>
             <a:r>
               <a:rPr lang="es-ES_tradnl" dirty="0"/>
-              <a:t>HTTP DELETE: para eliminar tarea.</a:t>
-            </a:r>
+              <a:t>HTTP DELETE: </a:t>
+            </a:r>
+            <a:r>
+              <a:rPr lang="es-ES_tradnl" dirty="0" smtClean="0"/>
+              <a:t>por ejemplo, para que el </a:t>
+            </a:r>
+            <a:r>
+              <a:rPr lang="es-ES_tradnl" dirty="0" err="1" smtClean="0"/>
+              <a:t>scrum</a:t>
+            </a:r>
+            <a:r>
+              <a:rPr lang="es-ES_tradnl" dirty="0" smtClean="0"/>
+              <a:t> </a:t>
+            </a:r>
+            <a:r>
+              <a:rPr lang="es-ES_tradnl" dirty="0" err="1" smtClean="0"/>
+              <a:t>master</a:t>
+            </a:r>
+            <a:r>
+              <a:rPr lang="es-ES_tradnl" dirty="0" smtClean="0"/>
+              <a:t> pueda </a:t>
+            </a:r>
+            <a:r>
+              <a:rPr lang="es-ES" dirty="0" smtClean="0"/>
+              <a:t>eliminar </a:t>
+            </a:r>
+            <a:r>
+              <a:rPr lang="es-ES" dirty="0" smtClean="0"/>
+              <a:t>Historias de Usuario, en caso de que se decida que la </a:t>
+            </a:r>
+            <a:r>
+              <a:rPr lang="es-ES" dirty="0" smtClean="0"/>
+              <a:t>Historia en </a:t>
+            </a:r>
+            <a:r>
+              <a:rPr lang="es-ES" dirty="0" smtClean="0"/>
+              <a:t>concreto es muy grande o ya no es necesaria</a:t>
+            </a:r>
+            <a:r>
+              <a:rPr lang="es-ES_tradnl" dirty="0" smtClean="0"/>
+              <a:t>.</a:t>
+            </a:r>
+            <a:endParaRPr lang="es-ES_tradnl" dirty="0"/>
           </a:p>
           <a:p>
             <a:pPr marL="0" indent="0">
@@ -7369,7 +7472,7 @@
     </p:spTree>
     <p:extLst>
       <p:ext uri="{BB962C8B-B14F-4D97-AF65-F5344CB8AC3E}">
-        <p14:creationId xmlns="" xmlns:p14="http://schemas.microsoft.com/office/powerpoint/2010/main" val="3381115937"/>
+        <p14:creationId xmlns:p14="http://schemas.microsoft.com/office/powerpoint/2010/main" xmlns="" val="3381115937"/>
       </p:ext>
     </p:extLst>
   </p:cSld>
@@ -7467,12 +7570,12 @@
               <a:t>Para el </a:t>
             </a:r>
             <a:r>
-              <a:rPr lang="es-ES_tradnl" dirty="0" err="1" smtClean="0"/>
-              <a:t>envio</a:t>
-            </a:r>
-            <a:r>
               <a:rPr lang="es-ES_tradnl" dirty="0" smtClean="0"/>
-              <a:t> de datos por parte del cliente se incluye en el (</a:t>
+              <a:t>envió </a:t>
+            </a:r>
+            <a:r>
+              <a:rPr lang="es-ES_tradnl" dirty="0" smtClean="0"/>
+              <a:t>de datos por parte del cliente se incluye en el (</a:t>
             </a:r>
             <a:r>
               <a:rPr lang="es-ES_tradnl" dirty="0" err="1" smtClean="0"/>
@@ -7552,7 +7655,7 @@
     </p:spTree>
     <p:extLst>
       <p:ext uri="{BB962C8B-B14F-4D97-AF65-F5344CB8AC3E}">
-        <p14:creationId xmlns="" xmlns:p14="http://schemas.microsoft.com/office/powerpoint/2010/main" val="1277510397"/>
+        <p14:creationId xmlns:p14="http://schemas.microsoft.com/office/powerpoint/2010/main" xmlns="" val="1277510397"/>
       </p:ext>
     </p:extLst>
   </p:cSld>
@@ -7862,20 +7965,12 @@
               <a:t>genera una consulta a la base de datos que le </a:t>
             </a:r>
             <a:r>
-              <a:rPr lang="es-ES_tradnl" dirty="0" err="1"/>
-              <a:t>dara</a:t>
+              <a:rPr lang="es-ES_tradnl" dirty="0" smtClean="0"/>
+              <a:t>devolverá el resultado </a:t>
             </a:r>
             <a:r>
               <a:rPr lang="es-ES_tradnl" dirty="0"/>
-              <a:t> el </a:t>
-            </a:r>
-            <a:r>
-              <a:rPr lang="es-ES_tradnl" dirty="0" err="1"/>
-              <a:t>resulstado</a:t>
-            </a:r>
-            <a:r>
-              <a:rPr lang="es-ES_tradnl" dirty="0"/>
-              <a:t> que se enviara en un </a:t>
+              <a:t>que se enviara en un </a:t>
             </a:r>
             <a:r>
               <a:rPr lang="es-ES_tradnl" dirty="0" err="1"/>
@@ -7945,7 +8040,7 @@
     </p:spTree>
     <p:extLst>
       <p:ext uri="{BB962C8B-B14F-4D97-AF65-F5344CB8AC3E}">
-        <p14:creationId xmlns="" xmlns:p14="http://schemas.microsoft.com/office/powerpoint/2010/main" val="730374411"/>
+        <p14:creationId xmlns:p14="http://schemas.microsoft.com/office/powerpoint/2010/main" xmlns="" val="730374411"/>
       </p:ext>
     </p:extLst>
   </p:cSld>
@@ -8003,12 +8098,14 @@
             <a:spLocks noGrp="1"/>
           </p:cNvSpPr>
           <p:nvPr>
-            <p:ph idx="1"/>
+            <p:ph sz="half" idx="1"/>
           </p:nvPr>
         </p:nvSpPr>
         <p:spPr/>
         <p:txBody>
-          <a:bodyPr/>
+          <a:bodyPr>
+            <a:normAutofit fontScale="92500" lnSpcReduction="10000"/>
+          </a:bodyPr>
           <a:lstStyle/>
           <a:p>
             <a:pPr marL="0" indent="0">
@@ -8026,15 +8123,41 @@
             </a:pPr>
             <a:r>
               <a:rPr lang="es-ES_tradnl" dirty="0" smtClean="0"/>
-              <a:t>	- Un nuevo estado llamado “pendiente” para las </a:t>
+              <a:t>	</a:t>
+            </a:r>
+            <a:r>
+              <a:rPr lang="es-ES_tradnl" dirty="0" smtClean="0"/>
+              <a:t> </a:t>
+            </a:r>
+            <a:r>
+              <a:rPr lang="es-ES_tradnl" dirty="0" smtClean="0">
+                <a:sym typeface="Symbol"/>
+              </a:rPr>
+              <a:t> </a:t>
+            </a:r>
+            <a:r>
+              <a:rPr lang="es-ES_tradnl" dirty="0" smtClean="0"/>
+              <a:t>Un </a:t>
+            </a:r>
+            <a:r>
+              <a:rPr lang="es-ES_tradnl" dirty="0" smtClean="0"/>
+              <a:t>nuevo estado llamado “pendiente” para las </a:t>
             </a:r>
             <a:r>
               <a:rPr lang="es-ES_tradnl" i="1" dirty="0" smtClean="0"/>
-              <a:t>historias de 	usuario</a:t>
+              <a:t>historias de </a:t>
+            </a:r>
+            <a:r>
+              <a:rPr lang="es-ES_tradnl" i="1" dirty="0" smtClean="0"/>
+              <a:t>usuario</a:t>
             </a:r>
             <a:r>
               <a:rPr lang="es-ES_tradnl" dirty="0" smtClean="0"/>
-              <a:t> .</a:t>
+              <a:t> </a:t>
+            </a:r>
+            <a:r>
+              <a:rPr lang="es-ES_tradnl" dirty="0" smtClean="0"/>
+              <a:t>.</a:t>
             </a:r>
           </a:p>
           <a:p>
@@ -8043,7 +8166,21 @@
             </a:pPr>
             <a:r>
               <a:rPr lang="es-ES_tradnl" dirty="0" smtClean="0"/>
-              <a:t>	- La posibilidad de añadir entradas a la tabla relacional </a:t>
+              <a:t>	</a:t>
+            </a:r>
+            <a:r>
+              <a:rPr lang="es-ES_tradnl" dirty="0" smtClean="0">
+                <a:sym typeface="Symbol"/>
+              </a:rPr>
+              <a:t> </a:t>
+            </a:r>
+            <a:r>
+              <a:rPr lang="es-ES_tradnl" dirty="0" smtClean="0"/>
+              <a:t> </a:t>
+            </a:r>
+            <a:r>
+              <a:rPr lang="es-ES_tradnl" dirty="0" smtClean="0"/>
+              <a:t>La posibilidad de añadir entradas a la tabla relacional </a:t>
             </a:r>
             <a:r>
               <a:rPr lang="es-ES_tradnl" i="1" dirty="0" err="1" smtClean="0"/>
@@ -8051,7 +8188,15 @@
             </a:r>
             <a:r>
               <a:rPr lang="es-ES_tradnl" dirty="0" smtClean="0"/>
-              <a:t>, 	sin necesidad de incluir un </a:t>
+              <a:t>, </a:t>
+            </a:r>
+            <a:r>
+              <a:rPr lang="es-ES_tradnl" dirty="0" smtClean="0"/>
+              <a:t> sin </a:t>
+            </a:r>
+            <a:r>
+              <a:rPr lang="es-ES_tradnl" dirty="0" smtClean="0"/>
+              <a:t>necesidad de incluir un </a:t>
             </a:r>
             <a:r>
               <a:rPr lang="es-ES_tradnl" dirty="0" err="1" smtClean="0"/>
@@ -8059,15 +8204,29 @@
             </a:r>
             <a:r>
               <a:rPr lang="es-ES_tradnl" dirty="0" smtClean="0"/>
-              <a:t> ( identificador </a:t>
-            </a:r>
-            <a:r>
-              <a:rPr lang="es-ES_tradnl" dirty="0" err="1" smtClean="0"/>
-              <a:t>Team_Member</a:t>
+              <a:t>. </a:t>
             </a:r>
             <a:r>
               <a:rPr lang="es-ES_tradnl" dirty="0" smtClean="0"/>
-              <a:t>). 	Esto permite al </a:t>
+              <a:t>	</a:t>
+            </a:r>
+            <a:endParaRPr lang="es-ES_tradnl" dirty="0" smtClean="0"/>
+          </a:p>
+          <a:p>
+            <a:pPr marL="0" indent="0">
+              <a:buNone/>
+            </a:pPr>
+            <a:r>
+              <a:rPr lang="es-ES_tradnl" dirty="0" smtClean="0"/>
+              <a:t>	</a:t>
+            </a:r>
+            <a:r>
+              <a:rPr lang="es-ES_tradnl" dirty="0" smtClean="0"/>
+              <a:t>Esto </a:t>
+            </a:r>
+            <a:r>
+              <a:rPr lang="es-ES_tradnl" dirty="0" smtClean="0"/>
+              <a:t>permite al </a:t>
             </a:r>
             <a:r>
               <a:rPr lang="es-ES_tradnl" i="1" dirty="0" err="1" smtClean="0"/>
@@ -8083,19 +8242,27 @@
             </a:r>
             <a:r>
               <a:rPr lang="es-ES_tradnl" i="1" dirty="0" smtClean="0"/>
-              <a:t> ASIGNAR historias de usuario a un 	determinado sprint, </a:t>
+              <a:t> ASIGNAR historias de usuario a un </a:t>
+            </a:r>
+            <a:r>
+              <a:rPr lang="es-ES_tradnl" i="1" dirty="0" smtClean="0"/>
+              <a:t> determinado </a:t>
+            </a:r>
+            <a:r>
+              <a:rPr lang="es-ES_tradnl" i="1" dirty="0" smtClean="0"/>
+              <a:t>sprint, </a:t>
             </a:r>
             <a:r>
               <a:rPr lang="es-ES_tradnl" dirty="0" smtClean="0"/>
               <a:t>para que </a:t>
             </a:r>
             <a:r>
-              <a:rPr lang="es-ES_tradnl" dirty="0" err="1" smtClean="0"/>
-              <a:t>despues</a:t>
-            </a:r>
-            <a:r>
               <a:rPr lang="es-ES_tradnl" dirty="0" smtClean="0"/>
-              <a:t> sean los </a:t>
+              <a:t>después </a:t>
+            </a:r>
+            <a:r>
+              <a:rPr lang="es-ES_tradnl" dirty="0" smtClean="0"/>
+              <a:t>sean los </a:t>
             </a:r>
             <a:r>
               <a:rPr lang="es-ES_tradnl" i="1" dirty="0" err="1" smtClean="0"/>
@@ -8103,22 +8270,498 @@
             </a:r>
             <a:r>
               <a:rPr lang="es-ES_tradnl" dirty="0" smtClean="0"/>
-              <a:t> los que 	se incluyan a estas historias </a:t>
-            </a:r>
-            <a:r>
-              <a:rPr lang="es-ES_tradnl" smtClean="0"/>
-              <a:t>de usuario.</a:t>
+              <a:t> los que </a:t>
+            </a:r>
+            <a:r>
+              <a:rPr lang="es-ES_tradnl" dirty="0" smtClean="0"/>
+              <a:t>se </a:t>
+            </a:r>
+            <a:r>
+              <a:rPr lang="es-ES_tradnl" dirty="0" smtClean="0"/>
+              <a:t>incluyan a estas historias de usuario.</a:t>
             </a:r>
             <a:endParaRPr lang="es-ES" dirty="0"/>
           </a:p>
         </p:txBody>
       </p:sp>
+      <p:sp>
+        <p:nvSpPr>
+          <p:cNvPr id="9" name="Content Placeholder 8"/>
+          <p:cNvSpPr>
+            <a:spLocks noGrp="1"/>
+          </p:cNvSpPr>
+          <p:nvPr>
+            <p:ph sz="half" idx="2"/>
+          </p:nvPr>
+        </p:nvSpPr>
+        <p:spPr/>
+        <p:txBody>
+          <a:bodyPr>
+            <a:normAutofit fontScale="92500" lnSpcReduction="10000"/>
+          </a:bodyPr>
+          <a:lstStyle/>
+          <a:p>
+            <a:pPr>
+              <a:buNone/>
+            </a:pPr>
+            <a:r>
+              <a:rPr lang="es-ES" dirty="0" smtClean="0"/>
+              <a:t>Estructura:</a:t>
+            </a:r>
+            <a:endParaRPr lang="es-ES" dirty="0"/>
+          </a:p>
+        </p:txBody>
+      </p:sp>
+      <p:sp>
+        <p:nvSpPr>
+          <p:cNvPr id="13" name="Rectangle 12"/>
+          <p:cNvSpPr/>
+          <p:nvPr/>
+        </p:nvSpPr>
+        <p:spPr>
+          <a:xfrm>
+            <a:off x="6084798" y="2662518"/>
+            <a:ext cx="1512789" cy="457200"/>
+          </a:xfrm>
+          <a:prstGeom prst="rect">
+            <a:avLst/>
+          </a:prstGeom>
+          <a:solidFill>
+            <a:schemeClr val="tx1"/>
+          </a:solidFill>
+        </p:spPr>
+        <p:style>
+          <a:lnRef idx="2">
+            <a:schemeClr val="accent1">
+              <a:shade val="50000"/>
+            </a:schemeClr>
+          </a:lnRef>
+          <a:fillRef idx="1">
+            <a:schemeClr val="accent1"/>
+          </a:fillRef>
+          <a:effectRef idx="0">
+            <a:schemeClr val="accent1"/>
+          </a:effectRef>
+          <a:fontRef idx="minor">
+            <a:schemeClr val="lt1"/>
+          </a:fontRef>
+        </p:style>
+        <p:txBody>
+          <a:bodyPr rtlCol="0" anchor="ctr"/>
+          <a:lstStyle/>
+          <a:p>
+            <a:pPr algn="ctr"/>
+            <a:r>
+              <a:rPr lang="es-ES" sz="1200" dirty="0" err="1" smtClean="0">
+                <a:solidFill>
+                  <a:schemeClr val="bg1"/>
+                </a:solidFill>
+              </a:rPr>
+              <a:t>Team_Member</a:t>
+            </a:r>
+            <a:endParaRPr lang="es-ES" sz="1200" dirty="0">
+              <a:solidFill>
+                <a:schemeClr val="bg1"/>
+              </a:solidFill>
+            </a:endParaRPr>
+          </a:p>
+        </p:txBody>
+      </p:sp>
+      <p:sp>
+        <p:nvSpPr>
+          <p:cNvPr id="14" name="Rectangle 13"/>
+          <p:cNvSpPr/>
+          <p:nvPr/>
+        </p:nvSpPr>
+        <p:spPr>
+          <a:xfrm>
+            <a:off x="6084798" y="5262282"/>
+            <a:ext cx="1512789" cy="457200"/>
+          </a:xfrm>
+          <a:prstGeom prst="rect">
+            <a:avLst/>
+          </a:prstGeom>
+          <a:solidFill>
+            <a:schemeClr val="tx1"/>
+          </a:solidFill>
+        </p:spPr>
+        <p:style>
+          <a:lnRef idx="2">
+            <a:schemeClr val="accent1">
+              <a:shade val="50000"/>
+            </a:schemeClr>
+          </a:lnRef>
+          <a:fillRef idx="1">
+            <a:schemeClr val="accent1"/>
+          </a:fillRef>
+          <a:effectRef idx="0">
+            <a:schemeClr val="accent1"/>
+          </a:effectRef>
+          <a:fontRef idx="minor">
+            <a:schemeClr val="lt1"/>
+          </a:fontRef>
+        </p:style>
+        <p:txBody>
+          <a:bodyPr rtlCol="0" anchor="ctr"/>
+          <a:lstStyle/>
+          <a:p>
+            <a:pPr algn="ctr"/>
+            <a:r>
+              <a:rPr lang="es-ES" sz="1200" dirty="0" smtClean="0">
+                <a:solidFill>
+                  <a:schemeClr val="bg1"/>
+                </a:solidFill>
+              </a:rPr>
+              <a:t>Sprint</a:t>
+            </a:r>
+            <a:endParaRPr lang="es-ES" sz="1200" dirty="0">
+              <a:solidFill>
+                <a:schemeClr val="bg1"/>
+              </a:solidFill>
+            </a:endParaRPr>
+          </a:p>
+        </p:txBody>
+      </p:sp>
+      <p:sp>
+        <p:nvSpPr>
+          <p:cNvPr id="15" name="Rectangle 14"/>
+          <p:cNvSpPr/>
+          <p:nvPr/>
+        </p:nvSpPr>
+        <p:spPr>
+          <a:xfrm>
+            <a:off x="8538045" y="4065493"/>
+            <a:ext cx="1512789" cy="457200"/>
+          </a:xfrm>
+          <a:prstGeom prst="rect">
+            <a:avLst/>
+          </a:prstGeom>
+          <a:solidFill>
+            <a:schemeClr val="tx1"/>
+          </a:solidFill>
+        </p:spPr>
+        <p:style>
+          <a:lnRef idx="2">
+            <a:schemeClr val="accent1">
+              <a:shade val="50000"/>
+            </a:schemeClr>
+          </a:lnRef>
+          <a:fillRef idx="1">
+            <a:schemeClr val="accent1"/>
+          </a:fillRef>
+          <a:effectRef idx="0">
+            <a:schemeClr val="accent1"/>
+          </a:effectRef>
+          <a:fontRef idx="minor">
+            <a:schemeClr val="lt1"/>
+          </a:fontRef>
+        </p:style>
+        <p:txBody>
+          <a:bodyPr rtlCol="0" anchor="ctr"/>
+          <a:lstStyle/>
+          <a:p>
+            <a:pPr algn="ctr"/>
+            <a:r>
+              <a:rPr lang="es-ES" sz="1400" dirty="0" err="1" smtClean="0">
+                <a:solidFill>
+                  <a:schemeClr val="bg1"/>
+                </a:solidFill>
+              </a:rPr>
+              <a:t>User_Story</a:t>
+            </a:r>
+            <a:endParaRPr lang="es-ES" sz="1400" dirty="0">
+              <a:solidFill>
+                <a:schemeClr val="bg1"/>
+              </a:solidFill>
+            </a:endParaRPr>
+          </a:p>
+        </p:txBody>
+      </p:sp>
+      <p:sp>
+        <p:nvSpPr>
+          <p:cNvPr id="16" name="Flowchart: Decision 15"/>
+          <p:cNvSpPr/>
+          <p:nvPr/>
+        </p:nvSpPr>
+        <p:spPr>
+          <a:xfrm>
+            <a:off x="5856197" y="3765175"/>
+            <a:ext cx="1969991" cy="1057835"/>
+          </a:xfrm>
+          <a:prstGeom prst="flowChartDecision">
+            <a:avLst/>
+          </a:prstGeom>
+          <a:solidFill>
+            <a:schemeClr val="tx1"/>
+          </a:solidFill>
+        </p:spPr>
+        <p:style>
+          <a:lnRef idx="2">
+            <a:schemeClr val="accent1">
+              <a:shade val="50000"/>
+            </a:schemeClr>
+          </a:lnRef>
+          <a:fillRef idx="1">
+            <a:schemeClr val="accent1"/>
+          </a:fillRef>
+          <a:effectRef idx="0">
+            <a:schemeClr val="accent1"/>
+          </a:effectRef>
+          <a:fontRef idx="minor">
+            <a:schemeClr val="lt1"/>
+          </a:fontRef>
+        </p:style>
+        <p:txBody>
+          <a:bodyPr rtlCol="0" anchor="ctr"/>
+          <a:lstStyle/>
+          <a:p>
+            <a:pPr algn="ctr"/>
+            <a:r>
+              <a:rPr lang="es-ES" sz="1200" b="1" dirty="0" smtClean="0">
+                <a:solidFill>
+                  <a:schemeClr val="bg1"/>
+                </a:solidFill>
+              </a:rPr>
+              <a:t>Develop</a:t>
+            </a:r>
+            <a:endParaRPr lang="es-ES" sz="1200" dirty="0">
+              <a:solidFill>
+                <a:schemeClr val="bg1"/>
+              </a:solidFill>
+            </a:endParaRPr>
+          </a:p>
+        </p:txBody>
+      </p:sp>
+      <p:cxnSp>
+        <p:nvCxnSpPr>
+          <p:cNvPr id="20" name="Straight Connector 19"/>
+          <p:cNvCxnSpPr>
+            <a:stCxn id="16" idx="3"/>
+            <a:endCxn id="15" idx="1"/>
+          </p:cNvCxnSpPr>
+          <p:nvPr/>
+        </p:nvCxnSpPr>
+        <p:spPr>
+          <a:xfrm>
+            <a:off x="7826188" y="4294093"/>
+            <a:ext cx="711857" cy="1588"/>
+          </a:xfrm>
+          <a:prstGeom prst="line">
+            <a:avLst/>
+          </a:prstGeom>
+        </p:spPr>
+        <p:style>
+          <a:lnRef idx="1">
+            <a:schemeClr val="dk1"/>
+          </a:lnRef>
+          <a:fillRef idx="0">
+            <a:schemeClr val="dk1"/>
+          </a:fillRef>
+          <a:effectRef idx="0">
+            <a:schemeClr val="dk1"/>
+          </a:effectRef>
+          <a:fontRef idx="minor">
+            <a:schemeClr val="tx1"/>
+          </a:fontRef>
+        </p:style>
+      </p:cxnSp>
+      <p:cxnSp>
+        <p:nvCxnSpPr>
+          <p:cNvPr id="22" name="Straight Connector 21"/>
+          <p:cNvCxnSpPr>
+            <a:stCxn id="16" idx="0"/>
+            <a:endCxn id="13" idx="2"/>
+          </p:cNvCxnSpPr>
+          <p:nvPr/>
+        </p:nvCxnSpPr>
+        <p:spPr>
+          <a:xfrm rot="5400000" flipH="1" flipV="1">
+            <a:off x="6518465" y="3442447"/>
+            <a:ext cx="645457" cy="1588"/>
+          </a:xfrm>
+          <a:prstGeom prst="line">
+            <a:avLst/>
+          </a:prstGeom>
+        </p:spPr>
+        <p:style>
+          <a:lnRef idx="1">
+            <a:schemeClr val="accent1"/>
+          </a:lnRef>
+          <a:fillRef idx="0">
+            <a:schemeClr val="accent1"/>
+          </a:fillRef>
+          <a:effectRef idx="0">
+            <a:schemeClr val="accent1"/>
+          </a:effectRef>
+          <a:fontRef idx="minor">
+            <a:schemeClr val="tx1"/>
+          </a:fontRef>
+        </p:style>
+      </p:cxnSp>
+      <p:cxnSp>
+        <p:nvCxnSpPr>
+          <p:cNvPr id="24" name="Straight Connector 23"/>
+          <p:cNvCxnSpPr>
+            <a:stCxn id="16" idx="2"/>
+            <a:endCxn id="14" idx="0"/>
+          </p:cNvCxnSpPr>
+          <p:nvPr/>
+        </p:nvCxnSpPr>
+        <p:spPr>
+          <a:xfrm rot="5400000">
+            <a:off x="6621557" y="5042646"/>
+            <a:ext cx="439272" cy="1588"/>
+          </a:xfrm>
+          <a:prstGeom prst="line">
+            <a:avLst/>
+          </a:prstGeom>
+        </p:spPr>
+        <p:style>
+          <a:lnRef idx="1">
+            <a:schemeClr val="accent1"/>
+          </a:lnRef>
+          <a:fillRef idx="0">
+            <a:schemeClr val="accent1"/>
+          </a:fillRef>
+          <a:effectRef idx="0">
+            <a:schemeClr val="accent1"/>
+          </a:effectRef>
+          <a:fontRef idx="minor">
+            <a:schemeClr val="tx1"/>
+          </a:fontRef>
+        </p:style>
+      </p:cxnSp>
     </p:spTree>
     <p:extLst>
       <p:ext uri="{BB962C8B-B14F-4D97-AF65-F5344CB8AC3E}">
-        <p14:creationId xmlns="" xmlns:p14="http://schemas.microsoft.com/office/powerpoint/2010/main" val="1933360183"/>
+        <p14:creationId xmlns:p14="http://schemas.microsoft.com/office/powerpoint/2010/main" xmlns="" val="1933360183"/>
       </p:ext>
     </p:extLst>
+  </p:cSld>
+  <p:clrMapOvr>
+    <a:masterClrMapping/>
+  </p:clrMapOvr>
+</p:sld>
+</file>
+
+<file path=ppt/slides/slide16.xml><?xml version="1.0" encoding="utf-8"?>
+<p:sld xmlns:a="http://schemas.openxmlformats.org/drawingml/2006/main" xmlns:r="http://schemas.openxmlformats.org/officeDocument/2006/relationships" xmlns:p="http://schemas.openxmlformats.org/presentationml/2006/main">
+  <p:cSld>
+    <p:spTree>
+      <p:nvGrpSpPr>
+        <p:cNvPr id="1" name=""/>
+        <p:cNvGrpSpPr/>
+        <p:nvPr/>
+      </p:nvGrpSpPr>
+      <p:grpSpPr>
+        <a:xfrm>
+          <a:off x="0" y="0"/>
+          <a:ext cx="0" cy="0"/>
+          <a:chOff x="0" y="0"/>
+          <a:chExt cx="0" cy="0"/>
+        </a:xfrm>
+      </p:grpSpPr>
+      <p:sp>
+        <p:nvSpPr>
+          <p:cNvPr id="2" name="Title 1"/>
+          <p:cNvSpPr>
+            <a:spLocks noGrp="1"/>
+          </p:cNvSpPr>
+          <p:nvPr>
+            <p:ph type="title"/>
+          </p:nvPr>
+        </p:nvSpPr>
+        <p:spPr/>
+        <p:txBody>
+          <a:bodyPr/>
+          <a:lstStyle/>
+          <a:p>
+            <a:r>
+              <a:rPr lang="es-ES" dirty="0" smtClean="0"/>
+              <a:t>Control de versiones y Metodología de desarrollo</a:t>
+            </a:r>
+            <a:endParaRPr lang="es-ES" dirty="0"/>
+          </a:p>
+        </p:txBody>
+      </p:sp>
+      <p:sp>
+        <p:nvSpPr>
+          <p:cNvPr id="3" name="Content Placeholder 2"/>
+          <p:cNvSpPr>
+            <a:spLocks noGrp="1"/>
+          </p:cNvSpPr>
+          <p:nvPr>
+            <p:ph idx="1"/>
+          </p:nvPr>
+        </p:nvSpPr>
+        <p:spPr/>
+        <p:txBody>
+          <a:bodyPr/>
+          <a:lstStyle/>
+          <a:p>
+            <a:r>
+              <a:rPr lang="es-ES" dirty="0" smtClean="0"/>
+              <a:t>- Se ha intentado seguir la metodología </a:t>
+            </a:r>
+            <a:r>
+              <a:rPr lang="es-ES" dirty="0" err="1" smtClean="0"/>
+              <a:t>Scrum</a:t>
+            </a:r>
+            <a:r>
+              <a:rPr lang="es-ES" dirty="0" smtClean="0"/>
+              <a:t>  en la medida de nuestras posibilidades entre las historias de usuario (asociadas todas a un mismo Sprint) que se han tenido en cuenta se encuentran:</a:t>
+            </a:r>
+          </a:p>
+          <a:p>
+            <a:pPr lvl="1"/>
+            <a:r>
+              <a:rPr lang="es-ES" dirty="0" smtClean="0"/>
+              <a:t>- Generación de la base de datos</a:t>
+            </a:r>
+          </a:p>
+          <a:p>
+            <a:pPr lvl="1"/>
+            <a:r>
+              <a:rPr lang="es-ES" dirty="0" smtClean="0"/>
+              <a:t>- Creación del servidor REST simple</a:t>
+            </a:r>
+          </a:p>
+          <a:p>
+            <a:pPr lvl="1"/>
+            <a:r>
+              <a:rPr lang="es-ES" dirty="0" smtClean="0"/>
+              <a:t>- Ampliación del servidor</a:t>
+            </a:r>
+          </a:p>
+          <a:p>
+            <a:pPr lvl="1"/>
+            <a:r>
+              <a:rPr lang="es-ES" dirty="0" smtClean="0"/>
+              <a:t>- Generación de plantilla HTML</a:t>
+            </a:r>
+          </a:p>
+          <a:p>
+            <a:pPr lvl="1"/>
+            <a:r>
+              <a:rPr lang="es-ES" dirty="0" smtClean="0"/>
+              <a:t>- Creación de controladores </a:t>
+            </a:r>
+            <a:r>
+              <a:rPr lang="es-ES" dirty="0" err="1" smtClean="0"/>
+              <a:t>Angularjs</a:t>
+            </a:r>
+            <a:endParaRPr lang="es-ES" dirty="0" smtClean="0"/>
+          </a:p>
+          <a:p>
+            <a:r>
+              <a:rPr lang="es-ES" dirty="0" smtClean="0"/>
+              <a:t>En lo que respecta al control de versiones, debido a la segmentación del trabajo no ha sido necesario trabajar en distintas ramas</a:t>
+            </a:r>
+            <a:endParaRPr lang="es-ES" dirty="0" smtClean="0"/>
+          </a:p>
+        </p:txBody>
+      </p:sp>
+    </p:spTree>
   </p:cSld>
   <p:clrMapOvr>
     <a:masterClrMapping/>
@@ -8245,7 +8888,7 @@
             <a:pPr algn="ctr"/>
             <a:r>
               <a:rPr lang="es-ES_tradnl" dirty="0" smtClean="0"/>
-              <a:t>ANGULAR</a:t>
+              <a:t>ANGULARJS</a:t>
             </a:r>
             <a:endParaRPr lang="es-ES_tradnl" dirty="0"/>
           </a:p>
@@ -8344,7 +8987,26 @@
             <a:pPr algn="ctr"/>
             <a:r>
               <a:rPr lang="es-ES_tradnl" dirty="0" smtClean="0"/>
-              <a:t>BASE DE DATOS</a:t>
+              <a:t>BASE DE </a:t>
+            </a:r>
+            <a:r>
+              <a:rPr lang="es-ES_tradnl" dirty="0" smtClean="0"/>
+              <a:t>DATOS</a:t>
+            </a:r>
+          </a:p>
+          <a:p>
+            <a:pPr algn="ctr"/>
+            <a:r>
+              <a:rPr lang="es-ES" dirty="0" smtClean="0"/>
+              <a:t>(</a:t>
+            </a:r>
+            <a:r>
+              <a:rPr lang="es-ES" dirty="0" err="1" smtClean="0"/>
+              <a:t>MariaDB</a:t>
+            </a:r>
+            <a:r>
+              <a:rPr lang="es-ES" dirty="0" smtClean="0"/>
+              <a:t>) </a:t>
             </a:r>
             <a:endParaRPr lang="es-ES_tradnl" dirty="0"/>
           </a:p>
@@ -8883,7 +9545,7 @@
     </p:spTree>
     <p:extLst>
       <p:ext uri="{BB962C8B-B14F-4D97-AF65-F5344CB8AC3E}">
-        <p14:creationId xmlns="" xmlns:p14="http://schemas.microsoft.com/office/powerpoint/2010/main" val="1893727359"/>
+        <p14:creationId xmlns:p14="http://schemas.microsoft.com/office/powerpoint/2010/main" xmlns="" val="1893727359"/>
       </p:ext>
     </p:extLst>
   </p:cSld>
@@ -8985,11 +9647,7 @@
             </a:pPr>
             <a:r>
               <a:rPr lang="es-ES_tradnl" dirty="0" smtClean="0"/>
-              <a:t>En </a:t>
-            </a:r>
-            <a:r>
-              <a:rPr lang="es-ES_tradnl" dirty="0" smtClean="0"/>
-              <a:t>el HTML lo que más podemos destacar es el uso de las siguientes directivas angular usadas:</a:t>
+              <a:t>En el HTML lo que más podemos destacar es el uso de las siguientes directivas angular usadas:</a:t>
             </a:r>
           </a:p>
           <a:p>
@@ -9021,12 +9679,16 @@
               <a:buSzTx/>
             </a:pPr>
             <a:r>
-              <a:rPr lang="es-ES_tradnl" dirty="0" err="1" smtClean="0"/>
+              <a:rPr lang="es-ES_tradnl" i="1" dirty="0" err="1" smtClean="0"/>
               <a:t>ng-controller</a:t>
             </a:r>
             <a:r>
               <a:rPr lang="es-ES_tradnl" dirty="0" smtClean="0"/>
-              <a:t>: para segmentar las funciones que se pueden realizar según cada sección de la web.</a:t>
+              <a:t>: para segmentar las funciones que se pueden realizar según cada sección de la web</a:t>
+            </a:r>
+            <a:r>
+              <a:rPr lang="es-ES_tradnl" dirty="0" smtClean="0"/>
+              <a:t>.</a:t>
             </a:r>
           </a:p>
           <a:p>
@@ -9037,14 +9699,7 @@
               <a:buClrTx/>
               <a:buSzTx/>
             </a:pPr>
-            <a:r>
-              <a:rPr lang="es-ES_tradnl" dirty="0" err="1" smtClean="0"/>
-              <a:t>ng-click</a:t>
-            </a:r>
-            <a:r>
-              <a:rPr lang="es-ES_tradnl" dirty="0" smtClean="0"/>
-              <a:t>: para asociar botones y enlaces a funciones del angular.</a:t>
-            </a:r>
+            <a:endParaRPr lang="es-ES_tradnl" dirty="0" smtClean="0"/>
           </a:p>
           <a:p>
             <a:pPr defTabSz="914400">
@@ -9055,20 +9710,16 @@
               <a:buSzTx/>
             </a:pPr>
             <a:r>
-              <a:rPr lang="es-ES_tradnl" dirty="0" err="1" smtClean="0"/>
-              <a:t>ng</a:t>
+              <a:rPr lang="es-ES_tradnl" i="1" dirty="0" err="1" smtClean="0"/>
+              <a:t>ng-click</a:t>
             </a:r>
             <a:r>
               <a:rPr lang="es-ES_tradnl" dirty="0" smtClean="0"/>
-              <a:t>-show: para mostrar u ocultar contenedores de código que solo pueden ser empleados por el </a:t>
-            </a:r>
-            <a:r>
-              <a:rPr lang="es-ES_tradnl" dirty="0" err="1" smtClean="0"/>
-              <a:t>scrum</a:t>
+              <a:t>: para asociar botones y enlaces a funciones del angular</a:t>
             </a:r>
             <a:r>
               <a:rPr lang="es-ES_tradnl" dirty="0" smtClean="0"/>
-              <a:t> master.</a:t>
+              <a:t>.</a:t>
             </a:r>
           </a:p>
           <a:p>
@@ -9079,14 +9730,7 @@
               <a:buClrTx/>
               <a:buSzTx/>
             </a:pPr>
-            <a:r>
-              <a:rPr lang="es-ES_tradnl" dirty="0" err="1" smtClean="0"/>
-              <a:t>ng-repeat</a:t>
-            </a:r>
-            <a:r>
-              <a:rPr lang="es-ES_tradnl" dirty="0" smtClean="0"/>
-              <a:t>: para representar tablas y listas.</a:t>
-            </a:r>
+            <a:endParaRPr lang="es-ES_tradnl" dirty="0" smtClean="0"/>
           </a:p>
           <a:p>
             <a:pPr defTabSz="914400">
@@ -9097,7 +9741,85 @@
               <a:buSzTx/>
             </a:pPr>
             <a:r>
+              <a:rPr lang="es-ES_tradnl" i="1" dirty="0" err="1" smtClean="0"/>
+              <a:t>ng</a:t>
+            </a:r>
+            <a:r>
+              <a:rPr lang="es-ES_tradnl" i="1" dirty="0" smtClean="0"/>
+              <a:t>-show</a:t>
+            </a:r>
+            <a:r>
+              <a:rPr lang="es-ES_tradnl" dirty="0" smtClean="0"/>
+              <a:t>: para mostrar u ocultar contenedores de código que solo pueden ser empleados por el </a:t>
+            </a:r>
+            <a:r>
               <a:rPr lang="es-ES_tradnl" dirty="0" err="1" smtClean="0"/>
+              <a:t>scrum</a:t>
+            </a:r>
+            <a:r>
+              <a:rPr lang="es-ES_tradnl" dirty="0" smtClean="0"/>
+              <a:t> </a:t>
+            </a:r>
+            <a:r>
+              <a:rPr lang="es-ES_tradnl" dirty="0" err="1" smtClean="0"/>
+              <a:t>master</a:t>
+            </a:r>
+            <a:r>
+              <a:rPr lang="es-ES_tradnl" dirty="0" smtClean="0"/>
+              <a:t>.</a:t>
+            </a:r>
+          </a:p>
+          <a:p>
+            <a:pPr defTabSz="914400">
+              <a:spcBef>
+                <a:spcPts val="0"/>
+              </a:spcBef>
+              <a:buClrTx/>
+              <a:buSzTx/>
+            </a:pPr>
+            <a:endParaRPr lang="es-ES_tradnl" dirty="0" smtClean="0"/>
+          </a:p>
+          <a:p>
+            <a:pPr defTabSz="914400">
+              <a:spcBef>
+                <a:spcPts val="0"/>
+              </a:spcBef>
+              <a:buClrTx/>
+              <a:buSzTx/>
+            </a:pPr>
+            <a:r>
+              <a:rPr lang="es-ES_tradnl" i="1" dirty="0" err="1" smtClean="0"/>
+              <a:t>ng-repeat</a:t>
+            </a:r>
+            <a:r>
+              <a:rPr lang="es-ES_tradnl" dirty="0" smtClean="0"/>
+              <a:t>: para representar tablas y listas</a:t>
+            </a:r>
+            <a:r>
+              <a:rPr lang="es-ES_tradnl" dirty="0" smtClean="0"/>
+              <a:t>.</a:t>
+            </a:r>
+          </a:p>
+          <a:p>
+            <a:pPr defTabSz="914400">
+              <a:spcBef>
+                <a:spcPts val="0"/>
+              </a:spcBef>
+              <a:buClrTx/>
+              <a:buSzTx/>
+            </a:pPr>
+            <a:endParaRPr lang="es-ES_tradnl" dirty="0" smtClean="0"/>
+          </a:p>
+          <a:p>
+            <a:pPr defTabSz="914400">
+              <a:spcBef>
+                <a:spcPts val="0"/>
+              </a:spcBef>
+              <a:buClrTx/>
+              <a:buSzTx/>
+            </a:pPr>
+            <a:r>
+              <a:rPr lang="es-ES_tradnl" i="1" dirty="0" err="1" smtClean="0"/>
               <a:t>ng-model</a:t>
             </a:r>
             <a:r>
@@ -9111,7 +9833,7 @@
     </p:spTree>
     <p:extLst>
       <p:ext uri="{BB962C8B-B14F-4D97-AF65-F5344CB8AC3E}">
-        <p14:creationId xmlns="" xmlns:p14="http://schemas.microsoft.com/office/powerpoint/2010/main" val="1791617492"/>
+        <p14:creationId xmlns:p14="http://schemas.microsoft.com/office/powerpoint/2010/main" xmlns="" val="1791617492"/>
       </p:ext>
     </p:extLst>
   </p:cSld>
@@ -9167,10 +9889,10 @@
           <a:p>
             <a:pPr algn="ctr"/>
             <a:r>
-              <a:rPr lang="es-ES_tradnl" smtClean="0"/>
+              <a:rPr lang="es-ES_tradnl" dirty="0" smtClean="0"/>
               <a:t>CLIENTE: ANGULAR</a:t>
             </a:r>
-            <a:endParaRPr lang="es-ES_tradnl"/>
+            <a:endParaRPr lang="es-ES_tradnl" dirty="0"/>
           </a:p>
         </p:txBody>
       </p:sp>
@@ -9187,11 +9909,13 @@
         <p:spPr>
           <a:xfrm>
             <a:off x="1103312" y="1799304"/>
-            <a:ext cx="8946541" cy="4449096"/>
-          </a:xfrm>
-        </p:spPr>
-        <p:txBody>
-          <a:bodyPr/>
+            <a:ext cx="8946541" cy="4520813"/>
+          </a:xfrm>
+        </p:spPr>
+        <p:txBody>
+          <a:bodyPr>
+            <a:normAutofit/>
+          </a:bodyPr>
           <a:lstStyle/>
           <a:p>
             <a:pPr marL="0" marR="0" lvl="0" indent="0" defTabSz="914400" eaLnBrk="1" fontAlgn="auto" latinLnBrk="0" hangingPunct="1">
@@ -9212,7 +9936,7 @@
               <a:defRPr/>
             </a:pPr>
             <a:r>
-              <a:rPr lang="es-ES_tradnl" sz="2800" dirty="0" smtClean="0"/>
+              <a:rPr lang="es-ES_tradnl" sz="1800" dirty="0" smtClean="0"/>
               <a:t>En esta parte de angular es donde se definen la mayor parte de las funciones que vamos a utilizar en nuestra web por ejemplo:</a:t>
             </a:r>
           </a:p>
@@ -9234,7 +9958,7 @@
               <a:tabLst/>
               <a:defRPr/>
             </a:pPr>
-            <a:endParaRPr lang="es-ES_tradnl" sz="2800" dirty="0" smtClean="0"/>
+            <a:endParaRPr lang="es-ES_tradnl" sz="1800" dirty="0" smtClean="0"/>
           </a:p>
           <a:p>
             <a:pPr defTabSz="914400">
@@ -9245,17 +9969,30 @@
               <a:buSzTx/>
             </a:pPr>
             <a:r>
-              <a:rPr lang="es-ES_tradnl" sz="2800" dirty="0" smtClean="0"/>
+              <a:rPr lang="es-ES_tradnl" sz="1800" dirty="0" smtClean="0"/>
               <a:t> </a:t>
             </a:r>
             <a:r>
-              <a:rPr lang="es-ES_tradnl" sz="2800" dirty="0"/>
+              <a:rPr lang="es-ES_tradnl" sz="1800" dirty="0"/>
               <a:t>C</a:t>
             </a:r>
             <a:r>
-              <a:rPr lang="es-ES_tradnl" sz="2800" dirty="0" smtClean="0"/>
-              <a:t>rear o leer cookies.</a:t>
-            </a:r>
+              <a:rPr lang="es-ES_tradnl" sz="1800" dirty="0" smtClean="0"/>
+              <a:t>rear o leer </a:t>
+            </a:r>
+            <a:r>
+              <a:rPr lang="es-ES_tradnl" sz="1800" dirty="0" smtClean="0"/>
+              <a:t>cookies (para lo que hemos  empleado </a:t>
+            </a:r>
+            <a:r>
+              <a:rPr lang="es-ES_tradnl" sz="1800" i="1" dirty="0" err="1" smtClean="0"/>
+              <a:t>factory</a:t>
+            </a:r>
+            <a:r>
+              <a:rPr lang="es-ES_tradnl" sz="1800" dirty="0" smtClean="0"/>
+              <a:t>)</a:t>
+            </a:r>
+            <a:endParaRPr lang="es-ES_tradnl" sz="1800" dirty="0" smtClean="0"/>
           </a:p>
           <a:p>
             <a:pPr defTabSz="914400">
@@ -9265,7 +10002,7 @@
               <a:buClrTx/>
               <a:buSzTx/>
             </a:pPr>
-            <a:endParaRPr lang="es-ES_tradnl" sz="2800" dirty="0" smtClean="0"/>
+            <a:endParaRPr lang="es-ES_tradnl" sz="1800" dirty="0" smtClean="0"/>
           </a:p>
           <a:p>
             <a:pPr defTabSz="914400">
@@ -9276,15 +10013,15 @@
               <a:buSzTx/>
             </a:pPr>
             <a:r>
-              <a:rPr lang="es-ES_tradnl" sz="2800" dirty="0" smtClean="0"/>
+              <a:rPr lang="es-ES_tradnl" sz="1800" dirty="0" smtClean="0"/>
               <a:t> </a:t>
             </a:r>
             <a:r>
-              <a:rPr lang="es-ES_tradnl" sz="2800" dirty="0"/>
+              <a:rPr lang="es-ES_tradnl" sz="1800" dirty="0"/>
               <a:t>I</a:t>
             </a:r>
             <a:r>
-              <a:rPr lang="es-ES_tradnl" sz="2800" dirty="0" smtClean="0"/>
+              <a:rPr lang="es-ES_tradnl" sz="1800" dirty="0" smtClean="0"/>
               <a:t>niciar o finalizar sesión.</a:t>
             </a:r>
           </a:p>
@@ -9296,7 +10033,7 @@
               <a:buClrTx/>
               <a:buSzTx/>
             </a:pPr>
-            <a:endParaRPr lang="es-ES_tradnl" sz="2800" dirty="0" smtClean="0"/>
+            <a:endParaRPr lang="es-ES_tradnl" sz="1800" dirty="0" smtClean="0"/>
           </a:p>
           <a:p>
             <a:pPr defTabSz="914400">
@@ -9307,14 +10044,123 @@
               <a:buSzTx/>
             </a:pPr>
             <a:r>
-              <a:rPr lang="es-ES_tradnl" sz="2800" dirty="0" smtClean="0"/>
-              <a:t> Funciones que envían peticiones al servidor</a:t>
-            </a:r>
-            <a:r>
-              <a:rPr lang="mr-IN" sz="2800" dirty="0" smtClean="0"/>
-              <a:t>…</a:t>
-            </a:r>
-            <a:endParaRPr lang="es-ES_tradnl" sz="2800" dirty="0" smtClean="0"/>
+              <a:rPr lang="es-ES_tradnl" sz="1800" dirty="0" smtClean="0"/>
+              <a:t> Funciones que envían peticiones al </a:t>
+            </a:r>
+            <a:r>
+              <a:rPr lang="es-ES_tradnl" sz="1800" dirty="0" smtClean="0"/>
+              <a:t>servidor</a:t>
+            </a:r>
+          </a:p>
+          <a:p>
+            <a:pPr defTabSz="914400">
+              <a:spcBef>
+                <a:spcPts val="0"/>
+              </a:spcBef>
+              <a:buClrTx/>
+              <a:buSzTx/>
+              <a:buNone/>
+            </a:pPr>
+            <a:endParaRPr lang="es-ES_tradnl" sz="1800" dirty="0" smtClean="0"/>
+          </a:p>
+          <a:p>
+            <a:pPr defTabSz="914400">
+              <a:spcBef>
+                <a:spcPts val="0"/>
+              </a:spcBef>
+              <a:buClrTx/>
+              <a:buSzTx/>
+              <a:buNone/>
+            </a:pPr>
+            <a:r>
+              <a:rPr lang="es-ES_tradnl" sz="1800" dirty="0" smtClean="0"/>
+              <a:t>Los servicios (Variable empezadas por $) mas empleados han sido </a:t>
+            </a:r>
+            <a:r>
+              <a:rPr lang="es-ES_tradnl" sz="1800" i="1" dirty="0" smtClean="0"/>
+              <a:t> $</a:t>
+            </a:r>
+            <a:r>
+              <a:rPr lang="es-ES_tradnl" sz="1800" i="1" dirty="0" err="1" smtClean="0"/>
+              <a:t>scope</a:t>
+            </a:r>
+            <a:r>
+              <a:rPr lang="es-ES_tradnl" sz="1800" i="1" dirty="0" smtClean="0"/>
+              <a:t> </a:t>
+            </a:r>
+            <a:r>
+              <a:rPr lang="es-ES_tradnl" sz="1800" dirty="0" smtClean="0"/>
+              <a:t>y </a:t>
+            </a:r>
+            <a:r>
+              <a:rPr lang="es-ES_tradnl" sz="1800" i="1" dirty="0" smtClean="0"/>
+              <a:t>$http</a:t>
+            </a:r>
+          </a:p>
+          <a:p>
+            <a:pPr defTabSz="914400">
+              <a:spcBef>
+                <a:spcPts val="0"/>
+              </a:spcBef>
+              <a:buClrTx/>
+              <a:buSzTx/>
+              <a:buNone/>
+            </a:pPr>
+            <a:endParaRPr lang="es-ES_tradnl" sz="1800" dirty="0" smtClean="0"/>
+          </a:p>
+          <a:p>
+            <a:pPr defTabSz="914400">
+              <a:spcBef>
+                <a:spcPts val="0"/>
+              </a:spcBef>
+              <a:buClrTx/>
+              <a:buSzTx/>
+              <a:buNone/>
+            </a:pPr>
+            <a:r>
+              <a:rPr lang="es-ES_tradnl" sz="1800" dirty="0" err="1" smtClean="0"/>
+              <a:t>Tambien</a:t>
+            </a:r>
+            <a:r>
+              <a:rPr lang="es-ES_tradnl" sz="1800" dirty="0" smtClean="0"/>
+              <a:t> han sido empleadas las funciones </a:t>
+            </a:r>
+            <a:r>
+              <a:rPr lang="es-ES_tradnl" sz="1800" i="1" dirty="0" err="1" smtClean="0"/>
+              <a:t>directive</a:t>
+            </a:r>
+            <a:r>
+              <a:rPr lang="es-ES_tradnl" sz="1800" dirty="0" smtClean="0"/>
+              <a:t> </a:t>
+            </a:r>
+            <a:r>
+              <a:rPr lang="es-ES_tradnl" sz="1800" dirty="0" smtClean="0"/>
+              <a:t>y </a:t>
+            </a:r>
+            <a:r>
+              <a:rPr lang="es-ES_tradnl" sz="1800" i="1" dirty="0" err="1" smtClean="0"/>
+              <a:t>service</a:t>
+            </a:r>
+            <a:r>
+              <a:rPr lang="es-ES_tradnl" sz="1800" dirty="0" smtClean="0"/>
+              <a:t> para la implementación de la subida de ficheros</a:t>
+            </a:r>
+            <a:endParaRPr lang="es-ES_tradnl" sz="1800" dirty="0" smtClean="0"/>
+          </a:p>
+          <a:p>
+            <a:pPr defTabSz="914400">
+              <a:spcBef>
+                <a:spcPts val="0"/>
+              </a:spcBef>
+              <a:buClrTx/>
+              <a:buSzTx/>
+              <a:buNone/>
+            </a:pPr>
+            <a:r>
+              <a:rPr lang="es-ES_tradnl" sz="1600" dirty="0" smtClean="0"/>
+              <a:t>	</a:t>
+            </a:r>
+            <a:endParaRPr lang="es-ES_tradnl" sz="1600" dirty="0" smtClean="0"/>
           </a:p>
           <a:p>
             <a:pPr marL="0" marR="0" lvl="0" indent="0" defTabSz="914400" eaLnBrk="1" fontAlgn="auto" latinLnBrk="0" hangingPunct="1">
@@ -9361,7 +10207,7 @@
     </p:spTree>
     <p:extLst>
       <p:ext uri="{BB962C8B-B14F-4D97-AF65-F5344CB8AC3E}">
-        <p14:creationId xmlns="" xmlns:p14="http://schemas.microsoft.com/office/powerpoint/2010/main" val="872029118"/>
+        <p14:creationId xmlns:p14="http://schemas.microsoft.com/office/powerpoint/2010/main" xmlns="" val="872029118"/>
       </p:ext>
     </p:extLst>
   </p:cSld>
@@ -9463,39 +10309,11 @@
             </a:pPr>
             <a:r>
               <a:rPr lang="es-ES_tradnl" dirty="0" smtClean="0"/>
-              <a:t>A continuación vamos a ver un ejemplo en el que mediante una función </a:t>
-            </a:r>
-            <a:r>
-              <a:rPr lang="es-ES_tradnl" dirty="0" err="1" smtClean="0"/>
-              <a:t>HistoryStatus_general</a:t>
+              <a:t>A continuación vamos a ver un ejemplo en el que mediante una </a:t>
             </a:r>
             <a:r>
               <a:rPr lang="es-ES_tradnl" dirty="0" smtClean="0"/>
-              <a:t> se </a:t>
-            </a:r>
-            <a:r>
-              <a:rPr lang="es-ES_tradnl" dirty="0" err="1" smtClean="0"/>
-              <a:t>envia</a:t>
-            </a:r>
-            <a:r>
-              <a:rPr lang="es-ES_tradnl" dirty="0" smtClean="0"/>
-              <a:t> por </a:t>
-            </a:r>
-            <a:r>
-              <a:rPr lang="es-ES_tradnl" dirty="0" err="1" smtClean="0"/>
-              <a:t>http.post</a:t>
-            </a:r>
-            <a:r>
-              <a:rPr lang="es-ES_tradnl" dirty="0" smtClean="0"/>
-              <a:t> una petición a la </a:t>
-            </a:r>
-            <a:r>
-              <a:rPr lang="es-ES_tradnl" dirty="0" err="1" smtClean="0"/>
-              <a:t>url</a:t>
-            </a:r>
-            <a:r>
-              <a:rPr lang="es-ES_tradnl" dirty="0" smtClean="0"/>
-              <a:t> con los datos que se incluyen en la variable data. Tras esto el cliente se queda esperando respuesta:</a:t>
+              <a:t> de las funciones implementadas:</a:t>
             </a:r>
           </a:p>
           <a:p>
@@ -9536,6 +10354,77 @@
               <a:tabLst/>
               <a:defRPr/>
             </a:pPr>
+            <a:r>
+              <a:rPr lang="es-ES_tradnl" dirty="0" smtClean="0"/>
+              <a:t> </a:t>
+            </a:r>
+            <a:r>
+              <a:rPr lang="es-ES_tradnl" i="1" dirty="0" err="1" smtClean="0"/>
+              <a:t>HistoryStatus_general</a:t>
+            </a:r>
+            <a:r>
+              <a:rPr lang="es-ES_tradnl" i="1" dirty="0" smtClean="0"/>
+              <a:t> </a:t>
+            </a:r>
+            <a:r>
+              <a:rPr lang="es-ES_tradnl" i="1" dirty="0" smtClean="0"/>
+              <a:t> </a:t>
+            </a:r>
+            <a:r>
+              <a:rPr lang="es-ES_tradnl" dirty="0" smtClean="0"/>
+              <a:t>envía </a:t>
+            </a:r>
+            <a:r>
+              <a:rPr lang="es-ES_tradnl" dirty="0" smtClean="0"/>
+              <a:t>por http.post una petición a la </a:t>
+            </a:r>
+            <a:r>
+              <a:rPr lang="es-ES_tradnl" dirty="0" err="1" smtClean="0"/>
+              <a:t>url</a:t>
+            </a:r>
+            <a:r>
+              <a:rPr lang="es-ES_tradnl" dirty="0" smtClean="0"/>
+              <a:t> con los datos que se incluyen en la variable data. Tras esto el cliente se queda esperando respuesta:</a:t>
+            </a:r>
+          </a:p>
+          <a:p>
+            <a:pPr marL="0" marR="0" lvl="0" indent="0" defTabSz="914400" eaLnBrk="1" fontAlgn="auto" latinLnBrk="0" hangingPunct="1">
+              <a:lnSpc>
+                <a:spcPct val="100000"/>
+              </a:lnSpc>
+              <a:spcBef>
+                <a:spcPts val="0"/>
+              </a:spcBef>
+              <a:spcAft>
+                <a:spcPts val="0"/>
+              </a:spcAft>
+              <a:buClrTx/>
+              <a:buSzTx/>
+              <a:buFontTx/>
+              <a:buNone/>
+              <a:tabLst/>
+              <a:defRPr/>
+            </a:pPr>
+            <a:endParaRPr lang="es-ES_tradnl" dirty="0" smtClean="0"/>
+          </a:p>
+          <a:p>
+            <a:pPr marL="0" marR="0" lvl="0" indent="0" defTabSz="914400" eaLnBrk="1" fontAlgn="auto" latinLnBrk="0" hangingPunct="1">
+              <a:lnSpc>
+                <a:spcPct val="100000"/>
+              </a:lnSpc>
+              <a:spcBef>
+                <a:spcPts val="0"/>
+              </a:spcBef>
+              <a:spcAft>
+                <a:spcPts val="0"/>
+              </a:spcAft>
+              <a:buClrTx/>
+              <a:buSzTx/>
+              <a:buFontTx/>
+              <a:buNone/>
+              <a:tabLst/>
+              <a:defRPr/>
+            </a:pPr>
             <a:endParaRPr lang="es-ES_tradnl" dirty="0"/>
           </a:p>
           <a:p>
@@ -9551,10 +10440,10 @@
               <a:t>Si tiene éxito realiza el código dentro de la función </a:t>
             </a:r>
             <a:r>
-              <a:rPr lang="es-ES_tradnl" dirty="0" err="1" smtClean="0"/>
+              <a:rPr lang="es-ES_tradnl" i="1" dirty="0" err="1" smtClean="0"/>
               <a:t>mySuccess</a:t>
             </a:r>
-            <a:endParaRPr lang="es-ES_tradnl" dirty="0" smtClean="0"/>
+            <a:endParaRPr lang="es-ES_tradnl" i="1" dirty="0" smtClean="0"/>
           </a:p>
           <a:p>
             <a:pPr defTabSz="914400">
@@ -9599,17 +10488,17 @@
               <a:t>Si hay un error se realiza el código dentro de la función </a:t>
             </a:r>
             <a:r>
-              <a:rPr lang="es-ES_tradnl" dirty="0" err="1" smtClean="0"/>
+              <a:rPr lang="es-ES_tradnl" i="1" dirty="0" err="1" smtClean="0"/>
               <a:t>myError</a:t>
             </a:r>
-            <a:endParaRPr lang="es-ES_tradnl" dirty="0"/>
+            <a:endParaRPr lang="es-ES_tradnl" i="1" dirty="0"/>
           </a:p>
         </p:txBody>
       </p:sp>
     </p:spTree>
     <p:extLst>
       <p:ext uri="{BB962C8B-B14F-4D97-AF65-F5344CB8AC3E}">
-        <p14:creationId xmlns="" xmlns:p14="http://schemas.microsoft.com/office/powerpoint/2010/main" val="1814917735"/>
+        <p14:creationId xmlns:p14="http://schemas.microsoft.com/office/powerpoint/2010/main" xmlns="" val="1814917735"/>
       </p:ext>
     </p:extLst>
   </p:cSld>
@@ -10013,19 +10902,19 @@
               <a:defRPr/>
             </a:pPr>
             <a:r>
-              <a:rPr lang="es-ES_tradnl" dirty="0" err="1" smtClean="0"/>
+              <a:rPr lang="es-ES_tradnl" i="1" dirty="0" err="1" smtClean="0"/>
               <a:t>ng-click</a:t>
             </a:r>
             <a:r>
-              <a:rPr lang="es-ES_tradnl" dirty="0" smtClean="0"/>
+              <a:rPr lang="es-ES_tradnl" i="1" dirty="0" smtClean="0"/>
               <a:t>=</a:t>
             </a:r>
             <a:r>
-              <a:rPr lang="es-ES_tradnl" dirty="0" err="1" smtClean="0"/>
+              <a:rPr lang="es-ES_tradnl" i="1" dirty="0" err="1" smtClean="0"/>
               <a:t>HistorySprintEstatus</a:t>
             </a:r>
             <a:r>
-              <a:rPr lang="es-ES_tradnl" dirty="0" smtClean="0"/>
+              <a:rPr lang="es-ES_tradnl" i="1" dirty="0" smtClean="0"/>
               <a:t>(‘Terminada’)</a:t>
             </a:r>
           </a:p>
@@ -10054,14 +10943,14 @@
           <a:effectLst/>
           <a:extLst>
             <a:ext uri="{909E8E84-426E-40DD-AFC4-6F175D3DCCD1}">
-              <a14:hiddenFill xmlns="" xmlns:a14="http://schemas.microsoft.com/office/drawing/2010/main">
+              <a14:hiddenFill xmlns:a14="http://schemas.microsoft.com/office/drawing/2010/main" xmlns="">
                 <a:solidFill>
                   <a:schemeClr val="accent1"/>
                 </a:solidFill>
               </a14:hiddenFill>
             </a:ext>
             <a:ext uri="{91240B29-F687-4F45-9708-019B960494DF}">
-              <a14:hiddenLine xmlns="" xmlns:a14="http://schemas.microsoft.com/office/drawing/2010/main" w="9525">
+              <a14:hiddenLine xmlns:a14="http://schemas.microsoft.com/office/drawing/2010/main" xmlns="" w="9525">
                 <a:solidFill>
                   <a:schemeClr val="tx1"/>
                 </a:solidFill>
@@ -10071,7 +10960,7 @@
               </a14:hiddenLine>
             </a:ext>
             <a:ext uri="{AF507438-7753-43E0-B8FC-AC1667EBCBE1}">
-              <a14:hiddenEffects xmlns="" xmlns:a14="http://schemas.microsoft.com/office/drawing/2010/main">
+              <a14:hiddenEffects xmlns:a14="http://schemas.microsoft.com/office/drawing/2010/main" xmlns="">
                 <a:effectLst>
                   <a:outerShdw blurRad="63500" dist="38099" dir="2700000" algn="ctr" rotWithShape="0">
                     <a:schemeClr val="bg2">
@@ -10123,7 +11012,7 @@
     </p:spTree>
     <p:extLst>
       <p:ext uri="{BB962C8B-B14F-4D97-AF65-F5344CB8AC3E}">
-        <p14:creationId xmlns="" xmlns:p14="http://schemas.microsoft.com/office/powerpoint/2010/main" val="745632484"/>
+        <p14:creationId xmlns:p14="http://schemas.microsoft.com/office/powerpoint/2010/main" xmlns="" val="745632484"/>
       </p:ext>
     </p:extLst>
   </p:cSld>
@@ -10388,7 +11277,7 @@
     </p:spTree>
     <p:extLst>
       <p:ext uri="{BB962C8B-B14F-4D97-AF65-F5344CB8AC3E}">
-        <p14:creationId xmlns="" xmlns:p14="http://schemas.microsoft.com/office/powerpoint/2010/main" val="362225335"/>
+        <p14:creationId xmlns:p14="http://schemas.microsoft.com/office/powerpoint/2010/main" xmlns="" val="362225335"/>
       </p:ext>
     </p:extLst>
   </p:cSld>
@@ -10463,8 +11352,8 @@
         </p:nvSpPr>
         <p:spPr>
           <a:xfrm>
-            <a:off x="1104293" y="1241946"/>
-            <a:ext cx="9500017" cy="5006454"/>
+            <a:off x="1104293" y="1241945"/>
+            <a:ext cx="9500017" cy="5204761"/>
           </a:xfrm>
         </p:spPr>
         <p:txBody>
@@ -10490,15 +11379,27 @@
             </a:pPr>
             <a:r>
               <a:rPr lang="es-ES_tradnl" dirty="0" smtClean="0"/>
-              <a:t>Para implementar el servidor hemos utilizado </a:t>
+              <a:t>Se ha implementador un servidor REST para el que </a:t>
+            </a:r>
+            <a:r>
+              <a:rPr lang="es-ES_tradnl" dirty="0" smtClean="0"/>
+              <a:t>hemos </a:t>
+            </a:r>
+            <a:r>
+              <a:rPr lang="es-ES_tradnl" dirty="0" smtClean="0"/>
+              <a:t>utilizado </a:t>
             </a:r>
             <a:r>
               <a:rPr lang="es-ES_tradnl" dirty="0" err="1" smtClean="0"/>
-              <a:t>nodejs</a:t>
+              <a:t>Nodejs</a:t>
             </a:r>
             <a:r>
               <a:rPr lang="es-ES_tradnl" dirty="0" smtClean="0"/>
-              <a:t> con una serie de módulos (que hay que instalar), que facilitan la implementación del mismo:</a:t>
+              <a:t> </a:t>
+            </a:r>
+            <a:r>
+              <a:rPr lang="es-ES_tradnl" dirty="0" smtClean="0"/>
+              <a:t>con una serie de módulos (que hay que instalar), que facilitan la implementación del mismo:</a:t>
             </a:r>
           </a:p>
           <a:p>
@@ -10614,13 +11515,18 @@
               <a:t>Express es el más importante y nos permite crear una </a:t>
             </a:r>
             <a:r>
-              <a:rPr lang="es-ES_tradnl" dirty="0" err="1" smtClean="0"/>
-              <a:t>webserver</a:t>
-            </a:r>
-            <a:r>
               <a:rPr lang="es-ES_tradnl" dirty="0" smtClean="0"/>
-              <a:t> de manera flexible y a la vez robusta.</a:t>
-            </a:r>
+              <a:t>servidor web de </a:t>
+            </a:r>
+            <a:r>
+              <a:rPr lang="es-ES_tradnl" dirty="0" smtClean="0"/>
+              <a:t>manera flexible y a la vez robusta</a:t>
+            </a:r>
+            <a:r>
+              <a:rPr lang="es-ES_tradnl" dirty="0" smtClean="0"/>
+              <a:t>.</a:t>
+            </a:r>
+            <a:endParaRPr lang="es-ES_tradnl" dirty="0" smtClean="0"/>
           </a:p>
           <a:p>
             <a:pPr marL="0" indent="0" defTabSz="914400">
@@ -10676,7 +11582,7 @@
         </p:blipFill>
         <p:spPr>
           <a:xfrm>
-            <a:off x="1974518" y="1981056"/>
+            <a:off x="2113943" y="2344126"/>
             <a:ext cx="6496050" cy="1400175"/>
           </a:xfrm>
           <a:prstGeom prst="rect">
@@ -10700,7 +11606,7 @@
         </p:blipFill>
         <p:spPr>
           <a:xfrm>
-            <a:off x="1104293" y="4022821"/>
+            <a:off x="2113943" y="4318096"/>
             <a:ext cx="4257675" cy="295275"/>
           </a:xfrm>
           <a:prstGeom prst="rect">
@@ -10724,7 +11630,7 @@
         </p:blipFill>
         <p:spPr>
           <a:xfrm>
-            <a:off x="1090797" y="4318096"/>
+            <a:off x="2113943" y="4712036"/>
             <a:ext cx="4876800" cy="247650"/>
           </a:xfrm>
           <a:prstGeom prst="rect">
@@ -10748,7 +11654,7 @@
         </p:blipFill>
         <p:spPr>
           <a:xfrm>
-            <a:off x="2324810" y="4959686"/>
+            <a:off x="2113943" y="5322756"/>
             <a:ext cx="5591175" cy="1123950"/>
           </a:xfrm>
           <a:prstGeom prst="rect">
@@ -10759,7 +11665,7 @@
     </p:spTree>
     <p:extLst>
       <p:ext uri="{BB962C8B-B14F-4D97-AF65-F5344CB8AC3E}">
-        <p14:creationId xmlns="" xmlns:p14="http://schemas.microsoft.com/office/powerpoint/2010/main" val="7638092"/>
+        <p14:creationId xmlns:p14="http://schemas.microsoft.com/office/powerpoint/2010/main" xmlns="" val="7638092"/>
       </p:ext>
     </p:extLst>
   </p:cSld>
@@ -10918,15 +11824,23 @@
             </a:r>
             <a:r>
               <a:rPr lang="es-ES_tradnl" dirty="0" smtClean="0"/>
-              <a:t>-parser: utilizado por el </a:t>
-            </a:r>
-            <a:r>
-              <a:rPr lang="es-ES_tradnl" dirty="0" err="1" smtClean="0"/>
-              <a:t>body</a:t>
+              <a:t>-parser: utilizado </a:t>
             </a:r>
             <a:r>
               <a:rPr lang="es-ES_tradnl" dirty="0" smtClean="0"/>
-              <a:t> para obtener los datos de una petición HTTP.</a:t>
+              <a:t>para </a:t>
+            </a:r>
+            <a:r>
+              <a:rPr lang="es-ES_tradnl" dirty="0" smtClean="0"/>
+              <a:t>obtener los </a:t>
+            </a:r>
+            <a:r>
+              <a:rPr lang="es-ES_tradnl" dirty="0" smtClean="0"/>
+              <a:t>datos enviados por </a:t>
+            </a:r>
+            <a:r>
+              <a:rPr lang="es-ES_tradnl" dirty="0" smtClean="0"/>
+              <a:t>una petición HTTP.</a:t>
             </a:r>
           </a:p>
           <a:p>
@@ -10963,16 +11877,33 @@
             </a:r>
             <a:r>
               <a:rPr lang="es-ES_tradnl" dirty="0" smtClean="0"/>
-              <a:t>: permite habilitar todas las peticiones </a:t>
+              <a:t> (Cross-</a:t>
             </a:r>
             <a:r>
               <a:rPr lang="es-ES_tradnl" dirty="0" err="1" smtClean="0"/>
-              <a:t>cors</a:t>
+              <a:t>origin</a:t>
             </a:r>
             <a:r>
               <a:rPr lang="es-ES_tradnl" dirty="0" smtClean="0"/>
-              <a:t>.</a:t>
-            </a:r>
+              <a:t> </a:t>
+            </a:r>
+            <a:r>
+              <a:rPr lang="es-ES_tradnl" dirty="0" err="1" smtClean="0"/>
+              <a:t>resource</a:t>
+            </a:r>
+            <a:r>
+              <a:rPr lang="es-ES_tradnl" dirty="0" smtClean="0"/>
+              <a:t> </a:t>
+            </a:r>
+            <a:r>
+              <a:rPr lang="es-ES_tradnl" dirty="0" err="1" smtClean="0"/>
+              <a:t>sharing</a:t>
+            </a:r>
+            <a:r>
+              <a:rPr lang="es-ES_tradnl" dirty="0" smtClean="0"/>
+              <a:t>): para permitir que el/los cliente/s  puedan interactuar con el servidor en distintos dominios</a:t>
+            </a:r>
+            <a:endParaRPr lang="es-ES_tradnl" dirty="0" smtClean="0"/>
           </a:p>
           <a:p>
             <a:pPr defTabSz="914400">
@@ -11008,7 +11939,15 @@
             </a:r>
             <a:r>
               <a:rPr lang="es-ES_tradnl" dirty="0" smtClean="0"/>
-              <a:t>: para la conexión con la base de datos.</a:t>
+              <a:t>: </a:t>
+            </a:r>
+            <a:r>
+              <a:rPr lang="es-ES_tradnl" dirty="0" smtClean="0"/>
+              <a:t>Necesario para </a:t>
+            </a:r>
+            <a:r>
+              <a:rPr lang="es-ES_tradnl" dirty="0" smtClean="0"/>
+              <a:t>la conexión con la base de datos.</a:t>
             </a:r>
           </a:p>
           <a:p>
@@ -11049,7 +11988,7 @@
     </p:spTree>
     <p:extLst>
       <p:ext uri="{BB962C8B-B14F-4D97-AF65-F5344CB8AC3E}">
-        <p14:creationId xmlns="" xmlns:p14="http://schemas.microsoft.com/office/powerpoint/2010/main" val="572574350"/>
+        <p14:creationId xmlns:p14="http://schemas.microsoft.com/office/powerpoint/2010/main" xmlns="" val="572574350"/>
       </p:ext>
     </p:extLst>
   </p:cSld>
@@ -11326,7 +12265,7 @@
   <a:extraClrSchemeLst/>
   <a:extLst>
     <a:ext uri="{05A4C25C-085E-4340-85A3-A5531E510DB2}">
-      <thm15:themeFamily xmlns="" xmlns:thm15="http://schemas.microsoft.com/office/thememl/2012/main" name="Ion" id="{B8441ADB-2E43-4AF7-B97A-BD870242C6A8}" vid="{292E63A9-BB86-4E3D-B92A-7223C6510D2E}"/>
+      <thm15:themeFamily xmlns:thm15="http://schemas.microsoft.com/office/thememl/2012/main" xmlns="" name="Ion" id="{B8441ADB-2E43-4AF7-B97A-BD870242C6A8}" vid="{292E63A9-BB86-4E3D-B92A-7223C6510D2E}"/>
     </a:ext>
   </a:extLst>
 </a:theme>
@@ -11587,7 +12526,7 @@
   <a:extraClrSchemeLst/>
   <a:extLst>
     <a:ext uri="{05A4C25C-085E-4340-85A3-A5531E510DB2}">
-      <thm15:themeFamily xmlns="" xmlns:thm15="http://schemas.microsoft.com/office/thememl/2012/main" name="Office Theme" id="{62F939B6-93AF-4DB8-9C6B-D6C7DFDC589F}" vid="{4A3C46E8-61CC-4603-A589-7422A47A8E4A}"/>
+      <thm15:themeFamily xmlns:thm15="http://schemas.microsoft.com/office/thememl/2012/main" xmlns="" name="Office Theme" id="{62F939B6-93AF-4DB8-9C6B-D6C7DFDC589F}" vid="{4A3C46E8-61CC-4603-A589-7422A47A8E4A}"/>
     </a:ext>
   </a:extLst>
 </a:theme>

--- a/LABORATORIO DE INGENIERIA.pptx
+++ b/LABORATORIO DE INGENIERIA.pptx
@@ -124,7 +124,18 @@
   </p:defaultTextStyle>
   <p:extLst>
     <p:ext uri="{EFAFB233-063F-42B5-8137-9DF3F51BA10A}">
-      <p15:sldGuideLst xmlns:p15="http://schemas.microsoft.com/office/powerpoint/2012/main" xmlns=""/>
+      <p15:sldGuideLst xmlns:p15="http://schemas.microsoft.com/office/powerpoint/2012/main">
+        <p15:guide id="1" orient="horz" pos="2160">
+          <p15:clr>
+            <a:srgbClr val="A4A3A4"/>
+          </p15:clr>
+        </p15:guide>
+        <p15:guide id="2" pos="3840">
+          <p15:clr>
+            <a:srgbClr val="A4A3A4"/>
+          </p15:clr>
+        </p15:guide>
+      </p15:sldGuideLst>
     </p:ext>
   </p:extLst>
 </p:presentation>
@@ -277,38 +288,37 @@
           <a:p>
             <a:pPr lvl="0"/>
             <a:r>
-              <a:rPr lang="es-ES_tradnl" smtClean="0"/>
+              <a:rPr lang="es-ES_tradnl"/>
               <a:t>Haga clic para modificar los estilos de texto del patrón</a:t>
             </a:r>
           </a:p>
           <a:p>
             <a:pPr lvl="1"/>
             <a:r>
-              <a:rPr lang="es-ES_tradnl" smtClean="0"/>
+              <a:rPr lang="es-ES_tradnl"/>
               <a:t>Segundo nivel</a:t>
             </a:r>
           </a:p>
           <a:p>
             <a:pPr lvl="2"/>
             <a:r>
-              <a:rPr lang="es-ES_tradnl" smtClean="0"/>
+              <a:rPr lang="es-ES_tradnl"/>
               <a:t>Tercer nivel</a:t>
             </a:r>
           </a:p>
           <a:p>
             <a:pPr lvl="3"/>
             <a:r>
-              <a:rPr lang="es-ES_tradnl" smtClean="0"/>
+              <a:rPr lang="es-ES_tradnl"/>
               <a:t>Cuarto nivel</a:t>
             </a:r>
           </a:p>
           <a:p>
             <a:pPr lvl="4"/>
             <a:r>
-              <a:rPr lang="es-ES_tradnl" smtClean="0"/>
+              <a:rPr lang="es-ES_tradnl"/>
               <a:t>Quinto nivel</a:t>
             </a:r>
-            <a:endParaRPr lang="es-ES_tradnl"/>
           </a:p>
         </p:txBody>
       </p:sp>
@@ -373,7 +383,7 @@
             <a:fld id="{1441A75A-92CD-0341-B879-0DA224BD62C6}" type="slidenum">
               <a:rPr lang="es-ES_tradnl" smtClean="0"/>
               <a:pPr/>
-              <a:t>‹#›</a:t>
+              <a:t>‹Nº›</a:t>
             </a:fld>
             <a:endParaRPr lang="es-ES_tradnl"/>
           </a:p>
@@ -382,7 +392,7 @@
     </p:spTree>
     <p:extLst>
       <p:ext uri="{BB962C8B-B14F-4D97-AF65-F5344CB8AC3E}">
-        <p14:creationId xmlns:p14="http://schemas.microsoft.com/office/powerpoint/2010/main" xmlns="" val="1208811473"/>
+        <p14:creationId xmlns:p14="http://schemas.microsoft.com/office/powerpoint/2010/main" val="1208811473"/>
       </p:ext>
     </p:extLst>
   </p:cSld>
@@ -557,7 +567,7 @@
     </p:spTree>
     <p:extLst>
       <p:ext uri="{BB962C8B-B14F-4D97-AF65-F5344CB8AC3E}">
-        <p14:creationId xmlns:p14="http://schemas.microsoft.com/office/powerpoint/2010/main" xmlns="" val="1299126091"/>
+        <p14:creationId xmlns:p14="http://schemas.microsoft.com/office/powerpoint/2010/main" val="1299126091"/>
       </p:ext>
     </p:extLst>
   </p:cSld>
@@ -609,7 +619,7 @@
           </a:lstStyle>
           <a:p>
             <a:r>
-              <a:rPr lang="es-ES_tradnl" smtClean="0"/>
+              <a:rPr lang="es-ES_tradnl"/>
               <a:t>Haga clic para modificar el estilo de título del patrón</a:t>
             </a:r>
             <a:endParaRPr lang="en-US" dirty="0"/>
@@ -729,7 +739,7 @@
           </a:lstStyle>
           <a:p>
             <a:r>
-              <a:rPr lang="es-ES_tradnl" smtClean="0"/>
+              <a:rPr lang="es-ES_tradnl"/>
               <a:t>Haga clic para modificar el estilo de subtítulo del patrón</a:t>
             </a:r>
             <a:endParaRPr lang="en-US" dirty="0"/>
@@ -797,7 +807,7 @@
             <a:fld id="{D57F1E4F-1CFF-5643-939E-02111984F565}" type="slidenum">
               <a:rPr lang="en-US" dirty="0"/>
               <a:pPr/>
-              <a:t>‹#›</a:t>
+              <a:t>‹Nº›</a:t>
             </a:fld>
             <a:endParaRPr lang="en-US" dirty="0"/>
           </a:p>
@@ -855,7 +865,7 @@
           </a:lstStyle>
           <a:p>
             <a:r>
-              <a:rPr lang="es-ES_tradnl" smtClean="0"/>
+              <a:rPr lang="es-ES_tradnl"/>
               <a:t>Haga clic para modificar el estilo de título del patrón</a:t>
             </a:r>
             <a:endParaRPr lang="en-US" dirty="0"/>
@@ -934,7 +944,7 @@
           </a:lstStyle>
           <a:p>
             <a:r>
-              <a:rPr lang="es-ES_tradnl" smtClean="0"/>
+              <a:rPr lang="es-ES_tradnl"/>
               <a:t>Arrastre la imagen al marcador de posición o haga clic en el icono para agregarla</a:t>
             </a:r>
             <a:endParaRPr lang="en-US" dirty="0"/>
@@ -1002,7 +1012,7 @@
           <a:p>
             <a:pPr lvl="0"/>
             <a:r>
-              <a:rPr lang="es-ES_tradnl" smtClean="0"/>
+              <a:rPr lang="es-ES_tradnl"/>
               <a:t>Haga clic para modificar los estilos de texto del patrón</a:t>
             </a:r>
           </a:p>
@@ -1069,7 +1079,7 @@
             <a:fld id="{D57F1E4F-1CFF-5643-939E-02111984F565}" type="slidenum">
               <a:rPr lang="en-US" dirty="0"/>
               <a:pPr/>
-              <a:t>‹#›</a:t>
+              <a:t>‹Nº›</a:t>
             </a:fld>
             <a:endParaRPr lang="en-US" dirty="0"/>
           </a:p>
@@ -1125,7 +1135,7 @@
           </a:lstStyle>
           <a:p>
             <a:r>
-              <a:rPr lang="es-ES_tradnl" smtClean="0"/>
+              <a:rPr lang="es-ES_tradnl"/>
               <a:t>Haga clic para modificar el estilo de título del patrón</a:t>
             </a:r>
             <a:endParaRPr lang="en-US" dirty="0"/>
@@ -1193,7 +1203,7 @@
           <a:p>
             <a:pPr lvl="0"/>
             <a:r>
-              <a:rPr lang="es-ES_tradnl" smtClean="0"/>
+              <a:rPr lang="es-ES_tradnl"/>
               <a:t>Haga clic para modificar los estilos de texto del patrón</a:t>
             </a:r>
           </a:p>
@@ -1260,7 +1270,7 @@
             <a:fld id="{D57F1E4F-1CFF-5643-939E-02111984F565}" type="slidenum">
               <a:rPr lang="en-US" dirty="0"/>
               <a:pPr/>
-              <a:t>‹#›</a:t>
+              <a:t>‹Nº›</a:t>
             </a:fld>
             <a:endParaRPr lang="en-US" dirty="0"/>
           </a:p>
@@ -1316,7 +1326,7 @@
           </a:lstStyle>
           <a:p>
             <a:r>
-              <a:rPr lang="es-ES_tradnl" smtClean="0"/>
+              <a:rPr lang="es-ES_tradnl"/>
               <a:t>Haga clic para modificar el estilo de título del patrón</a:t>
             </a:r>
             <a:endParaRPr lang="en-US" dirty="0"/>
@@ -1396,7 +1406,7 @@
               <a:buNone/>
             </a:pPr>
             <a:r>
-              <a:rPr lang="es-ES_tradnl" smtClean="0"/>
+              <a:rPr lang="es-ES_tradnl"/>
               <a:t>Haga clic para modificar los estilos de texto del patrón</a:t>
             </a:r>
           </a:p>
@@ -1463,7 +1473,7 @@
           <a:p>
             <a:pPr lvl="0"/>
             <a:r>
-              <a:rPr lang="es-ES_tradnl" smtClean="0"/>
+              <a:rPr lang="es-ES_tradnl"/>
               <a:t>Haga clic para modificar los estilos de texto del patrón</a:t>
             </a:r>
           </a:p>
@@ -1530,7 +1540,7 @@
             <a:fld id="{D57F1E4F-1CFF-5643-939E-02111984F565}" type="slidenum">
               <a:rPr lang="en-US" dirty="0"/>
               <a:pPr/>
-              <a:t>‹#›</a:t>
+              <a:t>‹Nº›</a:t>
             </a:fld>
             <a:endParaRPr lang="en-US" dirty="0"/>
           </a:p>
@@ -1680,7 +1690,7 @@
           </a:lstStyle>
           <a:p>
             <a:r>
-              <a:rPr lang="es-ES_tradnl" smtClean="0"/>
+              <a:rPr lang="es-ES_tradnl"/>
               <a:t>Haga clic para modificar el estilo de título del patrón</a:t>
             </a:r>
             <a:endParaRPr lang="en-US" dirty="0"/>
@@ -1801,7 +1811,7 @@
           <a:p>
             <a:pPr lvl="0"/>
             <a:r>
-              <a:rPr lang="es-ES_tradnl" smtClean="0"/>
+              <a:rPr lang="es-ES_tradnl"/>
               <a:t>Haga clic para modificar los estilos de texto del patrón</a:t>
             </a:r>
           </a:p>
@@ -1868,7 +1878,7 @@
             <a:fld id="{D57F1E4F-1CFF-5643-939E-02111984F565}" type="slidenum">
               <a:rPr lang="en-US" dirty="0"/>
               <a:pPr/>
-              <a:t>‹#›</a:t>
+              <a:t>‹Nº›</a:t>
             </a:fld>
             <a:endParaRPr lang="en-US" dirty="0"/>
           </a:p>
@@ -1919,7 +1929,7 @@
           </a:lstStyle>
           <a:p>
             <a:r>
-              <a:rPr lang="es-ES_tradnl" smtClean="0"/>
+              <a:rPr lang="es-ES_tradnl"/>
               <a:t>Haga clic para modificar el estilo de título del patrón</a:t>
             </a:r>
             <a:endParaRPr lang="en-US" dirty="0"/>
@@ -1994,7 +2004,7 @@
           <a:p>
             <a:pPr lvl="0"/>
             <a:r>
-              <a:rPr lang="es-ES_tradnl" smtClean="0"/>
+              <a:rPr lang="es-ES_tradnl"/>
               <a:t>Haga clic para modificar los estilos de texto del patrón</a:t>
             </a:r>
           </a:p>
@@ -2061,7 +2071,7 @@
           <a:p>
             <a:pPr lvl="0"/>
             <a:r>
-              <a:rPr lang="es-ES_tradnl" smtClean="0"/>
+              <a:rPr lang="es-ES_tradnl"/>
               <a:t>Haga clic para modificar los estilos de texto del patrón</a:t>
             </a:r>
           </a:p>
@@ -2135,7 +2145,7 @@
           <a:p>
             <a:pPr lvl="0"/>
             <a:r>
-              <a:rPr lang="es-ES_tradnl" smtClean="0"/>
+              <a:rPr lang="es-ES_tradnl"/>
               <a:t>Haga clic para modificar los estilos de texto del patrón</a:t>
             </a:r>
           </a:p>
@@ -2202,7 +2212,7 @@
           <a:p>
             <a:pPr lvl="0"/>
             <a:r>
-              <a:rPr lang="es-ES_tradnl" smtClean="0"/>
+              <a:rPr lang="es-ES_tradnl"/>
               <a:t>Haga clic para modificar los estilos de texto del patrón</a:t>
             </a:r>
           </a:p>
@@ -2276,7 +2286,7 @@
           <a:p>
             <a:pPr lvl="0"/>
             <a:r>
-              <a:rPr lang="es-ES_tradnl" smtClean="0"/>
+              <a:rPr lang="es-ES_tradnl"/>
               <a:t>Haga clic para modificar los estilos de texto del patrón</a:t>
             </a:r>
           </a:p>
@@ -2343,7 +2353,7 @@
           <a:p>
             <a:pPr lvl="0"/>
             <a:r>
-              <a:rPr lang="es-ES_tradnl" smtClean="0"/>
+              <a:rPr lang="es-ES_tradnl"/>
               <a:t>Haga clic para modificar los estilos de texto del patrón</a:t>
             </a:r>
           </a:p>
@@ -2488,7 +2498,7 @@
             <a:fld id="{D57F1E4F-1CFF-5643-939E-02111984F565}" type="slidenum">
               <a:rPr lang="en-US" dirty="0"/>
               <a:pPr/>
-              <a:t>‹#›</a:t>
+              <a:t>‹Nº›</a:t>
             </a:fld>
             <a:endParaRPr lang="en-US" dirty="0"/>
           </a:p>
@@ -2539,7 +2549,7 @@
           </a:lstStyle>
           <a:p>
             <a:r>
-              <a:rPr lang="es-ES_tradnl" smtClean="0"/>
+              <a:rPr lang="es-ES_tradnl"/>
               <a:t>Haga clic para modificar el estilo de título del patrón</a:t>
             </a:r>
             <a:endParaRPr lang="en-US" dirty="0"/>
@@ -2614,7 +2624,7 @@
           <a:p>
             <a:pPr lvl="0"/>
             <a:r>
-              <a:rPr lang="es-ES_tradnl" smtClean="0"/>
+              <a:rPr lang="es-ES_tradnl"/>
               <a:t>Haga clic para modificar los estilos de texto del patrón</a:t>
             </a:r>
           </a:p>
@@ -2692,7 +2702,7 @@
           </a:lstStyle>
           <a:p>
             <a:r>
-              <a:rPr lang="es-ES_tradnl" smtClean="0"/>
+              <a:rPr lang="es-ES_tradnl"/>
               <a:t>Arrastre la imagen al marcador de posición o haga clic en el icono para agregarla</a:t>
             </a:r>
             <a:endParaRPr lang="en-US" dirty="0"/>
@@ -2760,7 +2770,7 @@
           <a:p>
             <a:pPr lvl="0"/>
             <a:r>
-              <a:rPr lang="es-ES_tradnl" smtClean="0"/>
+              <a:rPr lang="es-ES_tradnl"/>
               <a:t>Haga clic para modificar los estilos de texto del patrón</a:t>
             </a:r>
           </a:p>
@@ -2834,7 +2844,7 @@
           <a:p>
             <a:pPr lvl="0"/>
             <a:r>
-              <a:rPr lang="es-ES_tradnl" smtClean="0"/>
+              <a:rPr lang="es-ES_tradnl"/>
               <a:t>Haga clic para modificar los estilos de texto del patrón</a:t>
             </a:r>
           </a:p>
@@ -2912,7 +2922,7 @@
           </a:lstStyle>
           <a:p>
             <a:r>
-              <a:rPr lang="es-ES_tradnl" smtClean="0"/>
+              <a:rPr lang="es-ES_tradnl"/>
               <a:t>Arrastre la imagen al marcador de posición o haga clic en el icono para agregarla</a:t>
             </a:r>
             <a:endParaRPr lang="en-US" dirty="0"/>
@@ -2980,7 +2990,7 @@
           <a:p>
             <a:pPr lvl="0"/>
             <a:r>
-              <a:rPr lang="es-ES_tradnl" smtClean="0"/>
+              <a:rPr lang="es-ES_tradnl"/>
               <a:t>Haga clic para modificar los estilos de texto del patrón</a:t>
             </a:r>
           </a:p>
@@ -3054,7 +3064,7 @@
           <a:p>
             <a:pPr lvl="0"/>
             <a:r>
-              <a:rPr lang="es-ES_tradnl" smtClean="0"/>
+              <a:rPr lang="es-ES_tradnl"/>
               <a:t>Haga clic para modificar los estilos de texto del patrón</a:t>
             </a:r>
           </a:p>
@@ -3132,7 +3142,7 @@
           </a:lstStyle>
           <a:p>
             <a:r>
-              <a:rPr lang="es-ES_tradnl" smtClean="0"/>
+              <a:rPr lang="es-ES_tradnl"/>
               <a:t>Arrastre la imagen al marcador de posición o haga clic en el icono para agregarla</a:t>
             </a:r>
             <a:endParaRPr lang="en-US" dirty="0"/>
@@ -3200,7 +3210,7 @@
           <a:p>
             <a:pPr lvl="0"/>
             <a:r>
-              <a:rPr lang="es-ES_tradnl" smtClean="0"/>
+              <a:rPr lang="es-ES_tradnl"/>
               <a:t>Haga clic para modificar los estilos de texto del patrón</a:t>
             </a:r>
           </a:p>
@@ -3345,7 +3355,7 @@
             <a:fld id="{D57F1E4F-1CFF-5643-939E-02111984F565}" type="slidenum">
               <a:rPr lang="en-US" dirty="0"/>
               <a:pPr/>
-              <a:t>‹#›</a:t>
+              <a:t>‹Nº›</a:t>
             </a:fld>
             <a:endParaRPr lang="en-US" dirty="0"/>
           </a:p>
@@ -3392,7 +3402,7 @@
           <a:lstStyle/>
           <a:p>
             <a:r>
-              <a:rPr lang="es-ES_tradnl" smtClean="0"/>
+              <a:rPr lang="es-ES_tradnl"/>
               <a:t>Haga clic para modificar el estilo de título del patrón</a:t>
             </a:r>
             <a:endParaRPr lang="en-US" dirty="0"/>
@@ -3416,35 +3426,35 @@
           <a:p>
             <a:pPr lvl="0"/>
             <a:r>
-              <a:rPr lang="es-ES_tradnl" smtClean="0"/>
+              <a:rPr lang="es-ES_tradnl"/>
               <a:t>Haga clic para modificar los estilos de texto del patrón</a:t>
             </a:r>
           </a:p>
           <a:p>
             <a:pPr lvl="1"/>
             <a:r>
-              <a:rPr lang="es-ES_tradnl" smtClean="0"/>
+              <a:rPr lang="es-ES_tradnl"/>
               <a:t>Segundo nivel</a:t>
             </a:r>
           </a:p>
           <a:p>
             <a:pPr lvl="2"/>
             <a:r>
-              <a:rPr lang="es-ES_tradnl" smtClean="0"/>
+              <a:rPr lang="es-ES_tradnl"/>
               <a:t>Tercer nivel</a:t>
             </a:r>
           </a:p>
           <a:p>
             <a:pPr lvl="3"/>
             <a:r>
-              <a:rPr lang="es-ES_tradnl" smtClean="0"/>
+              <a:rPr lang="es-ES_tradnl"/>
               <a:t>Cuarto nivel</a:t>
             </a:r>
           </a:p>
           <a:p>
             <a:pPr lvl="4"/>
             <a:r>
-              <a:rPr lang="es-ES_tradnl" smtClean="0"/>
+              <a:rPr lang="es-ES_tradnl"/>
               <a:t>Quinto nivel</a:t>
             </a:r>
             <a:endParaRPr lang="en-US" dirty="0"/>
@@ -3512,7 +3522,7 @@
             <a:fld id="{D57F1E4F-1CFF-5643-939E-02111984F565}" type="slidenum">
               <a:rPr lang="en-US" dirty="0"/>
               <a:pPr/>
-              <a:t>‹#›</a:t>
+              <a:t>‹Nº›</a:t>
             </a:fld>
             <a:endParaRPr lang="en-US" dirty="0"/>
           </a:p>
@@ -3564,7 +3574,7 @@
           <a:lstStyle/>
           <a:p>
             <a:r>
-              <a:rPr lang="es-ES_tradnl" smtClean="0"/>
+              <a:rPr lang="es-ES_tradnl"/>
               <a:t>Haga clic para modificar el estilo de título del patrón</a:t>
             </a:r>
             <a:endParaRPr lang="en-US" dirty="0"/>
@@ -3593,35 +3603,35 @@
           <a:p>
             <a:pPr lvl="0"/>
             <a:r>
-              <a:rPr lang="es-ES_tradnl" smtClean="0"/>
+              <a:rPr lang="es-ES_tradnl"/>
               <a:t>Haga clic para modificar los estilos de texto del patrón</a:t>
             </a:r>
           </a:p>
           <a:p>
             <a:pPr lvl="1"/>
             <a:r>
-              <a:rPr lang="es-ES_tradnl" smtClean="0"/>
+              <a:rPr lang="es-ES_tradnl"/>
               <a:t>Segundo nivel</a:t>
             </a:r>
           </a:p>
           <a:p>
             <a:pPr lvl="2"/>
             <a:r>
-              <a:rPr lang="es-ES_tradnl" smtClean="0"/>
+              <a:rPr lang="es-ES_tradnl"/>
               <a:t>Tercer nivel</a:t>
             </a:r>
           </a:p>
           <a:p>
             <a:pPr lvl="3"/>
             <a:r>
-              <a:rPr lang="es-ES_tradnl" smtClean="0"/>
+              <a:rPr lang="es-ES_tradnl"/>
               <a:t>Cuarto nivel</a:t>
             </a:r>
           </a:p>
           <a:p>
             <a:pPr lvl="4"/>
             <a:r>
-              <a:rPr lang="es-ES_tradnl" smtClean="0"/>
+              <a:rPr lang="es-ES_tradnl"/>
               <a:t>Quinto nivel</a:t>
             </a:r>
             <a:endParaRPr lang="en-US" dirty="0"/>
@@ -3689,7 +3699,7 @@
             <a:fld id="{D57F1E4F-1CFF-5643-939E-02111984F565}" type="slidenum">
               <a:rPr lang="en-US" dirty="0"/>
               <a:pPr/>
-              <a:t>‹#›</a:t>
+              <a:t>‹Nº›</a:t>
             </a:fld>
             <a:endParaRPr lang="en-US" dirty="0"/>
           </a:p>
@@ -3736,7 +3746,7 @@
           <a:lstStyle/>
           <a:p>
             <a:r>
-              <a:rPr lang="es-ES_tradnl" smtClean="0"/>
+              <a:rPr lang="es-ES_tradnl"/>
               <a:t>Haga clic para modificar el estilo de título del patrón</a:t>
             </a:r>
             <a:endParaRPr lang="en-US" dirty="0"/>
@@ -3760,35 +3770,35 @@
           <a:p>
             <a:pPr lvl="0"/>
             <a:r>
-              <a:rPr lang="es-ES_tradnl" smtClean="0"/>
+              <a:rPr lang="es-ES_tradnl"/>
               <a:t>Haga clic para modificar los estilos de texto del patrón</a:t>
             </a:r>
           </a:p>
           <a:p>
             <a:pPr lvl="1"/>
             <a:r>
-              <a:rPr lang="es-ES_tradnl" smtClean="0"/>
+              <a:rPr lang="es-ES_tradnl"/>
               <a:t>Segundo nivel</a:t>
             </a:r>
           </a:p>
           <a:p>
             <a:pPr lvl="2"/>
             <a:r>
-              <a:rPr lang="es-ES_tradnl" smtClean="0"/>
+              <a:rPr lang="es-ES_tradnl"/>
               <a:t>Tercer nivel</a:t>
             </a:r>
           </a:p>
           <a:p>
             <a:pPr lvl="3"/>
             <a:r>
-              <a:rPr lang="es-ES_tradnl" smtClean="0"/>
+              <a:rPr lang="es-ES_tradnl"/>
               <a:t>Cuarto nivel</a:t>
             </a:r>
           </a:p>
           <a:p>
             <a:pPr lvl="4"/>
             <a:r>
-              <a:rPr lang="es-ES_tradnl" smtClean="0"/>
+              <a:rPr lang="es-ES_tradnl"/>
               <a:t>Quinto nivel</a:t>
             </a:r>
             <a:endParaRPr lang="en-US" dirty="0"/>
@@ -3856,7 +3866,7 @@
             <a:fld id="{D57F1E4F-1CFF-5643-939E-02111984F565}" type="slidenum">
               <a:rPr lang="en-US" dirty="0"/>
               <a:pPr/>
-              <a:t>‹#›</a:t>
+              <a:t>‹Nº›</a:t>
             </a:fld>
             <a:endParaRPr lang="en-US" dirty="0"/>
           </a:p>
@@ -3912,7 +3922,7 @@
           </a:lstStyle>
           <a:p>
             <a:r>
-              <a:rPr lang="es-ES_tradnl" smtClean="0"/>
+              <a:rPr lang="es-ES_tradnl"/>
               <a:t>Haga clic para modificar el estilo de título del patrón</a:t>
             </a:r>
             <a:endParaRPr lang="en-US" dirty="0"/>
@@ -4033,7 +4043,7 @@
           <a:p>
             <a:pPr lvl="0"/>
             <a:r>
-              <a:rPr lang="es-ES_tradnl" smtClean="0"/>
+              <a:rPr lang="es-ES_tradnl"/>
               <a:t>Haga clic para modificar los estilos de texto del patrón</a:t>
             </a:r>
           </a:p>
@@ -4100,7 +4110,7 @@
             <a:fld id="{D57F1E4F-1CFF-5643-939E-02111984F565}" type="slidenum">
               <a:rPr lang="en-US" dirty="0"/>
               <a:pPr/>
-              <a:t>‹#›</a:t>
+              <a:t>‹Nº›</a:t>
             </a:fld>
             <a:endParaRPr lang="en-US" dirty="0"/>
           </a:p>
@@ -4147,7 +4157,7 @@
           <a:lstStyle/>
           <a:p>
             <a:r>
-              <a:rPr lang="es-ES_tradnl" smtClean="0"/>
+              <a:rPr lang="es-ES_tradnl"/>
               <a:t>Haga clic para modificar el estilo de título del patrón</a:t>
             </a:r>
             <a:endParaRPr lang="en-US" dirty="0"/>
@@ -4206,35 +4216,35 @@
           <a:p>
             <a:pPr lvl="0"/>
             <a:r>
-              <a:rPr lang="es-ES_tradnl" smtClean="0"/>
+              <a:rPr lang="es-ES_tradnl"/>
               <a:t>Haga clic para modificar los estilos de texto del patrón</a:t>
             </a:r>
           </a:p>
           <a:p>
             <a:pPr lvl="1"/>
             <a:r>
-              <a:rPr lang="es-ES_tradnl" smtClean="0"/>
+              <a:rPr lang="es-ES_tradnl"/>
               <a:t>Segundo nivel</a:t>
             </a:r>
           </a:p>
           <a:p>
             <a:pPr lvl="2"/>
             <a:r>
-              <a:rPr lang="es-ES_tradnl" smtClean="0"/>
+              <a:rPr lang="es-ES_tradnl"/>
               <a:t>Tercer nivel</a:t>
             </a:r>
           </a:p>
           <a:p>
             <a:pPr lvl="3"/>
             <a:r>
-              <a:rPr lang="es-ES_tradnl" smtClean="0"/>
+              <a:rPr lang="es-ES_tradnl"/>
               <a:t>Cuarto nivel</a:t>
             </a:r>
           </a:p>
           <a:p>
             <a:pPr lvl="4"/>
             <a:r>
-              <a:rPr lang="es-ES_tradnl" smtClean="0"/>
+              <a:rPr lang="es-ES_tradnl"/>
               <a:t>Quinto nivel</a:t>
             </a:r>
             <a:endParaRPr lang="en-US" dirty="0"/>
@@ -4293,35 +4303,35 @@
           <a:p>
             <a:pPr lvl="0"/>
             <a:r>
-              <a:rPr lang="es-ES_tradnl" smtClean="0"/>
+              <a:rPr lang="es-ES_tradnl"/>
               <a:t>Haga clic para modificar los estilos de texto del patrón</a:t>
             </a:r>
           </a:p>
           <a:p>
             <a:pPr lvl="1"/>
             <a:r>
-              <a:rPr lang="es-ES_tradnl" smtClean="0"/>
+              <a:rPr lang="es-ES_tradnl"/>
               <a:t>Segundo nivel</a:t>
             </a:r>
           </a:p>
           <a:p>
             <a:pPr lvl="2"/>
             <a:r>
-              <a:rPr lang="es-ES_tradnl" smtClean="0"/>
+              <a:rPr lang="es-ES_tradnl"/>
               <a:t>Tercer nivel</a:t>
             </a:r>
           </a:p>
           <a:p>
             <a:pPr lvl="3"/>
             <a:r>
-              <a:rPr lang="es-ES_tradnl" smtClean="0"/>
+              <a:rPr lang="es-ES_tradnl"/>
               <a:t>Cuarto nivel</a:t>
             </a:r>
           </a:p>
           <a:p>
             <a:pPr lvl="4"/>
             <a:r>
-              <a:rPr lang="es-ES_tradnl" smtClean="0"/>
+              <a:rPr lang="es-ES_tradnl"/>
               <a:t>Quinto nivel</a:t>
             </a:r>
             <a:endParaRPr lang="en-US" dirty="0"/>
@@ -4389,7 +4399,7 @@
             <a:fld id="{D57F1E4F-1CFF-5643-939E-02111984F565}" type="slidenum">
               <a:rPr lang="en-US" dirty="0"/>
               <a:pPr/>
-              <a:t>‹#›</a:t>
+              <a:t>‹Nº›</a:t>
             </a:fld>
             <a:endParaRPr lang="en-US" dirty="0"/>
           </a:p>
@@ -4440,7 +4450,7 @@
           </a:lstStyle>
           <a:p>
             <a:r>
-              <a:rPr lang="es-ES_tradnl" smtClean="0"/>
+              <a:rPr lang="es-ES_tradnl"/>
               <a:t>Haga clic para modificar el estilo de título del patrón</a:t>
             </a:r>
             <a:endParaRPr lang="en-US" dirty="0"/>
@@ -4515,7 +4525,7 @@
           <a:p>
             <a:pPr lvl="0"/>
             <a:r>
-              <a:rPr lang="es-ES_tradnl" smtClean="0"/>
+              <a:rPr lang="es-ES_tradnl"/>
               <a:t>Haga clic para modificar los estilos de texto del patrón</a:t>
             </a:r>
           </a:p>
@@ -4573,35 +4583,35 @@
           <a:p>
             <a:pPr lvl="0"/>
             <a:r>
-              <a:rPr lang="es-ES_tradnl" smtClean="0"/>
+              <a:rPr lang="es-ES_tradnl"/>
               <a:t>Haga clic para modificar los estilos de texto del patrón</a:t>
             </a:r>
           </a:p>
           <a:p>
             <a:pPr lvl="1"/>
             <a:r>
-              <a:rPr lang="es-ES_tradnl" smtClean="0"/>
+              <a:rPr lang="es-ES_tradnl"/>
               <a:t>Segundo nivel</a:t>
             </a:r>
           </a:p>
           <a:p>
             <a:pPr lvl="2"/>
             <a:r>
-              <a:rPr lang="es-ES_tradnl" smtClean="0"/>
+              <a:rPr lang="es-ES_tradnl"/>
               <a:t>Tercer nivel</a:t>
             </a:r>
           </a:p>
           <a:p>
             <a:pPr lvl="3"/>
             <a:r>
-              <a:rPr lang="es-ES_tradnl" smtClean="0"/>
+              <a:rPr lang="es-ES_tradnl"/>
               <a:t>Cuarto nivel</a:t>
             </a:r>
           </a:p>
           <a:p>
             <a:pPr lvl="4"/>
             <a:r>
-              <a:rPr lang="es-ES_tradnl" smtClean="0"/>
+              <a:rPr lang="es-ES_tradnl"/>
               <a:t>Quinto nivel</a:t>
             </a:r>
             <a:endParaRPr lang="en-US" dirty="0"/>
@@ -4676,7 +4686,7 @@
           <a:p>
             <a:pPr lvl="0"/>
             <a:r>
-              <a:rPr lang="es-ES_tradnl" smtClean="0"/>
+              <a:rPr lang="es-ES_tradnl"/>
               <a:t>Haga clic para modificar los estilos de texto del patrón</a:t>
             </a:r>
           </a:p>
@@ -4734,35 +4744,35 @@
           <a:p>
             <a:pPr lvl="0"/>
             <a:r>
-              <a:rPr lang="es-ES_tradnl" smtClean="0"/>
+              <a:rPr lang="es-ES_tradnl"/>
               <a:t>Haga clic para modificar los estilos de texto del patrón</a:t>
             </a:r>
           </a:p>
           <a:p>
             <a:pPr lvl="1"/>
             <a:r>
-              <a:rPr lang="es-ES_tradnl" smtClean="0"/>
+              <a:rPr lang="es-ES_tradnl"/>
               <a:t>Segundo nivel</a:t>
             </a:r>
           </a:p>
           <a:p>
             <a:pPr lvl="2"/>
             <a:r>
-              <a:rPr lang="es-ES_tradnl" smtClean="0"/>
+              <a:rPr lang="es-ES_tradnl"/>
               <a:t>Tercer nivel</a:t>
             </a:r>
           </a:p>
           <a:p>
             <a:pPr lvl="3"/>
             <a:r>
-              <a:rPr lang="es-ES_tradnl" smtClean="0"/>
+              <a:rPr lang="es-ES_tradnl"/>
               <a:t>Cuarto nivel</a:t>
             </a:r>
           </a:p>
           <a:p>
             <a:pPr lvl="4"/>
             <a:r>
-              <a:rPr lang="es-ES_tradnl" smtClean="0"/>
+              <a:rPr lang="es-ES_tradnl"/>
               <a:t>Quinto nivel</a:t>
             </a:r>
             <a:endParaRPr lang="en-US" dirty="0"/>
@@ -4830,7 +4840,7 @@
             <a:fld id="{D57F1E4F-1CFF-5643-939E-02111984F565}" type="slidenum">
               <a:rPr lang="en-US" dirty="0"/>
               <a:pPr/>
-              <a:t>‹#›</a:t>
+              <a:t>‹Nº›</a:t>
             </a:fld>
             <a:endParaRPr lang="en-US" dirty="0"/>
           </a:p>
@@ -4877,7 +4887,7 @@
           <a:lstStyle/>
           <a:p>
             <a:r>
-              <a:rPr lang="es-ES_tradnl" smtClean="0"/>
+              <a:rPr lang="es-ES_tradnl"/>
               <a:t>Haga clic para modificar el estilo de título del patrón</a:t>
             </a:r>
             <a:endParaRPr lang="en-US" dirty="0"/>
@@ -4945,7 +4955,7 @@
             <a:fld id="{D57F1E4F-1CFF-5643-939E-02111984F565}" type="slidenum">
               <a:rPr lang="en-US" dirty="0"/>
               <a:pPr/>
-              <a:t>‹#›</a:t>
+              <a:t>‹Nº›</a:t>
             </a:fld>
             <a:endParaRPr lang="en-US" dirty="0"/>
           </a:p>
@@ -5037,7 +5047,7 @@
             <a:fld id="{D57F1E4F-1CFF-5643-939E-02111984F565}" type="slidenum">
               <a:rPr lang="en-US" dirty="0"/>
               <a:pPr/>
-              <a:t>‹#›</a:t>
+              <a:t>‹Nº›</a:t>
             </a:fld>
             <a:endParaRPr lang="en-US" dirty="0"/>
           </a:p>
@@ -5093,7 +5103,7 @@
           </a:lstStyle>
           <a:p>
             <a:r>
-              <a:rPr lang="es-ES_tradnl" smtClean="0"/>
+              <a:rPr lang="es-ES_tradnl"/>
               <a:t>Haga clic para modificar el estilo de título del patrón</a:t>
             </a:r>
             <a:endParaRPr lang="en-US" dirty="0"/>
@@ -5152,35 +5162,35 @@
           <a:p>
             <a:pPr lvl="0"/>
             <a:r>
-              <a:rPr lang="es-ES_tradnl" smtClean="0"/>
+              <a:rPr lang="es-ES_tradnl"/>
               <a:t>Haga clic para modificar los estilos de texto del patrón</a:t>
             </a:r>
           </a:p>
           <a:p>
             <a:pPr lvl="1"/>
             <a:r>
-              <a:rPr lang="es-ES_tradnl" smtClean="0"/>
+              <a:rPr lang="es-ES_tradnl"/>
               <a:t>Segundo nivel</a:t>
             </a:r>
           </a:p>
           <a:p>
             <a:pPr lvl="2"/>
             <a:r>
-              <a:rPr lang="es-ES_tradnl" smtClean="0"/>
+              <a:rPr lang="es-ES_tradnl"/>
               <a:t>Tercer nivel</a:t>
             </a:r>
           </a:p>
           <a:p>
             <a:pPr lvl="3"/>
             <a:r>
-              <a:rPr lang="es-ES_tradnl" smtClean="0"/>
+              <a:rPr lang="es-ES_tradnl"/>
               <a:t>Cuarto nivel</a:t>
             </a:r>
           </a:p>
           <a:p>
             <a:pPr lvl="4"/>
             <a:r>
-              <a:rPr lang="es-ES_tradnl" smtClean="0"/>
+              <a:rPr lang="es-ES_tradnl"/>
               <a:t>Quinto nivel</a:t>
             </a:r>
             <a:endParaRPr lang="en-US" dirty="0"/>
@@ -5246,7 +5256,7 @@
           <a:p>
             <a:pPr lvl="0"/>
             <a:r>
-              <a:rPr lang="es-ES_tradnl" smtClean="0"/>
+              <a:rPr lang="es-ES_tradnl"/>
               <a:t>Haga clic para modificar los estilos de texto del patrón</a:t>
             </a:r>
           </a:p>
@@ -5313,7 +5323,7 @@
             <a:fld id="{D57F1E4F-1CFF-5643-939E-02111984F565}" type="slidenum">
               <a:rPr lang="en-US" dirty="0"/>
               <a:pPr/>
-              <a:t>‹#›</a:t>
+              <a:t>‹Nº›</a:t>
             </a:fld>
             <a:endParaRPr lang="en-US" dirty="0"/>
           </a:p>
@@ -5371,7 +5381,7 @@
           </a:lstStyle>
           <a:p>
             <a:r>
-              <a:rPr lang="es-ES_tradnl" smtClean="0"/>
+              <a:rPr lang="es-ES_tradnl"/>
               <a:t>Haga clic para modificar el estilo de título del patrón</a:t>
             </a:r>
             <a:endParaRPr lang="en-US" dirty="0"/>
@@ -5450,7 +5460,7 @@
           </a:lstStyle>
           <a:p>
             <a:r>
-              <a:rPr lang="es-ES_tradnl" smtClean="0"/>
+              <a:rPr lang="es-ES_tradnl"/>
               <a:t>Arrastre la imagen al marcador de posición o haga clic en el icono para agregarla</a:t>
             </a:r>
             <a:endParaRPr lang="en-US" dirty="0"/>
@@ -5518,7 +5528,7 @@
           <a:p>
             <a:pPr lvl="0"/>
             <a:r>
-              <a:rPr lang="es-ES_tradnl" smtClean="0"/>
+              <a:rPr lang="es-ES_tradnl"/>
               <a:t>Haga clic para modificar los estilos de texto del patrón</a:t>
             </a:r>
           </a:p>
@@ -5585,7 +5595,7 @@
             <a:fld id="{D57F1E4F-1CFF-5643-939E-02111984F565}" type="slidenum">
               <a:rPr lang="en-US" dirty="0"/>
               <a:pPr/>
-              <a:t>‹#›</a:t>
+              <a:t>‹Nº›</a:t>
             </a:fld>
             <a:endParaRPr lang="en-US" dirty="0"/>
           </a:p>
@@ -5633,7 +5643,7 @@
           <a:blip r:embed="rId19">
             <a:extLst>
               <a:ext uri="{28A0092B-C50C-407E-A947-70E740481C1C}">
-                <a14:useLocalDpi xmlns:a14="http://schemas.microsoft.com/office/drawing/2010/main" xmlns="" val="0"/>
+                <a14:useLocalDpi xmlns:a14="http://schemas.microsoft.com/office/drawing/2010/main" val="0"/>
               </a:ext>
             </a:extLst>
           </a:blip>
@@ -5662,7 +5672,7 @@
           <a:blip r:embed="rId20">
             <a:extLst>
               <a:ext uri="{28A0092B-C50C-407E-A947-70E740481C1C}">
-                <a14:useLocalDpi xmlns:a14="http://schemas.microsoft.com/office/drawing/2010/main" xmlns="" val="0"/>
+                <a14:useLocalDpi xmlns:a14="http://schemas.microsoft.com/office/drawing/2010/main" val="0"/>
               </a:ext>
             </a:extLst>
           </a:blip>
@@ -5754,7 +5764,7 @@
           <a:blip r:embed="rId21">
             <a:extLst>
               <a:ext uri="{28A0092B-C50C-407E-A947-70E740481C1C}">
-                <a14:useLocalDpi xmlns:a14="http://schemas.microsoft.com/office/drawing/2010/main" xmlns="" val="0"/>
+                <a14:useLocalDpi xmlns:a14="http://schemas.microsoft.com/office/drawing/2010/main" val="0"/>
               </a:ext>
             </a:extLst>
           </a:blip>
@@ -5783,7 +5793,7 @@
           <a:blip r:embed="rId22">
             <a:extLst>
               <a:ext uri="{28A0092B-C50C-407E-A947-70E740481C1C}">
-                <a14:useLocalDpi xmlns:a14="http://schemas.microsoft.com/office/drawing/2010/main" xmlns="" val="0"/>
+                <a14:useLocalDpi xmlns:a14="http://schemas.microsoft.com/office/drawing/2010/main" val="0"/>
               </a:ext>
             </a:extLst>
           </a:blip>
@@ -5862,7 +5872,7 @@
           <a:lstStyle/>
           <a:p>
             <a:r>
-              <a:rPr lang="es-ES_tradnl" smtClean="0"/>
+              <a:rPr lang="es-ES_tradnl"/>
               <a:t>Haga clic para modificar el estilo de título del patrón</a:t>
             </a:r>
             <a:endParaRPr lang="en-US" dirty="0"/>
@@ -5896,35 +5906,35 @@
           <a:p>
             <a:pPr lvl="0"/>
             <a:r>
-              <a:rPr lang="es-ES_tradnl" smtClean="0"/>
+              <a:rPr lang="es-ES_tradnl"/>
               <a:t>Haga clic para modificar los estilos de texto del patrón</a:t>
             </a:r>
           </a:p>
           <a:p>
             <a:pPr lvl="1"/>
             <a:r>
-              <a:rPr lang="es-ES_tradnl" smtClean="0"/>
+              <a:rPr lang="es-ES_tradnl"/>
               <a:t>Segundo nivel</a:t>
             </a:r>
           </a:p>
           <a:p>
             <a:pPr lvl="2"/>
             <a:r>
-              <a:rPr lang="es-ES_tradnl" smtClean="0"/>
+              <a:rPr lang="es-ES_tradnl"/>
               <a:t>Tercer nivel</a:t>
             </a:r>
           </a:p>
           <a:p>
             <a:pPr lvl="3"/>
             <a:r>
-              <a:rPr lang="es-ES_tradnl" smtClean="0"/>
+              <a:rPr lang="es-ES_tradnl"/>
               <a:t>Cuarto nivel</a:t>
             </a:r>
           </a:p>
           <a:p>
             <a:pPr lvl="4"/>
             <a:r>
-              <a:rPr lang="es-ES_tradnl" smtClean="0"/>
+              <a:rPr lang="es-ES_tradnl"/>
               <a:t>Quinto nivel</a:t>
             </a:r>
             <a:endParaRPr lang="en-US" dirty="0"/>
@@ -6048,7 +6058,7 @@
             <a:fld id="{D57F1E4F-1CFF-5643-939E-02111984F565}" type="slidenum">
               <a:rPr lang="en-US" dirty="0"/>
               <a:pPr/>
-              <a:t>‹#›</a:t>
+              <a:t>‹Nº›</a:t>
             </a:fld>
             <a:endParaRPr lang="en-US" dirty="0"/>
           </a:p>
@@ -6515,14 +6525,13 @@
           <a:p>
             <a:pPr algn="ctr"/>
             <a:r>
-              <a:rPr lang="es-ES_tradnl" sz="5400" b="1" dirty="0" smtClean="0"/>
+              <a:rPr lang="es-ES_tradnl" sz="5400" b="1" dirty="0"/>
               <a:t>LABORATORIO DE INGENIERIA DE SOFTWARE: </a:t>
             </a:r>
             <a:r>
-              <a:rPr lang="es-ES_tradnl" sz="4800" dirty="0" smtClean="0"/>
+              <a:rPr lang="es-ES_tradnl" sz="4800" dirty="0"/>
               <a:t>APLICACIÓN DE GESTIÓN DE METODOLOGÍA SCRUM</a:t>
             </a:r>
-            <a:endParaRPr lang="es-ES_tradnl" sz="4800" dirty="0"/>
           </a:p>
         </p:txBody>
       </p:sp>
@@ -6549,54 +6558,46 @@
           <a:lstStyle/>
           <a:p>
             <a:r>
-              <a:rPr lang="es-ES_tradnl" dirty="0" smtClean="0"/>
+              <a:rPr lang="es-ES_tradnl" dirty="0"/>
               <a:t>VICTOR MANUEL BUENDÍA EGEA </a:t>
             </a:r>
           </a:p>
           <a:p>
             <a:r>
-              <a:rPr lang="es-ES_tradnl" dirty="0" smtClean="0"/>
+              <a:rPr lang="es-ES_tradnl" dirty="0"/>
               <a:t>JUAN JOSE CONESA HERNÁNDEZ</a:t>
             </a:r>
           </a:p>
           <a:p>
             <a:r>
-              <a:rPr lang="es-ES_tradnl" dirty="0" smtClean="0"/>
-              <a:t>RAUL </a:t>
-            </a:r>
-          </a:p>
-          <a:p>
-            <a:r>
-              <a:rPr lang="es-ES_tradnl" dirty="0" smtClean="0"/>
+              <a:rPr lang="es-ES_tradnl" dirty="0"/>
+              <a:t>Raúl NAVARRO López de hierro </a:t>
+            </a:r>
+          </a:p>
+          <a:p>
+            <a:r>
+              <a:rPr lang="es-ES_tradnl" dirty="0"/>
               <a:t>PABLO</a:t>
             </a:r>
           </a:p>
           <a:p>
             <a:r>
-              <a:rPr lang="es-ES_tradnl" dirty="0" smtClean="0"/>
+              <a:rPr lang="es-ES_tradnl" dirty="0"/>
               <a:t>RODRIGO</a:t>
             </a:r>
-            <a:endParaRPr lang="es-ES_tradnl" dirty="0"/>
           </a:p>
         </p:txBody>
       </p:sp>
     </p:spTree>
     <p:extLst>
       <p:ext uri="{BB962C8B-B14F-4D97-AF65-F5344CB8AC3E}">
-        <p14:creationId xmlns:p14="http://schemas.microsoft.com/office/powerpoint/2010/main" xmlns="" val="700725420"/>
+        <p14:creationId xmlns:p14="http://schemas.microsoft.com/office/powerpoint/2010/main" val="700725420"/>
       </p:ext>
     </p:extLst>
   </p:cSld>
   <p:clrMapOvr>
     <a:masterClrMapping/>
   </p:clrMapOvr>
-  <p:timing>
-    <p:tnLst>
-      <p:par>
-        <p:cTn id="1" dur="indefinite" restart="never" nodeType="tmRoot"/>
-      </p:par>
-    </p:tnLst>
-  </p:timing>
 </p:sld>
 </file>
 
@@ -6639,10 +6640,9 @@
           <a:p>
             <a:pPr algn="ctr"/>
             <a:r>
-              <a:rPr lang="es-ES_tradnl" dirty="0" smtClean="0"/>
+              <a:rPr lang="es-ES_tradnl" dirty="0"/>
               <a:t>SERVIDOR</a:t>
             </a:r>
-            <a:endParaRPr lang="es-ES_tradnl" dirty="0"/>
           </a:p>
         </p:txBody>
       </p:sp>
@@ -6686,20 +6686,8 @@
               <a:defRPr/>
             </a:pPr>
             <a:r>
-              <a:rPr lang="es-ES" dirty="0" smtClean="0"/>
-              <a:t>Pero cuando ejecutamos la función explicada anteriormente como ejemplo en el </a:t>
-            </a:r>
-            <a:r>
-              <a:rPr lang="es-ES" dirty="0" smtClean="0"/>
-              <a:t>cliente, </a:t>
-            </a:r>
-            <a:r>
               <a:rPr lang="es-ES" dirty="0"/>
-              <a:t>¿</a:t>
-            </a:r>
-            <a:r>
-              <a:rPr lang="es-ES" dirty="0" smtClean="0"/>
-              <a:t>Qué es lo que le llega al servidor?</a:t>
+              <a:t>Pero cuando ejecutamos la función explicada anteriormente como ejemplo en el cliente, ¿Qué es lo que le llega al servidor?</a:t>
             </a:r>
           </a:p>
           <a:p>
@@ -6741,15 +6729,15 @@
               <a:defRPr/>
             </a:pPr>
             <a:r>
-              <a:rPr lang="es-ES" dirty="0" smtClean="0"/>
+              <a:rPr lang="es-ES" dirty="0"/>
               <a:t>Pues llega un HTTP GET a la </a:t>
             </a:r>
             <a:r>
-              <a:rPr lang="es-ES" dirty="0" err="1" smtClean="0"/>
+              <a:rPr lang="es-ES" dirty="0" err="1"/>
               <a:t>url</a:t>
             </a:r>
             <a:r>
-              <a:rPr lang="es-ES" dirty="0" smtClean="0"/>
+              <a:rPr lang="es-ES" dirty="0"/>
               <a:t>.</a:t>
             </a:r>
           </a:p>
@@ -6792,7 +6780,7 @@
               <a:defRPr/>
             </a:pPr>
             <a:r>
-              <a:rPr lang="es-ES" dirty="0" smtClean="0"/>
+              <a:rPr lang="es-ES" dirty="0"/>
               <a:t>El servidor va a reconocer la petición gracias a:</a:t>
             </a:r>
           </a:p>
@@ -6834,7 +6822,7 @@
               <a:tabLst/>
               <a:defRPr/>
             </a:pPr>
-            <a:endParaRPr lang="es-ES" dirty="0" smtClean="0"/>
+            <a:endParaRPr lang="es-ES" dirty="0"/>
           </a:p>
           <a:p>
             <a:pPr marL="0" marR="0" lvl="0" indent="0" defTabSz="914400" eaLnBrk="1" fontAlgn="auto" latinLnBrk="0" hangingPunct="1">
@@ -6875,47 +6863,47 @@
               <a:defRPr/>
             </a:pPr>
             <a:r>
-              <a:rPr lang="es-ES" b="0" dirty="0" smtClean="0"/>
+              <a:rPr lang="es-ES" b="0" dirty="0"/>
               <a:t>Teniendo en cuenta que :estado es un parámetro que incluye un dato en la </a:t>
             </a:r>
             <a:r>
-              <a:rPr lang="es-ES" b="0" dirty="0" err="1" smtClean="0"/>
+              <a:rPr lang="es-ES" b="0" dirty="0" err="1"/>
               <a:t>url</a:t>
             </a:r>
             <a:r>
-              <a:rPr lang="es-ES" b="0" dirty="0" smtClean="0"/>
+              <a:rPr lang="es-ES" b="0" dirty="0"/>
               <a:t>. Tras esto la función </a:t>
             </a:r>
             <a:r>
-              <a:rPr lang="es-ES" b="0" dirty="0" err="1" smtClean="0"/>
+              <a:rPr lang="es-ES" b="0" dirty="0" err="1"/>
               <a:t>getUserHistorySprint</a:t>
             </a:r>
             <a:r>
-              <a:rPr lang="es-ES" b="0" dirty="0" smtClean="0"/>
+              <a:rPr lang="es-ES" b="0" dirty="0"/>
               <a:t> lanza una consulta a la base de datos usando el parámetro estado de la </a:t>
             </a:r>
             <a:r>
-              <a:rPr lang="es-ES" b="0" dirty="0" err="1" smtClean="0"/>
+              <a:rPr lang="es-ES" b="0" dirty="0" err="1"/>
               <a:t>url</a:t>
             </a:r>
             <a:r>
-              <a:rPr lang="es-ES" b="0" dirty="0" smtClean="0"/>
+              <a:rPr lang="es-ES" b="0" dirty="0"/>
               <a:t> y lo que la base de datos devuelve se guarda en </a:t>
             </a:r>
             <a:r>
-              <a:rPr lang="es-ES" b="0" dirty="0" err="1" smtClean="0"/>
+              <a:rPr lang="es-ES" b="0" dirty="0" err="1"/>
               <a:t>result</a:t>
             </a:r>
             <a:r>
-              <a:rPr lang="es-ES" b="0" dirty="0" smtClean="0"/>
+              <a:rPr lang="es-ES" b="0" dirty="0"/>
               <a:t>, tras esto si es correcto se devuelve un código 200 y un </a:t>
             </a:r>
             <a:r>
-              <a:rPr lang="es-ES" b="0" dirty="0" err="1" smtClean="0"/>
+              <a:rPr lang="es-ES" b="0" dirty="0" err="1"/>
               <a:t>json</a:t>
             </a:r>
             <a:r>
-              <a:rPr lang="es-ES" b="0" dirty="0" smtClean="0"/>
+              <a:rPr lang="es-ES" b="0" dirty="0"/>
               <a:t> con (foto) que es el resultado.</a:t>
             </a:r>
           </a:p>
@@ -6948,20 +6936,13 @@
     </p:spTree>
     <p:extLst>
       <p:ext uri="{BB962C8B-B14F-4D97-AF65-F5344CB8AC3E}">
-        <p14:creationId xmlns:p14="http://schemas.microsoft.com/office/powerpoint/2010/main" xmlns="" val="945972388"/>
+        <p14:creationId xmlns:p14="http://schemas.microsoft.com/office/powerpoint/2010/main" val="945972388"/>
       </p:ext>
     </p:extLst>
   </p:cSld>
   <p:clrMapOvr>
     <a:masterClrMapping/>
   </p:clrMapOvr>
-  <p:timing>
-    <p:tnLst>
-      <p:par>
-        <p:cTn id="1" dur="indefinite" restart="never" nodeType="tmRoot"/>
-      </p:par>
-    </p:tnLst>
-  </p:timing>
 </p:sld>
 </file>
 
@@ -7004,10 +6985,9 @@
           <a:p>
             <a:pPr algn="ctr"/>
             <a:r>
-              <a:rPr lang="es-ES_tradnl" smtClean="0"/>
+              <a:rPr lang="es-ES_tradnl"/>
               <a:t>SERVIDOR</a:t>
             </a:r>
-            <a:endParaRPr lang="es-ES_tradnl"/>
           </a:p>
         </p:txBody>
       </p:sp>
@@ -7068,7 +7048,7 @@
               <a:tabLst/>
               <a:defRPr/>
             </a:pPr>
-            <a:endParaRPr lang="es-ES_tradnl" dirty="0" smtClean="0"/>
+            <a:endParaRPr lang="es-ES_tradnl" dirty="0"/>
           </a:p>
           <a:p>
             <a:pPr marL="0" marR="0" lvl="0" indent="0" defTabSz="914400" eaLnBrk="1" fontAlgn="auto" latinLnBrk="0" hangingPunct="1">
@@ -7108,7 +7088,7 @@
               <a:tabLst/>
               <a:defRPr/>
             </a:pPr>
-            <a:endParaRPr lang="es-ES_tradnl" dirty="0" smtClean="0"/>
+            <a:endParaRPr lang="es-ES_tradnl" dirty="0"/>
           </a:p>
         </p:txBody>
       </p:sp>
@@ -7139,20 +7119,13 @@
     </p:spTree>
     <p:extLst>
       <p:ext uri="{BB962C8B-B14F-4D97-AF65-F5344CB8AC3E}">
-        <p14:creationId xmlns:p14="http://schemas.microsoft.com/office/powerpoint/2010/main" xmlns="" val="1144283665"/>
+        <p14:creationId xmlns:p14="http://schemas.microsoft.com/office/powerpoint/2010/main" val="1144283665"/>
       </p:ext>
     </p:extLst>
   </p:cSld>
   <p:clrMapOvr>
     <a:masterClrMapping/>
   </p:clrMapOvr>
-  <p:timing>
-    <p:tnLst>
-      <p:par>
-        <p:cTn id="1" dur="indefinite" restart="never" nodeType="tmRoot"/>
-      </p:par>
-    </p:tnLst>
-  </p:timing>
 </p:sld>
 </file>
 
@@ -7195,7 +7168,7 @@
           <a:p>
             <a:pPr algn="ctr"/>
             <a:r>
-              <a:rPr lang="es-ES_tradnl" dirty="0" smtClean="0"/>
+              <a:rPr lang="es-ES_tradnl" dirty="0"/>
               <a:t>SERVIDOR</a:t>
             </a:r>
             <a:endParaRPr lang="es-ES" dirty="0"/>
@@ -7253,7 +7226,6 @@
               <a:rPr lang="es-ES_tradnl" dirty="0"/>
               <a:t>), y así el HTML se actualizará con los datos obtenidos para ser mostrados al usuario. </a:t>
             </a:r>
-            <a:endParaRPr lang="es-ES_tradnl" dirty="0" smtClean="0"/>
           </a:p>
           <a:p>
             <a:pPr marL="0" lvl="0" indent="0" defTabSz="914400">
@@ -7265,7 +7237,7 @@
               <a:buNone/>
               <a:defRPr/>
             </a:pPr>
-            <a:endParaRPr lang="es-ES_tradnl" dirty="0" smtClean="0"/>
+            <a:endParaRPr lang="es-ES_tradnl" dirty="0"/>
           </a:p>
           <a:p>
             <a:pPr marL="0" lvl="0" indent="0" defTabSz="914400">
@@ -7278,35 +7250,78 @@
               <a:defRPr/>
             </a:pPr>
             <a:r>
-              <a:rPr lang="es-ES_tradnl" dirty="0" smtClean="0"/>
-              <a:t>Aparte </a:t>
-            </a:r>
-            <a:r>
               <a:rPr lang="es-ES_tradnl" dirty="0"/>
-              <a:t>de esta función HTTP GET explicada se </a:t>
-            </a:r>
-            <a:r>
-              <a:rPr lang="es-ES_tradnl" dirty="0" smtClean="0"/>
-              <a:t>utilizan </a:t>
-            </a:r>
+              <a:t>Aparte de esta función HTTP GET explicada se utilizan más funciones según lo que se quiera hacer como:</a:t>
+            </a:r>
+          </a:p>
+          <a:p>
+            <a:pPr marL="0" lvl="0" indent="0" defTabSz="914400">
+              <a:spcBef>
+                <a:spcPts val="0"/>
+              </a:spcBef>
+              <a:buClrTx/>
+              <a:buSzTx/>
+              <a:buNone/>
+              <a:defRPr/>
+            </a:pPr>
+            <a:endParaRPr lang="es-ES_tradnl" dirty="0"/>
+          </a:p>
+          <a:p>
+            <a:pPr defTabSz="914400">
+              <a:spcBef>
+                <a:spcPts val="0"/>
+              </a:spcBef>
+              <a:buClrTx/>
+              <a:buSzTx/>
+            </a:pPr>
             <a:r>
               <a:rPr lang="es-ES_tradnl" dirty="0"/>
-              <a:t>más funciones según lo que se quiera hacer como</a:t>
-            </a:r>
-            <a:r>
-              <a:rPr lang="es-ES_tradnl" dirty="0" smtClean="0"/>
-              <a:t>:</a:t>
-            </a:r>
-          </a:p>
-          <a:p>
-            <a:pPr marL="0" lvl="0" indent="0" defTabSz="914400">
-              <a:spcBef>
-                <a:spcPts val="0"/>
-              </a:spcBef>
-              <a:buClrTx/>
-              <a:buSzTx/>
-              <a:buNone/>
-              <a:defRPr/>
+              <a:t>HTTP POST: por ejemplo, para que el </a:t>
+            </a:r>
+            <a:r>
+              <a:rPr lang="es-ES_tradnl" i="1" dirty="0" err="1"/>
+              <a:t>scrum</a:t>
+            </a:r>
+            <a:r>
+              <a:rPr lang="es-ES_tradnl" i="1" dirty="0"/>
+              <a:t> </a:t>
+            </a:r>
+            <a:r>
+              <a:rPr lang="es-ES_tradnl" i="1" dirty="0" err="1"/>
+              <a:t>master</a:t>
+            </a:r>
+            <a:r>
+              <a:rPr lang="es-ES_tradnl" i="1" dirty="0"/>
+              <a:t> </a:t>
+            </a:r>
+            <a:r>
+              <a:rPr lang="es-ES_tradnl" dirty="0"/>
+              <a:t>pueda crear nuevos </a:t>
+            </a:r>
+            <a:r>
+              <a:rPr lang="es-ES_tradnl" dirty="0" err="1"/>
+              <a:t>Sprints</a:t>
+            </a:r>
+            <a:r>
+              <a:rPr lang="es-ES_tradnl" dirty="0"/>
+              <a:t> e </a:t>
+            </a:r>
+            <a:r>
+              <a:rPr lang="es-ES_tradnl" dirty="0" err="1"/>
+              <a:t>Hiestorias</a:t>
+            </a:r>
+            <a:r>
+              <a:rPr lang="es-ES_tradnl" dirty="0"/>
+              <a:t> de usuario.</a:t>
+            </a:r>
+          </a:p>
+          <a:p>
+            <a:pPr defTabSz="914400">
+              <a:spcBef>
+                <a:spcPts val="0"/>
+              </a:spcBef>
+              <a:buClrTx/>
+              <a:buSzTx/>
             </a:pPr>
             <a:endParaRPr lang="es-ES_tradnl" dirty="0"/>
           </a:p>
@@ -7320,146 +7335,56 @@
             </a:pPr>
             <a:r>
               <a:rPr lang="es-ES_tradnl" dirty="0"/>
-              <a:t>HTTP POST: </a:t>
-            </a:r>
-            <a:r>
-              <a:rPr lang="es-ES_tradnl" dirty="0" smtClean="0"/>
-              <a:t>por ejemplo, para que el </a:t>
-            </a:r>
-            <a:r>
-              <a:rPr lang="es-ES_tradnl" i="1" dirty="0" err="1" smtClean="0"/>
+              <a:t>HTTP PUT: por ejemplo, para actualizar  el estado de las Historias de </a:t>
+            </a:r>
+            <a:r>
+              <a:rPr lang="es-ES_tradnl" dirty="0" err="1"/>
+              <a:t>usario</a:t>
+            </a:r>
+            <a:r>
+              <a:rPr lang="es-ES_tradnl" dirty="0"/>
+              <a:t> o cambiar el estado de un Sprint.</a:t>
+            </a:r>
+          </a:p>
+          <a:p>
+            <a:pPr defTabSz="914400">
+              <a:spcBef>
+                <a:spcPts val="0"/>
+              </a:spcBef>
+              <a:buClrTx/>
+              <a:buSzTx/>
+            </a:pPr>
+            <a:endParaRPr lang="es-ES_tradnl" dirty="0"/>
+          </a:p>
+          <a:p>
+            <a:r>
+              <a:rPr lang="es-ES_tradnl" dirty="0"/>
+              <a:t>HTTP DELETE: por ejemplo, para que el </a:t>
+            </a:r>
+            <a:r>
+              <a:rPr lang="es-ES_tradnl" dirty="0" err="1"/>
               <a:t>scrum</a:t>
             </a:r>
             <a:r>
-              <a:rPr lang="es-ES_tradnl" i="1" dirty="0" smtClean="0"/>
+              <a:rPr lang="es-ES_tradnl" dirty="0"/>
               <a:t> </a:t>
             </a:r>
             <a:r>
-              <a:rPr lang="es-ES_tradnl" i="1" dirty="0" err="1" smtClean="0"/>
+              <a:rPr lang="es-ES_tradnl" dirty="0" err="1"/>
               <a:t>master</a:t>
             </a:r>
             <a:r>
-              <a:rPr lang="es-ES_tradnl" i="1" dirty="0" smtClean="0"/>
-              <a:t> </a:t>
-            </a:r>
-            <a:r>
-              <a:rPr lang="es-ES_tradnl" dirty="0" smtClean="0"/>
-              <a:t>pueda crear nuevos </a:t>
-            </a:r>
-            <a:r>
-              <a:rPr lang="es-ES_tradnl" dirty="0" err="1" smtClean="0"/>
-              <a:t>Sprints</a:t>
-            </a:r>
-            <a:r>
-              <a:rPr lang="es-ES_tradnl" dirty="0" smtClean="0"/>
-              <a:t> e </a:t>
-            </a:r>
-            <a:r>
-              <a:rPr lang="es-ES_tradnl" dirty="0" err="1" smtClean="0"/>
-              <a:t>Hiestorias</a:t>
-            </a:r>
-            <a:r>
-              <a:rPr lang="es-ES_tradnl" dirty="0" smtClean="0"/>
-              <a:t> de usuario.</a:t>
-            </a:r>
-            <a:endParaRPr lang="es-ES_tradnl" dirty="0"/>
-          </a:p>
-          <a:p>
-            <a:pPr defTabSz="914400">
-              <a:spcBef>
-                <a:spcPts val="0"/>
-              </a:spcBef>
-              <a:buClrTx/>
-              <a:buSzTx/>
-            </a:pPr>
-            <a:endParaRPr lang="es-ES_tradnl" dirty="0"/>
-          </a:p>
-          <a:p>
-            <a:pPr defTabSz="914400">
-              <a:spcBef>
-                <a:spcPts val="0"/>
-              </a:spcBef>
-              <a:buClrTx/>
-              <a:buSzTx/>
-            </a:pPr>
-            <a:r>
               <a:rPr lang="es-ES_tradnl" dirty="0"/>
-              <a:t>HTTP PUT: </a:t>
-            </a:r>
-            <a:r>
-              <a:rPr lang="es-ES_tradnl" dirty="0" smtClean="0"/>
-              <a:t>por ejemplo, p</a:t>
-            </a:r>
-            <a:r>
-              <a:rPr lang="es-ES_tradnl" dirty="0" smtClean="0"/>
-              <a:t>ara actualizar  el estado de las Historias de </a:t>
-            </a:r>
-            <a:r>
-              <a:rPr lang="es-ES_tradnl" dirty="0" err="1" smtClean="0"/>
-              <a:t>usario</a:t>
-            </a:r>
-            <a:r>
-              <a:rPr lang="es-ES_tradnl" dirty="0" smtClean="0"/>
-              <a:t> o cambiar el estado de un Sprint.</a:t>
-            </a:r>
-            <a:endParaRPr lang="es-ES_tradnl" dirty="0"/>
-          </a:p>
-          <a:p>
-            <a:pPr defTabSz="914400">
-              <a:spcBef>
-                <a:spcPts val="0"/>
-              </a:spcBef>
-              <a:buClrTx/>
-              <a:buSzTx/>
-            </a:pPr>
-            <a:endParaRPr lang="es-ES_tradnl" dirty="0"/>
-          </a:p>
-          <a:p>
+              <a:t> pueda </a:t>
+            </a:r>
+            <a:r>
+              <a:rPr lang="es-ES" dirty="0"/>
+              <a:t>eliminar Historias de Usuario, en caso de que se decida que la Historia en concreto es muy grande o ya no es necesaria</a:t>
+            </a:r>
             <a:r>
               <a:rPr lang="es-ES_tradnl" dirty="0"/>
-              <a:t>HTTP DELETE: </a:t>
-            </a:r>
-            <a:r>
-              <a:rPr lang="es-ES_tradnl" dirty="0" smtClean="0"/>
-              <a:t>por ejemplo, para que el </a:t>
-            </a:r>
-            <a:r>
-              <a:rPr lang="es-ES_tradnl" dirty="0" err="1" smtClean="0"/>
-              <a:t>scrum</a:t>
-            </a:r>
-            <a:r>
-              <a:rPr lang="es-ES_tradnl" dirty="0" smtClean="0"/>
-              <a:t> </a:t>
-            </a:r>
-            <a:r>
-              <a:rPr lang="es-ES_tradnl" dirty="0" err="1" smtClean="0"/>
-              <a:t>master</a:t>
-            </a:r>
-            <a:r>
-              <a:rPr lang="es-ES_tradnl" dirty="0" smtClean="0"/>
-              <a:t> pueda </a:t>
-            </a:r>
-            <a:r>
-              <a:rPr lang="es-ES" dirty="0" smtClean="0"/>
-              <a:t>eliminar </a:t>
-            </a:r>
-            <a:r>
-              <a:rPr lang="es-ES" dirty="0" smtClean="0"/>
-              <a:t>Historias de Usuario, en caso de que se decida que la </a:t>
-            </a:r>
-            <a:r>
-              <a:rPr lang="es-ES" dirty="0" smtClean="0"/>
-              <a:t>Historia en </a:t>
-            </a:r>
-            <a:r>
-              <a:rPr lang="es-ES" dirty="0" smtClean="0"/>
-              <a:t>concreto es muy grande o ya no es necesaria</a:t>
-            </a:r>
-            <a:r>
-              <a:rPr lang="es-ES_tradnl" dirty="0" smtClean="0"/>
               <a:t>.</a:t>
             </a:r>
-            <a:endParaRPr lang="es-ES_tradnl" dirty="0"/>
           </a:p>
           <a:p>
             <a:pPr marL="0" indent="0">
@@ -7472,7 +7397,7 @@
     </p:spTree>
     <p:extLst>
       <p:ext uri="{BB962C8B-B14F-4D97-AF65-F5344CB8AC3E}">
-        <p14:creationId xmlns:p14="http://schemas.microsoft.com/office/powerpoint/2010/main" xmlns="" val="3381115937"/>
+        <p14:creationId xmlns:p14="http://schemas.microsoft.com/office/powerpoint/2010/main" val="3381115937"/>
       </p:ext>
     </p:extLst>
   </p:cSld>
@@ -7521,10 +7446,9 @@
           <a:p>
             <a:pPr algn="ctr"/>
             <a:r>
-              <a:rPr lang="es-ES_tradnl" smtClean="0"/>
+              <a:rPr lang="es-ES_tradnl"/>
               <a:t>SERVIDOR</a:t>
             </a:r>
-            <a:endParaRPr lang="es-ES_tradnl"/>
           </a:p>
         </p:txBody>
       </p:sp>
@@ -7566,23 +7490,15 @@
               <a:defRPr/>
             </a:pPr>
             <a:r>
-              <a:rPr lang="es-ES_tradnl" dirty="0" smtClean="0"/>
-              <a:t>Para el </a:t>
-            </a:r>
-            <a:r>
-              <a:rPr lang="es-ES_tradnl" dirty="0" smtClean="0"/>
-              <a:t>envió </a:t>
-            </a:r>
-            <a:r>
-              <a:rPr lang="es-ES_tradnl" dirty="0" smtClean="0"/>
-              <a:t>de datos por parte del cliente se incluye en el (</a:t>
-            </a:r>
-            <a:r>
-              <a:rPr lang="es-ES_tradnl" dirty="0" err="1" smtClean="0"/>
+              <a:rPr lang="es-ES_tradnl" dirty="0"/>
+              <a:t>Para el envió de datos por parte del cliente se incluye en el (</a:t>
+            </a:r>
+            <a:r>
+              <a:rPr lang="es-ES_tradnl" dirty="0" err="1"/>
               <a:t>body</a:t>
             </a:r>
             <a:r>
-              <a:rPr lang="es-ES_tradnl" dirty="0" smtClean="0"/>
+              <a:rPr lang="es-ES_tradnl" dirty="0"/>
               <a:t>) de la petición:</a:t>
             </a:r>
           </a:p>
@@ -7655,20 +7571,13 @@
     </p:spTree>
     <p:extLst>
       <p:ext uri="{BB962C8B-B14F-4D97-AF65-F5344CB8AC3E}">
-        <p14:creationId xmlns:p14="http://schemas.microsoft.com/office/powerpoint/2010/main" xmlns="" val="1277510397"/>
+        <p14:creationId xmlns:p14="http://schemas.microsoft.com/office/powerpoint/2010/main" val="1277510397"/>
       </p:ext>
     </p:extLst>
   </p:cSld>
   <p:clrMapOvr>
     <a:masterClrMapping/>
   </p:clrMapOvr>
-  <p:timing>
-    <p:tnLst>
-      <p:par>
-        <p:cTn id="1" dur="indefinite" restart="never" nodeType="tmRoot"/>
-      </p:par>
-    </p:tnLst>
-  </p:timing>
 </p:sld>
 </file>
 
@@ -7711,7 +7620,7 @@
           <a:p>
             <a:pPr algn="ctr"/>
             <a:r>
-              <a:rPr lang="es-ES_tradnl" dirty="0" smtClean="0"/>
+              <a:rPr lang="es-ES_tradnl" dirty="0"/>
               <a:t>SERVIDOR</a:t>
             </a:r>
             <a:endParaRPr lang="es-ES" dirty="0"/>
@@ -7776,7 +7685,7 @@
               <a:buNone/>
               <a:defRPr/>
             </a:pPr>
-            <a:endParaRPr lang="es-ES_tradnl" dirty="0" smtClean="0"/>
+            <a:endParaRPr lang="es-ES_tradnl" dirty="0"/>
           </a:p>
           <a:p>
             <a:pPr marL="0" lvl="0" indent="0" defTabSz="914400">
@@ -7800,7 +7709,7 @@
               <a:buNone/>
               <a:defRPr/>
             </a:pPr>
-            <a:endParaRPr lang="es-ES_tradnl" dirty="0" smtClean="0"/>
+            <a:endParaRPr lang="es-ES_tradnl" dirty="0"/>
           </a:p>
           <a:p>
             <a:pPr marL="0" lvl="0" indent="0" defTabSz="914400">
@@ -7824,7 +7733,7 @@
               <a:buNone/>
               <a:defRPr/>
             </a:pPr>
-            <a:endParaRPr lang="es-ES_tradnl" dirty="0" smtClean="0"/>
+            <a:endParaRPr lang="es-ES_tradnl" dirty="0"/>
           </a:p>
           <a:p>
             <a:pPr marL="0" lvl="0" indent="0" defTabSz="914400">
@@ -7848,7 +7757,7 @@
               <a:buNone/>
               <a:defRPr/>
             </a:pPr>
-            <a:endParaRPr lang="es-ES_tradnl" dirty="0" smtClean="0"/>
+            <a:endParaRPr lang="es-ES_tradnl" dirty="0"/>
           </a:p>
           <a:p>
             <a:pPr marL="0" lvl="0" indent="0" defTabSz="914400">
@@ -7896,7 +7805,7 @@
               <a:buNone/>
               <a:defRPr/>
             </a:pPr>
-            <a:endParaRPr lang="es-ES_tradnl" dirty="0" smtClean="0"/>
+            <a:endParaRPr lang="es-ES_tradnl" dirty="0"/>
           </a:p>
           <a:p>
             <a:pPr marL="0" lvl="0" indent="0" defTabSz="914400">
@@ -7920,7 +7829,7 @@
               <a:buNone/>
               <a:defRPr/>
             </a:pPr>
-            <a:endParaRPr lang="es-ES_tradnl" dirty="0" smtClean="0"/>
+            <a:endParaRPr lang="es-ES_tradnl" dirty="0"/>
           </a:p>
           <a:p>
             <a:pPr marL="0" lvl="0" indent="0" defTabSz="914400">
@@ -7944,7 +7853,7 @@
               <a:buNone/>
               <a:defRPr/>
             </a:pPr>
-            <a:endParaRPr lang="es-ES_tradnl" dirty="0" smtClean="0"/>
+            <a:endParaRPr lang="es-ES_tradnl" dirty="0"/>
           </a:p>
           <a:p>
             <a:pPr marL="0" lvl="0" indent="0" defTabSz="914400">
@@ -7957,20 +7866,8 @@
               <a:defRPr/>
             </a:pPr>
             <a:r>
-              <a:rPr lang="es-ES_tradnl" dirty="0" smtClean="0"/>
-              <a:t>Este </a:t>
-            </a:r>
-            <a:r>
               <a:rPr lang="es-ES_tradnl" dirty="0"/>
-              <a:t>genera una consulta a la base de datos que le </a:t>
-            </a:r>
-            <a:r>
-              <a:rPr lang="es-ES_tradnl" dirty="0" smtClean="0"/>
-              <a:t>devolverá el resultado </a:t>
-            </a:r>
-            <a:r>
-              <a:rPr lang="es-ES_tradnl" dirty="0"/>
-              <a:t>que se enviara en un </a:t>
+              <a:t>Este genera una consulta a la base de datos que le devolverá el resultado que se enviara en un </a:t>
             </a:r>
             <a:r>
               <a:rPr lang="es-ES_tradnl" dirty="0" err="1"/>
@@ -8040,7 +7937,7 @@
     </p:spTree>
     <p:extLst>
       <p:ext uri="{BB962C8B-B14F-4D97-AF65-F5344CB8AC3E}">
-        <p14:creationId xmlns:p14="http://schemas.microsoft.com/office/powerpoint/2010/main" xmlns="" val="730374411"/>
+        <p14:creationId xmlns:p14="http://schemas.microsoft.com/office/powerpoint/2010/main" val="730374411"/>
       </p:ext>
     </p:extLst>
   </p:cSld>
@@ -8084,7 +7981,7 @@
           <a:p>
             <a:pPr algn="ctr"/>
             <a:r>
-              <a:rPr lang="es-ES_tradnl" dirty="0" smtClean="0"/>
+              <a:rPr lang="es-ES_tradnl" dirty="0"/>
               <a:t>BASE DE DATOS</a:t>
             </a:r>
             <a:endParaRPr lang="es-ES" dirty="0"/>
@@ -8113,7 +8010,7 @@
               <a:buChar char="-"/>
             </a:pPr>
             <a:r>
-              <a:rPr lang="es-ES_tradnl" dirty="0" smtClean="0"/>
+              <a:rPr lang="es-ES_tradnl" dirty="0"/>
               <a:t>La estructura de la base de datos es similar a la especificada en el dossier del proyecto aunque se han incluido los siguientes cambios:</a:t>
             </a:r>
           </a:p>
@@ -8122,42 +8019,26 @@
               <a:buNone/>
             </a:pPr>
             <a:r>
-              <a:rPr lang="es-ES_tradnl" dirty="0" smtClean="0"/>
-              <a:t>	</a:t>
-            </a:r>
-            <a:r>
-              <a:rPr lang="es-ES_tradnl" dirty="0" smtClean="0"/>
-              <a:t> </a:t>
-            </a:r>
-            <a:r>
-              <a:rPr lang="es-ES_tradnl" dirty="0" smtClean="0">
+              <a:rPr lang="es-ES_tradnl" dirty="0"/>
+              <a:t>	 </a:t>
+            </a:r>
+            <a:r>
+              <a:rPr lang="es-ES_tradnl" dirty="0">
                 <a:sym typeface="Symbol"/>
               </a:rPr>
               <a:t> </a:t>
             </a:r>
             <a:r>
-              <a:rPr lang="es-ES_tradnl" dirty="0" smtClean="0"/>
-              <a:t>Un </a:t>
-            </a:r>
-            <a:r>
-              <a:rPr lang="es-ES_tradnl" dirty="0" smtClean="0"/>
-              <a:t>nuevo estado llamado “pendiente” para las </a:t>
-            </a:r>
-            <a:r>
-              <a:rPr lang="es-ES_tradnl" i="1" dirty="0" smtClean="0"/>
-              <a:t>historias de </a:t>
-            </a:r>
-            <a:r>
-              <a:rPr lang="es-ES_tradnl" i="1" dirty="0" smtClean="0"/>
-              <a:t>usuario</a:t>
-            </a:r>
-            <a:r>
-              <a:rPr lang="es-ES_tradnl" dirty="0" smtClean="0"/>
-              <a:t> </a:t>
-            </a:r>
-            <a:r>
-              <a:rPr lang="es-ES_tradnl" dirty="0" smtClean="0"/>
-              <a:t>.</a:t>
+              <a:rPr lang="es-ES_tradnl" dirty="0"/>
+              <a:t>Un nuevo estado llamado “pendiente” para las </a:t>
+            </a:r>
+            <a:r>
+              <a:rPr lang="es-ES_tradnl" i="1" dirty="0"/>
+              <a:t>historias de usuario</a:t>
+            </a:r>
+            <a:r>
+              <a:rPr lang="es-ES_tradnl" dirty="0"/>
+              <a:t> .</a:t>
             </a:r>
           </a:p>
           <a:p>
@@ -8165,120 +8046,71 @@
               <a:buNone/>
             </a:pPr>
             <a:r>
-              <a:rPr lang="es-ES_tradnl" dirty="0" smtClean="0"/>
+              <a:rPr lang="es-ES_tradnl" dirty="0"/>
               <a:t>	</a:t>
             </a:r>
             <a:r>
-              <a:rPr lang="es-ES_tradnl" dirty="0" smtClean="0">
+              <a:rPr lang="es-ES_tradnl" dirty="0">
                 <a:sym typeface="Symbol"/>
               </a:rPr>
               <a:t> </a:t>
             </a:r>
             <a:r>
-              <a:rPr lang="es-ES_tradnl" dirty="0" smtClean="0"/>
+              <a:rPr lang="es-ES_tradnl" dirty="0"/>
+              <a:t> La posibilidad de añadir entradas a la tabla relacional </a:t>
+            </a:r>
+            <a:r>
+              <a:rPr lang="es-ES_tradnl" i="1" dirty="0" err="1"/>
+              <a:t>develop</a:t>
+            </a:r>
+            <a:r>
+              <a:rPr lang="es-ES_tradnl" dirty="0"/>
+              <a:t>,  sin necesidad de incluir un </a:t>
+            </a:r>
+            <a:r>
+              <a:rPr lang="es-ES_tradnl" dirty="0" err="1"/>
+              <a:t>Id_tm</a:t>
+            </a:r>
+            <a:r>
+              <a:rPr lang="es-ES_tradnl" dirty="0"/>
+              <a:t>. 	</a:t>
+            </a:r>
+          </a:p>
+          <a:p>
+            <a:pPr marL="0" indent="0">
+              <a:buNone/>
+            </a:pPr>
+            <a:r>
+              <a:rPr lang="es-ES_tradnl" dirty="0"/>
+              <a:t>	Esto permite al </a:t>
+            </a:r>
+            <a:r>
+              <a:rPr lang="es-ES_tradnl" i="1" dirty="0" err="1"/>
+              <a:t>scrum</a:t>
+            </a:r>
+            <a:r>
+              <a:rPr lang="es-ES_tradnl" i="1" dirty="0"/>
               <a:t> </a:t>
             </a:r>
             <a:r>
-              <a:rPr lang="es-ES_tradnl" dirty="0" smtClean="0"/>
-              <a:t>La posibilidad de añadir entradas a la tabla relacional </a:t>
-            </a:r>
-            <a:r>
-              <a:rPr lang="es-ES_tradnl" i="1" dirty="0" err="1" smtClean="0"/>
-              <a:t>develop</a:t>
-            </a:r>
-            <a:r>
-              <a:rPr lang="es-ES_tradnl" dirty="0" smtClean="0"/>
-              <a:t>, </a:t>
-            </a:r>
-            <a:r>
-              <a:rPr lang="es-ES_tradnl" dirty="0" smtClean="0"/>
-              <a:t> sin </a:t>
-            </a:r>
-            <a:r>
-              <a:rPr lang="es-ES_tradnl" dirty="0" smtClean="0"/>
-              <a:t>necesidad de incluir un </a:t>
-            </a:r>
-            <a:r>
-              <a:rPr lang="es-ES_tradnl" dirty="0" err="1" smtClean="0"/>
-              <a:t>Id_tm</a:t>
-            </a:r>
-            <a:r>
-              <a:rPr lang="es-ES_tradnl" dirty="0" smtClean="0"/>
-              <a:t>. </a:t>
-            </a:r>
-            <a:r>
-              <a:rPr lang="es-ES_tradnl" dirty="0" smtClean="0"/>
-              <a:t>	</a:t>
-            </a:r>
-            <a:endParaRPr lang="es-ES_tradnl" dirty="0" smtClean="0"/>
-          </a:p>
-          <a:p>
-            <a:pPr marL="0" indent="0">
-              <a:buNone/>
-            </a:pPr>
-            <a:r>
-              <a:rPr lang="es-ES_tradnl" dirty="0" smtClean="0"/>
-              <a:t>	</a:t>
-            </a:r>
-            <a:r>
-              <a:rPr lang="es-ES_tradnl" dirty="0" smtClean="0"/>
-              <a:t>Esto </a:t>
-            </a:r>
-            <a:r>
-              <a:rPr lang="es-ES_tradnl" dirty="0" smtClean="0"/>
-              <a:t>permite al </a:t>
-            </a:r>
-            <a:r>
-              <a:rPr lang="es-ES_tradnl" i="1" dirty="0" err="1" smtClean="0"/>
-              <a:t>scrum</a:t>
-            </a:r>
-            <a:r>
-              <a:rPr lang="es-ES_tradnl" i="1" dirty="0" smtClean="0"/>
-              <a:t> </a:t>
-            </a:r>
-            <a:r>
-              <a:rPr lang="es-ES_tradnl" i="1" dirty="0" err="1" smtClean="0"/>
+              <a:rPr lang="es-ES_tradnl" i="1" dirty="0" err="1"/>
               <a:t>master</a:t>
             </a:r>
             <a:r>
-              <a:rPr lang="es-ES_tradnl" i="1" dirty="0" smtClean="0"/>
-              <a:t> ASIGNAR historias de usuario a un </a:t>
-            </a:r>
-            <a:r>
-              <a:rPr lang="es-ES_tradnl" i="1" dirty="0" smtClean="0"/>
-              <a:t> determinado </a:t>
-            </a:r>
-            <a:r>
-              <a:rPr lang="es-ES_tradnl" i="1" dirty="0" smtClean="0"/>
-              <a:t>sprint, </a:t>
-            </a:r>
-            <a:r>
-              <a:rPr lang="es-ES_tradnl" dirty="0" smtClean="0"/>
-              <a:t>para que </a:t>
-            </a:r>
-            <a:r>
-              <a:rPr lang="es-ES_tradnl" dirty="0" smtClean="0"/>
-              <a:t>después </a:t>
-            </a:r>
-            <a:r>
-              <a:rPr lang="es-ES_tradnl" dirty="0" smtClean="0"/>
-              <a:t>sean los </a:t>
-            </a:r>
-            <a:r>
-              <a:rPr lang="es-ES_tradnl" i="1" dirty="0" err="1" smtClean="0"/>
+              <a:rPr lang="es-ES_tradnl" i="1" dirty="0"/>
+              <a:t> ASIGNAR historias de usuario a un  determinado sprint, </a:t>
+            </a:r>
+            <a:r>
+              <a:rPr lang="es-ES_tradnl" dirty="0"/>
+              <a:t>para que después sean los </a:t>
+            </a:r>
+            <a:r>
+              <a:rPr lang="es-ES_tradnl" i="1" dirty="0" err="1"/>
               <a:t>developers</a:t>
             </a:r>
             <a:r>
-              <a:rPr lang="es-ES_tradnl" dirty="0" smtClean="0"/>
-              <a:t> los que </a:t>
-            </a:r>
-            <a:r>
-              <a:rPr lang="es-ES_tradnl" dirty="0" smtClean="0"/>
-              <a:t>se </a:t>
-            </a:r>
-            <a:r>
-              <a:rPr lang="es-ES_tradnl" dirty="0" smtClean="0"/>
-              <a:t>incluyan a estas historias de usuario.</a:t>
+              <a:rPr lang="es-ES_tradnl" dirty="0"/>
+              <a:t> los que se incluyan a estas historias de usuario.</a:t>
             </a:r>
             <a:endParaRPr lang="es-ES" dirty="0"/>
           </a:p>
@@ -8305,10 +8137,9 @@
               <a:buNone/>
             </a:pPr>
             <a:r>
-              <a:rPr lang="es-ES" dirty="0" smtClean="0"/>
+              <a:rPr lang="es-ES" dirty="0"/>
               <a:t>Estructura:</a:t>
             </a:r>
-            <a:endParaRPr lang="es-ES" dirty="0"/>
           </a:p>
         </p:txBody>
       </p:sp>
@@ -8352,7 +8183,7 @@
           <a:p>
             <a:pPr algn="ctr"/>
             <a:r>
-              <a:rPr lang="es-ES" sz="1200" dirty="0" err="1" smtClean="0">
+              <a:rPr lang="es-ES" sz="1200" dirty="0" err="1">
                 <a:solidFill>
                   <a:schemeClr val="bg1"/>
                 </a:solidFill>
@@ -8407,18 +8238,13 @@
           <a:p>
             <a:pPr algn="ctr"/>
             <a:r>
-              <a:rPr lang="es-ES" sz="1200" dirty="0" smtClean="0">
+              <a:rPr lang="es-ES" sz="1200" dirty="0">
                 <a:solidFill>
                   <a:schemeClr val="bg1"/>
                 </a:solidFill>
               </a:rPr>
               <a:t>Sprint</a:t>
             </a:r>
-            <a:endParaRPr lang="es-ES" sz="1200" dirty="0">
-              <a:solidFill>
-                <a:schemeClr val="bg1"/>
-              </a:solidFill>
-            </a:endParaRPr>
           </a:p>
         </p:txBody>
       </p:sp>
@@ -8462,7 +8288,7 @@
           <a:p>
             <a:pPr algn="ctr"/>
             <a:r>
-              <a:rPr lang="es-ES" sz="1400" dirty="0" err="1" smtClean="0">
+              <a:rPr lang="es-ES" sz="1400" dirty="0" err="1">
                 <a:solidFill>
                   <a:schemeClr val="bg1"/>
                 </a:solidFill>
@@ -8517,7 +8343,7 @@
           <a:p>
             <a:pPr algn="ctr"/>
             <a:r>
-              <a:rPr lang="es-ES" sz="1200" b="1" dirty="0" smtClean="0">
+              <a:rPr lang="es-ES" sz="1200" b="1" dirty="0">
                 <a:solidFill>
                   <a:schemeClr val="bg1"/>
                 </a:solidFill>
@@ -8634,7 +8460,7 @@
     </p:spTree>
     <p:extLst>
       <p:ext uri="{BB962C8B-B14F-4D97-AF65-F5344CB8AC3E}">
-        <p14:creationId xmlns:p14="http://schemas.microsoft.com/office/powerpoint/2010/main" xmlns="" val="1933360183"/>
+        <p14:creationId xmlns:p14="http://schemas.microsoft.com/office/powerpoint/2010/main" val="1933360183"/>
       </p:ext>
     </p:extLst>
   </p:cSld>
@@ -8677,10 +8503,9 @@
           <a:lstStyle/>
           <a:p>
             <a:r>
-              <a:rPr lang="es-ES" dirty="0" smtClean="0"/>
+              <a:rPr lang="es-ES" dirty="0"/>
               <a:t>Control de versiones y Metodología de desarrollo</a:t>
             </a:r>
-            <a:endParaRPr lang="es-ES" dirty="0"/>
           </a:p>
         </p:txBody>
       </p:sp>
@@ -8700,64 +8525,63 @@
           <a:lstStyle/>
           <a:p>
             <a:r>
-              <a:rPr lang="es-ES" dirty="0" smtClean="0"/>
+              <a:rPr lang="es-ES" dirty="0"/>
               <a:t>- Se ha intentado seguir la metodología </a:t>
             </a:r>
             <a:r>
-              <a:rPr lang="es-ES" dirty="0" err="1" smtClean="0"/>
+              <a:rPr lang="es-ES" dirty="0" err="1"/>
               <a:t>Scrum</a:t>
             </a:r>
             <a:r>
-              <a:rPr lang="es-ES" dirty="0" smtClean="0"/>
+              <a:rPr lang="es-ES" dirty="0"/>
               <a:t>  en la medida de nuestras posibilidades entre las historias de usuario (asociadas todas a un mismo Sprint) que se han tenido en cuenta se encuentran:</a:t>
             </a:r>
           </a:p>
           <a:p>
             <a:pPr lvl="1"/>
             <a:r>
-              <a:rPr lang="es-ES" dirty="0" smtClean="0"/>
+              <a:rPr lang="es-ES" dirty="0"/>
               <a:t>- Generación de la base de datos</a:t>
             </a:r>
           </a:p>
           <a:p>
             <a:pPr lvl="1"/>
             <a:r>
-              <a:rPr lang="es-ES" dirty="0" smtClean="0"/>
+              <a:rPr lang="es-ES" dirty="0"/>
               <a:t>- Creación del servidor REST simple</a:t>
             </a:r>
           </a:p>
           <a:p>
             <a:pPr lvl="1"/>
             <a:r>
-              <a:rPr lang="es-ES" dirty="0" smtClean="0"/>
+              <a:rPr lang="es-ES" dirty="0"/>
               <a:t>- Ampliación del servidor</a:t>
             </a:r>
           </a:p>
           <a:p>
             <a:pPr lvl="1"/>
             <a:r>
-              <a:rPr lang="es-ES" dirty="0" smtClean="0"/>
+              <a:rPr lang="es-ES" dirty="0"/>
               <a:t>- Generación de plantilla HTML</a:t>
             </a:r>
           </a:p>
           <a:p>
             <a:pPr lvl="1"/>
             <a:r>
-              <a:rPr lang="es-ES" dirty="0" smtClean="0"/>
+              <a:rPr lang="es-ES" dirty="0"/>
               <a:t>- Creación de controladores </a:t>
             </a:r>
             <a:r>
-              <a:rPr lang="es-ES" dirty="0" err="1" smtClean="0"/>
+              <a:rPr lang="es-ES" dirty="0" err="1"/>
               <a:t>Angularjs</a:t>
             </a:r>
-            <a:endParaRPr lang="es-ES" dirty="0" smtClean="0"/>
-          </a:p>
-          <a:p>
-            <a:r>
-              <a:rPr lang="es-ES" dirty="0" smtClean="0"/>
+            <a:endParaRPr lang="es-ES" dirty="0"/>
+          </a:p>
+          <a:p>
+            <a:r>
+              <a:rPr lang="es-ES" dirty="0"/>
               <a:t>En lo que respecta al control de versiones, debido a la segmentación del trabajo no ha sido necesario trabajar en distintas ramas</a:t>
             </a:r>
-            <a:endParaRPr lang="es-ES" dirty="0" smtClean="0"/>
           </a:p>
         </p:txBody>
       </p:sp>
@@ -8803,10 +8627,9 @@
           <a:p>
             <a:pPr algn="ctr"/>
             <a:r>
-              <a:rPr lang="es-ES_tradnl" dirty="0" smtClean="0"/>
+              <a:rPr lang="es-ES_tradnl" dirty="0"/>
               <a:t>ESQUEMA BÁSICO DE COMUNICACIÓN</a:t>
             </a:r>
-            <a:endParaRPr lang="es-ES_tradnl" dirty="0"/>
           </a:p>
         </p:txBody>
       </p:sp>
@@ -8845,10 +8668,9 @@
           <a:p>
             <a:pPr algn="ctr"/>
             <a:r>
-              <a:rPr lang="es-ES_tradnl" dirty="0" smtClean="0"/>
+              <a:rPr lang="es-ES_tradnl" dirty="0"/>
               <a:t>HTML</a:t>
             </a:r>
-            <a:endParaRPr lang="es-ES_tradnl" dirty="0"/>
           </a:p>
         </p:txBody>
       </p:sp>
@@ -8887,10 +8709,9 @@
           <a:p>
             <a:pPr algn="ctr"/>
             <a:r>
-              <a:rPr lang="es-ES_tradnl" dirty="0" smtClean="0"/>
+              <a:rPr lang="es-ES_tradnl" dirty="0"/>
               <a:t>ANGULARJS</a:t>
             </a:r>
-            <a:endParaRPr lang="es-ES_tradnl" dirty="0"/>
           </a:p>
         </p:txBody>
       </p:sp>
@@ -8929,25 +8750,24 @@
           <a:p>
             <a:pPr algn="ctr"/>
             <a:r>
-              <a:rPr lang="es-ES_tradnl" dirty="0" smtClean="0"/>
+              <a:rPr lang="es-ES_tradnl" dirty="0"/>
               <a:t>SERVIDOR</a:t>
             </a:r>
           </a:p>
           <a:p>
             <a:pPr algn="ctr"/>
             <a:r>
-              <a:rPr lang="es-ES_tradnl" dirty="0" smtClean="0"/>
+              <a:rPr lang="es-ES_tradnl" dirty="0"/>
               <a:t>(</a:t>
             </a:r>
             <a:r>
-              <a:rPr lang="es-ES_tradnl" dirty="0" err="1" smtClean="0"/>
+              <a:rPr lang="es-ES_tradnl" dirty="0" err="1"/>
               <a:t>Nodejs</a:t>
             </a:r>
             <a:r>
-              <a:rPr lang="es-ES_tradnl" dirty="0" smtClean="0"/>
+              <a:rPr lang="es-ES_tradnl" dirty="0"/>
               <a:t>)</a:t>
             </a:r>
-            <a:endParaRPr lang="es-ES_tradnl" dirty="0"/>
           </a:p>
         </p:txBody>
       </p:sp>
@@ -8986,26 +8806,22 @@
           <a:p>
             <a:pPr algn="ctr"/>
             <a:r>
-              <a:rPr lang="es-ES_tradnl" dirty="0" smtClean="0"/>
-              <a:t>BASE DE </a:t>
-            </a:r>
-            <a:r>
-              <a:rPr lang="es-ES_tradnl" dirty="0" smtClean="0"/>
-              <a:t>DATOS</a:t>
+              <a:rPr lang="es-ES_tradnl" dirty="0"/>
+              <a:t>BASE DE DATOS</a:t>
             </a:r>
           </a:p>
           <a:p>
             <a:pPr algn="ctr"/>
             <a:r>
-              <a:rPr lang="es-ES" dirty="0" smtClean="0"/>
+              <a:rPr lang="es-ES" dirty="0"/>
               <a:t>(</a:t>
             </a:r>
             <a:r>
-              <a:rPr lang="es-ES" dirty="0" err="1" smtClean="0"/>
+              <a:rPr lang="es-ES" dirty="0" err="1"/>
               <a:t>MariaDB</a:t>
             </a:r>
             <a:r>
-              <a:rPr lang="es-ES" dirty="0" smtClean="0"/>
+              <a:rPr lang="es-ES" dirty="0"/>
               <a:t>) </a:t>
             </a:r>
             <a:endParaRPr lang="es-ES_tradnl" dirty="0"/>
@@ -9325,10 +9141,9 @@
           <a:lstStyle/>
           <a:p>
             <a:r>
-              <a:rPr lang="es-ES_tradnl" dirty="0" smtClean="0"/>
+              <a:rPr lang="es-ES_tradnl" dirty="0"/>
               <a:t>          CLIENTE</a:t>
             </a:r>
-            <a:endParaRPr lang="es-ES_tradnl" dirty="0"/>
           </a:p>
         </p:txBody>
       </p:sp>
@@ -9355,10 +9170,9 @@
           <a:lstStyle/>
           <a:p>
             <a:r>
-              <a:rPr lang="es-ES_tradnl" dirty="0" smtClean="0"/>
+              <a:rPr lang="es-ES_tradnl" dirty="0"/>
               <a:t>      SERVIDOR</a:t>
             </a:r>
-            <a:endParaRPr lang="es-ES_tradnl" dirty="0"/>
           </a:p>
         </p:txBody>
       </p:sp>
@@ -9385,10 +9199,9 @@
           <a:lstStyle/>
           <a:p>
             <a:r>
-              <a:rPr lang="es-ES_tradnl" dirty="0" smtClean="0"/>
+              <a:rPr lang="es-ES_tradnl" dirty="0"/>
               <a:t>  HTTP</a:t>
             </a:r>
-            <a:endParaRPr lang="es-ES_tradnl" dirty="0"/>
           </a:p>
         </p:txBody>
       </p:sp>
@@ -9415,10 +9228,9 @@
           <a:lstStyle/>
           <a:p>
             <a:r>
-              <a:rPr lang="es-ES_tradnl" dirty="0" smtClean="0"/>
+              <a:rPr lang="es-ES_tradnl" dirty="0"/>
               <a:t>JSON</a:t>
             </a:r>
-            <a:endParaRPr lang="es-ES_tradnl" dirty="0"/>
           </a:p>
         </p:txBody>
       </p:sp>
@@ -9445,10 +9257,9 @@
           <a:lstStyle/>
           <a:p>
             <a:r>
-              <a:rPr lang="es-ES_tradnl" smtClean="0"/>
+              <a:rPr lang="es-ES_tradnl"/>
               <a:t>REQUEST</a:t>
             </a:r>
-            <a:endParaRPr lang="es-ES_tradnl"/>
           </a:p>
         </p:txBody>
       </p:sp>
@@ -9475,10 +9286,9 @@
           <a:lstStyle/>
           <a:p>
             <a:r>
-              <a:rPr lang="es-ES_tradnl" smtClean="0"/>
+              <a:rPr lang="es-ES_tradnl"/>
               <a:t>RESPONSE</a:t>
             </a:r>
-            <a:endParaRPr lang="es-ES_tradnl"/>
           </a:p>
         </p:txBody>
       </p:sp>
@@ -9505,10 +9315,9 @@
           <a:lstStyle/>
           <a:p>
             <a:r>
-              <a:rPr lang="es-ES_tradnl" smtClean="0"/>
+              <a:rPr lang="es-ES_tradnl"/>
               <a:t>DATOS DE LA VISTA</a:t>
             </a:r>
-            <a:endParaRPr lang="es-ES_tradnl"/>
           </a:p>
         </p:txBody>
       </p:sp>
@@ -9535,30 +9344,22 @@
           <a:lstStyle/>
           <a:p>
             <a:r>
-              <a:rPr lang="es-ES_tradnl" sz="1400" dirty="0" smtClean="0"/>
+              <a:rPr lang="es-ES_tradnl" sz="1400" dirty="0"/>
               <a:t>REPRESENTACIÓN DATOS</a:t>
             </a:r>
-            <a:endParaRPr lang="es-ES_tradnl" sz="1400" dirty="0"/>
           </a:p>
         </p:txBody>
       </p:sp>
     </p:spTree>
     <p:extLst>
       <p:ext uri="{BB962C8B-B14F-4D97-AF65-F5344CB8AC3E}">
-        <p14:creationId xmlns:p14="http://schemas.microsoft.com/office/powerpoint/2010/main" xmlns="" val="1893727359"/>
+        <p14:creationId xmlns:p14="http://schemas.microsoft.com/office/powerpoint/2010/main" val="1893727359"/>
       </p:ext>
     </p:extLst>
   </p:cSld>
   <p:clrMapOvr>
     <a:masterClrMapping/>
   </p:clrMapOvr>
-  <p:timing>
-    <p:tnLst>
-      <p:par>
-        <p:cTn id="1" dur="indefinite" restart="never" nodeType="tmRoot"/>
-      </p:par>
-    </p:tnLst>
-  </p:timing>
 </p:sld>
 </file>
 
@@ -9601,10 +9402,9 @@
           <a:p>
             <a:pPr algn="ctr"/>
             <a:r>
-              <a:rPr lang="es-ES_tradnl" dirty="0" smtClean="0"/>
+              <a:rPr lang="es-ES_tradnl" dirty="0"/>
               <a:t>CLIENTE: HTML</a:t>
             </a:r>
-            <a:endParaRPr lang="es-ES_tradnl" dirty="0"/>
           </a:p>
         </p:txBody>
       </p:sp>
@@ -9646,7 +9446,7 @@
               <a:defRPr/>
             </a:pPr>
             <a:r>
-              <a:rPr lang="es-ES_tradnl" dirty="0" smtClean="0"/>
+              <a:rPr lang="es-ES_tradnl" dirty="0"/>
               <a:t>En el HTML lo que más podemos destacar es el uso de las siguientes directivas angular usadas:</a:t>
             </a:r>
           </a:p>
@@ -9679,15 +9479,85 @@
               <a:buSzTx/>
             </a:pPr>
             <a:r>
-              <a:rPr lang="es-ES_tradnl" i="1" dirty="0" err="1" smtClean="0"/>
+              <a:rPr lang="es-ES_tradnl" i="1" dirty="0" err="1"/>
               <a:t>ng-controller</a:t>
             </a:r>
             <a:r>
-              <a:rPr lang="es-ES_tradnl" dirty="0" smtClean="0"/>
-              <a:t>: para segmentar las funciones que se pueden realizar según cada sección de la web</a:t>
-            </a:r>
-            <a:r>
-              <a:rPr lang="es-ES_tradnl" dirty="0" smtClean="0"/>
+              <a:rPr lang="es-ES_tradnl" dirty="0"/>
+              <a:t>: para segmentar las funciones que se pueden realizar según cada sección de la web.</a:t>
+            </a:r>
+          </a:p>
+          <a:p>
+            <a:pPr defTabSz="914400">
+              <a:spcBef>
+                <a:spcPts val="0"/>
+              </a:spcBef>
+              <a:buClrTx/>
+              <a:buSzTx/>
+            </a:pPr>
+            <a:endParaRPr lang="es-ES_tradnl" dirty="0"/>
+          </a:p>
+          <a:p>
+            <a:pPr defTabSz="914400">
+              <a:spcBef>
+                <a:spcPts val="0"/>
+              </a:spcBef>
+              <a:buClrTx/>
+              <a:buSzTx/>
+            </a:pPr>
+            <a:r>
+              <a:rPr lang="es-ES_tradnl" i="1" dirty="0" err="1"/>
+              <a:t>ng-click</a:t>
+            </a:r>
+            <a:r>
+              <a:rPr lang="es-ES_tradnl" dirty="0"/>
+              <a:t>: para asociar botones y enlaces a funciones del angular.</a:t>
+            </a:r>
+          </a:p>
+          <a:p>
+            <a:pPr defTabSz="914400">
+              <a:spcBef>
+                <a:spcPts val="0"/>
+              </a:spcBef>
+              <a:buClrTx/>
+              <a:buSzTx/>
+            </a:pPr>
+            <a:endParaRPr lang="es-ES_tradnl" dirty="0"/>
+          </a:p>
+          <a:p>
+            <a:pPr defTabSz="914400">
+              <a:spcBef>
+                <a:spcPts val="0"/>
+              </a:spcBef>
+              <a:buClrTx/>
+              <a:buSzTx/>
+            </a:pPr>
+            <a:r>
+              <a:rPr lang="es-ES_tradnl" i="1" dirty="0" err="1"/>
+              <a:t>ng</a:t>
+            </a:r>
+            <a:r>
+              <a:rPr lang="es-ES_tradnl" i="1" dirty="0"/>
+              <a:t>-show</a:t>
+            </a:r>
+            <a:r>
+              <a:rPr lang="es-ES_tradnl" dirty="0"/>
+              <a:t>: para mostrar u ocultar contenedores de código que solo pueden ser empleados por el </a:t>
+            </a:r>
+            <a:r>
+              <a:rPr lang="es-ES_tradnl" dirty="0" err="1"/>
+              <a:t>scrum</a:t>
+            </a:r>
+            <a:r>
+              <a:rPr lang="es-ES_tradnl" dirty="0"/>
+              <a:t> </a:t>
+            </a:r>
+            <a:r>
+              <a:rPr lang="es-ES_tradnl" dirty="0" err="1"/>
+              <a:t>master</a:t>
+            </a:r>
+            <a:r>
+              <a:rPr lang="es-ES_tradnl" dirty="0"/>
               <a:t>.</a:t>
             </a:r>
           </a:p>
@@ -9699,7 +9569,7 @@
               <a:buClrTx/>
               <a:buSzTx/>
             </a:pPr>
-            <a:endParaRPr lang="es-ES_tradnl" dirty="0" smtClean="0"/>
+            <a:endParaRPr lang="es-ES_tradnl" dirty="0"/>
           </a:p>
           <a:p>
             <a:pPr defTabSz="914400">
@@ -9710,16 +9580,12 @@
               <a:buSzTx/>
             </a:pPr>
             <a:r>
-              <a:rPr lang="es-ES_tradnl" i="1" dirty="0" err="1" smtClean="0"/>
-              <a:t>ng-click</a:t>
-            </a:r>
-            <a:r>
-              <a:rPr lang="es-ES_tradnl" dirty="0" smtClean="0"/>
-              <a:t>: para asociar botones y enlaces a funciones del angular</a:t>
-            </a:r>
-            <a:r>
-              <a:rPr lang="es-ES_tradnl" dirty="0" smtClean="0"/>
-              <a:t>.</a:t>
+              <a:rPr lang="es-ES_tradnl" i="1" dirty="0" err="1"/>
+              <a:t>ng-repeat</a:t>
+            </a:r>
+            <a:r>
+              <a:rPr lang="es-ES_tradnl" dirty="0"/>
+              <a:t>: para representar tablas y listas.</a:t>
             </a:r>
           </a:p>
           <a:p>
@@ -9730,7 +9596,7 @@
               <a:buClrTx/>
               <a:buSzTx/>
             </a:pPr>
-            <a:endParaRPr lang="es-ES_tradnl" dirty="0" smtClean="0"/>
+            <a:endParaRPr lang="es-ES_tradnl" dirty="0"/>
           </a:p>
           <a:p>
             <a:pPr defTabSz="914400">
@@ -9741,112 +9607,26 @@
               <a:buSzTx/>
             </a:pPr>
             <a:r>
-              <a:rPr lang="es-ES_tradnl" i="1" dirty="0" err="1" smtClean="0"/>
-              <a:t>ng</a:t>
-            </a:r>
-            <a:r>
-              <a:rPr lang="es-ES_tradnl" i="1" dirty="0" smtClean="0"/>
-              <a:t>-show</a:t>
-            </a:r>
-            <a:r>
-              <a:rPr lang="es-ES_tradnl" dirty="0" smtClean="0"/>
-              <a:t>: para mostrar u ocultar contenedores de código que solo pueden ser empleados por el </a:t>
-            </a:r>
-            <a:r>
-              <a:rPr lang="es-ES_tradnl" dirty="0" err="1" smtClean="0"/>
-              <a:t>scrum</a:t>
-            </a:r>
-            <a:r>
-              <a:rPr lang="es-ES_tradnl" dirty="0" smtClean="0"/>
-              <a:t> </a:t>
-            </a:r>
-            <a:r>
-              <a:rPr lang="es-ES_tradnl" dirty="0" err="1" smtClean="0"/>
-              <a:t>master</a:t>
-            </a:r>
-            <a:r>
-              <a:rPr lang="es-ES_tradnl" dirty="0" smtClean="0"/>
-              <a:t>.</a:t>
-            </a:r>
-          </a:p>
-          <a:p>
-            <a:pPr defTabSz="914400">
-              <a:spcBef>
-                <a:spcPts val="0"/>
-              </a:spcBef>
-              <a:buClrTx/>
-              <a:buSzTx/>
-            </a:pPr>
-            <a:endParaRPr lang="es-ES_tradnl" dirty="0" smtClean="0"/>
-          </a:p>
-          <a:p>
-            <a:pPr defTabSz="914400">
-              <a:spcBef>
-                <a:spcPts val="0"/>
-              </a:spcBef>
-              <a:buClrTx/>
-              <a:buSzTx/>
-            </a:pPr>
-            <a:r>
-              <a:rPr lang="es-ES_tradnl" i="1" dirty="0" err="1" smtClean="0"/>
-              <a:t>ng-repeat</a:t>
-            </a:r>
-            <a:r>
-              <a:rPr lang="es-ES_tradnl" dirty="0" smtClean="0"/>
-              <a:t>: para representar tablas y listas</a:t>
-            </a:r>
-            <a:r>
-              <a:rPr lang="es-ES_tradnl" dirty="0" smtClean="0"/>
-              <a:t>.</a:t>
-            </a:r>
-          </a:p>
-          <a:p>
-            <a:pPr defTabSz="914400">
-              <a:spcBef>
-                <a:spcPts val="0"/>
-              </a:spcBef>
-              <a:buClrTx/>
-              <a:buSzTx/>
-            </a:pPr>
-            <a:endParaRPr lang="es-ES_tradnl" dirty="0" smtClean="0"/>
-          </a:p>
-          <a:p>
-            <a:pPr defTabSz="914400">
-              <a:spcBef>
-                <a:spcPts val="0"/>
-              </a:spcBef>
-              <a:buClrTx/>
-              <a:buSzTx/>
-            </a:pPr>
-            <a:r>
-              <a:rPr lang="es-ES_tradnl" i="1" dirty="0" err="1" smtClean="0"/>
+              <a:rPr lang="es-ES_tradnl" i="1" dirty="0" err="1"/>
               <a:t>ng-model</a:t>
             </a:r>
             <a:r>
-              <a:rPr lang="es-ES_tradnl" dirty="0" smtClean="0"/>
+              <a:rPr lang="es-ES_tradnl" dirty="0"/>
               <a:t>: para obtener o representar información en la vista.</a:t>
             </a:r>
-            <a:endParaRPr lang="es-ES_tradnl" dirty="0"/>
           </a:p>
         </p:txBody>
       </p:sp>
     </p:spTree>
     <p:extLst>
       <p:ext uri="{BB962C8B-B14F-4D97-AF65-F5344CB8AC3E}">
-        <p14:creationId xmlns:p14="http://schemas.microsoft.com/office/powerpoint/2010/main" xmlns="" val="1791617492"/>
+        <p14:creationId xmlns:p14="http://schemas.microsoft.com/office/powerpoint/2010/main" val="1791617492"/>
       </p:ext>
     </p:extLst>
   </p:cSld>
   <p:clrMapOvr>
     <a:masterClrMapping/>
   </p:clrMapOvr>
-  <p:timing>
-    <p:tnLst>
-      <p:par>
-        <p:cTn id="1" dur="indefinite" restart="never" nodeType="tmRoot"/>
-      </p:par>
-    </p:tnLst>
-  </p:timing>
 </p:sld>
 </file>
 
@@ -9889,10 +9669,9 @@
           <a:p>
             <a:pPr algn="ctr"/>
             <a:r>
-              <a:rPr lang="es-ES_tradnl" dirty="0" smtClean="0"/>
+              <a:rPr lang="es-ES_tradnl" dirty="0"/>
               <a:t>CLIENTE: ANGULAR</a:t>
             </a:r>
-            <a:endParaRPr lang="es-ES_tradnl" dirty="0"/>
           </a:p>
         </p:txBody>
       </p:sp>
@@ -9936,7 +9715,7 @@
               <a:defRPr/>
             </a:pPr>
             <a:r>
-              <a:rPr lang="es-ES_tradnl" sz="1800" dirty="0" smtClean="0"/>
+              <a:rPr lang="es-ES_tradnl" sz="1800" dirty="0"/>
               <a:t>En esta parte de angular es donde se definen la mayor parte de las funciones que vamos a utilizar en nuestra web por ejemplo:</a:t>
             </a:r>
           </a:p>
@@ -9958,7 +9737,7 @@
               <a:tabLst/>
               <a:defRPr/>
             </a:pPr>
-            <a:endParaRPr lang="es-ES_tradnl" sz="1800" dirty="0" smtClean="0"/>
+            <a:endParaRPr lang="es-ES_tradnl" sz="1800" dirty="0"/>
           </a:p>
           <a:p>
             <a:pPr defTabSz="914400">
@@ -9969,30 +9748,108 @@
               <a:buSzTx/>
             </a:pPr>
             <a:r>
-              <a:rPr lang="es-ES_tradnl" sz="1800" dirty="0" smtClean="0"/>
+              <a:rPr lang="es-ES_tradnl" sz="1800" dirty="0"/>
+              <a:t> Crear o leer cookies (para lo que hemos  empleado </a:t>
+            </a:r>
+            <a:r>
+              <a:rPr lang="es-ES_tradnl" sz="1800" i="1" dirty="0" err="1"/>
+              <a:t>factory</a:t>
+            </a:r>
+            <a:r>
+              <a:rPr lang="es-ES_tradnl" sz="1800" dirty="0"/>
+              <a:t>)</a:t>
+            </a:r>
+          </a:p>
+          <a:p>
+            <a:pPr defTabSz="914400">
+              <a:spcBef>
+                <a:spcPts val="0"/>
+              </a:spcBef>
+              <a:buClrTx/>
+              <a:buSzTx/>
+            </a:pPr>
+            <a:endParaRPr lang="es-ES_tradnl" sz="1800" dirty="0"/>
+          </a:p>
+          <a:p>
+            <a:pPr defTabSz="914400">
+              <a:spcBef>
+                <a:spcPts val="0"/>
+              </a:spcBef>
+              <a:buClrTx/>
+              <a:buSzTx/>
+            </a:pPr>
+            <a:r>
+              <a:rPr lang="es-ES_tradnl" sz="1800" dirty="0"/>
+              <a:t> Iniciar o finalizar sesión.</a:t>
+            </a:r>
+          </a:p>
+          <a:p>
+            <a:pPr defTabSz="914400">
+              <a:spcBef>
+                <a:spcPts val="0"/>
+              </a:spcBef>
+              <a:buClrTx/>
+              <a:buSzTx/>
+            </a:pPr>
+            <a:endParaRPr lang="es-ES_tradnl" sz="1800" dirty="0"/>
+          </a:p>
+          <a:p>
+            <a:pPr defTabSz="914400">
+              <a:spcBef>
+                <a:spcPts val="0"/>
+              </a:spcBef>
+              <a:buClrTx/>
+              <a:buSzTx/>
+            </a:pPr>
+            <a:r>
+              <a:rPr lang="es-ES_tradnl" sz="1800" dirty="0"/>
+              <a:t> Funciones que envían peticiones al servidor</a:t>
+            </a:r>
+          </a:p>
+          <a:p>
+            <a:pPr defTabSz="914400">
+              <a:spcBef>
+                <a:spcPts val="0"/>
+              </a:spcBef>
+              <a:buClrTx/>
+              <a:buSzTx/>
+              <a:buNone/>
+            </a:pPr>
+            <a:endParaRPr lang="es-ES_tradnl" sz="1800" dirty="0"/>
+          </a:p>
+          <a:p>
+            <a:pPr defTabSz="914400">
+              <a:spcBef>
+                <a:spcPts val="0"/>
+              </a:spcBef>
+              <a:buClrTx/>
+              <a:buSzTx/>
+              <a:buNone/>
+            </a:pPr>
+            <a:r>
+              <a:rPr lang="es-ES_tradnl" sz="1800" dirty="0"/>
+              <a:t>Los servicios (Variable empezadas por $) mas empleados han sido </a:t>
+            </a:r>
+            <a:r>
+              <a:rPr lang="es-ES_tradnl" sz="1800" i="1" dirty="0"/>
+              <a:t> $</a:t>
+            </a:r>
+            <a:r>
+              <a:rPr lang="es-ES_tradnl" sz="1800" i="1" dirty="0" err="1"/>
+              <a:t>scope</a:t>
+            </a:r>
+            <a:r>
+              <a:rPr lang="es-ES_tradnl" sz="1800" i="1" dirty="0"/>
               <a:t> </a:t>
             </a:r>
             <a:r>
               <a:rPr lang="es-ES_tradnl" sz="1800" dirty="0"/>
-              <a:t>C</a:t>
-            </a:r>
-            <a:r>
-              <a:rPr lang="es-ES_tradnl" sz="1800" dirty="0" smtClean="0"/>
-              <a:t>rear o leer </a:t>
-            </a:r>
-            <a:r>
-              <a:rPr lang="es-ES_tradnl" sz="1800" dirty="0" smtClean="0"/>
-              <a:t>cookies (para lo que hemos  empleado </a:t>
-            </a:r>
-            <a:r>
-              <a:rPr lang="es-ES_tradnl" sz="1800" i="1" dirty="0" err="1" smtClean="0"/>
-              <a:t>factory</a:t>
-            </a:r>
-            <a:r>
-              <a:rPr lang="es-ES_tradnl" sz="1800" dirty="0" smtClean="0"/>
-              <a:t>)</a:t>
-            </a:r>
-            <a:endParaRPr lang="es-ES_tradnl" sz="1800" dirty="0" smtClean="0"/>
+              <a:t>y </a:t>
+            </a:r>
+            <a:r>
+              <a:rPr lang="es-ES_tradnl" sz="1800" i="1" dirty="0"/>
+              <a:t>$http</a:t>
+            </a:r>
           </a:p>
           <a:p>
             <a:pPr defTabSz="914400">
@@ -10001,8 +9858,9 @@
               </a:spcBef>
               <a:buClrTx/>
               <a:buSzTx/>
-            </a:pPr>
-            <a:endParaRPr lang="es-ES_tradnl" sz="1800" dirty="0" smtClean="0"/>
+              <a:buNone/>
+            </a:pPr>
+            <a:endParaRPr lang="es-ES_tradnl" sz="1800" dirty="0"/>
           </a:p>
           <a:p>
             <a:pPr defTabSz="914400">
@@ -10011,18 +9869,31 @@
               </a:spcBef>
               <a:buClrTx/>
               <a:buSzTx/>
-            </a:pPr>
-            <a:r>
-              <a:rPr lang="es-ES_tradnl" sz="1800" dirty="0" smtClean="0"/>
-              <a:t> </a:t>
+              <a:buNone/>
+            </a:pPr>
+            <a:r>
+              <a:rPr lang="es-ES_tradnl" sz="1800" dirty="0" err="1"/>
+              <a:t>Tambien</a:t>
             </a:r>
             <a:r>
               <a:rPr lang="es-ES_tradnl" sz="1800" dirty="0"/>
-              <a:t>I</a:t>
-            </a:r>
-            <a:r>
-              <a:rPr lang="es-ES_tradnl" sz="1800" dirty="0" smtClean="0"/>
-              <a:t>niciar o finalizar sesión.</a:t>
+              <a:t> han sido empleadas las funciones </a:t>
+            </a:r>
+            <a:r>
+              <a:rPr lang="es-ES_tradnl" sz="1800" i="1" dirty="0" err="1"/>
+              <a:t>directive</a:t>
+            </a:r>
+            <a:r>
+              <a:rPr lang="es-ES_tradnl" sz="1800" dirty="0"/>
+              <a:t> y </a:t>
+            </a:r>
+            <a:r>
+              <a:rPr lang="es-ES_tradnl" sz="1800" i="1" dirty="0" err="1"/>
+              <a:t>service</a:t>
+            </a:r>
+            <a:r>
+              <a:rPr lang="es-ES_tradnl" sz="1800" dirty="0"/>
+              <a:t> para la implementación de la subida de ficheros</a:t>
             </a:r>
           </a:p>
           <a:p>
@@ -10032,135 +9903,12 @@
               </a:spcBef>
               <a:buClrTx/>
               <a:buSzTx/>
-            </a:pPr>
-            <a:endParaRPr lang="es-ES_tradnl" sz="1800" dirty="0" smtClean="0"/>
-          </a:p>
-          <a:p>
-            <a:pPr defTabSz="914400">
-              <a:spcBef>
-                <a:spcPts val="0"/>
-              </a:spcBef>
-              <a:buClrTx/>
-              <a:buSzTx/>
-            </a:pPr>
-            <a:r>
-              <a:rPr lang="es-ES_tradnl" sz="1800" dirty="0" smtClean="0"/>
-              <a:t> Funciones que envían peticiones al </a:t>
-            </a:r>
-            <a:r>
-              <a:rPr lang="es-ES_tradnl" sz="1800" dirty="0" smtClean="0"/>
-              <a:t>servidor</a:t>
-            </a:r>
-          </a:p>
-          <a:p>
-            <a:pPr defTabSz="914400">
-              <a:spcBef>
-                <a:spcPts val="0"/>
-              </a:spcBef>
-              <a:buClrTx/>
-              <a:buSzTx/>
-              <a:buNone/>
-            </a:pPr>
-            <a:endParaRPr lang="es-ES_tradnl" sz="1800" dirty="0" smtClean="0"/>
-          </a:p>
-          <a:p>
-            <a:pPr defTabSz="914400">
-              <a:spcBef>
-                <a:spcPts val="0"/>
-              </a:spcBef>
-              <a:buClrTx/>
-              <a:buSzTx/>
-              <a:buNone/>
-            </a:pPr>
-            <a:r>
-              <a:rPr lang="es-ES_tradnl" sz="1800" dirty="0" smtClean="0"/>
-              <a:t>Los servicios (Variable empezadas por $) mas empleados han sido </a:t>
-            </a:r>
-            <a:r>
-              <a:rPr lang="es-ES_tradnl" sz="1800" i="1" dirty="0" smtClean="0"/>
-              <a:t> $</a:t>
-            </a:r>
-            <a:r>
-              <a:rPr lang="es-ES_tradnl" sz="1800" i="1" dirty="0" err="1" smtClean="0"/>
-              <a:t>scope</a:t>
-            </a:r>
-            <a:r>
-              <a:rPr lang="es-ES_tradnl" sz="1800" i="1" dirty="0" smtClean="0"/>
-              <a:t> </a:t>
-            </a:r>
-            <a:r>
-              <a:rPr lang="es-ES_tradnl" sz="1800" dirty="0" smtClean="0"/>
-              <a:t>y </a:t>
-            </a:r>
-            <a:r>
-              <a:rPr lang="es-ES_tradnl" sz="1800" i="1" dirty="0" smtClean="0"/>
-              <a:t>$http</a:t>
-            </a:r>
-          </a:p>
-          <a:p>
-            <a:pPr defTabSz="914400">
-              <a:spcBef>
-                <a:spcPts val="0"/>
-              </a:spcBef>
-              <a:buClrTx/>
-              <a:buSzTx/>
-              <a:buNone/>
-            </a:pPr>
-            <a:endParaRPr lang="es-ES_tradnl" sz="1800" dirty="0" smtClean="0"/>
-          </a:p>
-          <a:p>
-            <a:pPr defTabSz="914400">
-              <a:spcBef>
-                <a:spcPts val="0"/>
-              </a:spcBef>
-              <a:buClrTx/>
-              <a:buSzTx/>
-              <a:buNone/>
-            </a:pPr>
-            <a:r>
-              <a:rPr lang="es-ES_tradnl" sz="1800" dirty="0" err="1" smtClean="0"/>
-              <a:t>Tambien</a:t>
-            </a:r>
-            <a:r>
-              <a:rPr lang="es-ES_tradnl" sz="1800" dirty="0" smtClean="0"/>
-              <a:t> han sido empleadas las funciones </a:t>
-            </a:r>
-            <a:r>
-              <a:rPr lang="es-ES_tradnl" sz="1800" i="1" dirty="0" err="1" smtClean="0"/>
-              <a:t>directive</a:t>
-            </a:r>
-            <a:r>
-              <a:rPr lang="es-ES_tradnl" sz="1800" dirty="0" smtClean="0"/>
-              <a:t> </a:t>
-            </a:r>
-            <a:r>
-              <a:rPr lang="es-ES_tradnl" sz="1800" dirty="0" smtClean="0"/>
-              <a:t>y </a:t>
-            </a:r>
-            <a:r>
-              <a:rPr lang="es-ES_tradnl" sz="1800" i="1" dirty="0" err="1" smtClean="0"/>
-              <a:t>service</a:t>
-            </a:r>
-            <a:r>
-              <a:rPr lang="es-ES_tradnl" sz="1800" dirty="0" smtClean="0"/>
-              <a:t> para la implementación de la subida de ficheros</a:t>
-            </a:r>
-            <a:endParaRPr lang="es-ES_tradnl" sz="1800" dirty="0" smtClean="0"/>
-          </a:p>
-          <a:p>
-            <a:pPr defTabSz="914400">
-              <a:spcBef>
-                <a:spcPts val="0"/>
-              </a:spcBef>
-              <a:buClrTx/>
-              <a:buSzTx/>
-              <a:buNone/>
-            </a:pPr>
-            <a:r>
-              <a:rPr lang="es-ES_tradnl" sz="1600" dirty="0" smtClean="0"/>
+              <a:buNone/>
+            </a:pPr>
+            <a:r>
+              <a:rPr lang="es-ES_tradnl" sz="1600" dirty="0"/>
               <a:t>	</a:t>
             </a:r>
-            <a:endParaRPr lang="es-ES_tradnl" sz="1600" dirty="0" smtClean="0"/>
           </a:p>
           <a:p>
             <a:pPr marL="0" marR="0" lvl="0" indent="0" defTabSz="914400" eaLnBrk="1" fontAlgn="auto" latinLnBrk="0" hangingPunct="1">
@@ -10207,20 +9955,13 @@
     </p:spTree>
     <p:extLst>
       <p:ext uri="{BB962C8B-B14F-4D97-AF65-F5344CB8AC3E}">
-        <p14:creationId xmlns:p14="http://schemas.microsoft.com/office/powerpoint/2010/main" xmlns="" val="872029118"/>
+        <p14:creationId xmlns:p14="http://schemas.microsoft.com/office/powerpoint/2010/main" val="872029118"/>
       </p:ext>
     </p:extLst>
   </p:cSld>
   <p:clrMapOvr>
     <a:masterClrMapping/>
   </p:clrMapOvr>
-  <p:timing>
-    <p:tnLst>
-      <p:par>
-        <p:cTn id="1" dur="indefinite" restart="never" nodeType="tmRoot"/>
-      </p:par>
-    </p:tnLst>
-  </p:timing>
 </p:sld>
 </file>
 
@@ -10263,10 +10004,9 @@
           <a:p>
             <a:pPr algn="ctr"/>
             <a:r>
-              <a:rPr lang="es-ES_tradnl" dirty="0" smtClean="0"/>
+              <a:rPr lang="es-ES_tradnl" dirty="0"/>
               <a:t>CLIENTE: ANGULAR</a:t>
             </a:r>
-            <a:endParaRPr lang="es-ES_tradnl" dirty="0"/>
           </a:p>
         </p:txBody>
       </p:sp>
@@ -10308,12 +10048,8 @@
               <a:defRPr/>
             </a:pPr>
             <a:r>
-              <a:rPr lang="es-ES_tradnl" dirty="0" smtClean="0"/>
-              <a:t>A continuación vamos a ver un ejemplo en el que mediante una </a:t>
-            </a:r>
-            <a:r>
-              <a:rPr lang="es-ES_tradnl" dirty="0" smtClean="0"/>
-              <a:t> de las funciones implementadas:</a:t>
+              <a:rPr lang="es-ES_tradnl" dirty="0"/>
+              <a:t>A continuación vamos a ver un ejemplo en el que mediante una  de las funciones implementadas:</a:t>
             </a:r>
           </a:p>
           <a:p>
@@ -10334,7 +10070,7 @@
               <a:tabLst/>
               <a:defRPr/>
             </a:pPr>
-            <a:endParaRPr lang="es-ES_tradnl" dirty="0" smtClean="0"/>
+            <a:endParaRPr lang="es-ES_tradnl" dirty="0"/>
           </a:p>
           <a:p>
             <a:pPr marL="0" marR="0" lvl="0" indent="0" defTabSz="914400" eaLnBrk="1" fontAlgn="auto" latinLnBrk="0" hangingPunct="1">
@@ -10355,35 +10091,27 @@
               <a:defRPr/>
             </a:pPr>
             <a:r>
-              <a:rPr lang="es-ES_tradnl" dirty="0" smtClean="0"/>
+              <a:rPr lang="es-ES_tradnl" dirty="0"/>
               <a:t> </a:t>
             </a:r>
             <a:r>
-              <a:rPr lang="es-ES_tradnl" i="1" dirty="0" err="1" smtClean="0"/>
+              <a:rPr lang="es-ES_tradnl" i="1" dirty="0" err="1"/>
               <a:t>HistoryStatus_general</a:t>
             </a:r>
             <a:r>
-              <a:rPr lang="es-ES_tradnl" i="1" dirty="0" smtClean="0"/>
-              <a:t> </a:t>
-            </a:r>
-            <a:r>
-              <a:rPr lang="es-ES_tradnl" i="1" dirty="0" smtClean="0"/>
-              <a:t> </a:t>
-            </a:r>
-            <a:r>
-              <a:rPr lang="es-ES_tradnl" dirty="0" smtClean="0"/>
-              <a:t>envía </a:t>
-            </a:r>
-            <a:r>
-              <a:rPr lang="es-ES_tradnl" dirty="0" smtClean="0"/>
-              <a:t>por http.post una petición a la </a:t>
-            </a:r>
-            <a:r>
-              <a:rPr lang="es-ES_tradnl" dirty="0" err="1" smtClean="0"/>
+              <a:rPr lang="es-ES_tradnl" i="1" dirty="0"/>
+              <a:t>  </a:t>
+            </a:r>
+            <a:r>
+              <a:rPr lang="es-ES_tradnl" dirty="0"/>
+              <a:t>envía por http.post una petición a la </a:t>
+            </a:r>
+            <a:r>
+              <a:rPr lang="es-ES_tradnl" dirty="0" err="1"/>
               <a:t>url</a:t>
             </a:r>
             <a:r>
-              <a:rPr lang="es-ES_tradnl" dirty="0" smtClean="0"/>
+              <a:rPr lang="es-ES_tradnl" dirty="0"/>
               <a:t> con los datos que se incluyen en la variable data. Tras esto el cliente se queda esperando respuesta:</a:t>
             </a:r>
           </a:p>
@@ -10405,7 +10133,7 @@
               <a:tabLst/>
               <a:defRPr/>
             </a:pPr>
-            <a:endParaRPr lang="es-ES_tradnl" dirty="0" smtClean="0"/>
+            <a:endParaRPr lang="es-ES_tradnl" dirty="0"/>
           </a:p>
           <a:p>
             <a:pPr marL="0" marR="0" lvl="0" indent="0" defTabSz="914400" eaLnBrk="1" fontAlgn="auto" latinLnBrk="0" hangingPunct="1">
@@ -10436,14 +10164,14 @@
               <a:buSzTx/>
             </a:pPr>
             <a:r>
-              <a:rPr lang="es-ES_tradnl" dirty="0" smtClean="0"/>
+              <a:rPr lang="es-ES_tradnl" dirty="0"/>
               <a:t>Si tiene éxito realiza el código dentro de la función </a:t>
             </a:r>
             <a:r>
-              <a:rPr lang="es-ES_tradnl" i="1" dirty="0" err="1" smtClean="0"/>
+              <a:rPr lang="es-ES_tradnl" i="1" dirty="0" err="1"/>
               <a:t>mySuccess</a:t>
             </a:r>
-            <a:endParaRPr lang="es-ES_tradnl" i="1" dirty="0" smtClean="0"/>
+            <a:endParaRPr lang="es-ES_tradnl" i="1" dirty="0"/>
           </a:p>
           <a:p>
             <a:pPr defTabSz="914400">
@@ -10453,7 +10181,7 @@
               <a:buClrTx/>
               <a:buSzTx/>
             </a:pPr>
-            <a:endParaRPr lang="es-ES_tradnl" dirty="0" smtClean="0"/>
+            <a:endParaRPr lang="es-ES_tradnl" dirty="0"/>
           </a:p>
           <a:p>
             <a:pPr defTabSz="914400">
@@ -10484,11 +10212,11 @@
               <a:buSzTx/>
             </a:pPr>
             <a:r>
-              <a:rPr lang="es-ES_tradnl" dirty="0" smtClean="0"/>
+              <a:rPr lang="es-ES_tradnl" dirty="0"/>
               <a:t>Si hay un error se realiza el código dentro de la función </a:t>
             </a:r>
             <a:r>
-              <a:rPr lang="es-ES_tradnl" i="1" dirty="0" err="1" smtClean="0"/>
+              <a:rPr lang="es-ES_tradnl" i="1" dirty="0" err="1"/>
               <a:t>myError</a:t>
             </a:r>
             <a:endParaRPr lang="es-ES_tradnl" i="1" dirty="0"/>
@@ -10498,20 +10226,13 @@
     </p:spTree>
     <p:extLst>
       <p:ext uri="{BB962C8B-B14F-4D97-AF65-F5344CB8AC3E}">
-        <p14:creationId xmlns:p14="http://schemas.microsoft.com/office/powerpoint/2010/main" xmlns="" val="1814917735"/>
+        <p14:creationId xmlns:p14="http://schemas.microsoft.com/office/powerpoint/2010/main" val="1814917735"/>
       </p:ext>
     </p:extLst>
   </p:cSld>
   <p:clrMapOvr>
     <a:masterClrMapping/>
   </p:clrMapOvr>
-  <p:timing>
-    <p:tnLst>
-      <p:par>
-        <p:cTn id="1" dur="indefinite" restart="never" nodeType="tmRoot"/>
-      </p:par>
-    </p:tnLst>
-  </p:timing>
 </p:sld>
 </file>
 
@@ -10549,10 +10270,9 @@
           <a:p>
             <a:pPr algn="ctr"/>
             <a:r>
-              <a:rPr lang="es-ES_tradnl" dirty="0" smtClean="0"/>
+              <a:rPr lang="es-ES_tradnl" dirty="0"/>
               <a:t>CLIENTE: ANGULAR</a:t>
             </a:r>
-            <a:endParaRPr lang="es-ES_tradnl" dirty="0"/>
           </a:p>
         </p:txBody>
       </p:sp>
@@ -10626,7 +10346,7 @@
               <a:tabLst/>
               <a:defRPr/>
             </a:pPr>
-            <a:endParaRPr lang="es-ES_tradnl" dirty="0" smtClean="0"/>
+            <a:endParaRPr lang="es-ES_tradnl" dirty="0"/>
           </a:p>
           <a:p>
             <a:pPr marL="0" marR="0" lvl="0" indent="0" defTabSz="914400" eaLnBrk="1" fontAlgn="auto" latinLnBrk="0" hangingPunct="1">
@@ -10666,7 +10386,7 @@
               <a:tabLst/>
               <a:defRPr/>
             </a:pPr>
-            <a:endParaRPr lang="es-ES_tradnl" dirty="0" smtClean="0"/>
+            <a:endParaRPr lang="es-ES_tradnl" dirty="0"/>
           </a:p>
           <a:p>
             <a:pPr marL="0" marR="0" lvl="0" indent="0" defTabSz="914400" eaLnBrk="1" fontAlgn="auto" latinLnBrk="0" hangingPunct="1">
@@ -10706,7 +10426,7 @@
               <a:tabLst/>
               <a:defRPr/>
             </a:pPr>
-            <a:endParaRPr lang="es-ES_tradnl" dirty="0" smtClean="0"/>
+            <a:endParaRPr lang="es-ES_tradnl" dirty="0"/>
           </a:p>
           <a:p>
             <a:pPr marL="0" marR="0" lvl="0" indent="0" defTabSz="914400" eaLnBrk="1" fontAlgn="auto" latinLnBrk="0" hangingPunct="1">
@@ -10746,7 +10466,7 @@
               <a:tabLst/>
               <a:defRPr/>
             </a:pPr>
-            <a:endParaRPr lang="es-ES_tradnl" dirty="0" smtClean="0"/>
+            <a:endParaRPr lang="es-ES_tradnl" dirty="0"/>
           </a:p>
           <a:p>
             <a:pPr marL="0" marR="0" lvl="0" indent="0" defTabSz="914400" eaLnBrk="1" fontAlgn="auto" latinLnBrk="0" hangingPunct="1">
@@ -10786,7 +10506,7 @@
               <a:tabLst/>
               <a:defRPr/>
             </a:pPr>
-            <a:endParaRPr lang="es-ES_tradnl" dirty="0" smtClean="0"/>
+            <a:endParaRPr lang="es-ES_tradnl" dirty="0"/>
           </a:p>
           <a:p>
             <a:pPr marL="0" marR="0" lvl="0" indent="0" defTabSz="914400" eaLnBrk="1" fontAlgn="auto" latinLnBrk="0" hangingPunct="1">
@@ -10826,7 +10546,7 @@
               <a:tabLst/>
               <a:defRPr/>
             </a:pPr>
-            <a:endParaRPr lang="es-ES_tradnl" dirty="0" smtClean="0"/>
+            <a:endParaRPr lang="es-ES_tradnl" dirty="0"/>
           </a:p>
           <a:p>
             <a:pPr marL="0" marR="0" lvl="0" indent="0" defTabSz="914400" eaLnBrk="1" fontAlgn="auto" latinLnBrk="0" hangingPunct="1">
@@ -10846,7 +10566,7 @@
               <a:tabLst/>
               <a:defRPr/>
             </a:pPr>
-            <a:endParaRPr lang="es-ES_tradnl" dirty="0" smtClean="0"/>
+            <a:endParaRPr lang="es-ES_tradnl" dirty="0"/>
           </a:p>
           <a:p>
             <a:pPr marL="0" marR="0" lvl="0" indent="0" defTabSz="914400" eaLnBrk="1" fontAlgn="auto" latinLnBrk="0" hangingPunct="1">
@@ -10866,7 +10586,7 @@
               <a:tabLst/>
               <a:defRPr/>
             </a:pPr>
-            <a:endParaRPr lang="es-ES_tradnl" dirty="0" smtClean="0"/>
+            <a:endParaRPr lang="es-ES_tradnl" dirty="0"/>
           </a:p>
           <a:p>
             <a:pPr marL="0" marR="0" lvl="0" indent="0" defTabSz="914400" eaLnBrk="1" fontAlgn="auto" latinLnBrk="0" hangingPunct="1">
@@ -10887,10 +10607,9 @@
               <a:defRPr/>
             </a:pPr>
             <a:r>
-              <a:rPr lang="es-ES_tradnl" dirty="0" smtClean="0"/>
+              <a:rPr lang="es-ES_tradnl" dirty="0"/>
               <a:t>Esta función es llamada en el HTML mediante:</a:t>
             </a:r>
-            <a:endParaRPr lang="es-ES_tradnl" dirty="0"/>
           </a:p>
           <a:p>
             <a:pPr defTabSz="914400">
@@ -10902,19 +10621,19 @@
               <a:defRPr/>
             </a:pPr>
             <a:r>
-              <a:rPr lang="es-ES_tradnl" i="1" dirty="0" err="1" smtClean="0"/>
+              <a:rPr lang="es-ES_tradnl" i="1" dirty="0" err="1"/>
               <a:t>ng-click</a:t>
             </a:r>
             <a:r>
-              <a:rPr lang="es-ES_tradnl" i="1" dirty="0" smtClean="0"/>
+              <a:rPr lang="es-ES_tradnl" i="1" dirty="0"/>
               <a:t>=</a:t>
             </a:r>
             <a:r>
-              <a:rPr lang="es-ES_tradnl" i="1" dirty="0" err="1" smtClean="0"/>
+              <a:rPr lang="es-ES_tradnl" i="1" dirty="0" err="1"/>
               <a:t>HistorySprintEstatus</a:t>
             </a:r>
             <a:r>
-              <a:rPr lang="es-ES_tradnl" i="1" dirty="0" smtClean="0"/>
+              <a:rPr lang="es-ES_tradnl" i="1" dirty="0"/>
               <a:t>(‘Terminada’)</a:t>
             </a:r>
           </a:p>
@@ -10943,14 +10662,14 @@
           <a:effectLst/>
           <a:extLst>
             <a:ext uri="{909E8E84-426E-40DD-AFC4-6F175D3DCCD1}">
-              <a14:hiddenFill xmlns:a14="http://schemas.microsoft.com/office/drawing/2010/main" xmlns="">
+              <a14:hiddenFill xmlns:a14="http://schemas.microsoft.com/office/drawing/2010/main">
                 <a:solidFill>
                   <a:schemeClr val="accent1"/>
                 </a:solidFill>
               </a14:hiddenFill>
             </a:ext>
             <a:ext uri="{91240B29-F687-4F45-9708-019B960494DF}">
-              <a14:hiddenLine xmlns:a14="http://schemas.microsoft.com/office/drawing/2010/main" xmlns="" w="9525">
+              <a14:hiddenLine xmlns:a14="http://schemas.microsoft.com/office/drawing/2010/main" w="9525">
                 <a:solidFill>
                   <a:schemeClr val="tx1"/>
                 </a:solidFill>
@@ -10960,7 +10679,7 @@
               </a14:hiddenLine>
             </a:ext>
             <a:ext uri="{AF507438-7753-43E0-B8FC-AC1667EBCBE1}">
-              <a14:hiddenEffects xmlns:a14="http://schemas.microsoft.com/office/drawing/2010/main" xmlns="">
+              <a14:hiddenEffects xmlns:a14="http://schemas.microsoft.com/office/drawing/2010/main">
                 <a:effectLst>
                   <a:outerShdw blurRad="63500" dist="38099" dir="2700000" algn="ctr" rotWithShape="0">
                     <a:schemeClr val="bg2">
@@ -11012,20 +10731,13 @@
     </p:spTree>
     <p:extLst>
       <p:ext uri="{BB962C8B-B14F-4D97-AF65-F5344CB8AC3E}">
-        <p14:creationId xmlns:p14="http://schemas.microsoft.com/office/powerpoint/2010/main" xmlns="" val="745632484"/>
+        <p14:creationId xmlns:p14="http://schemas.microsoft.com/office/powerpoint/2010/main" val="745632484"/>
       </p:ext>
     </p:extLst>
   </p:cSld>
   <p:clrMapOvr>
     <a:masterClrMapping/>
   </p:clrMapOvr>
-  <p:timing>
-    <p:tnLst>
-      <p:par>
-        <p:cTn id="1" dur="indefinite" restart="never" nodeType="tmRoot"/>
-      </p:par>
-    </p:tnLst>
-  </p:timing>
 </p:sld>
 </file>
 
@@ -11068,10 +10780,9 @@
           <a:p>
             <a:pPr algn="ctr"/>
             <a:r>
-              <a:rPr lang="es-ES_tradnl" dirty="0" smtClean="0"/>
+              <a:rPr lang="es-ES_tradnl" dirty="0"/>
               <a:t>CLIENTE: ANGULAR</a:t>
             </a:r>
-            <a:endParaRPr lang="es-ES_tradnl" dirty="0"/>
           </a:p>
         </p:txBody>
       </p:sp>
@@ -11105,16 +10816,8 @@
               <a:defRPr/>
             </a:pPr>
             <a:r>
-              <a:rPr lang="es-ES_tradnl" dirty="0" smtClean="0"/>
-              <a:t>De </a:t>
-            </a:r>
-            <a:r>
               <a:rPr lang="es-ES_tradnl" dirty="0"/>
-              <a:t>esta forma angular gestiona todas las peticiones enviadas al servidor, lo único que puede cambiar es</a:t>
-            </a:r>
-            <a:r>
-              <a:rPr lang="es-ES_tradnl" dirty="0" smtClean="0"/>
-              <a:t>:</a:t>
+              <a:t>De esta forma angular gestiona todas las peticiones enviadas al servidor, lo único que puede cambiar es:</a:t>
             </a:r>
           </a:p>
           <a:p>
@@ -11175,11 +10878,7 @@
             </a:r>
             <a:r>
               <a:rPr lang="es-ES_tradnl" dirty="0"/>
-              <a:t> según lo que se tenga que </a:t>
-            </a:r>
-            <a:r>
-              <a:rPr lang="es-ES_tradnl" dirty="0" smtClean="0"/>
-              <a:t>hacer.</a:t>
+              <a:t> según lo que se tenga que hacer.</a:t>
             </a:r>
           </a:p>
           <a:p>
@@ -11220,11 +10919,7 @@
             </a:r>
             <a:r>
               <a:rPr lang="es-ES_tradnl" dirty="0"/>
-              <a:t> son cambiantes y a veces no se </a:t>
-            </a:r>
-            <a:r>
-              <a:rPr lang="es-ES_tradnl" dirty="0" smtClean="0"/>
-              <a:t>implementan.</a:t>
+              <a:t> son cambiantes y a veces no se implementan.</a:t>
             </a:r>
           </a:p>
           <a:p>
@@ -11277,20 +10972,13 @@
     </p:spTree>
     <p:extLst>
       <p:ext uri="{BB962C8B-B14F-4D97-AF65-F5344CB8AC3E}">
-        <p14:creationId xmlns:p14="http://schemas.microsoft.com/office/powerpoint/2010/main" xmlns="" val="362225335"/>
+        <p14:creationId xmlns:p14="http://schemas.microsoft.com/office/powerpoint/2010/main" val="362225335"/>
       </p:ext>
     </p:extLst>
   </p:cSld>
   <p:clrMapOvr>
     <a:masterClrMapping/>
   </p:clrMapOvr>
-  <p:timing>
-    <p:tnLst>
-      <p:par>
-        <p:cTn id="1" dur="indefinite" restart="never" nodeType="tmRoot"/>
-      </p:par>
-    </p:tnLst>
-  </p:timing>
 </p:sld>
 </file>
 
@@ -11333,10 +11021,9 @@
           <a:p>
             <a:pPr algn="ctr"/>
             <a:r>
-              <a:rPr lang="es-ES_tradnl" smtClean="0"/>
+              <a:rPr lang="es-ES_tradnl"/>
               <a:t>SERVIDOR</a:t>
             </a:r>
-            <a:endParaRPr lang="es-ES_tradnl"/>
           </a:p>
         </p:txBody>
       </p:sp>
@@ -11378,28 +11065,16 @@
               <a:defRPr/>
             </a:pPr>
             <a:r>
-              <a:rPr lang="es-ES_tradnl" dirty="0" smtClean="0"/>
-              <a:t>Se ha implementador un servidor REST para el que </a:t>
-            </a:r>
-            <a:r>
-              <a:rPr lang="es-ES_tradnl" dirty="0" smtClean="0"/>
-              <a:t>hemos </a:t>
-            </a:r>
-            <a:r>
-              <a:rPr lang="es-ES_tradnl" dirty="0" smtClean="0"/>
-              <a:t>utilizado </a:t>
-            </a:r>
-            <a:r>
-              <a:rPr lang="es-ES_tradnl" dirty="0" err="1" smtClean="0"/>
+              <a:rPr lang="es-ES_tradnl" dirty="0"/>
+              <a:t>Se ha implementador un servidor REST para el que hemos utilizado </a:t>
+            </a:r>
+            <a:r>
+              <a:rPr lang="es-ES_tradnl" dirty="0" err="1"/>
               <a:t>Nodejs</a:t>
             </a:r>
             <a:r>
-              <a:rPr lang="es-ES_tradnl" dirty="0" smtClean="0"/>
-              <a:t> </a:t>
-            </a:r>
-            <a:r>
-              <a:rPr lang="es-ES_tradnl" dirty="0" smtClean="0"/>
-              <a:t>con una serie de módulos (que hay que instalar), que facilitan la implementación del mismo:</a:t>
+              <a:rPr lang="es-ES_tradnl" dirty="0"/>
+              <a:t> con una serie de módulos (que hay que instalar), que facilitan la implementación del mismo:</a:t>
             </a:r>
           </a:p>
           <a:p>
@@ -11420,7 +11095,7 @@
               <a:tabLst/>
               <a:defRPr/>
             </a:pPr>
-            <a:endParaRPr lang="es-ES_tradnl" dirty="0" smtClean="0"/>
+            <a:endParaRPr lang="es-ES_tradnl" dirty="0"/>
           </a:p>
           <a:p>
             <a:pPr marL="0" marR="0" lvl="0" indent="0" defTabSz="914400" eaLnBrk="1" fontAlgn="auto" latinLnBrk="0" hangingPunct="1">
@@ -11460,7 +11135,7 @@
               <a:tabLst/>
               <a:defRPr/>
             </a:pPr>
-            <a:endParaRPr lang="es-ES_tradnl" dirty="0" smtClean="0"/>
+            <a:endParaRPr lang="es-ES_tradnl" dirty="0"/>
           </a:p>
           <a:p>
             <a:pPr marL="0" marR="0" lvl="0" indent="0" defTabSz="914400" eaLnBrk="1" fontAlgn="auto" latinLnBrk="0" hangingPunct="1">
@@ -11511,22 +11186,9 @@
               <a:buSzTx/>
             </a:pPr>
             <a:r>
-              <a:rPr lang="es-ES_tradnl" dirty="0" smtClean="0"/>
-              <a:t>Express es el más importante y nos permite crear una </a:t>
-            </a:r>
-            <a:r>
-              <a:rPr lang="es-ES_tradnl" dirty="0" smtClean="0"/>
-              <a:t>servidor web de </a:t>
-            </a:r>
-            <a:r>
-              <a:rPr lang="es-ES_tradnl" dirty="0" smtClean="0"/>
-              <a:t>manera flexible y a la vez robusta</a:t>
-            </a:r>
-            <a:r>
-              <a:rPr lang="es-ES_tradnl" dirty="0" smtClean="0"/>
-              <a:t>.</a:t>
-            </a:r>
-            <a:endParaRPr lang="es-ES_tradnl" dirty="0" smtClean="0"/>
+              <a:rPr lang="es-ES_tradnl" dirty="0"/>
+              <a:t>Express es el más importante y nos permite crear una servidor web de manera flexible y a la vez robusta.</a:t>
+            </a:r>
           </a:p>
           <a:p>
             <a:pPr marL="0" indent="0" defTabSz="914400">
@@ -11537,7 +11199,7 @@
               <a:buSzTx/>
               <a:buNone/>
             </a:pPr>
-            <a:endParaRPr lang="es-ES_tradnl" dirty="0" smtClean="0"/>
+            <a:endParaRPr lang="es-ES_tradnl" dirty="0"/>
           </a:p>
           <a:p>
             <a:pPr marL="0" indent="0" defTabSz="914400">
@@ -11548,7 +11210,7 @@
               <a:buSzTx/>
               <a:buNone/>
             </a:pPr>
-            <a:endParaRPr lang="es-ES_tradnl" dirty="0" smtClean="0"/>
+            <a:endParaRPr lang="es-ES_tradnl" dirty="0"/>
           </a:p>
           <a:p>
             <a:pPr defTabSz="914400">
@@ -11559,10 +11221,9 @@
               <a:buSzTx/>
             </a:pPr>
             <a:r>
-              <a:rPr lang="es-ES_tradnl" dirty="0" smtClean="0"/>
+              <a:rPr lang="es-ES_tradnl" dirty="0"/>
               <a:t>Nuestro servidor empieza a escuchar peticiones una vez lo ejecutamos:</a:t>
             </a:r>
-            <a:endParaRPr lang="es-ES_tradnl" dirty="0"/>
           </a:p>
         </p:txBody>
       </p:sp>
@@ -11665,20 +11326,13 @@
     </p:spTree>
     <p:extLst>
       <p:ext uri="{BB962C8B-B14F-4D97-AF65-F5344CB8AC3E}">
-        <p14:creationId xmlns:p14="http://schemas.microsoft.com/office/powerpoint/2010/main" xmlns="" val="7638092"/>
+        <p14:creationId xmlns:p14="http://schemas.microsoft.com/office/powerpoint/2010/main" val="7638092"/>
       </p:ext>
     </p:extLst>
   </p:cSld>
   <p:clrMapOvr>
     <a:masterClrMapping/>
   </p:clrMapOvr>
-  <p:timing>
-    <p:tnLst>
-      <p:par>
-        <p:cTn id="1" dur="indefinite" restart="never" nodeType="tmRoot"/>
-      </p:par>
-    </p:tnLst>
-  </p:timing>
 </p:sld>
 </file>
 
@@ -11721,10 +11375,9 @@
           <a:p>
             <a:pPr algn="ctr"/>
             <a:r>
-              <a:rPr lang="es-ES_tradnl" smtClean="0"/>
+              <a:rPr lang="es-ES_tradnl"/>
               <a:t>SERVIDOR</a:t>
             </a:r>
-            <a:endParaRPr lang="es-ES_tradnl"/>
           </a:p>
         </p:txBody>
       </p:sp>
@@ -11766,7 +11419,7 @@
               <a:defRPr/>
             </a:pPr>
             <a:r>
-              <a:rPr lang="es-ES_tradnl" dirty="0" smtClean="0"/>
+              <a:rPr lang="es-ES_tradnl" dirty="0"/>
               <a:t>La función de los otros módulos son:</a:t>
             </a:r>
           </a:p>
@@ -11788,7 +11441,7 @@
               <a:tabLst/>
               <a:defRPr/>
             </a:pPr>
-            <a:endParaRPr lang="es-ES_tradnl" dirty="0" smtClean="0"/>
+            <a:endParaRPr lang="es-ES_tradnl" dirty="0"/>
           </a:p>
           <a:p>
             <a:pPr marL="0" marR="0" lvl="0" indent="0" defTabSz="914400" eaLnBrk="1" fontAlgn="auto" latinLnBrk="0" hangingPunct="1">
@@ -11819,28 +11472,12 @@
               <a:buSzTx/>
             </a:pPr>
             <a:r>
-              <a:rPr lang="es-ES_tradnl" dirty="0" err="1" smtClean="0"/>
+              <a:rPr lang="es-ES_tradnl" dirty="0" err="1"/>
               <a:t>Body</a:t>
             </a:r>
             <a:r>
-              <a:rPr lang="es-ES_tradnl" dirty="0" smtClean="0"/>
-              <a:t>-parser: utilizado </a:t>
-            </a:r>
-            <a:r>
-              <a:rPr lang="es-ES_tradnl" dirty="0" smtClean="0"/>
-              <a:t>para </a:t>
-            </a:r>
-            <a:r>
-              <a:rPr lang="es-ES_tradnl" dirty="0" smtClean="0"/>
-              <a:t>obtener los </a:t>
-            </a:r>
-            <a:r>
-              <a:rPr lang="es-ES_tradnl" dirty="0" smtClean="0"/>
-              <a:t>datos enviados por </a:t>
-            </a:r>
-            <a:r>
-              <a:rPr lang="es-ES_tradnl" dirty="0" smtClean="0"/>
-              <a:t>una petición HTTP.</a:t>
+              <a:rPr lang="es-ES_tradnl" dirty="0"/>
+              <a:t>-parser: utilizado para obtener los datos enviados por una petición HTTP.</a:t>
             </a:r>
           </a:p>
           <a:p>
@@ -11851,7 +11488,7 @@
               <a:buClrTx/>
               <a:buSzTx/>
             </a:pPr>
-            <a:endParaRPr lang="es-ES_tradnl" dirty="0" smtClean="0"/>
+            <a:endParaRPr lang="es-ES_tradnl" dirty="0"/>
           </a:p>
           <a:p>
             <a:pPr defTabSz="914400">
@@ -11872,38 +11509,37 @@
               <a:buSzTx/>
             </a:pPr>
             <a:r>
-              <a:rPr lang="es-ES_tradnl" dirty="0" err="1" smtClean="0"/>
+              <a:rPr lang="es-ES_tradnl" dirty="0" err="1"/>
               <a:t>Cors</a:t>
             </a:r>
             <a:r>
-              <a:rPr lang="es-ES_tradnl" dirty="0" smtClean="0"/>
+              <a:rPr lang="es-ES_tradnl" dirty="0"/>
               <a:t> (Cross-</a:t>
             </a:r>
             <a:r>
-              <a:rPr lang="es-ES_tradnl" dirty="0" err="1" smtClean="0"/>
+              <a:rPr lang="es-ES_tradnl" dirty="0" err="1"/>
               <a:t>origin</a:t>
             </a:r>
             <a:r>
-              <a:rPr lang="es-ES_tradnl" dirty="0" smtClean="0"/>
+              <a:rPr lang="es-ES_tradnl" dirty="0"/>
               <a:t> </a:t>
             </a:r>
             <a:r>
-              <a:rPr lang="es-ES_tradnl" dirty="0" err="1" smtClean="0"/>
+              <a:rPr lang="es-ES_tradnl" dirty="0" err="1"/>
               <a:t>resource</a:t>
             </a:r>
             <a:r>
-              <a:rPr lang="es-ES_tradnl" dirty="0" smtClean="0"/>
+              <a:rPr lang="es-ES_tradnl" dirty="0"/>
               <a:t> </a:t>
             </a:r>
             <a:r>
-              <a:rPr lang="es-ES_tradnl" dirty="0" err="1" smtClean="0"/>
+              <a:rPr lang="es-ES_tradnl" dirty="0" err="1"/>
               <a:t>sharing</a:t>
             </a:r>
             <a:r>
-              <a:rPr lang="es-ES_tradnl" dirty="0" smtClean="0"/>
+              <a:rPr lang="es-ES_tradnl" dirty="0"/>
               <a:t>): para permitir que el/los cliente/s  puedan interactuar con el servidor en distintos dominios</a:t>
             </a:r>
-            <a:endParaRPr lang="es-ES_tradnl" dirty="0" smtClean="0"/>
           </a:p>
           <a:p>
             <a:pPr defTabSz="914400">
@@ -11913,7 +11549,7 @@
               <a:buClrTx/>
               <a:buSzTx/>
             </a:pPr>
-            <a:endParaRPr lang="es-ES_tradnl" dirty="0" smtClean="0"/>
+            <a:endParaRPr lang="es-ES_tradnl" dirty="0"/>
           </a:p>
           <a:p>
             <a:pPr defTabSz="914400">
@@ -11934,20 +11570,12 @@
               <a:buSzTx/>
             </a:pPr>
             <a:r>
-              <a:rPr lang="es-ES_tradnl" dirty="0" err="1" smtClean="0"/>
+              <a:rPr lang="es-ES_tradnl" dirty="0" err="1"/>
               <a:t>Mysql</a:t>
             </a:r>
             <a:r>
-              <a:rPr lang="es-ES_tradnl" dirty="0" smtClean="0"/>
-              <a:t>: </a:t>
-            </a:r>
-            <a:r>
-              <a:rPr lang="es-ES_tradnl" dirty="0" smtClean="0"/>
-              <a:t>Necesario para </a:t>
-            </a:r>
-            <a:r>
-              <a:rPr lang="es-ES_tradnl" dirty="0" smtClean="0"/>
-              <a:t>la conexión con la base de datos.</a:t>
+              <a:rPr lang="es-ES_tradnl" dirty="0"/>
+              <a:t>: Necesario para la conexión con la base de datos.</a:t>
             </a:r>
           </a:p>
           <a:p>
@@ -11959,7 +11587,7 @@
               <a:buSzTx/>
               <a:buNone/>
             </a:pPr>
-            <a:endParaRPr lang="es-ES_tradnl" dirty="0" smtClean="0"/>
+            <a:endParaRPr lang="es-ES_tradnl" dirty="0"/>
           </a:p>
           <a:p>
             <a:pPr marL="0" indent="0" defTabSz="914400">
@@ -11988,20 +11616,13 @@
     </p:spTree>
     <p:extLst>
       <p:ext uri="{BB962C8B-B14F-4D97-AF65-F5344CB8AC3E}">
-        <p14:creationId xmlns:p14="http://schemas.microsoft.com/office/powerpoint/2010/main" xmlns="" val="572574350"/>
+        <p14:creationId xmlns:p14="http://schemas.microsoft.com/office/powerpoint/2010/main" val="572574350"/>
       </p:ext>
     </p:extLst>
   </p:cSld>
   <p:clrMapOvr>
     <a:masterClrMapping/>
   </p:clrMapOvr>
-  <p:timing>
-    <p:tnLst>
-      <p:par>
-        <p:cTn id="1" dur="indefinite" restart="never" nodeType="tmRoot"/>
-      </p:par>
-    </p:tnLst>
-  </p:timing>
 </p:sld>
 </file>
 
@@ -12265,7 +11886,7 @@
   <a:extraClrSchemeLst/>
   <a:extLst>
     <a:ext uri="{05A4C25C-085E-4340-85A3-A5531E510DB2}">
-      <thm15:themeFamily xmlns:thm15="http://schemas.microsoft.com/office/thememl/2012/main" xmlns="" name="Ion" id="{B8441ADB-2E43-4AF7-B97A-BD870242C6A8}" vid="{292E63A9-BB86-4E3D-B92A-7223C6510D2E}"/>
+      <thm15:themeFamily xmlns:thm15="http://schemas.microsoft.com/office/thememl/2012/main" name="Ion" id="{B8441ADB-2E43-4AF7-B97A-BD870242C6A8}" vid="{292E63A9-BB86-4E3D-B92A-7223C6510D2E}"/>
     </a:ext>
   </a:extLst>
 </a:theme>
@@ -12526,7 +12147,7 @@
   <a:extraClrSchemeLst/>
   <a:extLst>
     <a:ext uri="{05A4C25C-085E-4340-85A3-A5531E510DB2}">
-      <thm15:themeFamily xmlns:thm15="http://schemas.microsoft.com/office/thememl/2012/main" xmlns="" name="Office Theme" id="{62F939B6-93AF-4DB8-9C6B-D6C7DFDC589F}" vid="{4A3C46E8-61CC-4603-A589-7422A47A8E4A}"/>
+      <thm15:themeFamily xmlns:thm15="http://schemas.microsoft.com/office/thememl/2012/main" name="Office Theme" id="{62F939B6-93AF-4DB8-9C6B-D6C7DFDC589F}" vid="{4A3C46E8-61CC-4603-A589-7422A47A8E4A}"/>
     </a:ext>
   </a:extLst>
 </a:theme>

--- a/LABORATORIO DE INGENIERIA.pptx
+++ b/LABORATORIO DE INGENIERIA.pptx
@@ -5,7 +5,7 @@
     <p:sldMasterId id="2147483648" r:id="rId1"/>
   </p:sldMasterIdLst>
   <p:notesMasterIdLst>
-    <p:notesMasterId r:id="rId18"/>
+    <p:notesMasterId r:id="rId20"/>
   </p:notesMasterIdLst>
   <p:sldIdLst>
     <p:sldId id="256" r:id="rId2"/>
@@ -24,6 +24,8 @@
     <p:sldId id="269" r:id="rId15"/>
     <p:sldId id="270" r:id="rId16"/>
     <p:sldId id="271" r:id="rId17"/>
+    <p:sldId id="273" r:id="rId18"/>
+    <p:sldId id="272" r:id="rId19"/>
   </p:sldIdLst>
   <p:sldSz cx="12192000" cy="6858000"/>
   <p:notesSz cx="6858000" cy="9144000"/>
@@ -139,6 +141,10 @@
     </p:ext>
   </p:extLst>
 </p:presentation>
+</file>
+
+<file path=ppt/revisionInfo.xml><?xml version="1.0" encoding="utf-8"?>
+<p1510:revInfo xmlns:a="http://schemas.openxmlformats.org/drawingml/2006/main" xmlns:r="http://schemas.openxmlformats.org/officeDocument/2006/relationships" xmlns:p1510="http://schemas.microsoft.com/office/powerpoint/2015/10/main"/>
 </file>
 
 <file path=ppt/notesMasters/notesMaster1.xml><?xml version="1.0" encoding="utf-8"?>
@@ -6489,6 +6495,31 @@
 <file path=ppt/slides/slide1.xml><?xml version="1.0" encoding="utf-8"?>
 <p:sld xmlns:a="http://schemas.openxmlformats.org/drawingml/2006/main" xmlns:r="http://schemas.openxmlformats.org/officeDocument/2006/relationships" xmlns:p="http://schemas.openxmlformats.org/presentationml/2006/main">
   <p:cSld>
+    <p:bg>
+      <p:bgPr>
+        <a:blipFill rotWithShape="1">
+          <a:blip r:embed="rId2">
+            <a:duotone>
+              <a:schemeClr val="bg2">
+                <a:shade val="69000"/>
+                <a:hueMod val="108000"/>
+                <a:satMod val="164000"/>
+                <a:lumMod val="74000"/>
+              </a:schemeClr>
+              <a:schemeClr val="bg2">
+                <a:tint val="96000"/>
+                <a:hueMod val="88000"/>
+                <a:satMod val="140000"/>
+                <a:lumMod val="132000"/>
+              </a:schemeClr>
+            </a:duotone>
+            <a:extLst/>
+          </a:blip>
+          <a:stretch/>
+        </a:blipFill>
+        <a:effectLst/>
+      </p:bgPr>
+    </p:bg>
     <p:spTree>
       <p:nvGrpSpPr>
         <p:cNvPr id="1" name=""/>
@@ -6503,33 +6534,466 @@
           <a:chExt cx="0" cy="0"/>
         </a:xfrm>
       </p:grpSpPr>
-      <p:sp>
-        <p:nvSpPr>
-          <p:cNvPr id="2" name="Título 1"/>
-          <p:cNvSpPr>
-            <a:spLocks noGrp="1"/>
-          </p:cNvSpPr>
-          <p:nvPr>
-            <p:ph type="ctrTitle"/>
+      <p:sp useBgFill="1">
+        <p:nvSpPr>
+          <p:cNvPr id="19" name="Rectangle 18">
+            <a:extLst>
+              <a:ext uri="{FF2B5EF4-FFF2-40B4-BE49-F238E27FC236}">
+                <a16:creationId xmlns:a16="http://schemas.microsoft.com/office/drawing/2014/main" id="{C28D0172-F2E0-4763-9C35-F022664959D8}"/>
+              </a:ext>
+              <a:ext uri="{C183D7F6-B498-43B3-948B-1728B52AA6E4}">
+                <adec:decorative xmlns="" xmlns:adec="http://schemas.microsoft.com/office/drawing/2017/decorative" val="1"/>
+              </a:ext>
+            </a:extLst>
+          </p:cNvPr>
+          <p:cNvSpPr>
+            <a:spLocks noGrp="1" noRot="1" noChangeAspect="1" noMove="1" noResize="1" noEditPoints="1" noAdjustHandles="1" noChangeArrowheads="1" noChangeShapeType="1" noTextEdit="1"/>
+          </p:cNvSpPr>
+          <p:nvPr>
+            <p:extLst>
+              <p:ext uri="{386F3935-93C4-4BCD-93E2-E3B085C9AB24}">
+                <p16:designElem xmlns:p16="http://schemas.microsoft.com/office/powerpoint/2015/main" val="1"/>
+              </p:ext>
+            </p:extLst>
           </p:nvPr>
         </p:nvSpPr>
         <p:spPr>
           <a:xfrm>
-            <a:off x="1154955" y="187288"/>
-            <a:ext cx="8825658" cy="4303656"/>
+            <a:off x="0" y="-5"/>
+            <a:ext cx="12191695" cy="4730744"/>
+          </a:xfrm>
+          <a:prstGeom prst="rect">
+            <a:avLst/>
+          </a:prstGeom>
+          <a:ln>
+            <a:noFill/>
+          </a:ln>
+        </p:spPr>
+        <p:style>
+          <a:lnRef idx="2">
+            <a:schemeClr val="accent1">
+              <a:shade val="50000"/>
+            </a:schemeClr>
+          </a:lnRef>
+          <a:fillRef idx="1">
+            <a:schemeClr val="accent1"/>
+          </a:fillRef>
+          <a:effectRef idx="0">
+            <a:schemeClr val="accent1"/>
+          </a:effectRef>
+          <a:fontRef idx="minor">
+            <a:schemeClr val="lt1"/>
+          </a:fontRef>
+        </p:style>
+        <p:txBody>
+          <a:bodyPr rtlCol="0" anchor="ctr"/>
+          <a:lstStyle/>
+          <a:p>
+            <a:pPr algn="ctr"/>
+            <a:endParaRPr lang="en-US"/>
+          </a:p>
+        </p:txBody>
+      </p:sp>
+      <p:sp>
+        <p:nvSpPr>
+          <p:cNvPr id="21" name="Freeform 16">
+            <a:extLst>
+              <a:ext uri="{FF2B5EF4-FFF2-40B4-BE49-F238E27FC236}">
+                <a16:creationId xmlns:a16="http://schemas.microsoft.com/office/drawing/2014/main" id="{9F2851FB-E841-4509-8A6D-A416376EA380}"/>
+              </a:ext>
+              <a:ext uri="{C183D7F6-B498-43B3-948B-1728B52AA6E4}">
+                <adec:decorative xmlns="" xmlns:adec="http://schemas.microsoft.com/office/drawing/2017/decorative" val="1"/>
+              </a:ext>
+            </a:extLst>
+          </p:cNvPr>
+          <p:cNvSpPr>
+            <a:spLocks noGrp="1" noRot="1" noChangeAspect="1" noMove="1" noResize="1" noEditPoints="1" noAdjustHandles="1" noChangeArrowheads="1" noChangeShapeType="1" noTextEdit="1"/>
+          </p:cNvSpPr>
+          <p:nvPr>
+            <p:extLst>
+              <p:ext uri="{386F3935-93C4-4BCD-93E2-E3B085C9AB24}">
+                <p16:designElem xmlns:p16="http://schemas.microsoft.com/office/powerpoint/2015/main" val="1"/>
+              </p:ext>
+            </p:extLst>
+          </p:nvPr>
+        </p:nvSpPr>
+        <p:spPr>
+          <a:xfrm>
+            <a:off x="8719939" y="3753695"/>
+            <a:ext cx="3472060" cy="825932"/>
+          </a:xfrm>
+          <a:custGeom>
+            <a:avLst/>
+            <a:gdLst>
+              <a:gd name="connsiteX0" fmla="*/ 3470310 w 3472060"/>
+              <a:gd name="connsiteY0" fmla="*/ 0 h 825932"/>
+              <a:gd name="connsiteX1" fmla="*/ 3472060 w 3472060"/>
+              <a:gd name="connsiteY1" fmla="*/ 12850 h 825932"/>
+              <a:gd name="connsiteX2" fmla="*/ 3472060 w 3472060"/>
+              <a:gd name="connsiteY2" fmla="*/ 480529 h 825932"/>
+              <a:gd name="connsiteX3" fmla="*/ 3363699 w 3472060"/>
+              <a:gd name="connsiteY3" fmla="*/ 498471 h 825932"/>
+              <a:gd name="connsiteX4" fmla="*/ 42060 w 3472060"/>
+              <a:gd name="connsiteY4" fmla="*/ 824486 h 825932"/>
+              <a:gd name="connsiteX5" fmla="*/ 0 w 3472060"/>
+              <a:gd name="connsiteY5" fmla="*/ 758452 h 825932"/>
+              <a:gd name="connsiteX6" fmla="*/ 188014 w 3472060"/>
+              <a:gd name="connsiteY6" fmla="*/ 735602 h 825932"/>
+              <a:gd name="connsiteX7" fmla="*/ 284087 w 3472060"/>
+              <a:gd name="connsiteY7" fmla="*/ 722590 h 825932"/>
+              <a:gd name="connsiteX8" fmla="*/ 382288 w 3472060"/>
+              <a:gd name="connsiteY8" fmla="*/ 709392 h 825932"/>
+              <a:gd name="connsiteX9" fmla="*/ 481858 w 3472060"/>
+              <a:gd name="connsiteY9" fmla="*/ 695774 h 825932"/>
+              <a:gd name="connsiteX10" fmla="*/ 581897 w 3472060"/>
+              <a:gd name="connsiteY10" fmla="*/ 680711 h 825932"/>
+              <a:gd name="connsiteX11" fmla="*/ 683670 w 3472060"/>
+              <a:gd name="connsiteY11" fmla="*/ 665256 h 825932"/>
+              <a:gd name="connsiteX12" fmla="*/ 787206 w 3472060"/>
+              <a:gd name="connsiteY12" fmla="*/ 649587 h 825932"/>
+              <a:gd name="connsiteX13" fmla="*/ 892019 w 3472060"/>
+              <a:gd name="connsiteY13" fmla="*/ 632968 h 825932"/>
+              <a:gd name="connsiteX14" fmla="*/ 997620 w 3472060"/>
+              <a:gd name="connsiteY14" fmla="*/ 614667 h 825932"/>
+              <a:gd name="connsiteX15" fmla="*/ 1104727 w 3472060"/>
+              <a:gd name="connsiteY15" fmla="*/ 596741 h 825932"/>
+              <a:gd name="connsiteX16" fmla="*/ 1212669 w 3472060"/>
+              <a:gd name="connsiteY16" fmla="*/ 577397 h 825932"/>
+              <a:gd name="connsiteX17" fmla="*/ 1321506 w 3472060"/>
+              <a:gd name="connsiteY17" fmla="*/ 556988 h 825932"/>
+              <a:gd name="connsiteX18" fmla="*/ 1430709 w 3472060"/>
+              <a:gd name="connsiteY18" fmla="*/ 536607 h 825932"/>
+              <a:gd name="connsiteX19" fmla="*/ 1541050 w 3472060"/>
+              <a:gd name="connsiteY19" fmla="*/ 514481 h 825932"/>
+              <a:gd name="connsiteX20" fmla="*/ 1652805 w 3472060"/>
+              <a:gd name="connsiteY20" fmla="*/ 492202 h 825932"/>
+              <a:gd name="connsiteX21" fmla="*/ 1763708 w 3472060"/>
+              <a:gd name="connsiteY21" fmla="*/ 469161 h 825932"/>
+              <a:gd name="connsiteX22" fmla="*/ 1875795 w 3472060"/>
+              <a:gd name="connsiteY22" fmla="*/ 444641 h 825932"/>
+              <a:gd name="connsiteX23" fmla="*/ 1989128 w 3472060"/>
+              <a:gd name="connsiteY23" fmla="*/ 418995 h 825932"/>
+              <a:gd name="connsiteX24" fmla="*/ 2102476 w 3472060"/>
+              <a:gd name="connsiteY24" fmla="*/ 393438 h 825932"/>
+              <a:gd name="connsiteX25" fmla="*/ 2215549 w 3472060"/>
+              <a:gd name="connsiteY25" fmla="*/ 366291 h 825932"/>
+              <a:gd name="connsiteX26" fmla="*/ 2330490 w 3472060"/>
+              <a:gd name="connsiteY26" fmla="*/ 337455 h 825932"/>
+              <a:gd name="connsiteX27" fmla="*/ 2443333 w 3472060"/>
+              <a:gd name="connsiteY27" fmla="*/ 308983 h 825932"/>
+              <a:gd name="connsiteX28" fmla="*/ 2558014 w 3472060"/>
+              <a:gd name="connsiteY28" fmla="*/ 278646 h 825932"/>
+              <a:gd name="connsiteX29" fmla="*/ 2673621 w 3472060"/>
+              <a:gd name="connsiteY29" fmla="*/ 247421 h 825932"/>
+              <a:gd name="connsiteX30" fmla="*/ 2787008 w 3472060"/>
+              <a:gd name="connsiteY30" fmla="*/ 215853 h 825932"/>
+              <a:gd name="connsiteX31" fmla="*/ 2901442 w 3472060"/>
+              <a:gd name="connsiteY31" fmla="*/ 182011 h 825932"/>
+              <a:gd name="connsiteX32" fmla="*/ 3015722 w 3472060"/>
+              <a:gd name="connsiteY32" fmla="*/ 147286 h 825932"/>
+              <a:gd name="connsiteX33" fmla="*/ 3130018 w 3472060"/>
+              <a:gd name="connsiteY33" fmla="*/ 112649 h 825932"/>
+              <a:gd name="connsiteX34" fmla="*/ 3243551 w 3472060"/>
+              <a:gd name="connsiteY34" fmla="*/ 75688 h 825932"/>
+              <a:gd name="connsiteX35" fmla="*/ 3356992 w 3472060"/>
+              <a:gd name="connsiteY35" fmla="*/ 38197 h 825932"/>
+              <a:gd name="connsiteX36" fmla="*/ 3470310 w 3472060"/>
+              <a:gd name="connsiteY36" fmla="*/ 0 h 825932"/>
+            </a:gdLst>
+            <a:ahLst/>
+            <a:cxnLst>
+              <a:cxn ang="0">
+                <a:pos x="connsiteX0" y="connsiteY0"/>
+              </a:cxn>
+              <a:cxn ang="0">
+                <a:pos x="connsiteX1" y="connsiteY1"/>
+              </a:cxn>
+              <a:cxn ang="0">
+                <a:pos x="connsiteX2" y="connsiteY2"/>
+              </a:cxn>
+              <a:cxn ang="0">
+                <a:pos x="connsiteX3" y="connsiteY3"/>
+              </a:cxn>
+              <a:cxn ang="0">
+                <a:pos x="connsiteX4" y="connsiteY4"/>
+              </a:cxn>
+              <a:cxn ang="0">
+                <a:pos x="connsiteX5" y="connsiteY5"/>
+              </a:cxn>
+              <a:cxn ang="0">
+                <a:pos x="connsiteX6" y="connsiteY6"/>
+              </a:cxn>
+              <a:cxn ang="0">
+                <a:pos x="connsiteX7" y="connsiteY7"/>
+              </a:cxn>
+              <a:cxn ang="0">
+                <a:pos x="connsiteX8" y="connsiteY8"/>
+              </a:cxn>
+              <a:cxn ang="0">
+                <a:pos x="connsiteX9" y="connsiteY9"/>
+              </a:cxn>
+              <a:cxn ang="0">
+                <a:pos x="connsiteX10" y="connsiteY10"/>
+              </a:cxn>
+              <a:cxn ang="0">
+                <a:pos x="connsiteX11" y="connsiteY11"/>
+              </a:cxn>
+              <a:cxn ang="0">
+                <a:pos x="connsiteX12" y="connsiteY12"/>
+              </a:cxn>
+              <a:cxn ang="0">
+                <a:pos x="connsiteX13" y="connsiteY13"/>
+              </a:cxn>
+              <a:cxn ang="0">
+                <a:pos x="connsiteX14" y="connsiteY14"/>
+              </a:cxn>
+              <a:cxn ang="0">
+                <a:pos x="connsiteX15" y="connsiteY15"/>
+              </a:cxn>
+              <a:cxn ang="0">
+                <a:pos x="connsiteX16" y="connsiteY16"/>
+              </a:cxn>
+              <a:cxn ang="0">
+                <a:pos x="connsiteX17" y="connsiteY17"/>
+              </a:cxn>
+              <a:cxn ang="0">
+                <a:pos x="connsiteX18" y="connsiteY18"/>
+              </a:cxn>
+              <a:cxn ang="0">
+                <a:pos x="connsiteX19" y="connsiteY19"/>
+              </a:cxn>
+              <a:cxn ang="0">
+                <a:pos x="connsiteX20" y="connsiteY20"/>
+              </a:cxn>
+              <a:cxn ang="0">
+                <a:pos x="connsiteX21" y="connsiteY21"/>
+              </a:cxn>
+              <a:cxn ang="0">
+                <a:pos x="connsiteX22" y="connsiteY22"/>
+              </a:cxn>
+              <a:cxn ang="0">
+                <a:pos x="connsiteX23" y="connsiteY23"/>
+              </a:cxn>
+              <a:cxn ang="0">
+                <a:pos x="connsiteX24" y="connsiteY24"/>
+              </a:cxn>
+              <a:cxn ang="0">
+                <a:pos x="connsiteX25" y="connsiteY25"/>
+              </a:cxn>
+              <a:cxn ang="0">
+                <a:pos x="connsiteX26" y="connsiteY26"/>
+              </a:cxn>
+              <a:cxn ang="0">
+                <a:pos x="connsiteX27" y="connsiteY27"/>
+              </a:cxn>
+              <a:cxn ang="0">
+                <a:pos x="connsiteX28" y="connsiteY28"/>
+              </a:cxn>
+              <a:cxn ang="0">
+                <a:pos x="connsiteX29" y="connsiteY29"/>
+              </a:cxn>
+              <a:cxn ang="0">
+                <a:pos x="connsiteX30" y="connsiteY30"/>
+              </a:cxn>
+              <a:cxn ang="0">
+                <a:pos x="connsiteX31" y="connsiteY31"/>
+              </a:cxn>
+              <a:cxn ang="0">
+                <a:pos x="connsiteX32" y="connsiteY32"/>
+              </a:cxn>
+              <a:cxn ang="0">
+                <a:pos x="connsiteX33" y="connsiteY33"/>
+              </a:cxn>
+              <a:cxn ang="0">
+                <a:pos x="connsiteX34" y="connsiteY34"/>
+              </a:cxn>
+              <a:cxn ang="0">
+                <a:pos x="connsiteX35" y="connsiteY35"/>
+              </a:cxn>
+              <a:cxn ang="0">
+                <a:pos x="connsiteX36" y="connsiteY36"/>
+              </a:cxn>
+            </a:cxnLst>
+            <a:rect l="l" t="t" r="r" b="b"/>
+            <a:pathLst>
+              <a:path w="3472060" h="825932">
+                <a:moveTo>
+                  <a:pt x="3470310" y="0"/>
+                </a:moveTo>
+                <a:lnTo>
+                  <a:pt x="3472060" y="12850"/>
+                </a:lnTo>
+                <a:lnTo>
+                  <a:pt x="3472060" y="480529"/>
+                </a:lnTo>
+                <a:lnTo>
+                  <a:pt x="3363699" y="498471"/>
+                </a:lnTo>
+                <a:cubicBezTo>
+                  <a:pt x="2435623" y="645518"/>
+                  <a:pt x="603076" y="844866"/>
+                  <a:pt x="42060" y="824486"/>
+                </a:cubicBezTo>
+                <a:cubicBezTo>
+                  <a:pt x="28151" y="802425"/>
+                  <a:pt x="13909" y="780513"/>
+                  <a:pt x="0" y="758452"/>
+                </a:cubicBezTo>
+                <a:lnTo>
+                  <a:pt x="188014" y="735602"/>
+                </a:lnTo>
+                <a:lnTo>
+                  <a:pt x="284087" y="722590"/>
+                </a:lnTo>
+                <a:lnTo>
+                  <a:pt x="382288" y="709392"/>
+                </a:lnTo>
+                <a:lnTo>
+                  <a:pt x="481858" y="695774"/>
+                </a:lnTo>
+                <a:lnTo>
+                  <a:pt x="581897" y="680711"/>
+                </a:lnTo>
+                <a:lnTo>
+                  <a:pt x="683670" y="665256"/>
+                </a:lnTo>
+                <a:lnTo>
+                  <a:pt x="787206" y="649587"/>
+                </a:lnTo>
+                <a:lnTo>
+                  <a:pt x="892019" y="632968"/>
+                </a:lnTo>
+                <a:lnTo>
+                  <a:pt x="997620" y="614667"/>
+                </a:lnTo>
+                <a:lnTo>
+                  <a:pt x="1104727" y="596741"/>
+                </a:lnTo>
+                <a:lnTo>
+                  <a:pt x="1212669" y="577397"/>
+                </a:lnTo>
+                <a:lnTo>
+                  <a:pt x="1321506" y="556988"/>
+                </a:lnTo>
+                <a:lnTo>
+                  <a:pt x="1430709" y="536607"/>
+                </a:lnTo>
+                <a:lnTo>
+                  <a:pt x="1541050" y="514481"/>
+                </a:lnTo>
+                <a:lnTo>
+                  <a:pt x="1652805" y="492202"/>
+                </a:lnTo>
+                <a:lnTo>
+                  <a:pt x="1763708" y="469161"/>
+                </a:lnTo>
+                <a:lnTo>
+                  <a:pt x="1875795" y="444641"/>
+                </a:lnTo>
+                <a:lnTo>
+                  <a:pt x="1989128" y="418995"/>
+                </a:lnTo>
+                <a:lnTo>
+                  <a:pt x="2102476" y="393438"/>
+                </a:lnTo>
+                <a:lnTo>
+                  <a:pt x="2215549" y="366291"/>
+                </a:lnTo>
+                <a:lnTo>
+                  <a:pt x="2330490" y="337455"/>
+                </a:lnTo>
+                <a:lnTo>
+                  <a:pt x="2443333" y="308983"/>
+                </a:lnTo>
+                <a:lnTo>
+                  <a:pt x="2558014" y="278646"/>
+                </a:lnTo>
+                <a:lnTo>
+                  <a:pt x="2673621" y="247421"/>
+                </a:lnTo>
+                <a:lnTo>
+                  <a:pt x="2787008" y="215853"/>
+                </a:lnTo>
+                <a:lnTo>
+                  <a:pt x="2901442" y="182011"/>
+                </a:lnTo>
+                <a:lnTo>
+                  <a:pt x="3015722" y="147286"/>
+                </a:lnTo>
+                <a:lnTo>
+                  <a:pt x="3130018" y="112649"/>
+                </a:lnTo>
+                <a:lnTo>
+                  <a:pt x="3243551" y="75688"/>
+                </a:lnTo>
+                <a:lnTo>
+                  <a:pt x="3356992" y="38197"/>
+                </a:lnTo>
+                <a:lnTo>
+                  <a:pt x="3470310" y="0"/>
+                </a:lnTo>
+                <a:close/>
+              </a:path>
+            </a:pathLst>
+          </a:custGeom>
+          <a:solidFill>
+            <a:schemeClr val="tx1">
+              <a:alpha val="20000"/>
+            </a:schemeClr>
+          </a:solidFill>
+          <a:ln>
+            <a:noFill/>
+          </a:ln>
+        </p:spPr>
+        <p:txBody>
+          <a:bodyPr rtlCol="0" anchor="ctr"/>
+          <a:lstStyle/>
+          <a:p>
+            <a:pPr algn="ctr"/>
+            <a:endParaRPr lang="en-US">
+              <a:solidFill>
+                <a:schemeClr val="tx1"/>
+              </a:solidFill>
+            </a:endParaRPr>
+          </a:p>
+        </p:txBody>
+      </p:sp>
+      <p:sp>
+        <p:nvSpPr>
+          <p:cNvPr id="2" name="Título 1"/>
+          <p:cNvSpPr>
+            <a:spLocks noGrp="1"/>
+          </p:cNvSpPr>
+          <p:nvPr>
+            <p:ph type="ctrTitle"/>
+          </p:nvPr>
+        </p:nvSpPr>
+        <p:spPr>
+          <a:xfrm>
+            <a:off x="965505" y="623571"/>
+            <a:ext cx="10260990" cy="3523885"/>
           </a:xfrm>
         </p:spPr>
         <p:txBody>
-          <a:bodyPr/>
+          <a:bodyPr>
+            <a:normAutofit/>
+          </a:bodyPr>
           <a:lstStyle/>
           <a:p>
-            <a:pPr algn="ctr"/>
-            <a:r>
-              <a:rPr lang="es-ES_tradnl" sz="5400" b="1" dirty="0"/>
+            <a:pPr algn="ctr">
+              <a:lnSpc>
+                <a:spcPct val="90000"/>
+              </a:lnSpc>
+            </a:pPr>
+            <a:r>
+              <a:rPr lang="es-ES_tradnl" sz="5600" b="1" dirty="0"/>
               <a:t>LABORATORIO DE INGENIERIA DE SOFTWARE: </a:t>
             </a:r>
-            <a:r>
-              <a:rPr lang="es-ES_tradnl" sz="4800" dirty="0"/>
+            <a:br>
+              <a:rPr lang="es-ES_tradnl" sz="5600" b="1" dirty="0"/>
+            </a:br>
+            <a:r>
+              <a:rPr lang="es-ES_tradnl" sz="5600" dirty="0"/>
               <a:t>APLICACIÓN DE GESTIÓN DE METODOLOGÍA SCRUM</a:t>
             </a:r>
           </a:p>
@@ -6537,53 +7001,596 @@
       </p:sp>
       <p:sp>
         <p:nvSpPr>
-          <p:cNvPr id="3" name="Subtítulo 2"/>
-          <p:cNvSpPr>
-            <a:spLocks noGrp="1"/>
-          </p:cNvSpPr>
-          <p:nvPr>
-            <p:ph type="subTitle" idx="1"/>
+          <p:cNvPr id="23" name="Freeform: Shape 22">
+            <a:extLst>
+              <a:ext uri="{FF2B5EF4-FFF2-40B4-BE49-F238E27FC236}">
+                <a16:creationId xmlns:a16="http://schemas.microsoft.com/office/drawing/2014/main" id="{DF6FB2B2-CE21-407F-B22E-302DADC2C3D3}"/>
+              </a:ext>
+              <a:ext uri="{C183D7F6-B498-43B3-948B-1728B52AA6E4}">
+                <adec:decorative xmlns="" xmlns:adec="http://schemas.microsoft.com/office/drawing/2017/decorative" val="1"/>
+              </a:ext>
+            </a:extLst>
+          </p:cNvPr>
+          <p:cNvSpPr>
+            <a:spLocks noGrp="1" noRot="1" noChangeAspect="1" noMove="1" noResize="1" noEditPoints="1" noAdjustHandles="1" noChangeArrowheads="1" noChangeShapeType="1" noTextEdit="1"/>
+          </p:cNvSpPr>
+          <p:nvPr>
+            <p:extLst>
+              <p:ext uri="{386F3935-93C4-4BCD-93E2-E3B085C9AB24}">
+                <p16:designElem xmlns:p16="http://schemas.microsoft.com/office/powerpoint/2015/main" val="1"/>
+              </p:ext>
+            </p:extLst>
           </p:nvPr>
         </p:nvSpPr>
         <p:spPr>
           <a:xfrm>
-            <a:off x="1154955" y="5041784"/>
-            <a:ext cx="8936496" cy="1392066"/>
+            <a:off x="0" y="4055533"/>
+            <a:ext cx="12192000" cy="2802467"/>
+          </a:xfrm>
+          <a:custGeom>
+            <a:avLst/>
+            <a:gdLst>
+              <a:gd name="connsiteX0" fmla="*/ 1 w 12192000"/>
+              <a:gd name="connsiteY0" fmla="*/ 0 h 2802467"/>
+              <a:gd name="connsiteX1" fmla="*/ 71932 w 12192000"/>
+              <a:gd name="connsiteY1" fmla="*/ 12261 h 2802467"/>
+              <a:gd name="connsiteX2" fmla="*/ 282848 w 12192000"/>
+              <a:gd name="connsiteY2" fmla="*/ 48342 h 2802467"/>
+              <a:gd name="connsiteX3" fmla="*/ 436464 w 12192000"/>
+              <a:gd name="connsiteY3" fmla="*/ 73565 h 2802467"/>
+              <a:gd name="connsiteX4" fmla="*/ 619339 w 12192000"/>
+              <a:gd name="connsiteY4" fmla="*/ 100188 h 2802467"/>
+              <a:gd name="connsiteX5" fmla="*/ 836351 w 12192000"/>
+              <a:gd name="connsiteY5" fmla="*/ 132066 h 2802467"/>
+              <a:gd name="connsiteX6" fmla="*/ 1076528 w 12192000"/>
+              <a:gd name="connsiteY6" fmla="*/ 165696 h 2802467"/>
+              <a:gd name="connsiteX7" fmla="*/ 1347183 w 12192000"/>
+              <a:gd name="connsiteY7" fmla="*/ 201077 h 2802467"/>
+              <a:gd name="connsiteX8" fmla="*/ 1642223 w 12192000"/>
+              <a:gd name="connsiteY8" fmla="*/ 238560 h 2802467"/>
+              <a:gd name="connsiteX9" fmla="*/ 1962864 w 12192000"/>
+              <a:gd name="connsiteY9" fmla="*/ 276043 h 2802467"/>
+              <a:gd name="connsiteX10" fmla="*/ 2304232 w 12192000"/>
+              <a:gd name="connsiteY10" fmla="*/ 314226 h 2802467"/>
+              <a:gd name="connsiteX11" fmla="*/ 2672421 w 12192000"/>
+              <a:gd name="connsiteY11" fmla="*/ 349608 h 2802467"/>
+              <a:gd name="connsiteX12" fmla="*/ 3057678 w 12192000"/>
+              <a:gd name="connsiteY12" fmla="*/ 383587 h 2802467"/>
+              <a:gd name="connsiteX13" fmla="*/ 3464881 w 12192000"/>
+              <a:gd name="connsiteY13" fmla="*/ 414415 h 2802467"/>
+              <a:gd name="connsiteX14" fmla="*/ 3889152 w 12192000"/>
+              <a:gd name="connsiteY14" fmla="*/ 443840 h 2802467"/>
+              <a:gd name="connsiteX15" fmla="*/ 4331710 w 12192000"/>
+              <a:gd name="connsiteY15" fmla="*/ 471515 h 2802467"/>
+              <a:gd name="connsiteX16" fmla="*/ 4558476 w 12192000"/>
+              <a:gd name="connsiteY16" fmla="*/ 481323 h 2802467"/>
+              <a:gd name="connsiteX17" fmla="*/ 4790118 w 12192000"/>
+              <a:gd name="connsiteY17" fmla="*/ 492183 h 2802467"/>
+              <a:gd name="connsiteX18" fmla="*/ 5025418 w 12192000"/>
+              <a:gd name="connsiteY18" fmla="*/ 502342 h 2802467"/>
+              <a:gd name="connsiteX19" fmla="*/ 5261937 w 12192000"/>
+              <a:gd name="connsiteY19" fmla="*/ 508998 h 2802467"/>
+              <a:gd name="connsiteX20" fmla="*/ 5503332 w 12192000"/>
+              <a:gd name="connsiteY20" fmla="*/ 514953 h 2802467"/>
+              <a:gd name="connsiteX21" fmla="*/ 5747166 w 12192000"/>
+              <a:gd name="connsiteY21" fmla="*/ 521259 h 2802467"/>
+              <a:gd name="connsiteX22" fmla="*/ 5995877 w 12192000"/>
+              <a:gd name="connsiteY22" fmla="*/ 525462 h 2802467"/>
+              <a:gd name="connsiteX23" fmla="*/ 6247026 w 12192000"/>
+              <a:gd name="connsiteY23" fmla="*/ 525462 h 2802467"/>
+              <a:gd name="connsiteX24" fmla="*/ 6500613 w 12192000"/>
+              <a:gd name="connsiteY24" fmla="*/ 527564 h 2802467"/>
+              <a:gd name="connsiteX25" fmla="*/ 6756639 w 12192000"/>
+              <a:gd name="connsiteY25" fmla="*/ 525462 h 2802467"/>
+              <a:gd name="connsiteX26" fmla="*/ 7016322 w 12192000"/>
+              <a:gd name="connsiteY26" fmla="*/ 521259 h 2802467"/>
+              <a:gd name="connsiteX27" fmla="*/ 7276005 w 12192000"/>
+              <a:gd name="connsiteY27" fmla="*/ 517405 h 2802467"/>
+              <a:gd name="connsiteX28" fmla="*/ 7539345 w 12192000"/>
+              <a:gd name="connsiteY28" fmla="*/ 508998 h 2802467"/>
+              <a:gd name="connsiteX29" fmla="*/ 7805124 w 12192000"/>
+              <a:gd name="connsiteY29" fmla="*/ 500240 h 2802467"/>
+              <a:gd name="connsiteX30" fmla="*/ 8070903 w 12192000"/>
+              <a:gd name="connsiteY30" fmla="*/ 490081 h 2802467"/>
+              <a:gd name="connsiteX31" fmla="*/ 8339121 w 12192000"/>
+              <a:gd name="connsiteY31" fmla="*/ 475719 h 2802467"/>
+              <a:gd name="connsiteX32" fmla="*/ 8609776 w 12192000"/>
+              <a:gd name="connsiteY32" fmla="*/ 458553 h 2802467"/>
+              <a:gd name="connsiteX33" fmla="*/ 8881651 w 12192000"/>
+              <a:gd name="connsiteY33" fmla="*/ 442089 h 2802467"/>
+              <a:gd name="connsiteX34" fmla="*/ 9153526 w 12192000"/>
+              <a:gd name="connsiteY34" fmla="*/ 421070 h 2802467"/>
+              <a:gd name="connsiteX35" fmla="*/ 9429058 w 12192000"/>
+              <a:gd name="connsiteY35" fmla="*/ 395848 h 2802467"/>
+              <a:gd name="connsiteX36" fmla="*/ 9700933 w 12192000"/>
+              <a:gd name="connsiteY36" fmla="*/ 370626 h 2802467"/>
+              <a:gd name="connsiteX37" fmla="*/ 9977684 w 12192000"/>
+              <a:gd name="connsiteY37" fmla="*/ 341550 h 2802467"/>
+              <a:gd name="connsiteX38" fmla="*/ 10255655 w 12192000"/>
+              <a:gd name="connsiteY38" fmla="*/ 309672 h 2802467"/>
+              <a:gd name="connsiteX39" fmla="*/ 10529968 w 12192000"/>
+              <a:gd name="connsiteY39" fmla="*/ 276043 h 2802467"/>
+              <a:gd name="connsiteX40" fmla="*/ 10807939 w 12192000"/>
+              <a:gd name="connsiteY40" fmla="*/ 236808 h 2802467"/>
+              <a:gd name="connsiteX41" fmla="*/ 11084690 w 12192000"/>
+              <a:gd name="connsiteY41" fmla="*/ 194771 h 2802467"/>
+              <a:gd name="connsiteX42" fmla="*/ 11362661 w 12192000"/>
+              <a:gd name="connsiteY42" fmla="*/ 153085 h 2802467"/>
+              <a:gd name="connsiteX43" fmla="*/ 11639412 w 12192000"/>
+              <a:gd name="connsiteY43" fmla="*/ 104392 h 2802467"/>
+              <a:gd name="connsiteX44" fmla="*/ 11914945 w 12192000"/>
+              <a:gd name="connsiteY44" fmla="*/ 54648 h 2802467"/>
+              <a:gd name="connsiteX45" fmla="*/ 12191696 w 12192000"/>
+              <a:gd name="connsiteY45" fmla="*/ 2452 h 2802467"/>
+              <a:gd name="connsiteX46" fmla="*/ 12191696 w 12192000"/>
+              <a:gd name="connsiteY46" fmla="*/ 2236410 h 2802467"/>
+              <a:gd name="connsiteX47" fmla="*/ 12192000 w 12192000"/>
+              <a:gd name="connsiteY47" fmla="*/ 2236410 h 2802467"/>
+              <a:gd name="connsiteX48" fmla="*/ 12192000 w 12192000"/>
+              <a:gd name="connsiteY48" fmla="*/ 2802467 h 2802467"/>
+              <a:gd name="connsiteX49" fmla="*/ 12191696 w 12192000"/>
+              <a:gd name="connsiteY49" fmla="*/ 2802467 h 2802467"/>
+              <a:gd name="connsiteX50" fmla="*/ 0 w 12192000"/>
+              <a:gd name="connsiteY50" fmla="*/ 2802467 h 2802467"/>
+              <a:gd name="connsiteX51" fmla="*/ 0 w 12192000"/>
+              <a:gd name="connsiteY51" fmla="*/ 2236410 h 2802467"/>
+              <a:gd name="connsiteX52" fmla="*/ 1 w 12192000"/>
+              <a:gd name="connsiteY52" fmla="*/ 2236410 h 2802467"/>
+            </a:gdLst>
+            <a:ahLst/>
+            <a:cxnLst>
+              <a:cxn ang="0">
+                <a:pos x="connsiteX0" y="connsiteY0"/>
+              </a:cxn>
+              <a:cxn ang="0">
+                <a:pos x="connsiteX1" y="connsiteY1"/>
+              </a:cxn>
+              <a:cxn ang="0">
+                <a:pos x="connsiteX2" y="connsiteY2"/>
+              </a:cxn>
+              <a:cxn ang="0">
+                <a:pos x="connsiteX3" y="connsiteY3"/>
+              </a:cxn>
+              <a:cxn ang="0">
+                <a:pos x="connsiteX4" y="connsiteY4"/>
+              </a:cxn>
+              <a:cxn ang="0">
+                <a:pos x="connsiteX5" y="connsiteY5"/>
+              </a:cxn>
+              <a:cxn ang="0">
+                <a:pos x="connsiteX6" y="connsiteY6"/>
+              </a:cxn>
+              <a:cxn ang="0">
+                <a:pos x="connsiteX7" y="connsiteY7"/>
+              </a:cxn>
+              <a:cxn ang="0">
+                <a:pos x="connsiteX8" y="connsiteY8"/>
+              </a:cxn>
+              <a:cxn ang="0">
+                <a:pos x="connsiteX9" y="connsiteY9"/>
+              </a:cxn>
+              <a:cxn ang="0">
+                <a:pos x="connsiteX10" y="connsiteY10"/>
+              </a:cxn>
+              <a:cxn ang="0">
+                <a:pos x="connsiteX11" y="connsiteY11"/>
+              </a:cxn>
+              <a:cxn ang="0">
+                <a:pos x="connsiteX12" y="connsiteY12"/>
+              </a:cxn>
+              <a:cxn ang="0">
+                <a:pos x="connsiteX13" y="connsiteY13"/>
+              </a:cxn>
+              <a:cxn ang="0">
+                <a:pos x="connsiteX14" y="connsiteY14"/>
+              </a:cxn>
+              <a:cxn ang="0">
+                <a:pos x="connsiteX15" y="connsiteY15"/>
+              </a:cxn>
+              <a:cxn ang="0">
+                <a:pos x="connsiteX16" y="connsiteY16"/>
+              </a:cxn>
+              <a:cxn ang="0">
+                <a:pos x="connsiteX17" y="connsiteY17"/>
+              </a:cxn>
+              <a:cxn ang="0">
+                <a:pos x="connsiteX18" y="connsiteY18"/>
+              </a:cxn>
+              <a:cxn ang="0">
+                <a:pos x="connsiteX19" y="connsiteY19"/>
+              </a:cxn>
+              <a:cxn ang="0">
+                <a:pos x="connsiteX20" y="connsiteY20"/>
+              </a:cxn>
+              <a:cxn ang="0">
+                <a:pos x="connsiteX21" y="connsiteY21"/>
+              </a:cxn>
+              <a:cxn ang="0">
+                <a:pos x="connsiteX22" y="connsiteY22"/>
+              </a:cxn>
+              <a:cxn ang="0">
+                <a:pos x="connsiteX23" y="connsiteY23"/>
+              </a:cxn>
+              <a:cxn ang="0">
+                <a:pos x="connsiteX24" y="connsiteY24"/>
+              </a:cxn>
+              <a:cxn ang="0">
+                <a:pos x="connsiteX25" y="connsiteY25"/>
+              </a:cxn>
+              <a:cxn ang="0">
+                <a:pos x="connsiteX26" y="connsiteY26"/>
+              </a:cxn>
+              <a:cxn ang="0">
+                <a:pos x="connsiteX27" y="connsiteY27"/>
+              </a:cxn>
+              <a:cxn ang="0">
+                <a:pos x="connsiteX28" y="connsiteY28"/>
+              </a:cxn>
+              <a:cxn ang="0">
+                <a:pos x="connsiteX29" y="connsiteY29"/>
+              </a:cxn>
+              <a:cxn ang="0">
+                <a:pos x="connsiteX30" y="connsiteY30"/>
+              </a:cxn>
+              <a:cxn ang="0">
+                <a:pos x="connsiteX31" y="connsiteY31"/>
+              </a:cxn>
+              <a:cxn ang="0">
+                <a:pos x="connsiteX32" y="connsiteY32"/>
+              </a:cxn>
+              <a:cxn ang="0">
+                <a:pos x="connsiteX33" y="connsiteY33"/>
+              </a:cxn>
+              <a:cxn ang="0">
+                <a:pos x="connsiteX34" y="connsiteY34"/>
+              </a:cxn>
+              <a:cxn ang="0">
+                <a:pos x="connsiteX35" y="connsiteY35"/>
+              </a:cxn>
+              <a:cxn ang="0">
+                <a:pos x="connsiteX36" y="connsiteY36"/>
+              </a:cxn>
+              <a:cxn ang="0">
+                <a:pos x="connsiteX37" y="connsiteY37"/>
+              </a:cxn>
+              <a:cxn ang="0">
+                <a:pos x="connsiteX38" y="connsiteY38"/>
+              </a:cxn>
+              <a:cxn ang="0">
+                <a:pos x="connsiteX39" y="connsiteY39"/>
+              </a:cxn>
+              <a:cxn ang="0">
+                <a:pos x="connsiteX40" y="connsiteY40"/>
+              </a:cxn>
+              <a:cxn ang="0">
+                <a:pos x="connsiteX41" y="connsiteY41"/>
+              </a:cxn>
+              <a:cxn ang="0">
+                <a:pos x="connsiteX42" y="connsiteY42"/>
+              </a:cxn>
+              <a:cxn ang="0">
+                <a:pos x="connsiteX43" y="connsiteY43"/>
+              </a:cxn>
+              <a:cxn ang="0">
+                <a:pos x="connsiteX44" y="connsiteY44"/>
+              </a:cxn>
+              <a:cxn ang="0">
+                <a:pos x="connsiteX45" y="connsiteY45"/>
+              </a:cxn>
+              <a:cxn ang="0">
+                <a:pos x="connsiteX46" y="connsiteY46"/>
+              </a:cxn>
+              <a:cxn ang="0">
+                <a:pos x="connsiteX47" y="connsiteY47"/>
+              </a:cxn>
+              <a:cxn ang="0">
+                <a:pos x="connsiteX48" y="connsiteY48"/>
+              </a:cxn>
+              <a:cxn ang="0">
+                <a:pos x="connsiteX49" y="connsiteY49"/>
+              </a:cxn>
+              <a:cxn ang="0">
+                <a:pos x="connsiteX50" y="connsiteY50"/>
+              </a:cxn>
+              <a:cxn ang="0">
+                <a:pos x="connsiteX51" y="connsiteY51"/>
+              </a:cxn>
+              <a:cxn ang="0">
+                <a:pos x="connsiteX52" y="connsiteY52"/>
+              </a:cxn>
+            </a:cxnLst>
+            <a:rect l="l" t="t" r="r" b="b"/>
+            <a:pathLst>
+              <a:path w="12192000" h="2802467">
+                <a:moveTo>
+                  <a:pt x="1" y="0"/>
+                </a:moveTo>
+                <a:lnTo>
+                  <a:pt x="71932" y="12261"/>
+                </a:lnTo>
+                <a:lnTo>
+                  <a:pt x="282848" y="48342"/>
+                </a:lnTo>
+                <a:lnTo>
+                  <a:pt x="436464" y="73565"/>
+                </a:lnTo>
+                <a:lnTo>
+                  <a:pt x="619339" y="100188"/>
+                </a:lnTo>
+                <a:lnTo>
+                  <a:pt x="836351" y="132066"/>
+                </a:lnTo>
+                <a:lnTo>
+                  <a:pt x="1076528" y="165696"/>
+                </a:lnTo>
+                <a:lnTo>
+                  <a:pt x="1347183" y="201077"/>
+                </a:lnTo>
+                <a:lnTo>
+                  <a:pt x="1642223" y="238560"/>
+                </a:lnTo>
+                <a:lnTo>
+                  <a:pt x="1962864" y="276043"/>
+                </a:lnTo>
+                <a:lnTo>
+                  <a:pt x="2304232" y="314226"/>
+                </a:lnTo>
+                <a:lnTo>
+                  <a:pt x="2672421" y="349608"/>
+                </a:lnTo>
+                <a:lnTo>
+                  <a:pt x="3057678" y="383587"/>
+                </a:lnTo>
+                <a:lnTo>
+                  <a:pt x="3464881" y="414415"/>
+                </a:lnTo>
+                <a:lnTo>
+                  <a:pt x="3889152" y="443840"/>
+                </a:lnTo>
+                <a:lnTo>
+                  <a:pt x="4331710" y="471515"/>
+                </a:lnTo>
+                <a:lnTo>
+                  <a:pt x="4558476" y="481323"/>
+                </a:lnTo>
+                <a:lnTo>
+                  <a:pt x="4790118" y="492183"/>
+                </a:lnTo>
+                <a:lnTo>
+                  <a:pt x="5025418" y="502342"/>
+                </a:lnTo>
+                <a:lnTo>
+                  <a:pt x="5261937" y="508998"/>
+                </a:lnTo>
+                <a:lnTo>
+                  <a:pt x="5503332" y="514953"/>
+                </a:lnTo>
+                <a:lnTo>
+                  <a:pt x="5747166" y="521259"/>
+                </a:lnTo>
+                <a:lnTo>
+                  <a:pt x="5995877" y="525462"/>
+                </a:lnTo>
+                <a:lnTo>
+                  <a:pt x="6247026" y="525462"/>
+                </a:lnTo>
+                <a:lnTo>
+                  <a:pt x="6500613" y="527564"/>
+                </a:lnTo>
+                <a:lnTo>
+                  <a:pt x="6756639" y="525462"/>
+                </a:lnTo>
+                <a:lnTo>
+                  <a:pt x="7016322" y="521259"/>
+                </a:lnTo>
+                <a:lnTo>
+                  <a:pt x="7276005" y="517405"/>
+                </a:lnTo>
+                <a:lnTo>
+                  <a:pt x="7539345" y="508998"/>
+                </a:lnTo>
+                <a:lnTo>
+                  <a:pt x="7805124" y="500240"/>
+                </a:lnTo>
+                <a:lnTo>
+                  <a:pt x="8070903" y="490081"/>
+                </a:lnTo>
+                <a:lnTo>
+                  <a:pt x="8339121" y="475719"/>
+                </a:lnTo>
+                <a:lnTo>
+                  <a:pt x="8609776" y="458553"/>
+                </a:lnTo>
+                <a:lnTo>
+                  <a:pt x="8881651" y="442089"/>
+                </a:lnTo>
+                <a:lnTo>
+                  <a:pt x="9153526" y="421070"/>
+                </a:lnTo>
+                <a:lnTo>
+                  <a:pt x="9429058" y="395848"/>
+                </a:lnTo>
+                <a:lnTo>
+                  <a:pt x="9700933" y="370626"/>
+                </a:lnTo>
+                <a:lnTo>
+                  <a:pt x="9977684" y="341550"/>
+                </a:lnTo>
+                <a:lnTo>
+                  <a:pt x="10255655" y="309672"/>
+                </a:lnTo>
+                <a:lnTo>
+                  <a:pt x="10529968" y="276043"/>
+                </a:lnTo>
+                <a:lnTo>
+                  <a:pt x="10807939" y="236808"/>
+                </a:lnTo>
+                <a:lnTo>
+                  <a:pt x="11084690" y="194771"/>
+                </a:lnTo>
+                <a:lnTo>
+                  <a:pt x="11362661" y="153085"/>
+                </a:lnTo>
+                <a:lnTo>
+                  <a:pt x="11639412" y="104392"/>
+                </a:lnTo>
+                <a:lnTo>
+                  <a:pt x="11914945" y="54648"/>
+                </a:lnTo>
+                <a:lnTo>
+                  <a:pt x="12191696" y="2452"/>
+                </a:lnTo>
+                <a:lnTo>
+                  <a:pt x="12191696" y="2236410"/>
+                </a:lnTo>
+                <a:lnTo>
+                  <a:pt x="12192000" y="2236410"/>
+                </a:lnTo>
+                <a:lnTo>
+                  <a:pt x="12192000" y="2802467"/>
+                </a:lnTo>
+                <a:lnTo>
+                  <a:pt x="12191696" y="2802467"/>
+                </a:lnTo>
+                <a:lnTo>
+                  <a:pt x="0" y="2802467"/>
+                </a:lnTo>
+                <a:lnTo>
+                  <a:pt x="0" y="2236410"/>
+                </a:lnTo>
+                <a:lnTo>
+                  <a:pt x="1" y="2236410"/>
+                </a:lnTo>
+                <a:close/>
+              </a:path>
+            </a:pathLst>
+          </a:custGeom>
+          <a:solidFill>
+            <a:schemeClr val="tx2"/>
+          </a:solidFill>
+          <a:ln>
+            <a:noFill/>
+          </a:ln>
+        </p:spPr>
+        <p:style>
+          <a:lnRef idx="2">
+            <a:schemeClr val="accent1">
+              <a:shade val="50000"/>
+            </a:schemeClr>
+          </a:lnRef>
+          <a:fillRef idx="1003">
+            <a:schemeClr val="dk2"/>
+          </a:fillRef>
+          <a:effectRef idx="0">
+            <a:schemeClr val="accent1"/>
+          </a:effectRef>
+          <a:fontRef idx="minor">
+            <a:schemeClr val="lt1"/>
+          </a:fontRef>
+        </p:style>
+        <p:txBody>
+          <a:bodyPr rtlCol="0" anchor="ctr"/>
+          <a:lstStyle/>
+          <a:p>
+            <a:pPr algn="ctr"/>
+            <a:endParaRPr lang="en-US"/>
+          </a:p>
+        </p:txBody>
+      </p:sp>
+      <p:sp>
+        <p:nvSpPr>
+          <p:cNvPr id="3" name="Subtítulo 2"/>
+          <p:cNvSpPr>
+            <a:spLocks noGrp="1"/>
+          </p:cNvSpPr>
+          <p:nvPr>
+            <p:ph type="subTitle" idx="1"/>
+          </p:nvPr>
+        </p:nvSpPr>
+        <p:spPr>
+          <a:xfrm>
+            <a:off x="965505" y="4851884"/>
+            <a:ext cx="10260990" cy="1619254"/>
           </a:xfrm>
         </p:spPr>
         <p:txBody>
           <a:bodyPr>
-            <a:normAutofit fontScale="62500" lnSpcReduction="20000"/>
+            <a:noAutofit/>
           </a:bodyPr>
           <a:lstStyle/>
           <a:p>
-            <a:r>
-              <a:rPr lang="es-ES_tradnl" dirty="0"/>
+            <a:pPr algn="ctr">
+              <a:lnSpc>
+                <a:spcPct val="90000"/>
+              </a:lnSpc>
+            </a:pPr>
+            <a:r>
+              <a:rPr lang="es-ES_tradnl" sz="1200" dirty="0">
+                <a:solidFill>
+                  <a:schemeClr val="bg2"/>
+                </a:solidFill>
+              </a:rPr>
               <a:t>VICTOR MANUEL BUENDÍA EGEA </a:t>
             </a:r>
           </a:p>
           <a:p>
-            <a:r>
-              <a:rPr lang="es-ES_tradnl" dirty="0"/>
+            <a:pPr algn="ctr">
+              <a:lnSpc>
+                <a:spcPct val="90000"/>
+              </a:lnSpc>
+            </a:pPr>
+            <a:r>
+              <a:rPr lang="es-ES_tradnl" sz="1200" dirty="0">
+                <a:solidFill>
+                  <a:schemeClr val="bg2"/>
+                </a:solidFill>
+              </a:rPr>
               <a:t>JUAN JOSE CONESA HERNÁNDEZ</a:t>
             </a:r>
           </a:p>
           <a:p>
-            <a:r>
-              <a:rPr lang="es-ES_tradnl" dirty="0"/>
+            <a:pPr algn="ctr">
+              <a:lnSpc>
+                <a:spcPct val="90000"/>
+              </a:lnSpc>
+            </a:pPr>
+            <a:r>
+              <a:rPr lang="es-ES_tradnl" sz="1200" dirty="0">
+                <a:solidFill>
+                  <a:schemeClr val="bg2"/>
+                </a:solidFill>
+              </a:rPr>
               <a:t>Raúl NAVARRO López de hierro </a:t>
             </a:r>
           </a:p>
           <a:p>
-            <a:r>
-              <a:rPr lang="es-ES_tradnl" dirty="0"/>
-              <a:t>PABLO</a:t>
-            </a:r>
-          </a:p>
-          <a:p>
-            <a:r>
-              <a:rPr lang="es-ES_tradnl" dirty="0"/>
-              <a:t>RODRIGO</a:t>
+            <a:pPr algn="ctr">
+              <a:lnSpc>
+                <a:spcPct val="90000"/>
+              </a:lnSpc>
+            </a:pPr>
+            <a:r>
+              <a:rPr lang="es-ES_tradnl" sz="1200" dirty="0">
+                <a:solidFill>
+                  <a:schemeClr val="bg2"/>
+                </a:solidFill>
+              </a:rPr>
+              <a:t>PABLO SAURA Jiménez</a:t>
+            </a:r>
+          </a:p>
+          <a:p>
+            <a:pPr algn="ctr">
+              <a:lnSpc>
+                <a:spcPct val="90000"/>
+              </a:lnSpc>
+            </a:pPr>
+            <a:r>
+              <a:rPr lang="es-ES_tradnl" sz="1200" dirty="0">
+                <a:solidFill>
+                  <a:schemeClr val="bg2"/>
+                </a:solidFill>
+              </a:rPr>
+              <a:t>RODRIGO GARCÍA ALBARRACÍN</a:t>
             </a:r>
           </a:p>
         </p:txBody>
@@ -8085,20 +9092,8 @@
               <a:t>	Esto permite al </a:t>
             </a:r>
             <a:r>
-              <a:rPr lang="es-ES_tradnl" i="1" dirty="0" err="1"/>
-              <a:t>scrum</a:t>
-            </a:r>
-            <a:r>
               <a:rPr lang="es-ES_tradnl" i="1" dirty="0"/>
-              <a:t> </a:t>
-            </a:r>
-            <a:r>
-              <a:rPr lang="es-ES_tradnl" i="1" dirty="0" err="1"/>
-              <a:t>master</a:t>
-            </a:r>
-            <a:r>
-              <a:rPr lang="es-ES_tradnl" i="1" dirty="0"/>
-              <a:t> ASIGNAR historias de usuario a un  determinado sprint, </a:t>
+              <a:t>scrum master ASIGNAR historias de usuario a un  determinado sprint, </a:t>
             </a:r>
             <a:r>
               <a:rPr lang="es-ES_tradnl" dirty="0"/>
@@ -8110,7 +9105,7 @@
             </a:r>
             <a:r>
               <a:rPr lang="es-ES_tradnl" dirty="0"/>
-              <a:t> los que se incluyan a estas historias de usuario.</a:t>
+              <a:t> los que se añadan a estas historias de usuario.</a:t>
             </a:r>
             <a:endParaRPr lang="es-ES" dirty="0"/>
           </a:p>
@@ -8521,7 +9516,9 @@
         </p:nvSpPr>
         <p:spPr/>
         <p:txBody>
-          <a:bodyPr/>
+          <a:bodyPr>
+            <a:normAutofit lnSpcReduction="10000"/>
+          </a:bodyPr>
           <a:lstStyle/>
           <a:p>
             <a:r>
@@ -8576,6 +9573,13 @@
               <a:t>Angularjs</a:t>
             </a:r>
             <a:endParaRPr lang="es-ES" dirty="0"/>
+          </a:p>
+          <a:p>
+            <a:pPr lvl="1"/>
+            <a:r>
+              <a:rPr lang="es-ES" dirty="0"/>
+              <a:t>Documentación del trabajo</a:t>
+            </a:r>
           </a:p>
           <a:p>
             <a:r>
@@ -8589,6 +9593,1552 @@
   </p:cSld>
   <p:clrMapOvr>
     <a:masterClrMapping/>
+  </p:clrMapOvr>
+</p:sld>
+</file>
+
+<file path=ppt/slides/slide17.xml><?xml version="1.0" encoding="utf-8"?>
+<p:sld xmlns:a="http://schemas.openxmlformats.org/drawingml/2006/main" xmlns:r="http://schemas.openxmlformats.org/officeDocument/2006/relationships" xmlns:p="http://schemas.openxmlformats.org/presentationml/2006/main">
+  <p:cSld>
+    <p:spTree>
+      <p:nvGrpSpPr>
+        <p:cNvPr id="1" name=""/>
+        <p:cNvGrpSpPr/>
+        <p:nvPr/>
+      </p:nvGrpSpPr>
+      <p:grpSpPr>
+        <a:xfrm>
+          <a:off x="0" y="0"/>
+          <a:ext cx="0" cy="0"/>
+          <a:chOff x="0" y="0"/>
+          <a:chExt cx="0" cy="0"/>
+        </a:xfrm>
+      </p:grpSpPr>
+      <p:sp>
+        <p:nvSpPr>
+          <p:cNvPr id="2" name="Título 1">
+            <a:extLst>
+              <a:ext uri="{FF2B5EF4-FFF2-40B4-BE49-F238E27FC236}">
+                <a16:creationId xmlns:a16="http://schemas.microsoft.com/office/drawing/2014/main" id="{F005234F-7502-4E8D-B1A6-B5A02AEF8B00}"/>
+              </a:ext>
+            </a:extLst>
+          </p:cNvPr>
+          <p:cNvSpPr>
+            <a:spLocks noGrp="1"/>
+          </p:cNvSpPr>
+          <p:nvPr>
+            <p:ph type="title"/>
+          </p:nvPr>
+        </p:nvSpPr>
+        <p:spPr/>
+        <p:txBody>
+          <a:bodyPr/>
+          <a:lstStyle/>
+          <a:p>
+            <a:r>
+              <a:rPr lang="es-ES" dirty="0"/>
+              <a:t>Funcionalidad de la aplicación</a:t>
+            </a:r>
+          </a:p>
+        </p:txBody>
+      </p:sp>
+      <p:sp>
+        <p:nvSpPr>
+          <p:cNvPr id="3" name="Marcador de contenido 2">
+            <a:extLst>
+              <a:ext uri="{FF2B5EF4-FFF2-40B4-BE49-F238E27FC236}">
+                <a16:creationId xmlns:a16="http://schemas.microsoft.com/office/drawing/2014/main" id="{0625D7AF-7A74-4F03-97C6-F956CB59C254}"/>
+              </a:ext>
+            </a:extLst>
+          </p:cNvPr>
+          <p:cNvSpPr>
+            <a:spLocks noGrp="1"/>
+          </p:cNvSpPr>
+          <p:nvPr>
+            <p:ph idx="1"/>
+          </p:nvPr>
+        </p:nvSpPr>
+        <p:spPr/>
+        <p:txBody>
+          <a:bodyPr/>
+          <a:lstStyle/>
+          <a:p>
+            <a:endParaRPr lang="es-ES" dirty="0"/>
+          </a:p>
+        </p:txBody>
+      </p:sp>
+      <p:pic>
+        <p:nvPicPr>
+          <p:cNvPr id="4" name="Imagen 3">
+            <a:extLst>
+              <a:ext uri="{FF2B5EF4-FFF2-40B4-BE49-F238E27FC236}">
+                <a16:creationId xmlns:a16="http://schemas.microsoft.com/office/drawing/2014/main" id="{0A3C3FCE-59BE-4FD1-9089-E8D1A1A3CA66}"/>
+              </a:ext>
+            </a:extLst>
+          </p:cNvPr>
+          <p:cNvPicPr>
+            <a:picLocks noChangeAspect="1"/>
+          </p:cNvPicPr>
+          <p:nvPr/>
+        </p:nvPicPr>
+        <p:blipFill>
+          <a:blip r:embed="rId2"/>
+          <a:stretch>
+            <a:fillRect/>
+          </a:stretch>
+        </p:blipFill>
+        <p:spPr>
+          <a:xfrm>
+            <a:off x="382789" y="1389015"/>
+            <a:ext cx="11429384" cy="5004751"/>
+          </a:xfrm>
+          <a:prstGeom prst="rect">
+            <a:avLst/>
+          </a:prstGeom>
+        </p:spPr>
+      </p:pic>
+    </p:spTree>
+    <p:extLst>
+      <p:ext uri="{BB962C8B-B14F-4D97-AF65-F5344CB8AC3E}">
+        <p14:creationId xmlns:p14="http://schemas.microsoft.com/office/powerpoint/2010/main" val="1065365532"/>
+      </p:ext>
+    </p:extLst>
+  </p:cSld>
+  <p:clrMapOvr>
+    <a:masterClrMapping/>
+  </p:clrMapOvr>
+</p:sld>
+</file>
+
+<file path=ppt/slides/slide18.xml><?xml version="1.0" encoding="utf-8"?>
+<p:sld xmlns:a="http://schemas.openxmlformats.org/drawingml/2006/main" xmlns:r="http://schemas.openxmlformats.org/officeDocument/2006/relationships" xmlns:p="http://schemas.openxmlformats.org/presentationml/2006/main">
+  <p:cSld>
+    <p:bg>
+      <p:bgPr>
+        <a:solidFill>
+          <a:schemeClr val="bg1"/>
+        </a:solidFill>
+        <a:effectLst/>
+      </p:bgPr>
+    </p:bg>
+    <p:spTree>
+      <p:nvGrpSpPr>
+        <p:cNvPr id="1" name=""/>
+        <p:cNvGrpSpPr/>
+        <p:nvPr/>
+      </p:nvGrpSpPr>
+      <p:grpSpPr>
+        <a:xfrm>
+          <a:off x="0" y="0"/>
+          <a:ext cx="0" cy="0"/>
+          <a:chOff x="0" y="0"/>
+          <a:chExt cx="0" cy="0"/>
+        </a:xfrm>
+      </p:grpSpPr>
+      <p:pic>
+        <p:nvPicPr>
+          <p:cNvPr id="31" name="Picture 10">
+            <a:extLst>
+              <a:ext uri="{FF2B5EF4-FFF2-40B4-BE49-F238E27FC236}">
+                <a16:creationId xmlns:a16="http://schemas.microsoft.com/office/drawing/2014/main" id="{41B68C77-138E-4BF7-A276-BD0C78A4219F}"/>
+              </a:ext>
+              <a:ext uri="{C183D7F6-B498-43B3-948B-1728B52AA6E4}">
+                <adec:decorative xmlns="" xmlns:adec="http://schemas.microsoft.com/office/drawing/2017/decorative" val="1"/>
+              </a:ext>
+            </a:extLst>
+          </p:cNvPr>
+          <p:cNvPicPr>
+            <a:picLocks noGrp="1" noRot="1" noChangeAspect="1" noMove="1" noResize="1" noEditPoints="1" noAdjustHandles="1" noChangeArrowheads="1" noChangeShapeType="1" noCrop="1"/>
+          </p:cNvPicPr>
+          <p:nvPr>
+            <p:extLst>
+              <p:ext uri="{386F3935-93C4-4BCD-93E2-E3B085C9AB24}">
+                <p16:designElem xmlns:p16="http://schemas.microsoft.com/office/powerpoint/2015/main" val="1"/>
+              </p:ext>
+            </p:extLst>
+          </p:nvPr>
+        </p:nvPicPr>
+        <p:blipFill rotWithShape="1">
+          <a:blip r:embed="rId2">
+            <a:extLst>
+              <a:ext uri="{28A0092B-C50C-407E-A947-70E740481C1C}">
+                <a14:useLocalDpi xmlns:a14="http://schemas.microsoft.com/office/drawing/2010/main" val="0"/>
+              </a:ext>
+            </a:extLst>
+          </a:blip>
+          <a:srcRect l="3613"/>
+          <a:stretch/>
+        </p:blipFill>
+        <p:spPr>
+          <a:xfrm>
+            <a:off x="0" y="2669685"/>
+            <a:ext cx="4037012" cy="4188315"/>
+          </a:xfrm>
+          <a:prstGeom prst="rect">
+            <a:avLst/>
+          </a:prstGeom>
+        </p:spPr>
+      </p:pic>
+      <p:pic>
+        <p:nvPicPr>
+          <p:cNvPr id="32" name="Picture 12">
+            <a:extLst>
+              <a:ext uri="{FF2B5EF4-FFF2-40B4-BE49-F238E27FC236}">
+                <a16:creationId xmlns:a16="http://schemas.microsoft.com/office/drawing/2014/main" id="{7C268552-D473-46ED-B1B8-422042C4DEF1}"/>
+              </a:ext>
+              <a:ext uri="{C183D7F6-B498-43B3-948B-1728B52AA6E4}">
+                <adec:decorative xmlns="" xmlns:adec="http://schemas.microsoft.com/office/drawing/2017/decorative" val="1"/>
+              </a:ext>
+            </a:extLst>
+          </p:cNvPr>
+          <p:cNvPicPr>
+            <a:picLocks noGrp="1" noRot="1" noChangeAspect="1" noMove="1" noResize="1" noEditPoints="1" noAdjustHandles="1" noChangeArrowheads="1" noChangeShapeType="1" noCrop="1"/>
+          </p:cNvPicPr>
+          <p:nvPr>
+            <p:extLst>
+              <p:ext uri="{386F3935-93C4-4BCD-93E2-E3B085C9AB24}">
+                <p16:designElem xmlns:p16="http://schemas.microsoft.com/office/powerpoint/2015/main" val="1"/>
+              </p:ext>
+            </p:extLst>
+          </p:nvPr>
+        </p:nvPicPr>
+        <p:blipFill rotWithShape="1">
+          <a:blip r:embed="rId3">
+            <a:extLst>
+              <a:ext uri="{28A0092B-C50C-407E-A947-70E740481C1C}">
+                <a14:useLocalDpi xmlns:a14="http://schemas.microsoft.com/office/drawing/2010/main" val="0"/>
+              </a:ext>
+            </a:extLst>
+          </a:blip>
+          <a:srcRect l="35640"/>
+          <a:stretch/>
+        </p:blipFill>
+        <p:spPr>
+          <a:xfrm>
+            <a:off x="0" y="2892347"/>
+            <a:ext cx="1522412" cy="2365453"/>
+          </a:xfrm>
+          <a:prstGeom prst="rect">
+            <a:avLst/>
+          </a:prstGeom>
+        </p:spPr>
+      </p:pic>
+      <p:sp>
+        <p:nvSpPr>
+          <p:cNvPr id="33" name="Oval 14">
+            <a:extLst>
+              <a:ext uri="{FF2B5EF4-FFF2-40B4-BE49-F238E27FC236}">
+                <a16:creationId xmlns:a16="http://schemas.microsoft.com/office/drawing/2014/main" id="{4AC0CD9D-7610-4620-93B4-798CCD9AB581}"/>
+              </a:ext>
+              <a:ext uri="{C183D7F6-B498-43B3-948B-1728B52AA6E4}">
+                <adec:decorative xmlns="" xmlns:adec="http://schemas.microsoft.com/office/drawing/2017/decorative" val="1"/>
+              </a:ext>
+            </a:extLst>
+          </p:cNvPr>
+          <p:cNvSpPr>
+            <a:spLocks noGrp="1" noRot="1" noChangeAspect="1" noMove="1" noResize="1" noEditPoints="1" noAdjustHandles="1" noChangeArrowheads="1" noChangeShapeType="1" noTextEdit="1"/>
+          </p:cNvSpPr>
+          <p:nvPr>
+            <p:extLst>
+              <p:ext uri="{386F3935-93C4-4BCD-93E2-E3B085C9AB24}">
+                <p16:designElem xmlns:p16="http://schemas.microsoft.com/office/powerpoint/2015/main" val="1"/>
+              </p:ext>
+            </p:extLst>
+          </p:nvPr>
+        </p:nvSpPr>
+        <p:spPr>
+          <a:xfrm>
+            <a:off x="8609012" y="1676400"/>
+            <a:ext cx="2819400" cy="2819400"/>
+          </a:xfrm>
+          <a:prstGeom prst="ellipse">
+            <a:avLst/>
+          </a:prstGeom>
+          <a:gradFill flip="none" rotWithShape="1">
+            <a:gsLst>
+              <a:gs pos="0">
+                <a:schemeClr val="bg2">
+                  <a:lumMod val="60000"/>
+                  <a:lumOff val="40000"/>
+                  <a:alpha val="7000"/>
+                </a:schemeClr>
+              </a:gs>
+              <a:gs pos="69000">
+                <a:schemeClr val="bg2">
+                  <a:lumMod val="60000"/>
+                  <a:lumOff val="40000"/>
+                  <a:alpha val="0"/>
+                </a:schemeClr>
+              </a:gs>
+              <a:gs pos="36000">
+                <a:schemeClr val="bg2">
+                  <a:lumMod val="60000"/>
+                  <a:lumOff val="40000"/>
+                  <a:alpha val="6000"/>
+                </a:schemeClr>
+              </a:gs>
+            </a:gsLst>
+            <a:path path="circle">
+              <a:fillToRect l="50000" t="50000" r="50000" b="50000"/>
+            </a:path>
+            <a:tileRect/>
+          </a:gradFill>
+          <a:ln>
+            <a:noFill/>
+          </a:ln>
+          <a:effectLst/>
+        </p:spPr>
+        <p:style>
+          <a:lnRef idx="1">
+            <a:schemeClr val="accent1"/>
+          </a:lnRef>
+          <a:fillRef idx="3">
+            <a:schemeClr val="accent1"/>
+          </a:fillRef>
+          <a:effectRef idx="2">
+            <a:schemeClr val="accent1"/>
+          </a:effectRef>
+          <a:fontRef idx="minor">
+            <a:schemeClr val="lt1"/>
+          </a:fontRef>
+        </p:style>
+      </p:sp>
+      <p:pic>
+        <p:nvPicPr>
+          <p:cNvPr id="34" name="Picture 16">
+            <a:extLst>
+              <a:ext uri="{FF2B5EF4-FFF2-40B4-BE49-F238E27FC236}">
+                <a16:creationId xmlns:a16="http://schemas.microsoft.com/office/drawing/2014/main" id="{B9238B3E-24AA-439A-B527-6C5DF6D72145}"/>
+              </a:ext>
+              <a:ext uri="{C183D7F6-B498-43B3-948B-1728B52AA6E4}">
+                <adec:decorative xmlns="" xmlns:adec="http://schemas.microsoft.com/office/drawing/2017/decorative" val="1"/>
+              </a:ext>
+            </a:extLst>
+          </p:cNvPr>
+          <p:cNvPicPr>
+            <a:picLocks noGrp="1" noRot="1" noChangeAspect="1" noMove="1" noResize="1" noEditPoints="1" noAdjustHandles="1" noChangeArrowheads="1" noChangeShapeType="1" noCrop="1"/>
+          </p:cNvPicPr>
+          <p:nvPr>
+            <p:extLst>
+              <p:ext uri="{386F3935-93C4-4BCD-93E2-E3B085C9AB24}">
+                <p16:designElem xmlns:p16="http://schemas.microsoft.com/office/powerpoint/2015/main" val="1"/>
+              </p:ext>
+            </p:extLst>
+          </p:nvPr>
+        </p:nvPicPr>
+        <p:blipFill rotWithShape="1">
+          <a:blip r:embed="rId4">
+            <a:extLst>
+              <a:ext uri="{28A0092B-C50C-407E-A947-70E740481C1C}">
+                <a14:useLocalDpi xmlns:a14="http://schemas.microsoft.com/office/drawing/2010/main" val="0"/>
+              </a:ext>
+            </a:extLst>
+          </a:blip>
+          <a:srcRect t="28813"/>
+          <a:stretch/>
+        </p:blipFill>
+        <p:spPr>
+          <a:xfrm>
+            <a:off x="7999412" y="0"/>
+            <a:ext cx="1603387" cy="1141407"/>
+          </a:xfrm>
+          <a:prstGeom prst="rect">
+            <a:avLst/>
+          </a:prstGeom>
+        </p:spPr>
+      </p:pic>
+      <p:pic>
+        <p:nvPicPr>
+          <p:cNvPr id="35" name="Picture 18">
+            <a:extLst>
+              <a:ext uri="{FF2B5EF4-FFF2-40B4-BE49-F238E27FC236}">
+                <a16:creationId xmlns:a16="http://schemas.microsoft.com/office/drawing/2014/main" id="{69F01145-BEA3-4CBF-AA21-10077B948CA8}"/>
+              </a:ext>
+              <a:ext uri="{C183D7F6-B498-43B3-948B-1728B52AA6E4}">
+                <adec:decorative xmlns="" xmlns:adec="http://schemas.microsoft.com/office/drawing/2017/decorative" val="1"/>
+              </a:ext>
+            </a:extLst>
+          </p:cNvPr>
+          <p:cNvPicPr>
+            <a:picLocks noGrp="1" noRot="1" noChangeAspect="1" noMove="1" noResize="1" noEditPoints="1" noAdjustHandles="1" noChangeArrowheads="1" noChangeShapeType="1" noCrop="1"/>
+          </p:cNvPicPr>
+          <p:nvPr>
+            <p:extLst>
+              <p:ext uri="{386F3935-93C4-4BCD-93E2-E3B085C9AB24}">
+                <p16:designElem xmlns:p16="http://schemas.microsoft.com/office/powerpoint/2015/main" val="1"/>
+              </p:ext>
+            </p:extLst>
+          </p:nvPr>
+        </p:nvPicPr>
+        <p:blipFill rotWithShape="1">
+          <a:blip r:embed="rId5">
+            <a:extLst>
+              <a:ext uri="{28A0092B-C50C-407E-A947-70E740481C1C}">
+                <a14:useLocalDpi xmlns:a14="http://schemas.microsoft.com/office/drawing/2010/main" val="0"/>
+              </a:ext>
+            </a:extLst>
+          </a:blip>
+          <a:srcRect b="23320"/>
+          <a:stretch/>
+        </p:blipFill>
+        <p:spPr>
+          <a:xfrm>
+            <a:off x="8605878" y="6096000"/>
+            <a:ext cx="993734" cy="762000"/>
+          </a:xfrm>
+          <a:prstGeom prst="rect">
+            <a:avLst/>
+          </a:prstGeom>
+        </p:spPr>
+      </p:pic>
+      <p:sp>
+        <p:nvSpPr>
+          <p:cNvPr id="36" name="Rectangle 20">
+            <a:extLst>
+              <a:ext uri="{FF2B5EF4-FFF2-40B4-BE49-F238E27FC236}">
+                <a16:creationId xmlns:a16="http://schemas.microsoft.com/office/drawing/2014/main" id="{DE4D62F9-188E-4530-84C2-24BDEE4BEB82}"/>
+              </a:ext>
+              <a:ext uri="{C183D7F6-B498-43B3-948B-1728B52AA6E4}">
+                <adec:decorative xmlns="" xmlns:adec="http://schemas.microsoft.com/office/drawing/2017/decorative" val="1"/>
+              </a:ext>
+            </a:extLst>
+          </p:cNvPr>
+          <p:cNvSpPr>
+            <a:spLocks noGrp="1" noRot="1" noChangeAspect="1" noMove="1" noResize="1" noEditPoints="1" noAdjustHandles="1" noChangeArrowheads="1" noChangeShapeType="1" noTextEdit="1"/>
+          </p:cNvSpPr>
+          <p:nvPr>
+            <p:extLst>
+              <p:ext uri="{386F3935-93C4-4BCD-93E2-E3B085C9AB24}">
+                <p16:designElem xmlns:p16="http://schemas.microsoft.com/office/powerpoint/2015/main" val="1"/>
+              </p:ext>
+            </p:extLst>
+          </p:nvPr>
+        </p:nvSpPr>
+        <p:spPr>
+          <a:xfrm>
+            <a:off x="10437812" y="0"/>
+            <a:ext cx="685800" cy="1143000"/>
+          </a:xfrm>
+          <a:prstGeom prst="rect">
+            <a:avLst/>
+          </a:prstGeom>
+          <a:solidFill>
+            <a:schemeClr val="accent1"/>
+          </a:solidFill>
+          <a:ln>
+            <a:noFill/>
+          </a:ln>
+        </p:spPr>
+        <p:style>
+          <a:lnRef idx="1">
+            <a:schemeClr val="accent1"/>
+          </a:lnRef>
+          <a:fillRef idx="3">
+            <a:schemeClr val="accent1"/>
+          </a:fillRef>
+          <a:effectRef idx="2">
+            <a:schemeClr val="accent1"/>
+          </a:effectRef>
+          <a:fontRef idx="minor">
+            <a:schemeClr val="lt1"/>
+          </a:fontRef>
+        </p:style>
+      </p:sp>
+      <p:sp useBgFill="1">
+        <p:nvSpPr>
+          <p:cNvPr id="37" name="Rectangle 22">
+            <a:extLst>
+              <a:ext uri="{FF2B5EF4-FFF2-40B4-BE49-F238E27FC236}">
+                <a16:creationId xmlns:a16="http://schemas.microsoft.com/office/drawing/2014/main" id="{DE92A8BB-07B9-40DB-984F-2CB1A2535B9E}"/>
+              </a:ext>
+              <a:ext uri="{C183D7F6-B498-43B3-948B-1728B52AA6E4}">
+                <adec:decorative xmlns="" xmlns:adec="http://schemas.microsoft.com/office/drawing/2017/decorative" val="1"/>
+              </a:ext>
+            </a:extLst>
+          </p:cNvPr>
+          <p:cNvSpPr>
+            <a:spLocks noGrp="1" noRot="1" noChangeAspect="1" noMove="1" noResize="1" noEditPoints="1" noAdjustHandles="1" noChangeArrowheads="1" noChangeShapeType="1" noTextEdit="1"/>
+          </p:cNvSpPr>
+          <p:nvPr>
+            <p:extLst>
+              <p:ext uri="{386F3935-93C4-4BCD-93E2-E3B085C9AB24}">
+                <p16:designElem xmlns:p16="http://schemas.microsoft.com/office/powerpoint/2015/main" val="1"/>
+              </p:ext>
+            </p:extLst>
+          </p:nvPr>
+        </p:nvSpPr>
+        <p:spPr>
+          <a:xfrm>
+            <a:off x="0" y="-5"/>
+            <a:ext cx="12191695" cy="4730744"/>
+          </a:xfrm>
+          <a:prstGeom prst="rect">
+            <a:avLst/>
+          </a:prstGeom>
+          <a:ln>
+            <a:noFill/>
+          </a:ln>
+        </p:spPr>
+        <p:style>
+          <a:lnRef idx="2">
+            <a:schemeClr val="accent1">
+              <a:shade val="50000"/>
+            </a:schemeClr>
+          </a:lnRef>
+          <a:fillRef idx="1">
+            <a:schemeClr val="accent1"/>
+          </a:fillRef>
+          <a:effectRef idx="0">
+            <a:schemeClr val="accent1"/>
+          </a:effectRef>
+          <a:fontRef idx="minor">
+            <a:schemeClr val="lt1"/>
+          </a:fontRef>
+        </p:style>
+        <p:txBody>
+          <a:bodyPr rtlCol="0" anchor="ctr"/>
+          <a:lstStyle/>
+          <a:p>
+            <a:pPr algn="ctr"/>
+            <a:endParaRPr lang="en-US"/>
+          </a:p>
+        </p:txBody>
+      </p:sp>
+      <p:sp>
+        <p:nvSpPr>
+          <p:cNvPr id="38" name="Rectangle 24">
+            <a:extLst>
+              <a:ext uri="{FF2B5EF4-FFF2-40B4-BE49-F238E27FC236}">
+                <a16:creationId xmlns:a16="http://schemas.microsoft.com/office/drawing/2014/main" id="{2CDDB745-6C26-4B79-9EF2-08E3E4AB9024}"/>
+              </a:ext>
+              <a:ext uri="{C183D7F6-B498-43B3-948B-1728B52AA6E4}">
+                <adec:decorative xmlns="" xmlns:adec="http://schemas.microsoft.com/office/drawing/2017/decorative" val="1"/>
+              </a:ext>
+            </a:extLst>
+          </p:cNvPr>
+          <p:cNvSpPr>
+            <a:spLocks noGrp="1" noRot="1" noChangeAspect="1" noMove="1" noResize="1" noEditPoints="1" noAdjustHandles="1" noChangeArrowheads="1" noChangeShapeType="1" noTextEdit="1"/>
+          </p:cNvSpPr>
+          <p:nvPr>
+            <p:extLst>
+              <p:ext uri="{386F3935-93C4-4BCD-93E2-E3B085C9AB24}">
+                <p16:designElem xmlns:p16="http://schemas.microsoft.com/office/powerpoint/2015/main" val="1"/>
+              </p:ext>
+            </p:extLst>
+          </p:nvPr>
+        </p:nvSpPr>
+        <p:spPr>
+          <a:xfrm>
+            <a:off x="10437812" y="0"/>
+            <a:ext cx="685800" cy="1143000"/>
+          </a:xfrm>
+          <a:prstGeom prst="rect">
+            <a:avLst/>
+          </a:prstGeom>
+          <a:solidFill>
+            <a:schemeClr val="accent1"/>
+          </a:solidFill>
+          <a:ln>
+            <a:noFill/>
+          </a:ln>
+        </p:spPr>
+        <p:style>
+          <a:lnRef idx="1">
+            <a:schemeClr val="accent1"/>
+          </a:lnRef>
+          <a:fillRef idx="3">
+            <a:schemeClr val="accent1"/>
+          </a:fillRef>
+          <a:effectRef idx="2">
+            <a:schemeClr val="accent1"/>
+          </a:effectRef>
+          <a:fontRef idx="minor">
+            <a:schemeClr val="lt1"/>
+          </a:fontRef>
+        </p:style>
+      </p:sp>
+      <p:sp>
+        <p:nvSpPr>
+          <p:cNvPr id="39" name="Freeform 16">
+            <a:extLst>
+              <a:ext uri="{FF2B5EF4-FFF2-40B4-BE49-F238E27FC236}">
+                <a16:creationId xmlns:a16="http://schemas.microsoft.com/office/drawing/2014/main" id="{80B3FE6C-0A59-4114-88CB-3C3172D6AFF8}"/>
+              </a:ext>
+              <a:ext uri="{C183D7F6-B498-43B3-948B-1728B52AA6E4}">
+                <adec:decorative xmlns="" xmlns:adec="http://schemas.microsoft.com/office/drawing/2017/decorative" val="1"/>
+              </a:ext>
+            </a:extLst>
+          </p:cNvPr>
+          <p:cNvSpPr>
+            <a:spLocks noGrp="1" noRot="1" noChangeAspect="1" noMove="1" noResize="1" noEditPoints="1" noAdjustHandles="1" noChangeArrowheads="1" noChangeShapeType="1" noTextEdit="1"/>
+          </p:cNvSpPr>
+          <p:nvPr>
+            <p:extLst>
+              <p:ext uri="{386F3935-93C4-4BCD-93E2-E3B085C9AB24}">
+                <p16:designElem xmlns:p16="http://schemas.microsoft.com/office/powerpoint/2015/main" val="1"/>
+              </p:ext>
+            </p:extLst>
+          </p:nvPr>
+        </p:nvSpPr>
+        <p:spPr>
+          <a:xfrm>
+            <a:off x="8719939" y="2835162"/>
+            <a:ext cx="3472060" cy="825932"/>
+          </a:xfrm>
+          <a:custGeom>
+            <a:avLst/>
+            <a:gdLst>
+              <a:gd name="connsiteX0" fmla="*/ 3470310 w 3472060"/>
+              <a:gd name="connsiteY0" fmla="*/ 0 h 825932"/>
+              <a:gd name="connsiteX1" fmla="*/ 3472060 w 3472060"/>
+              <a:gd name="connsiteY1" fmla="*/ 12850 h 825932"/>
+              <a:gd name="connsiteX2" fmla="*/ 3472060 w 3472060"/>
+              <a:gd name="connsiteY2" fmla="*/ 480529 h 825932"/>
+              <a:gd name="connsiteX3" fmla="*/ 3363699 w 3472060"/>
+              <a:gd name="connsiteY3" fmla="*/ 498471 h 825932"/>
+              <a:gd name="connsiteX4" fmla="*/ 42060 w 3472060"/>
+              <a:gd name="connsiteY4" fmla="*/ 824486 h 825932"/>
+              <a:gd name="connsiteX5" fmla="*/ 0 w 3472060"/>
+              <a:gd name="connsiteY5" fmla="*/ 758452 h 825932"/>
+              <a:gd name="connsiteX6" fmla="*/ 188014 w 3472060"/>
+              <a:gd name="connsiteY6" fmla="*/ 735602 h 825932"/>
+              <a:gd name="connsiteX7" fmla="*/ 284087 w 3472060"/>
+              <a:gd name="connsiteY7" fmla="*/ 722590 h 825932"/>
+              <a:gd name="connsiteX8" fmla="*/ 382288 w 3472060"/>
+              <a:gd name="connsiteY8" fmla="*/ 709392 h 825932"/>
+              <a:gd name="connsiteX9" fmla="*/ 481858 w 3472060"/>
+              <a:gd name="connsiteY9" fmla="*/ 695774 h 825932"/>
+              <a:gd name="connsiteX10" fmla="*/ 581897 w 3472060"/>
+              <a:gd name="connsiteY10" fmla="*/ 680711 h 825932"/>
+              <a:gd name="connsiteX11" fmla="*/ 683670 w 3472060"/>
+              <a:gd name="connsiteY11" fmla="*/ 665256 h 825932"/>
+              <a:gd name="connsiteX12" fmla="*/ 787206 w 3472060"/>
+              <a:gd name="connsiteY12" fmla="*/ 649587 h 825932"/>
+              <a:gd name="connsiteX13" fmla="*/ 892019 w 3472060"/>
+              <a:gd name="connsiteY13" fmla="*/ 632968 h 825932"/>
+              <a:gd name="connsiteX14" fmla="*/ 997620 w 3472060"/>
+              <a:gd name="connsiteY14" fmla="*/ 614667 h 825932"/>
+              <a:gd name="connsiteX15" fmla="*/ 1104727 w 3472060"/>
+              <a:gd name="connsiteY15" fmla="*/ 596741 h 825932"/>
+              <a:gd name="connsiteX16" fmla="*/ 1212669 w 3472060"/>
+              <a:gd name="connsiteY16" fmla="*/ 577397 h 825932"/>
+              <a:gd name="connsiteX17" fmla="*/ 1321506 w 3472060"/>
+              <a:gd name="connsiteY17" fmla="*/ 556988 h 825932"/>
+              <a:gd name="connsiteX18" fmla="*/ 1430709 w 3472060"/>
+              <a:gd name="connsiteY18" fmla="*/ 536607 h 825932"/>
+              <a:gd name="connsiteX19" fmla="*/ 1541050 w 3472060"/>
+              <a:gd name="connsiteY19" fmla="*/ 514481 h 825932"/>
+              <a:gd name="connsiteX20" fmla="*/ 1652805 w 3472060"/>
+              <a:gd name="connsiteY20" fmla="*/ 492202 h 825932"/>
+              <a:gd name="connsiteX21" fmla="*/ 1763708 w 3472060"/>
+              <a:gd name="connsiteY21" fmla="*/ 469161 h 825932"/>
+              <a:gd name="connsiteX22" fmla="*/ 1875795 w 3472060"/>
+              <a:gd name="connsiteY22" fmla="*/ 444641 h 825932"/>
+              <a:gd name="connsiteX23" fmla="*/ 1989128 w 3472060"/>
+              <a:gd name="connsiteY23" fmla="*/ 418995 h 825932"/>
+              <a:gd name="connsiteX24" fmla="*/ 2102476 w 3472060"/>
+              <a:gd name="connsiteY24" fmla="*/ 393438 h 825932"/>
+              <a:gd name="connsiteX25" fmla="*/ 2215549 w 3472060"/>
+              <a:gd name="connsiteY25" fmla="*/ 366291 h 825932"/>
+              <a:gd name="connsiteX26" fmla="*/ 2330490 w 3472060"/>
+              <a:gd name="connsiteY26" fmla="*/ 337455 h 825932"/>
+              <a:gd name="connsiteX27" fmla="*/ 2443333 w 3472060"/>
+              <a:gd name="connsiteY27" fmla="*/ 308983 h 825932"/>
+              <a:gd name="connsiteX28" fmla="*/ 2558014 w 3472060"/>
+              <a:gd name="connsiteY28" fmla="*/ 278646 h 825932"/>
+              <a:gd name="connsiteX29" fmla="*/ 2673621 w 3472060"/>
+              <a:gd name="connsiteY29" fmla="*/ 247421 h 825932"/>
+              <a:gd name="connsiteX30" fmla="*/ 2787008 w 3472060"/>
+              <a:gd name="connsiteY30" fmla="*/ 215853 h 825932"/>
+              <a:gd name="connsiteX31" fmla="*/ 2901442 w 3472060"/>
+              <a:gd name="connsiteY31" fmla="*/ 182011 h 825932"/>
+              <a:gd name="connsiteX32" fmla="*/ 3015722 w 3472060"/>
+              <a:gd name="connsiteY32" fmla="*/ 147286 h 825932"/>
+              <a:gd name="connsiteX33" fmla="*/ 3130018 w 3472060"/>
+              <a:gd name="connsiteY33" fmla="*/ 112649 h 825932"/>
+              <a:gd name="connsiteX34" fmla="*/ 3243551 w 3472060"/>
+              <a:gd name="connsiteY34" fmla="*/ 75688 h 825932"/>
+              <a:gd name="connsiteX35" fmla="*/ 3356992 w 3472060"/>
+              <a:gd name="connsiteY35" fmla="*/ 38197 h 825932"/>
+              <a:gd name="connsiteX36" fmla="*/ 3470310 w 3472060"/>
+              <a:gd name="connsiteY36" fmla="*/ 0 h 825932"/>
+            </a:gdLst>
+            <a:ahLst/>
+            <a:cxnLst>
+              <a:cxn ang="0">
+                <a:pos x="connsiteX0" y="connsiteY0"/>
+              </a:cxn>
+              <a:cxn ang="0">
+                <a:pos x="connsiteX1" y="connsiteY1"/>
+              </a:cxn>
+              <a:cxn ang="0">
+                <a:pos x="connsiteX2" y="connsiteY2"/>
+              </a:cxn>
+              <a:cxn ang="0">
+                <a:pos x="connsiteX3" y="connsiteY3"/>
+              </a:cxn>
+              <a:cxn ang="0">
+                <a:pos x="connsiteX4" y="connsiteY4"/>
+              </a:cxn>
+              <a:cxn ang="0">
+                <a:pos x="connsiteX5" y="connsiteY5"/>
+              </a:cxn>
+              <a:cxn ang="0">
+                <a:pos x="connsiteX6" y="connsiteY6"/>
+              </a:cxn>
+              <a:cxn ang="0">
+                <a:pos x="connsiteX7" y="connsiteY7"/>
+              </a:cxn>
+              <a:cxn ang="0">
+                <a:pos x="connsiteX8" y="connsiteY8"/>
+              </a:cxn>
+              <a:cxn ang="0">
+                <a:pos x="connsiteX9" y="connsiteY9"/>
+              </a:cxn>
+              <a:cxn ang="0">
+                <a:pos x="connsiteX10" y="connsiteY10"/>
+              </a:cxn>
+              <a:cxn ang="0">
+                <a:pos x="connsiteX11" y="connsiteY11"/>
+              </a:cxn>
+              <a:cxn ang="0">
+                <a:pos x="connsiteX12" y="connsiteY12"/>
+              </a:cxn>
+              <a:cxn ang="0">
+                <a:pos x="connsiteX13" y="connsiteY13"/>
+              </a:cxn>
+              <a:cxn ang="0">
+                <a:pos x="connsiteX14" y="connsiteY14"/>
+              </a:cxn>
+              <a:cxn ang="0">
+                <a:pos x="connsiteX15" y="connsiteY15"/>
+              </a:cxn>
+              <a:cxn ang="0">
+                <a:pos x="connsiteX16" y="connsiteY16"/>
+              </a:cxn>
+              <a:cxn ang="0">
+                <a:pos x="connsiteX17" y="connsiteY17"/>
+              </a:cxn>
+              <a:cxn ang="0">
+                <a:pos x="connsiteX18" y="connsiteY18"/>
+              </a:cxn>
+              <a:cxn ang="0">
+                <a:pos x="connsiteX19" y="connsiteY19"/>
+              </a:cxn>
+              <a:cxn ang="0">
+                <a:pos x="connsiteX20" y="connsiteY20"/>
+              </a:cxn>
+              <a:cxn ang="0">
+                <a:pos x="connsiteX21" y="connsiteY21"/>
+              </a:cxn>
+              <a:cxn ang="0">
+                <a:pos x="connsiteX22" y="connsiteY22"/>
+              </a:cxn>
+              <a:cxn ang="0">
+                <a:pos x="connsiteX23" y="connsiteY23"/>
+              </a:cxn>
+              <a:cxn ang="0">
+                <a:pos x="connsiteX24" y="connsiteY24"/>
+              </a:cxn>
+              <a:cxn ang="0">
+                <a:pos x="connsiteX25" y="connsiteY25"/>
+              </a:cxn>
+              <a:cxn ang="0">
+                <a:pos x="connsiteX26" y="connsiteY26"/>
+              </a:cxn>
+              <a:cxn ang="0">
+                <a:pos x="connsiteX27" y="connsiteY27"/>
+              </a:cxn>
+              <a:cxn ang="0">
+                <a:pos x="connsiteX28" y="connsiteY28"/>
+              </a:cxn>
+              <a:cxn ang="0">
+                <a:pos x="connsiteX29" y="connsiteY29"/>
+              </a:cxn>
+              <a:cxn ang="0">
+                <a:pos x="connsiteX30" y="connsiteY30"/>
+              </a:cxn>
+              <a:cxn ang="0">
+                <a:pos x="connsiteX31" y="connsiteY31"/>
+              </a:cxn>
+              <a:cxn ang="0">
+                <a:pos x="connsiteX32" y="connsiteY32"/>
+              </a:cxn>
+              <a:cxn ang="0">
+                <a:pos x="connsiteX33" y="connsiteY33"/>
+              </a:cxn>
+              <a:cxn ang="0">
+                <a:pos x="connsiteX34" y="connsiteY34"/>
+              </a:cxn>
+              <a:cxn ang="0">
+                <a:pos x="connsiteX35" y="connsiteY35"/>
+              </a:cxn>
+              <a:cxn ang="0">
+                <a:pos x="connsiteX36" y="connsiteY36"/>
+              </a:cxn>
+            </a:cxnLst>
+            <a:rect l="l" t="t" r="r" b="b"/>
+            <a:pathLst>
+              <a:path w="3472060" h="825932">
+                <a:moveTo>
+                  <a:pt x="3470310" y="0"/>
+                </a:moveTo>
+                <a:lnTo>
+                  <a:pt x="3472060" y="12850"/>
+                </a:lnTo>
+                <a:lnTo>
+                  <a:pt x="3472060" y="480529"/>
+                </a:lnTo>
+                <a:lnTo>
+                  <a:pt x="3363699" y="498471"/>
+                </a:lnTo>
+                <a:cubicBezTo>
+                  <a:pt x="2435623" y="645518"/>
+                  <a:pt x="603076" y="844866"/>
+                  <a:pt x="42060" y="824486"/>
+                </a:cubicBezTo>
+                <a:cubicBezTo>
+                  <a:pt x="28151" y="802425"/>
+                  <a:pt x="13909" y="780513"/>
+                  <a:pt x="0" y="758452"/>
+                </a:cubicBezTo>
+                <a:lnTo>
+                  <a:pt x="188014" y="735602"/>
+                </a:lnTo>
+                <a:lnTo>
+                  <a:pt x="284087" y="722590"/>
+                </a:lnTo>
+                <a:lnTo>
+                  <a:pt x="382288" y="709392"/>
+                </a:lnTo>
+                <a:lnTo>
+                  <a:pt x="481858" y="695774"/>
+                </a:lnTo>
+                <a:lnTo>
+                  <a:pt x="581897" y="680711"/>
+                </a:lnTo>
+                <a:lnTo>
+                  <a:pt x="683670" y="665256"/>
+                </a:lnTo>
+                <a:lnTo>
+                  <a:pt x="787206" y="649587"/>
+                </a:lnTo>
+                <a:lnTo>
+                  <a:pt x="892019" y="632968"/>
+                </a:lnTo>
+                <a:lnTo>
+                  <a:pt x="997620" y="614667"/>
+                </a:lnTo>
+                <a:lnTo>
+                  <a:pt x="1104727" y="596741"/>
+                </a:lnTo>
+                <a:lnTo>
+                  <a:pt x="1212669" y="577397"/>
+                </a:lnTo>
+                <a:lnTo>
+                  <a:pt x="1321506" y="556988"/>
+                </a:lnTo>
+                <a:lnTo>
+                  <a:pt x="1430709" y="536607"/>
+                </a:lnTo>
+                <a:lnTo>
+                  <a:pt x="1541050" y="514481"/>
+                </a:lnTo>
+                <a:lnTo>
+                  <a:pt x="1652805" y="492202"/>
+                </a:lnTo>
+                <a:lnTo>
+                  <a:pt x="1763708" y="469161"/>
+                </a:lnTo>
+                <a:lnTo>
+                  <a:pt x="1875795" y="444641"/>
+                </a:lnTo>
+                <a:lnTo>
+                  <a:pt x="1989128" y="418995"/>
+                </a:lnTo>
+                <a:lnTo>
+                  <a:pt x="2102476" y="393438"/>
+                </a:lnTo>
+                <a:lnTo>
+                  <a:pt x="2215549" y="366291"/>
+                </a:lnTo>
+                <a:lnTo>
+                  <a:pt x="2330490" y="337455"/>
+                </a:lnTo>
+                <a:lnTo>
+                  <a:pt x="2443333" y="308983"/>
+                </a:lnTo>
+                <a:lnTo>
+                  <a:pt x="2558014" y="278646"/>
+                </a:lnTo>
+                <a:lnTo>
+                  <a:pt x="2673621" y="247421"/>
+                </a:lnTo>
+                <a:lnTo>
+                  <a:pt x="2787008" y="215853"/>
+                </a:lnTo>
+                <a:lnTo>
+                  <a:pt x="2901442" y="182011"/>
+                </a:lnTo>
+                <a:lnTo>
+                  <a:pt x="3015722" y="147286"/>
+                </a:lnTo>
+                <a:lnTo>
+                  <a:pt x="3130018" y="112649"/>
+                </a:lnTo>
+                <a:lnTo>
+                  <a:pt x="3243551" y="75688"/>
+                </a:lnTo>
+                <a:lnTo>
+                  <a:pt x="3356992" y="38197"/>
+                </a:lnTo>
+                <a:lnTo>
+                  <a:pt x="3470310" y="0"/>
+                </a:lnTo>
+                <a:close/>
+              </a:path>
+            </a:pathLst>
+          </a:custGeom>
+          <a:solidFill>
+            <a:schemeClr val="tx2">
+              <a:alpha val="20000"/>
+            </a:schemeClr>
+          </a:solidFill>
+          <a:ln>
+            <a:noFill/>
+          </a:ln>
+        </p:spPr>
+        <p:txBody>
+          <a:bodyPr rtlCol="0" anchor="ctr"/>
+          <a:lstStyle/>
+          <a:p>
+            <a:pPr algn="ctr"/>
+            <a:endParaRPr lang="en-US">
+              <a:solidFill>
+                <a:schemeClr val="tx1"/>
+              </a:solidFill>
+            </a:endParaRPr>
+          </a:p>
+        </p:txBody>
+      </p:sp>
+      <p:pic>
+        <p:nvPicPr>
+          <p:cNvPr id="6" name="Imagen 5">
+            <a:extLst>
+              <a:ext uri="{FF2B5EF4-FFF2-40B4-BE49-F238E27FC236}">
+                <a16:creationId xmlns:a16="http://schemas.microsoft.com/office/drawing/2014/main" id="{D9DD4137-6206-4BFE-8C6B-BA8AC8C0102E}"/>
+              </a:ext>
+            </a:extLst>
+          </p:cNvPr>
+          <p:cNvPicPr>
+            <a:picLocks noChangeAspect="1"/>
+          </p:cNvPicPr>
+          <p:nvPr/>
+        </p:nvPicPr>
+        <p:blipFill>
+          <a:blip r:embed="rId6"/>
+          <a:stretch>
+            <a:fillRect/>
+          </a:stretch>
+        </p:blipFill>
+        <p:spPr>
+          <a:xfrm>
+            <a:off x="635458" y="640082"/>
+            <a:ext cx="4469675" cy="2373552"/>
+          </a:xfrm>
+          <a:prstGeom prst="rect">
+            <a:avLst/>
+          </a:prstGeom>
+          <a:effectLst/>
+        </p:spPr>
+      </p:pic>
+      <p:sp>
+        <p:nvSpPr>
+          <p:cNvPr id="40" name="Freeform: Shape 28">
+            <a:extLst>
+              <a:ext uri="{FF2B5EF4-FFF2-40B4-BE49-F238E27FC236}">
+                <a16:creationId xmlns:a16="http://schemas.microsoft.com/office/drawing/2014/main" id="{DDA3A238-516A-4076-B3C2-230D913508F2}"/>
+              </a:ext>
+              <a:ext uri="{C183D7F6-B498-43B3-948B-1728B52AA6E4}">
+                <adec:decorative xmlns="" xmlns:adec="http://schemas.microsoft.com/office/drawing/2017/decorative" val="1"/>
+              </a:ext>
+            </a:extLst>
+          </p:cNvPr>
+          <p:cNvSpPr>
+            <a:spLocks noGrp="1" noRot="1" noChangeAspect="1" noMove="1" noResize="1" noEditPoints="1" noAdjustHandles="1" noChangeArrowheads="1" noChangeShapeType="1" noTextEdit="1"/>
+          </p:cNvSpPr>
+          <p:nvPr>
+            <p:extLst>
+              <p:ext uri="{386F3935-93C4-4BCD-93E2-E3B085C9AB24}">
+                <p16:designElem xmlns:p16="http://schemas.microsoft.com/office/powerpoint/2015/main" val="1"/>
+              </p:ext>
+            </p:extLst>
+          </p:nvPr>
+        </p:nvSpPr>
+        <p:spPr>
+          <a:xfrm>
+            <a:off x="-1" y="3136999"/>
+            <a:ext cx="12191696" cy="3721001"/>
+          </a:xfrm>
+          <a:custGeom>
+            <a:avLst/>
+            <a:gdLst>
+              <a:gd name="connsiteX0" fmla="*/ 1 w 12191696"/>
+              <a:gd name="connsiteY0" fmla="*/ 0 h 3721001"/>
+              <a:gd name="connsiteX1" fmla="*/ 71932 w 12191696"/>
+              <a:gd name="connsiteY1" fmla="*/ 12261 h 3721001"/>
+              <a:gd name="connsiteX2" fmla="*/ 282849 w 12191696"/>
+              <a:gd name="connsiteY2" fmla="*/ 48342 h 3721001"/>
+              <a:gd name="connsiteX3" fmla="*/ 436464 w 12191696"/>
+              <a:gd name="connsiteY3" fmla="*/ 73565 h 3721001"/>
+              <a:gd name="connsiteX4" fmla="*/ 619339 w 12191696"/>
+              <a:gd name="connsiteY4" fmla="*/ 100188 h 3721001"/>
+              <a:gd name="connsiteX5" fmla="*/ 836351 w 12191696"/>
+              <a:gd name="connsiteY5" fmla="*/ 132066 h 3721001"/>
+              <a:gd name="connsiteX6" fmla="*/ 1076528 w 12191696"/>
+              <a:gd name="connsiteY6" fmla="*/ 165696 h 3721001"/>
+              <a:gd name="connsiteX7" fmla="*/ 1347183 w 12191696"/>
+              <a:gd name="connsiteY7" fmla="*/ 201077 h 3721001"/>
+              <a:gd name="connsiteX8" fmla="*/ 1642223 w 12191696"/>
+              <a:gd name="connsiteY8" fmla="*/ 238560 h 3721001"/>
+              <a:gd name="connsiteX9" fmla="*/ 1962864 w 12191696"/>
+              <a:gd name="connsiteY9" fmla="*/ 276043 h 3721001"/>
+              <a:gd name="connsiteX10" fmla="*/ 2304232 w 12191696"/>
+              <a:gd name="connsiteY10" fmla="*/ 314226 h 3721001"/>
+              <a:gd name="connsiteX11" fmla="*/ 2672421 w 12191696"/>
+              <a:gd name="connsiteY11" fmla="*/ 349608 h 3721001"/>
+              <a:gd name="connsiteX12" fmla="*/ 3057678 w 12191696"/>
+              <a:gd name="connsiteY12" fmla="*/ 383588 h 3721001"/>
+              <a:gd name="connsiteX13" fmla="*/ 3464881 w 12191696"/>
+              <a:gd name="connsiteY13" fmla="*/ 414415 h 3721001"/>
+              <a:gd name="connsiteX14" fmla="*/ 3889152 w 12191696"/>
+              <a:gd name="connsiteY14" fmla="*/ 443841 h 3721001"/>
+              <a:gd name="connsiteX15" fmla="*/ 4331710 w 12191696"/>
+              <a:gd name="connsiteY15" fmla="*/ 471515 h 3721001"/>
+              <a:gd name="connsiteX16" fmla="*/ 4558476 w 12191696"/>
+              <a:gd name="connsiteY16" fmla="*/ 481324 h 3721001"/>
+              <a:gd name="connsiteX17" fmla="*/ 4790118 w 12191696"/>
+              <a:gd name="connsiteY17" fmla="*/ 492183 h 3721001"/>
+              <a:gd name="connsiteX18" fmla="*/ 5025418 w 12191696"/>
+              <a:gd name="connsiteY18" fmla="*/ 502342 h 3721001"/>
+              <a:gd name="connsiteX19" fmla="*/ 5261937 w 12191696"/>
+              <a:gd name="connsiteY19" fmla="*/ 508998 h 3721001"/>
+              <a:gd name="connsiteX20" fmla="*/ 5503333 w 12191696"/>
+              <a:gd name="connsiteY20" fmla="*/ 514953 h 3721001"/>
+              <a:gd name="connsiteX21" fmla="*/ 5747166 w 12191696"/>
+              <a:gd name="connsiteY21" fmla="*/ 521259 h 3721001"/>
+              <a:gd name="connsiteX22" fmla="*/ 5995877 w 12191696"/>
+              <a:gd name="connsiteY22" fmla="*/ 525462 h 3721001"/>
+              <a:gd name="connsiteX23" fmla="*/ 6247026 w 12191696"/>
+              <a:gd name="connsiteY23" fmla="*/ 525462 h 3721001"/>
+              <a:gd name="connsiteX24" fmla="*/ 6500613 w 12191696"/>
+              <a:gd name="connsiteY24" fmla="*/ 527564 h 3721001"/>
+              <a:gd name="connsiteX25" fmla="*/ 6756639 w 12191696"/>
+              <a:gd name="connsiteY25" fmla="*/ 525462 h 3721001"/>
+              <a:gd name="connsiteX26" fmla="*/ 7016322 w 12191696"/>
+              <a:gd name="connsiteY26" fmla="*/ 521259 h 3721001"/>
+              <a:gd name="connsiteX27" fmla="*/ 7276005 w 12191696"/>
+              <a:gd name="connsiteY27" fmla="*/ 517405 h 3721001"/>
+              <a:gd name="connsiteX28" fmla="*/ 7539345 w 12191696"/>
+              <a:gd name="connsiteY28" fmla="*/ 508998 h 3721001"/>
+              <a:gd name="connsiteX29" fmla="*/ 7805124 w 12191696"/>
+              <a:gd name="connsiteY29" fmla="*/ 500240 h 3721001"/>
+              <a:gd name="connsiteX30" fmla="*/ 8070903 w 12191696"/>
+              <a:gd name="connsiteY30" fmla="*/ 490081 h 3721001"/>
+              <a:gd name="connsiteX31" fmla="*/ 8339121 w 12191696"/>
+              <a:gd name="connsiteY31" fmla="*/ 475719 h 3721001"/>
+              <a:gd name="connsiteX32" fmla="*/ 8609776 w 12191696"/>
+              <a:gd name="connsiteY32" fmla="*/ 458554 h 3721001"/>
+              <a:gd name="connsiteX33" fmla="*/ 8881651 w 12191696"/>
+              <a:gd name="connsiteY33" fmla="*/ 442089 h 3721001"/>
+              <a:gd name="connsiteX34" fmla="*/ 9153526 w 12191696"/>
+              <a:gd name="connsiteY34" fmla="*/ 421071 h 3721001"/>
+              <a:gd name="connsiteX35" fmla="*/ 9429058 w 12191696"/>
+              <a:gd name="connsiteY35" fmla="*/ 395848 h 3721001"/>
+              <a:gd name="connsiteX36" fmla="*/ 9700933 w 12191696"/>
+              <a:gd name="connsiteY36" fmla="*/ 370626 h 3721001"/>
+              <a:gd name="connsiteX37" fmla="*/ 9977684 w 12191696"/>
+              <a:gd name="connsiteY37" fmla="*/ 341551 h 3721001"/>
+              <a:gd name="connsiteX38" fmla="*/ 10255655 w 12191696"/>
+              <a:gd name="connsiteY38" fmla="*/ 309672 h 3721001"/>
+              <a:gd name="connsiteX39" fmla="*/ 10529968 w 12191696"/>
+              <a:gd name="connsiteY39" fmla="*/ 276043 h 3721001"/>
+              <a:gd name="connsiteX40" fmla="*/ 10807939 w 12191696"/>
+              <a:gd name="connsiteY40" fmla="*/ 236808 h 3721001"/>
+              <a:gd name="connsiteX41" fmla="*/ 11084690 w 12191696"/>
+              <a:gd name="connsiteY41" fmla="*/ 194771 h 3721001"/>
+              <a:gd name="connsiteX42" fmla="*/ 11362661 w 12191696"/>
+              <a:gd name="connsiteY42" fmla="*/ 153085 h 3721001"/>
+              <a:gd name="connsiteX43" fmla="*/ 11639412 w 12191696"/>
+              <a:gd name="connsiteY43" fmla="*/ 104392 h 3721001"/>
+              <a:gd name="connsiteX44" fmla="*/ 11914945 w 12191696"/>
+              <a:gd name="connsiteY44" fmla="*/ 54648 h 3721001"/>
+              <a:gd name="connsiteX45" fmla="*/ 12191696 w 12191696"/>
+              <a:gd name="connsiteY45" fmla="*/ 2452 h 3721001"/>
+              <a:gd name="connsiteX46" fmla="*/ 12191696 w 12191696"/>
+              <a:gd name="connsiteY46" fmla="*/ 2802467 h 3721001"/>
+              <a:gd name="connsiteX47" fmla="*/ 12191695 w 12191696"/>
+              <a:gd name="connsiteY47" fmla="*/ 2802467 h 3721001"/>
+              <a:gd name="connsiteX48" fmla="*/ 12191695 w 12191696"/>
+              <a:gd name="connsiteY48" fmla="*/ 3721001 h 3721001"/>
+              <a:gd name="connsiteX49" fmla="*/ 0 w 12191696"/>
+              <a:gd name="connsiteY49" fmla="*/ 3721001 h 3721001"/>
+              <a:gd name="connsiteX50" fmla="*/ 0 w 12191696"/>
+              <a:gd name="connsiteY50" fmla="*/ 2233825 h 3721001"/>
+              <a:gd name="connsiteX51" fmla="*/ 1 w 12191696"/>
+              <a:gd name="connsiteY51" fmla="*/ 2233825 h 3721001"/>
+            </a:gdLst>
+            <a:ahLst/>
+            <a:cxnLst>
+              <a:cxn ang="0">
+                <a:pos x="connsiteX0" y="connsiteY0"/>
+              </a:cxn>
+              <a:cxn ang="0">
+                <a:pos x="connsiteX1" y="connsiteY1"/>
+              </a:cxn>
+              <a:cxn ang="0">
+                <a:pos x="connsiteX2" y="connsiteY2"/>
+              </a:cxn>
+              <a:cxn ang="0">
+                <a:pos x="connsiteX3" y="connsiteY3"/>
+              </a:cxn>
+              <a:cxn ang="0">
+                <a:pos x="connsiteX4" y="connsiteY4"/>
+              </a:cxn>
+              <a:cxn ang="0">
+                <a:pos x="connsiteX5" y="connsiteY5"/>
+              </a:cxn>
+              <a:cxn ang="0">
+                <a:pos x="connsiteX6" y="connsiteY6"/>
+              </a:cxn>
+              <a:cxn ang="0">
+                <a:pos x="connsiteX7" y="connsiteY7"/>
+              </a:cxn>
+              <a:cxn ang="0">
+                <a:pos x="connsiteX8" y="connsiteY8"/>
+              </a:cxn>
+              <a:cxn ang="0">
+                <a:pos x="connsiteX9" y="connsiteY9"/>
+              </a:cxn>
+              <a:cxn ang="0">
+                <a:pos x="connsiteX10" y="connsiteY10"/>
+              </a:cxn>
+              <a:cxn ang="0">
+                <a:pos x="connsiteX11" y="connsiteY11"/>
+              </a:cxn>
+              <a:cxn ang="0">
+                <a:pos x="connsiteX12" y="connsiteY12"/>
+              </a:cxn>
+              <a:cxn ang="0">
+                <a:pos x="connsiteX13" y="connsiteY13"/>
+              </a:cxn>
+              <a:cxn ang="0">
+                <a:pos x="connsiteX14" y="connsiteY14"/>
+              </a:cxn>
+              <a:cxn ang="0">
+                <a:pos x="connsiteX15" y="connsiteY15"/>
+              </a:cxn>
+              <a:cxn ang="0">
+                <a:pos x="connsiteX16" y="connsiteY16"/>
+              </a:cxn>
+              <a:cxn ang="0">
+                <a:pos x="connsiteX17" y="connsiteY17"/>
+              </a:cxn>
+              <a:cxn ang="0">
+                <a:pos x="connsiteX18" y="connsiteY18"/>
+              </a:cxn>
+              <a:cxn ang="0">
+                <a:pos x="connsiteX19" y="connsiteY19"/>
+              </a:cxn>
+              <a:cxn ang="0">
+                <a:pos x="connsiteX20" y="connsiteY20"/>
+              </a:cxn>
+              <a:cxn ang="0">
+                <a:pos x="connsiteX21" y="connsiteY21"/>
+              </a:cxn>
+              <a:cxn ang="0">
+                <a:pos x="connsiteX22" y="connsiteY22"/>
+              </a:cxn>
+              <a:cxn ang="0">
+                <a:pos x="connsiteX23" y="connsiteY23"/>
+              </a:cxn>
+              <a:cxn ang="0">
+                <a:pos x="connsiteX24" y="connsiteY24"/>
+              </a:cxn>
+              <a:cxn ang="0">
+                <a:pos x="connsiteX25" y="connsiteY25"/>
+              </a:cxn>
+              <a:cxn ang="0">
+                <a:pos x="connsiteX26" y="connsiteY26"/>
+              </a:cxn>
+              <a:cxn ang="0">
+                <a:pos x="connsiteX27" y="connsiteY27"/>
+              </a:cxn>
+              <a:cxn ang="0">
+                <a:pos x="connsiteX28" y="connsiteY28"/>
+              </a:cxn>
+              <a:cxn ang="0">
+                <a:pos x="connsiteX29" y="connsiteY29"/>
+              </a:cxn>
+              <a:cxn ang="0">
+                <a:pos x="connsiteX30" y="connsiteY30"/>
+              </a:cxn>
+              <a:cxn ang="0">
+                <a:pos x="connsiteX31" y="connsiteY31"/>
+              </a:cxn>
+              <a:cxn ang="0">
+                <a:pos x="connsiteX32" y="connsiteY32"/>
+              </a:cxn>
+              <a:cxn ang="0">
+                <a:pos x="connsiteX33" y="connsiteY33"/>
+              </a:cxn>
+              <a:cxn ang="0">
+                <a:pos x="connsiteX34" y="connsiteY34"/>
+              </a:cxn>
+              <a:cxn ang="0">
+                <a:pos x="connsiteX35" y="connsiteY35"/>
+              </a:cxn>
+              <a:cxn ang="0">
+                <a:pos x="connsiteX36" y="connsiteY36"/>
+              </a:cxn>
+              <a:cxn ang="0">
+                <a:pos x="connsiteX37" y="connsiteY37"/>
+              </a:cxn>
+              <a:cxn ang="0">
+                <a:pos x="connsiteX38" y="connsiteY38"/>
+              </a:cxn>
+              <a:cxn ang="0">
+                <a:pos x="connsiteX39" y="connsiteY39"/>
+              </a:cxn>
+              <a:cxn ang="0">
+                <a:pos x="connsiteX40" y="connsiteY40"/>
+              </a:cxn>
+              <a:cxn ang="0">
+                <a:pos x="connsiteX41" y="connsiteY41"/>
+              </a:cxn>
+              <a:cxn ang="0">
+                <a:pos x="connsiteX42" y="connsiteY42"/>
+              </a:cxn>
+              <a:cxn ang="0">
+                <a:pos x="connsiteX43" y="connsiteY43"/>
+              </a:cxn>
+              <a:cxn ang="0">
+                <a:pos x="connsiteX44" y="connsiteY44"/>
+              </a:cxn>
+              <a:cxn ang="0">
+                <a:pos x="connsiteX45" y="connsiteY45"/>
+              </a:cxn>
+              <a:cxn ang="0">
+                <a:pos x="connsiteX46" y="connsiteY46"/>
+              </a:cxn>
+              <a:cxn ang="0">
+                <a:pos x="connsiteX47" y="connsiteY47"/>
+              </a:cxn>
+              <a:cxn ang="0">
+                <a:pos x="connsiteX48" y="connsiteY48"/>
+              </a:cxn>
+              <a:cxn ang="0">
+                <a:pos x="connsiteX49" y="connsiteY49"/>
+              </a:cxn>
+              <a:cxn ang="0">
+                <a:pos x="connsiteX50" y="connsiteY50"/>
+              </a:cxn>
+              <a:cxn ang="0">
+                <a:pos x="connsiteX51" y="connsiteY51"/>
+              </a:cxn>
+            </a:cxnLst>
+            <a:rect l="l" t="t" r="r" b="b"/>
+            <a:pathLst>
+              <a:path w="12191696" h="3721001">
+                <a:moveTo>
+                  <a:pt x="1" y="0"/>
+                </a:moveTo>
+                <a:lnTo>
+                  <a:pt x="71932" y="12261"/>
+                </a:lnTo>
+                <a:lnTo>
+                  <a:pt x="282849" y="48342"/>
+                </a:lnTo>
+                <a:lnTo>
+                  <a:pt x="436464" y="73565"/>
+                </a:lnTo>
+                <a:lnTo>
+                  <a:pt x="619339" y="100188"/>
+                </a:lnTo>
+                <a:lnTo>
+                  <a:pt x="836351" y="132066"/>
+                </a:lnTo>
+                <a:lnTo>
+                  <a:pt x="1076528" y="165696"/>
+                </a:lnTo>
+                <a:lnTo>
+                  <a:pt x="1347183" y="201077"/>
+                </a:lnTo>
+                <a:lnTo>
+                  <a:pt x="1642223" y="238560"/>
+                </a:lnTo>
+                <a:lnTo>
+                  <a:pt x="1962864" y="276043"/>
+                </a:lnTo>
+                <a:lnTo>
+                  <a:pt x="2304232" y="314226"/>
+                </a:lnTo>
+                <a:lnTo>
+                  <a:pt x="2672421" y="349608"/>
+                </a:lnTo>
+                <a:lnTo>
+                  <a:pt x="3057678" y="383588"/>
+                </a:lnTo>
+                <a:lnTo>
+                  <a:pt x="3464881" y="414415"/>
+                </a:lnTo>
+                <a:lnTo>
+                  <a:pt x="3889152" y="443841"/>
+                </a:lnTo>
+                <a:lnTo>
+                  <a:pt x="4331710" y="471515"/>
+                </a:lnTo>
+                <a:lnTo>
+                  <a:pt x="4558476" y="481324"/>
+                </a:lnTo>
+                <a:lnTo>
+                  <a:pt x="4790118" y="492183"/>
+                </a:lnTo>
+                <a:lnTo>
+                  <a:pt x="5025418" y="502342"/>
+                </a:lnTo>
+                <a:lnTo>
+                  <a:pt x="5261937" y="508998"/>
+                </a:lnTo>
+                <a:lnTo>
+                  <a:pt x="5503333" y="514953"/>
+                </a:lnTo>
+                <a:lnTo>
+                  <a:pt x="5747166" y="521259"/>
+                </a:lnTo>
+                <a:lnTo>
+                  <a:pt x="5995877" y="525462"/>
+                </a:lnTo>
+                <a:lnTo>
+                  <a:pt x="6247026" y="525462"/>
+                </a:lnTo>
+                <a:lnTo>
+                  <a:pt x="6500613" y="527564"/>
+                </a:lnTo>
+                <a:lnTo>
+                  <a:pt x="6756639" y="525462"/>
+                </a:lnTo>
+                <a:lnTo>
+                  <a:pt x="7016322" y="521259"/>
+                </a:lnTo>
+                <a:lnTo>
+                  <a:pt x="7276005" y="517405"/>
+                </a:lnTo>
+                <a:lnTo>
+                  <a:pt x="7539345" y="508998"/>
+                </a:lnTo>
+                <a:lnTo>
+                  <a:pt x="7805124" y="500240"/>
+                </a:lnTo>
+                <a:lnTo>
+                  <a:pt x="8070903" y="490081"/>
+                </a:lnTo>
+                <a:lnTo>
+                  <a:pt x="8339121" y="475719"/>
+                </a:lnTo>
+                <a:lnTo>
+                  <a:pt x="8609776" y="458554"/>
+                </a:lnTo>
+                <a:lnTo>
+                  <a:pt x="8881651" y="442089"/>
+                </a:lnTo>
+                <a:lnTo>
+                  <a:pt x="9153526" y="421071"/>
+                </a:lnTo>
+                <a:lnTo>
+                  <a:pt x="9429058" y="395848"/>
+                </a:lnTo>
+                <a:lnTo>
+                  <a:pt x="9700933" y="370626"/>
+                </a:lnTo>
+                <a:lnTo>
+                  <a:pt x="9977684" y="341551"/>
+                </a:lnTo>
+                <a:lnTo>
+                  <a:pt x="10255655" y="309672"/>
+                </a:lnTo>
+                <a:lnTo>
+                  <a:pt x="10529968" y="276043"/>
+                </a:lnTo>
+                <a:lnTo>
+                  <a:pt x="10807939" y="236808"/>
+                </a:lnTo>
+                <a:lnTo>
+                  <a:pt x="11084690" y="194771"/>
+                </a:lnTo>
+                <a:lnTo>
+                  <a:pt x="11362661" y="153085"/>
+                </a:lnTo>
+                <a:lnTo>
+                  <a:pt x="11639412" y="104392"/>
+                </a:lnTo>
+                <a:lnTo>
+                  <a:pt x="11914945" y="54648"/>
+                </a:lnTo>
+                <a:lnTo>
+                  <a:pt x="12191696" y="2452"/>
+                </a:lnTo>
+                <a:lnTo>
+                  <a:pt x="12191696" y="2802467"/>
+                </a:lnTo>
+                <a:lnTo>
+                  <a:pt x="12191695" y="2802467"/>
+                </a:lnTo>
+                <a:lnTo>
+                  <a:pt x="12191695" y="3721001"/>
+                </a:lnTo>
+                <a:lnTo>
+                  <a:pt x="0" y="3721001"/>
+                </a:lnTo>
+                <a:lnTo>
+                  <a:pt x="0" y="2233825"/>
+                </a:lnTo>
+                <a:lnTo>
+                  <a:pt x="1" y="2233825"/>
+                </a:lnTo>
+                <a:close/>
+              </a:path>
+            </a:pathLst>
+          </a:custGeom>
+          <a:ln>
+            <a:noFill/>
+          </a:ln>
+        </p:spPr>
+        <p:style>
+          <a:lnRef idx="2">
+            <a:schemeClr val="accent1">
+              <a:shade val="50000"/>
+            </a:schemeClr>
+          </a:lnRef>
+          <a:fillRef idx="1003">
+            <a:schemeClr val="dk2"/>
+          </a:fillRef>
+          <a:effectRef idx="0">
+            <a:schemeClr val="accent1"/>
+          </a:effectRef>
+          <a:fontRef idx="minor">
+            <a:schemeClr val="lt1"/>
+          </a:fontRef>
+        </p:style>
+        <p:txBody>
+          <a:bodyPr wrap="square" rtlCol="0" anchor="ctr">
+            <a:noAutofit/>
+          </a:bodyPr>
+          <a:lstStyle/>
+          <a:p>
+            <a:pPr algn="ctr"/>
+            <a:endParaRPr lang="en-US"/>
+          </a:p>
+        </p:txBody>
+      </p:sp>
+      <p:sp>
+        <p:nvSpPr>
+          <p:cNvPr id="4" name="Título 3">
+            <a:extLst>
+              <a:ext uri="{FF2B5EF4-FFF2-40B4-BE49-F238E27FC236}">
+                <a16:creationId xmlns:a16="http://schemas.microsoft.com/office/drawing/2014/main" id="{0524CB94-6000-4564-9047-EDDD07BCFC4A}"/>
+              </a:ext>
+            </a:extLst>
+          </p:cNvPr>
+          <p:cNvSpPr>
+            <a:spLocks noGrp="1"/>
+          </p:cNvSpPr>
+          <p:nvPr>
+            <p:ph type="title"/>
+          </p:nvPr>
+        </p:nvSpPr>
+        <p:spPr>
+          <a:xfrm>
+            <a:off x="636916" y="3928983"/>
+            <a:ext cx="9149350" cy="1793390"/>
+          </a:xfrm>
+        </p:spPr>
+        <p:txBody>
+          <a:bodyPr vert="horz" lIns="91440" tIns="45720" rIns="91440" bIns="45720" rtlCol="0" anchor="b">
+            <a:normAutofit/>
+          </a:bodyPr>
+          <a:lstStyle/>
+          <a:p>
+            <a:pPr>
+              <a:lnSpc>
+                <a:spcPct val="90000"/>
+              </a:lnSpc>
+            </a:pPr>
+            <a:r>
+              <a:rPr lang="en-US" sz="6100" b="0" i="0" kern="1200">
+                <a:solidFill>
+                  <a:srgbClr val="EBEBEB"/>
+                </a:solidFill>
+                <a:latin typeface="+mj-lt"/>
+                <a:ea typeface="+mj-ea"/>
+                <a:cs typeface="+mj-cs"/>
+              </a:rPr>
+              <a:t>Fin de la presentación</a:t>
+            </a:r>
+          </a:p>
+        </p:txBody>
+      </p:sp>
+      <p:sp>
+        <p:nvSpPr>
+          <p:cNvPr id="5" name="Marcador de texto 4">
+            <a:extLst>
+              <a:ext uri="{FF2B5EF4-FFF2-40B4-BE49-F238E27FC236}">
+                <a16:creationId xmlns:a16="http://schemas.microsoft.com/office/drawing/2014/main" id="{839D2FB0-27E6-44B4-B7AD-6332D615789E}"/>
+              </a:ext>
+            </a:extLst>
+          </p:cNvPr>
+          <p:cNvSpPr>
+            <a:spLocks noGrp="1"/>
+          </p:cNvSpPr>
+          <p:nvPr>
+            <p:ph type="body" idx="1"/>
+          </p:nvPr>
+        </p:nvSpPr>
+        <p:spPr>
+          <a:xfrm>
+            <a:off x="636916" y="5722374"/>
+            <a:ext cx="9149349" cy="487924"/>
+          </a:xfrm>
+        </p:spPr>
+        <p:txBody>
+          <a:bodyPr vert="horz" lIns="91440" tIns="45720" rIns="91440" bIns="45720" rtlCol="0" anchor="t">
+            <a:normAutofit/>
+          </a:bodyPr>
+          <a:lstStyle/>
+          <a:p>
+            <a:r>
+              <a:rPr lang="en-US">
+                <a:solidFill>
+                  <a:schemeClr val="tx2">
+                    <a:lumMod val="40000"/>
+                    <a:lumOff val="60000"/>
+                  </a:schemeClr>
+                </a:solidFill>
+              </a:rPr>
+              <a:t>(Turno de preguntas)</a:t>
+            </a:r>
+          </a:p>
+        </p:txBody>
+      </p:sp>
+    </p:spTree>
+    <p:extLst>
+      <p:ext uri="{BB962C8B-B14F-4D97-AF65-F5344CB8AC3E}">
+        <p14:creationId xmlns:p14="http://schemas.microsoft.com/office/powerpoint/2010/main" val="493101756"/>
+      </p:ext>
+    </p:extLst>
+  </p:cSld>
+  <p:clrMapOvr>
+    <a:overrideClrMapping bg1="lt1" tx1="dk1" bg2="lt2" tx2="dk2" accent1="accent1" accent2="accent2" accent3="accent3" accent4="accent4" accent5="accent5" accent6="accent6" hlink="hlink" folHlink="folHlink"/>
   </p:clrMapOvr>
 </p:sld>
 </file>
@@ -9872,12 +12422,8 @@
               <a:buNone/>
             </a:pPr>
             <a:r>
-              <a:rPr lang="es-ES_tradnl" sz="1800" dirty="0" err="1"/>
-              <a:t>Tambien</a:t>
-            </a:r>
-            <a:r>
               <a:rPr lang="es-ES_tradnl" sz="1800" dirty="0"/>
-              <a:t> han sido empleadas las funciones </a:t>
+              <a:t>También han sido empleadas las funciones </a:t>
             </a:r>
             <a:r>
               <a:rPr lang="es-ES_tradnl" sz="1800" i="1" dirty="0" err="1"/>
@@ -10073,34 +12619,22 @@
             <a:endParaRPr lang="es-ES_tradnl" dirty="0"/>
           </a:p>
           <a:p>
-            <a:pPr marL="0" marR="0" lvl="0" indent="0" defTabSz="914400" eaLnBrk="1" fontAlgn="auto" latinLnBrk="0" hangingPunct="1">
-              <a:lnSpc>
-                <a:spcPct val="100000"/>
-              </a:lnSpc>
+            <a:pPr marL="0" lvl="0" indent="0" defTabSz="914400">
               <a:spcBef>
                 <a:spcPts val="0"/>
               </a:spcBef>
-              <a:spcAft>
-                <a:spcPts val="0"/>
-              </a:spcAft>
               <a:buClrTx/>
               <a:buSzTx/>
-              <a:buFontTx/>
-              <a:buNone/>
-              <a:tabLst/>
+              <a:buNone/>
               <a:defRPr/>
             </a:pPr>
             <a:r>
-              <a:rPr lang="es-ES_tradnl" dirty="0"/>
-              <a:t> </a:t>
-            </a:r>
-            <a:r>
               <a:rPr lang="es-ES_tradnl" i="1" dirty="0" err="1"/>
-              <a:t>HistoryStatus_general</a:t>
+              <a:t>HistorySprintEstatus</a:t>
             </a:r>
             <a:r>
               <a:rPr lang="es-ES_tradnl" i="1" dirty="0"/>
-              <a:t>  </a:t>
+              <a:t> : </a:t>
             </a:r>
             <a:r>
               <a:rPr lang="es-ES_tradnl" dirty="0"/>

--- a/LABORATORIO DE INGENIERIA.pptx
+++ b/LABORATORIO DE INGENIERIA.pptx
@@ -5,27 +5,31 @@
     <p:sldMasterId id="2147483648" r:id="rId1"/>
   </p:sldMasterIdLst>
   <p:notesMasterIdLst>
-    <p:notesMasterId r:id="rId20"/>
+    <p:notesMasterId r:id="rId24"/>
   </p:notesMasterIdLst>
   <p:sldIdLst>
     <p:sldId id="256" r:id="rId2"/>
     <p:sldId id="257" r:id="rId3"/>
     <p:sldId id="258" r:id="rId4"/>
-    <p:sldId id="259" r:id="rId5"/>
-    <p:sldId id="260" r:id="rId6"/>
-    <p:sldId id="261" r:id="rId7"/>
-    <p:sldId id="262" r:id="rId8"/>
-    <p:sldId id="263" r:id="rId9"/>
-    <p:sldId id="264" r:id="rId10"/>
-    <p:sldId id="265" r:id="rId11"/>
-    <p:sldId id="266" r:id="rId12"/>
-    <p:sldId id="268" r:id="rId13"/>
-    <p:sldId id="267" r:id="rId14"/>
-    <p:sldId id="269" r:id="rId15"/>
-    <p:sldId id="270" r:id="rId16"/>
-    <p:sldId id="271" r:id="rId17"/>
-    <p:sldId id="273" r:id="rId18"/>
-    <p:sldId id="272" r:id="rId19"/>
+    <p:sldId id="274" r:id="rId5"/>
+    <p:sldId id="259" r:id="rId6"/>
+    <p:sldId id="275" r:id="rId7"/>
+    <p:sldId id="260" r:id="rId8"/>
+    <p:sldId id="261" r:id="rId9"/>
+    <p:sldId id="262" r:id="rId10"/>
+    <p:sldId id="276" r:id="rId11"/>
+    <p:sldId id="263" r:id="rId12"/>
+    <p:sldId id="264" r:id="rId13"/>
+    <p:sldId id="265" r:id="rId14"/>
+    <p:sldId id="266" r:id="rId15"/>
+    <p:sldId id="268" r:id="rId16"/>
+    <p:sldId id="267" r:id="rId17"/>
+    <p:sldId id="269" r:id="rId18"/>
+    <p:sldId id="270" r:id="rId19"/>
+    <p:sldId id="271" r:id="rId20"/>
+    <p:sldId id="277" r:id="rId21"/>
+    <p:sldId id="273" r:id="rId22"/>
+    <p:sldId id="272" r:id="rId23"/>
   </p:sldIdLst>
   <p:sldSz cx="12192000" cy="6858000"/>
   <p:notesSz cx="6858000" cy="9144000"/>
@@ -230,7 +234,7 @@
             <a:fld id="{5BF436D5-7453-4F48-99C2-7B4FB01B9F03}" type="datetimeFigureOut">
               <a:rPr lang="es-ES_tradnl" smtClean="0"/>
               <a:pPr/>
-              <a:t>04/07/2018</a:t>
+              <a:t>05/07/2018</a:t>
             </a:fld>
             <a:endParaRPr lang="es-ES_tradnl"/>
           </a:p>
@@ -564,7 +568,7 @@
             <a:fld id="{1441A75A-92CD-0341-B879-0DA224BD62C6}" type="slidenum">
               <a:rPr lang="es-ES_tradnl" smtClean="0"/>
               <a:pPr/>
-              <a:t>9</a:t>
+              <a:t>12</a:t>
             </a:fld>
             <a:endParaRPr lang="es-ES_tradnl"/>
           </a:p>
@@ -574,6 +578,91 @@
     <p:extLst>
       <p:ext uri="{BB962C8B-B14F-4D97-AF65-F5344CB8AC3E}">
         <p14:creationId xmlns:p14="http://schemas.microsoft.com/office/powerpoint/2010/main" val="1299126091"/>
+      </p:ext>
+    </p:extLst>
+  </p:cSld>
+  <p:clrMapOvr>
+    <a:masterClrMapping/>
+  </p:clrMapOvr>
+</p:notes>
+</file>
+
+<file path=ppt/notesSlides/notesSlide2.xml><?xml version="1.0" encoding="utf-8"?>
+<p:notes xmlns:a="http://schemas.openxmlformats.org/drawingml/2006/main" xmlns:r="http://schemas.openxmlformats.org/officeDocument/2006/relationships" xmlns:p="http://schemas.openxmlformats.org/presentationml/2006/main">
+  <p:cSld>
+    <p:spTree>
+      <p:nvGrpSpPr>
+        <p:cNvPr id="1" name=""/>
+        <p:cNvGrpSpPr/>
+        <p:nvPr/>
+      </p:nvGrpSpPr>
+      <p:grpSpPr>
+        <a:xfrm>
+          <a:off x="0" y="0"/>
+          <a:ext cx="0" cy="0"/>
+          <a:chOff x="0" y="0"/>
+          <a:chExt cx="0" cy="0"/>
+        </a:xfrm>
+      </p:grpSpPr>
+      <p:sp>
+        <p:nvSpPr>
+          <p:cNvPr id="2" name="Marcador de imagen de diapositiva 1"/>
+          <p:cNvSpPr>
+            <a:spLocks noGrp="1" noRot="1" noChangeAspect="1"/>
+          </p:cNvSpPr>
+          <p:nvPr>
+            <p:ph type="sldImg"/>
+          </p:nvPr>
+        </p:nvSpPr>
+        <p:spPr/>
+      </p:sp>
+      <p:sp>
+        <p:nvSpPr>
+          <p:cNvPr id="3" name="Marcador de notas 2"/>
+          <p:cNvSpPr>
+            <a:spLocks noGrp="1"/>
+          </p:cNvSpPr>
+          <p:nvPr>
+            <p:ph type="body" idx="1"/>
+          </p:nvPr>
+        </p:nvSpPr>
+        <p:spPr/>
+        <p:txBody>
+          <a:bodyPr/>
+          <a:lstStyle/>
+          <a:p>
+            <a:endParaRPr lang="es-ES" dirty="0"/>
+          </a:p>
+        </p:txBody>
+      </p:sp>
+      <p:sp>
+        <p:nvSpPr>
+          <p:cNvPr id="4" name="Marcador de número de diapositiva 3"/>
+          <p:cNvSpPr>
+            <a:spLocks noGrp="1"/>
+          </p:cNvSpPr>
+          <p:nvPr>
+            <p:ph type="sldNum" sz="quarter" idx="10"/>
+          </p:nvPr>
+        </p:nvSpPr>
+        <p:spPr/>
+        <p:txBody>
+          <a:bodyPr/>
+          <a:lstStyle/>
+          <a:p>
+            <a:fld id="{1441A75A-92CD-0341-B879-0DA224BD62C6}" type="slidenum">
+              <a:rPr lang="es-ES_tradnl" smtClean="0"/>
+              <a:pPr/>
+              <a:t>19</a:t>
+            </a:fld>
+            <a:endParaRPr lang="es-ES_tradnl"/>
+          </a:p>
+        </p:txBody>
+      </p:sp>
+    </p:spTree>
+    <p:extLst>
+      <p:ext uri="{BB962C8B-B14F-4D97-AF65-F5344CB8AC3E}">
+        <p14:creationId xmlns:p14="http://schemas.microsoft.com/office/powerpoint/2010/main" val="3742677454"/>
       </p:ext>
     </p:extLst>
   </p:cSld>
@@ -770,7 +859,7 @@
             <a:fld id="{4AAD347D-5ACD-4C99-B74B-A9C85AD731AF}" type="datetimeFigureOut">
               <a:rPr lang="en-US" dirty="0"/>
               <a:pPr/>
-              <a:t>7/4/2018</a:t>
+              <a:t>7/5/2018</a:t>
             </a:fld>
             <a:endParaRPr lang="en-US" dirty="0"/>
           </a:p>
@@ -1042,7 +1131,7 @@
             <a:fld id="{4509A250-FF31-4206-8172-F9D3106AACB1}" type="datetimeFigureOut">
               <a:rPr lang="en-US" dirty="0"/>
               <a:pPr/>
-              <a:t>7/4/2018</a:t>
+              <a:t>7/5/2018</a:t>
             </a:fld>
             <a:endParaRPr lang="en-US" dirty="0"/>
           </a:p>
@@ -1233,7 +1322,7 @@
             <a:fld id="{4509A250-FF31-4206-8172-F9D3106AACB1}" type="datetimeFigureOut">
               <a:rPr lang="en-US" dirty="0"/>
               <a:pPr/>
-              <a:t>7/4/2018</a:t>
+              <a:t>7/5/2018</a:t>
             </a:fld>
             <a:endParaRPr lang="en-US" dirty="0"/>
           </a:p>
@@ -1503,7 +1592,7 @@
             <a:fld id="{4509A250-FF31-4206-8172-F9D3106AACB1}" type="datetimeFigureOut">
               <a:rPr lang="en-US" dirty="0"/>
               <a:pPr/>
-              <a:t>7/4/2018</a:t>
+              <a:t>7/5/2018</a:t>
             </a:fld>
             <a:endParaRPr lang="en-US" dirty="0"/>
           </a:p>
@@ -1841,7 +1930,7 @@
             <a:fld id="{4509A250-FF31-4206-8172-F9D3106AACB1}" type="datetimeFigureOut">
               <a:rPr lang="en-US" dirty="0"/>
               <a:pPr/>
-              <a:t>7/4/2018</a:t>
+              <a:t>7/5/2018</a:t>
             </a:fld>
             <a:endParaRPr lang="en-US" dirty="0"/>
           </a:p>
@@ -2461,7 +2550,7 @@
             <a:fld id="{4509A250-FF31-4206-8172-F9D3106AACB1}" type="datetimeFigureOut">
               <a:rPr lang="en-US" dirty="0"/>
               <a:pPr/>
-              <a:t>7/4/2018</a:t>
+              <a:t>7/5/2018</a:t>
             </a:fld>
             <a:endParaRPr lang="en-US" dirty="0"/>
           </a:p>
@@ -3318,7 +3407,7 @@
             <a:fld id="{4509A250-FF31-4206-8172-F9D3106AACB1}" type="datetimeFigureOut">
               <a:rPr lang="en-US" dirty="0"/>
               <a:pPr/>
-              <a:t>7/4/2018</a:t>
+              <a:t>7/5/2018</a:t>
             </a:fld>
             <a:endParaRPr lang="en-US" dirty="0"/>
           </a:p>
@@ -3485,7 +3574,7 @@
             <a:fld id="{4509A250-FF31-4206-8172-F9D3106AACB1}" type="datetimeFigureOut">
               <a:rPr lang="en-US" dirty="0"/>
               <a:pPr/>
-              <a:t>7/4/2018</a:t>
+              <a:t>7/5/2018</a:t>
             </a:fld>
             <a:endParaRPr lang="en-US" dirty="0"/>
           </a:p>
@@ -3662,7 +3751,7 @@
             <a:fld id="{4509A250-FF31-4206-8172-F9D3106AACB1}" type="datetimeFigureOut">
               <a:rPr lang="en-US" dirty="0"/>
               <a:pPr/>
-              <a:t>7/4/2018</a:t>
+              <a:t>7/5/2018</a:t>
             </a:fld>
             <a:endParaRPr lang="en-US" dirty="0"/>
           </a:p>
@@ -3829,7 +3918,7 @@
             <a:fld id="{4509A250-FF31-4206-8172-F9D3106AACB1}" type="datetimeFigureOut">
               <a:rPr lang="en-US" dirty="0"/>
               <a:pPr/>
-              <a:t>7/4/2018</a:t>
+              <a:t>7/5/2018</a:t>
             </a:fld>
             <a:endParaRPr lang="en-US" dirty="0"/>
           </a:p>
@@ -4073,7 +4162,7 @@
             <a:fld id="{9796027F-7875-4030-9381-8BD8C4F21935}" type="datetimeFigureOut">
               <a:rPr lang="en-US" dirty="0"/>
               <a:pPr/>
-              <a:t>7/4/2018</a:t>
+              <a:t>7/5/2018</a:t>
             </a:fld>
             <a:endParaRPr lang="en-US" dirty="0"/>
           </a:p>
@@ -4362,7 +4451,7 @@
             <a:fld id="{9796027F-7875-4030-9381-8BD8C4F21935}" type="datetimeFigureOut">
               <a:rPr lang="en-US" dirty="0"/>
               <a:pPr/>
-              <a:t>7/4/2018</a:t>
+              <a:t>7/5/2018</a:t>
             </a:fld>
             <a:endParaRPr lang="en-US" dirty="0"/>
           </a:p>
@@ -4803,7 +4892,7 @@
             <a:fld id="{9796027F-7875-4030-9381-8BD8C4F21935}" type="datetimeFigureOut">
               <a:rPr lang="en-US" dirty="0"/>
               <a:pPr/>
-              <a:t>7/4/2018</a:t>
+              <a:t>7/5/2018</a:t>
             </a:fld>
             <a:endParaRPr lang="en-US" dirty="0"/>
           </a:p>
@@ -4918,7 +5007,7 @@
             <a:fld id="{4509A250-FF31-4206-8172-F9D3106AACB1}" type="datetimeFigureOut">
               <a:rPr lang="en-US" dirty="0"/>
               <a:pPr/>
-              <a:t>7/4/2018</a:t>
+              <a:t>7/5/2018</a:t>
             </a:fld>
             <a:endParaRPr lang="en-US" dirty="0"/>
           </a:p>
@@ -5010,7 +5099,7 @@
             <a:fld id="{4509A250-FF31-4206-8172-F9D3106AACB1}" type="datetimeFigureOut">
               <a:rPr lang="en-US" dirty="0"/>
               <a:pPr/>
-              <a:t>7/4/2018</a:t>
+              <a:t>7/5/2018</a:t>
             </a:fld>
             <a:endParaRPr lang="en-US" dirty="0"/>
           </a:p>
@@ -5286,7 +5375,7 @@
             <a:fld id="{4509A250-FF31-4206-8172-F9D3106AACB1}" type="datetimeFigureOut">
               <a:rPr lang="en-US" dirty="0"/>
               <a:pPr/>
-              <a:t>7/4/2018</a:t>
+              <a:t>7/5/2018</a:t>
             </a:fld>
             <a:endParaRPr lang="en-US" dirty="0"/>
           </a:p>
@@ -5558,7 +5647,7 @@
             <a:fld id="{4509A250-FF31-4206-8172-F9D3106AACB1}" type="datetimeFigureOut">
               <a:rPr lang="en-US" dirty="0"/>
               <a:pPr/>
-              <a:t>7/4/2018</a:t>
+              <a:t>7/5/2018</a:t>
             </a:fld>
             <a:endParaRPr lang="en-US" dirty="0"/>
           </a:p>
@@ -5984,7 +6073,7 @@
             <a:fld id="{4AAD347D-5ACD-4C99-B74B-A9C85AD731AF}" type="datetimeFigureOut">
               <a:rPr lang="en-US" dirty="0"/>
               <a:pPr/>
-              <a:t>7/4/2018</a:t>
+              <a:t>7/5/2018</a:t>
             </a:fld>
             <a:endParaRPr lang="en-US" dirty="0"/>
           </a:p>
@@ -6542,7 +6631,7 @@
                 <a16:creationId xmlns:a16="http://schemas.microsoft.com/office/drawing/2014/main" id="{C28D0172-F2E0-4763-9C35-F022664959D8}"/>
               </a:ext>
               <a:ext uri="{C183D7F6-B498-43B3-948B-1728B52AA6E4}">
-                <adec:decorative xmlns="" xmlns:adec="http://schemas.microsoft.com/office/drawing/2017/decorative" val="1"/>
+                <adec:decorative xmlns:adec="http://schemas.microsoft.com/office/drawing/2017/decorative" xmlns="" val="1"/>
               </a:ext>
             </a:extLst>
           </p:cNvPr>
@@ -6590,7 +6679,7 @@
           <a:lstStyle/>
           <a:p>
             <a:pPr algn="ctr"/>
-            <a:endParaRPr lang="en-US"/>
+            <a:endParaRPr lang="en-US" dirty="0"/>
           </a:p>
         </p:txBody>
       </p:sp>
@@ -6602,7 +6691,7 @@
                 <a16:creationId xmlns:a16="http://schemas.microsoft.com/office/drawing/2014/main" id="{9F2851FB-E841-4509-8A6D-A416376EA380}"/>
               </a:ext>
               <a:ext uri="{C183D7F6-B498-43B3-948B-1728B52AA6E4}">
-                <adec:decorative xmlns="" xmlns:adec="http://schemas.microsoft.com/office/drawing/2017/decorative" val="1"/>
+                <adec:decorative xmlns:adec="http://schemas.microsoft.com/office/drawing/2017/decorative" xmlns="" val="1"/>
               </a:ext>
             </a:extLst>
           </p:cNvPr>
@@ -6950,7 +7039,7 @@
           <a:lstStyle/>
           <a:p>
             <a:pPr algn="ctr"/>
-            <a:endParaRPr lang="en-US">
+            <a:endParaRPr lang="en-US" dirty="0">
               <a:solidFill>
                 <a:schemeClr val="tx1"/>
               </a:solidFill>
@@ -7007,7 +7096,7 @@
                 <a16:creationId xmlns:a16="http://schemas.microsoft.com/office/drawing/2014/main" id="{DF6FB2B2-CE21-407F-B22E-302DADC2C3D3}"/>
               </a:ext>
               <a:ext uri="{C183D7F6-B498-43B3-948B-1728B52AA6E4}">
-                <adec:decorative xmlns="" xmlns:adec="http://schemas.microsoft.com/office/drawing/2017/decorative" val="1"/>
+                <adec:decorative xmlns:adec="http://schemas.microsoft.com/office/drawing/2017/decorative" xmlns="" val="1"/>
               </a:ext>
             </a:extLst>
           </p:cNvPr>
@@ -7493,7 +7582,7 @@
           <a:lstStyle/>
           <a:p>
             <a:pPr algn="ctr"/>
-            <a:endParaRPr lang="en-US"/>
+            <a:endParaRPr lang="en-US" dirty="0"/>
           </a:p>
         </p:txBody>
       </p:sp>
@@ -7609,6 +7698,922 @@
 </file>
 
 <file path=ppt/slides/slide10.xml><?xml version="1.0" encoding="utf-8"?>
+<p:sld xmlns:a="http://schemas.openxmlformats.org/drawingml/2006/main" xmlns:r="http://schemas.openxmlformats.org/officeDocument/2006/relationships" xmlns:p="http://schemas.openxmlformats.org/presentationml/2006/main">
+  <p:cSld>
+    <p:bg>
+      <p:bgPr>
+        <a:blipFill rotWithShape="1">
+          <a:blip r:embed="rId2">
+            <a:duotone>
+              <a:schemeClr val="bg2">
+                <a:shade val="69000"/>
+                <a:hueMod val="108000"/>
+                <a:satMod val="164000"/>
+                <a:lumMod val="74000"/>
+              </a:schemeClr>
+              <a:schemeClr val="bg2">
+                <a:tint val="96000"/>
+                <a:hueMod val="88000"/>
+                <a:satMod val="140000"/>
+                <a:lumMod val="132000"/>
+              </a:schemeClr>
+            </a:duotone>
+            <a:extLst/>
+          </a:blip>
+          <a:stretch/>
+        </a:blipFill>
+        <a:effectLst/>
+      </p:bgPr>
+    </p:bg>
+    <p:spTree>
+      <p:nvGrpSpPr>
+        <p:cNvPr id="1" name=""/>
+        <p:cNvGrpSpPr/>
+        <p:nvPr/>
+      </p:nvGrpSpPr>
+      <p:grpSpPr>
+        <a:xfrm>
+          <a:off x="0" y="0"/>
+          <a:ext cx="0" cy="0"/>
+          <a:chOff x="0" y="0"/>
+          <a:chExt cx="0" cy="0"/>
+        </a:xfrm>
+      </p:grpSpPr>
+      <p:sp>
+        <p:nvSpPr>
+          <p:cNvPr id="2" name="Título 1">
+            <a:extLst>
+              <a:ext uri="{FF2B5EF4-FFF2-40B4-BE49-F238E27FC236}">
+                <a16:creationId xmlns:a16="http://schemas.microsoft.com/office/drawing/2014/main" id="{8F367D40-0A35-441D-99FE-9D4D59CCF154}"/>
+              </a:ext>
+            </a:extLst>
+          </p:cNvPr>
+          <p:cNvSpPr>
+            <a:spLocks noGrp="1"/>
+          </p:cNvSpPr>
+          <p:nvPr>
+            <p:ph type="title"/>
+          </p:nvPr>
+        </p:nvSpPr>
+        <p:spPr>
+          <a:xfrm>
+            <a:off x="650668" y="629266"/>
+            <a:ext cx="6249784" cy="1641986"/>
+          </a:xfrm>
+        </p:spPr>
+        <p:txBody>
+          <a:bodyPr>
+            <a:normAutofit/>
+          </a:bodyPr>
+          <a:lstStyle/>
+          <a:p>
+            <a:r>
+              <a:rPr lang="es-ES_tradnl" dirty="0"/>
+              <a:t>CLIENTE: ANGULAR</a:t>
+            </a:r>
+            <a:endParaRPr lang="es-ES" dirty="0"/>
+          </a:p>
+        </p:txBody>
+      </p:sp>
+      <p:pic>
+        <p:nvPicPr>
+          <p:cNvPr id="7" name="Marcador de contenido 3">
+            <a:extLst>
+              <a:ext uri="{FF2B5EF4-FFF2-40B4-BE49-F238E27FC236}">
+                <a16:creationId xmlns:a16="http://schemas.microsoft.com/office/drawing/2014/main" id="{FC02EF29-AC70-4CAE-B1CB-7BE25E63CD36}"/>
+              </a:ext>
+            </a:extLst>
+          </p:cNvPr>
+          <p:cNvPicPr>
+            <a:picLocks noChangeAspect="1"/>
+          </p:cNvPicPr>
+          <p:nvPr/>
+        </p:nvPicPr>
+        <p:blipFill rotWithShape="1">
+          <a:blip r:embed="rId3"/>
+          <a:srcRect t="829" r="-2" b="2867"/>
+          <a:stretch/>
+        </p:blipFill>
+        <p:spPr>
+          <a:xfrm>
+            <a:off x="7646626" y="10"/>
+            <a:ext cx="4646658" cy="6857990"/>
+          </a:xfrm>
+          <a:prstGeom prst="rect">
+            <a:avLst/>
+          </a:prstGeom>
+        </p:spPr>
+      </p:pic>
+      <p:sp>
+        <p:nvSpPr>
+          <p:cNvPr id="14" name="Rectangle 11">
+            <a:extLst>
+              <a:ext uri="{FF2B5EF4-FFF2-40B4-BE49-F238E27FC236}">
+                <a16:creationId xmlns:a16="http://schemas.microsoft.com/office/drawing/2014/main" id="{4554089D-779D-46F6-81CB-EA9C12693944}"/>
+              </a:ext>
+              <a:ext uri="{C183D7F6-B498-43B3-948B-1728B52AA6E4}">
+                <adec:decorative xmlns="" xmlns:adec="http://schemas.microsoft.com/office/drawing/2017/decorative" val="1"/>
+              </a:ext>
+            </a:extLst>
+          </p:cNvPr>
+          <p:cNvSpPr>
+            <a:spLocks noGrp="1" noRot="1" noChangeAspect="1" noMove="1" noResize="1" noEditPoints="1" noAdjustHandles="1" noChangeArrowheads="1" noChangeShapeType="1" noTextEdit="1"/>
+          </p:cNvSpPr>
+          <p:nvPr>
+            <p:extLst>
+              <p:ext uri="{386F3935-93C4-4BCD-93E2-E3B085C9AB24}">
+                <p16:designElem xmlns:p16="http://schemas.microsoft.com/office/powerpoint/2015/main" val="1"/>
+              </p:ext>
+            </p:extLst>
+          </p:nvPr>
+        </p:nvSpPr>
+        <p:spPr>
+          <a:xfrm>
+            <a:off x="10437812" y="0"/>
+            <a:ext cx="685800" cy="1143000"/>
+          </a:xfrm>
+          <a:prstGeom prst="rect">
+            <a:avLst/>
+          </a:prstGeom>
+          <a:solidFill>
+            <a:schemeClr val="accent1"/>
+          </a:solidFill>
+          <a:ln>
+            <a:noFill/>
+          </a:ln>
+        </p:spPr>
+        <p:style>
+          <a:lnRef idx="1">
+            <a:schemeClr val="accent1"/>
+          </a:lnRef>
+          <a:fillRef idx="3">
+            <a:schemeClr val="accent1"/>
+          </a:fillRef>
+          <a:effectRef idx="2">
+            <a:schemeClr val="accent1"/>
+          </a:effectRef>
+          <a:fontRef idx="minor">
+            <a:schemeClr val="lt1"/>
+          </a:fontRef>
+        </p:style>
+      </p:sp>
+      <p:sp>
+        <p:nvSpPr>
+          <p:cNvPr id="9" name="Content Placeholder 8">
+            <a:extLst>
+              <a:ext uri="{FF2B5EF4-FFF2-40B4-BE49-F238E27FC236}">
+                <a16:creationId xmlns:a16="http://schemas.microsoft.com/office/drawing/2014/main" id="{F39C09E1-D21A-415E-A2C5-B800CE6BD441}"/>
+              </a:ext>
+            </a:extLst>
+          </p:cNvPr>
+          <p:cNvSpPr>
+            <a:spLocks noGrp="1"/>
+          </p:cNvSpPr>
+          <p:nvPr>
+            <p:ph idx="1"/>
+          </p:nvPr>
+        </p:nvSpPr>
+        <p:spPr>
+          <a:xfrm>
+            <a:off x="323556" y="1561515"/>
+            <a:ext cx="3854549" cy="1814021"/>
+          </a:xfrm>
+        </p:spPr>
+        <p:txBody>
+          <a:bodyPr>
+            <a:normAutofit/>
+          </a:bodyPr>
+          <a:lstStyle/>
+          <a:p>
+            <a:r>
+              <a:rPr lang="en-US" dirty="0" err="1"/>
+              <a:t>Funcion</a:t>
+            </a:r>
+            <a:r>
+              <a:rPr lang="en-US" dirty="0"/>
+              <a:t> para </a:t>
+            </a:r>
+            <a:r>
+              <a:rPr lang="en-US" dirty="0" err="1"/>
+              <a:t>mostrar</a:t>
+            </a:r>
+            <a:r>
+              <a:rPr lang="en-US" dirty="0"/>
+              <a:t> las </a:t>
+            </a:r>
+            <a:r>
+              <a:rPr lang="en-US" dirty="0" err="1"/>
+              <a:t>distintas</a:t>
+            </a:r>
+            <a:r>
+              <a:rPr lang="en-US" dirty="0"/>
+              <a:t> </a:t>
+            </a:r>
+            <a:r>
+              <a:rPr lang="en-US" dirty="0" err="1"/>
+              <a:t>funcionalidades</a:t>
+            </a:r>
+            <a:r>
+              <a:rPr lang="en-US" dirty="0"/>
+              <a:t> del scrum master</a:t>
+            </a:r>
+          </a:p>
+          <a:p>
+            <a:endParaRPr lang="en-US" dirty="0"/>
+          </a:p>
+          <a:p>
+            <a:endParaRPr lang="en-US" dirty="0"/>
+          </a:p>
+        </p:txBody>
+      </p:sp>
+      <p:pic>
+        <p:nvPicPr>
+          <p:cNvPr id="5" name="Imagen 4">
+            <a:extLst>
+              <a:ext uri="{FF2B5EF4-FFF2-40B4-BE49-F238E27FC236}">
+                <a16:creationId xmlns:a16="http://schemas.microsoft.com/office/drawing/2014/main" id="{C986259C-3976-4268-A734-9D63AA420EF3}"/>
+              </a:ext>
+            </a:extLst>
+          </p:cNvPr>
+          <p:cNvPicPr>
+            <a:picLocks noChangeAspect="1"/>
+          </p:cNvPicPr>
+          <p:nvPr/>
+        </p:nvPicPr>
+        <p:blipFill>
+          <a:blip r:embed="rId4"/>
+          <a:stretch>
+            <a:fillRect/>
+          </a:stretch>
+        </p:blipFill>
+        <p:spPr>
+          <a:xfrm>
+            <a:off x="4293826" y="1733550"/>
+            <a:ext cx="3352800" cy="5124450"/>
+          </a:xfrm>
+          <a:prstGeom prst="rect">
+            <a:avLst/>
+          </a:prstGeom>
+        </p:spPr>
+      </p:pic>
+    </p:spTree>
+    <p:extLst>
+      <p:ext uri="{BB962C8B-B14F-4D97-AF65-F5344CB8AC3E}">
+        <p14:creationId xmlns:p14="http://schemas.microsoft.com/office/powerpoint/2010/main" val="552738742"/>
+      </p:ext>
+    </p:extLst>
+  </p:cSld>
+  <p:clrMapOvr>
+    <a:masterClrMapping/>
+  </p:clrMapOvr>
+</p:sld>
+</file>
+
+<file path=ppt/slides/slide11.xml><?xml version="1.0" encoding="utf-8"?>
+<p:sld xmlns:a="http://schemas.openxmlformats.org/drawingml/2006/main" xmlns:r="http://schemas.openxmlformats.org/officeDocument/2006/relationships" xmlns:p="http://schemas.openxmlformats.org/presentationml/2006/main">
+  <p:cSld>
+    <p:spTree>
+      <p:nvGrpSpPr>
+        <p:cNvPr id="1" name=""/>
+        <p:cNvGrpSpPr/>
+        <p:nvPr/>
+      </p:nvGrpSpPr>
+      <p:grpSpPr>
+        <a:xfrm>
+          <a:off x="0" y="0"/>
+          <a:ext cx="0" cy="0"/>
+          <a:chOff x="0" y="0"/>
+          <a:chExt cx="0" cy="0"/>
+        </a:xfrm>
+      </p:grpSpPr>
+      <p:sp>
+        <p:nvSpPr>
+          <p:cNvPr id="2" name="Título 1"/>
+          <p:cNvSpPr>
+            <a:spLocks noGrp="1"/>
+          </p:cNvSpPr>
+          <p:nvPr>
+            <p:ph type="title"/>
+          </p:nvPr>
+        </p:nvSpPr>
+        <p:spPr>
+          <a:xfrm>
+            <a:off x="646111" y="452718"/>
+            <a:ext cx="9404723" cy="789228"/>
+          </a:xfrm>
+        </p:spPr>
+        <p:txBody>
+          <a:bodyPr/>
+          <a:lstStyle/>
+          <a:p>
+            <a:pPr algn="ctr"/>
+            <a:r>
+              <a:rPr lang="es-ES_tradnl"/>
+              <a:t>SERVIDOR</a:t>
+            </a:r>
+          </a:p>
+        </p:txBody>
+      </p:sp>
+      <p:sp>
+        <p:nvSpPr>
+          <p:cNvPr id="3" name="Marcador de contenido 2"/>
+          <p:cNvSpPr>
+            <a:spLocks noGrp="1"/>
+          </p:cNvSpPr>
+          <p:nvPr>
+            <p:ph idx="1"/>
+          </p:nvPr>
+        </p:nvSpPr>
+        <p:spPr>
+          <a:xfrm>
+            <a:off x="1104293" y="1241945"/>
+            <a:ext cx="9500017" cy="5204761"/>
+          </a:xfrm>
+        </p:spPr>
+        <p:txBody>
+          <a:bodyPr/>
+          <a:lstStyle/>
+          <a:p>
+            <a:pPr marL="0" marR="0" lvl="0" indent="0" defTabSz="914400" eaLnBrk="1" fontAlgn="auto" latinLnBrk="0" hangingPunct="1">
+              <a:lnSpc>
+                <a:spcPct val="100000"/>
+              </a:lnSpc>
+              <a:spcBef>
+                <a:spcPts val="0"/>
+              </a:spcBef>
+              <a:spcAft>
+                <a:spcPts val="0"/>
+              </a:spcAft>
+              <a:buClrTx/>
+              <a:buSzTx/>
+              <a:buFontTx/>
+              <a:buNone/>
+              <a:tabLst/>
+              <a:defRPr/>
+            </a:pPr>
+            <a:r>
+              <a:rPr lang="es-ES_tradnl" dirty="0"/>
+              <a:t>Se ha implementador un servidor REST para el que hemos utilizado </a:t>
+            </a:r>
+            <a:r>
+              <a:rPr lang="es-ES_tradnl" dirty="0" err="1"/>
+              <a:t>Nodejs</a:t>
+            </a:r>
+            <a:r>
+              <a:rPr lang="es-ES_tradnl" dirty="0"/>
+              <a:t> con una serie de módulos (que hay que instalar), que facilitan la implementación del mismo:</a:t>
+            </a:r>
+          </a:p>
+          <a:p>
+            <a:pPr marL="0" marR="0" lvl="0" indent="0" defTabSz="914400" eaLnBrk="1" fontAlgn="auto" latinLnBrk="0" hangingPunct="1">
+              <a:lnSpc>
+                <a:spcPct val="100000"/>
+              </a:lnSpc>
+              <a:spcBef>
+                <a:spcPts val="0"/>
+              </a:spcBef>
+              <a:spcAft>
+                <a:spcPts val="0"/>
+              </a:spcAft>
+              <a:buClrTx/>
+              <a:buSzTx/>
+              <a:buFontTx/>
+              <a:buNone/>
+              <a:tabLst/>
+              <a:defRPr/>
+            </a:pPr>
+            <a:endParaRPr lang="es-ES_tradnl" dirty="0"/>
+          </a:p>
+          <a:p>
+            <a:pPr marL="0" marR="0" lvl="0" indent="0" defTabSz="914400" eaLnBrk="1" fontAlgn="auto" latinLnBrk="0" hangingPunct="1">
+              <a:lnSpc>
+                <a:spcPct val="100000"/>
+              </a:lnSpc>
+              <a:spcBef>
+                <a:spcPts val="0"/>
+              </a:spcBef>
+              <a:spcAft>
+                <a:spcPts val="0"/>
+              </a:spcAft>
+              <a:buClrTx/>
+              <a:buSzTx/>
+              <a:buFontTx/>
+              <a:buNone/>
+              <a:tabLst/>
+              <a:defRPr/>
+            </a:pPr>
+            <a:endParaRPr lang="es-ES_tradnl" dirty="0"/>
+          </a:p>
+          <a:p>
+            <a:pPr marL="0" marR="0" lvl="0" indent="0" defTabSz="914400" eaLnBrk="1" fontAlgn="auto" latinLnBrk="0" hangingPunct="1">
+              <a:lnSpc>
+                <a:spcPct val="100000"/>
+              </a:lnSpc>
+              <a:spcBef>
+                <a:spcPts val="0"/>
+              </a:spcBef>
+              <a:spcAft>
+                <a:spcPts val="0"/>
+              </a:spcAft>
+              <a:buClrTx/>
+              <a:buSzTx/>
+              <a:buFontTx/>
+              <a:buNone/>
+              <a:tabLst/>
+              <a:defRPr/>
+            </a:pPr>
+            <a:endParaRPr lang="es-ES_tradnl" dirty="0"/>
+          </a:p>
+          <a:p>
+            <a:pPr marL="0" marR="0" lvl="0" indent="0" defTabSz="914400" eaLnBrk="1" fontAlgn="auto" latinLnBrk="0" hangingPunct="1">
+              <a:lnSpc>
+                <a:spcPct val="100000"/>
+              </a:lnSpc>
+              <a:spcBef>
+                <a:spcPts val="0"/>
+              </a:spcBef>
+              <a:spcAft>
+                <a:spcPts val="0"/>
+              </a:spcAft>
+              <a:buClrTx/>
+              <a:buSzTx/>
+              <a:buFontTx/>
+              <a:buNone/>
+              <a:tabLst/>
+              <a:defRPr/>
+            </a:pPr>
+            <a:endParaRPr lang="es-ES_tradnl" dirty="0"/>
+          </a:p>
+          <a:p>
+            <a:pPr marL="0" marR="0" lvl="0" indent="0" defTabSz="914400" eaLnBrk="1" fontAlgn="auto" latinLnBrk="0" hangingPunct="1">
+              <a:lnSpc>
+                <a:spcPct val="100000"/>
+              </a:lnSpc>
+              <a:spcBef>
+                <a:spcPts val="0"/>
+              </a:spcBef>
+              <a:spcAft>
+                <a:spcPts val="0"/>
+              </a:spcAft>
+              <a:buClrTx/>
+              <a:buSzTx/>
+              <a:buFontTx/>
+              <a:buNone/>
+              <a:tabLst/>
+              <a:defRPr/>
+            </a:pPr>
+            <a:endParaRPr lang="es-ES_tradnl" dirty="0"/>
+          </a:p>
+          <a:p>
+            <a:pPr defTabSz="914400">
+              <a:spcBef>
+                <a:spcPts val="0"/>
+              </a:spcBef>
+              <a:buClrTx/>
+              <a:buSzTx/>
+            </a:pPr>
+            <a:r>
+              <a:rPr lang="es-ES_tradnl" dirty="0"/>
+              <a:t>Express es el más importante y nos permite crear una servidor web de manera flexible y a la vez robusta.</a:t>
+            </a:r>
+          </a:p>
+          <a:p>
+            <a:pPr marL="0" indent="0" defTabSz="914400">
+              <a:spcBef>
+                <a:spcPts val="0"/>
+              </a:spcBef>
+              <a:buClrTx/>
+              <a:buSzTx/>
+              <a:buNone/>
+            </a:pPr>
+            <a:endParaRPr lang="es-ES_tradnl" dirty="0"/>
+          </a:p>
+          <a:p>
+            <a:pPr marL="0" indent="0" defTabSz="914400">
+              <a:spcBef>
+                <a:spcPts val="0"/>
+              </a:spcBef>
+              <a:buClrTx/>
+              <a:buSzTx/>
+              <a:buNone/>
+            </a:pPr>
+            <a:endParaRPr lang="es-ES_tradnl" dirty="0"/>
+          </a:p>
+          <a:p>
+            <a:pPr defTabSz="914400">
+              <a:spcBef>
+                <a:spcPts val="0"/>
+              </a:spcBef>
+              <a:buClrTx/>
+              <a:buSzTx/>
+            </a:pPr>
+            <a:r>
+              <a:rPr lang="es-ES_tradnl" dirty="0"/>
+              <a:t>Nuestro servidor empieza a escuchar peticiones una vez lo ejecutamos:</a:t>
+            </a:r>
+          </a:p>
+        </p:txBody>
+      </p:sp>
+      <p:pic>
+        <p:nvPicPr>
+          <p:cNvPr id="4" name="Imagen 3"/>
+          <p:cNvPicPr>
+            <a:picLocks noChangeAspect="1"/>
+          </p:cNvPicPr>
+          <p:nvPr/>
+        </p:nvPicPr>
+        <p:blipFill>
+          <a:blip r:embed="rId2"/>
+          <a:stretch>
+            <a:fillRect/>
+          </a:stretch>
+        </p:blipFill>
+        <p:spPr>
+          <a:xfrm>
+            <a:off x="2113943" y="2344126"/>
+            <a:ext cx="6496050" cy="1400175"/>
+          </a:xfrm>
+          <a:prstGeom prst="rect">
+            <a:avLst/>
+          </a:prstGeom>
+        </p:spPr>
+      </p:pic>
+      <p:pic>
+        <p:nvPicPr>
+          <p:cNvPr id="5" name="Imagen 4"/>
+          <p:cNvPicPr>
+            <a:picLocks noChangeAspect="1"/>
+          </p:cNvPicPr>
+          <p:nvPr/>
+        </p:nvPicPr>
+        <p:blipFill>
+          <a:blip r:embed="rId3"/>
+          <a:stretch>
+            <a:fillRect/>
+          </a:stretch>
+        </p:blipFill>
+        <p:spPr>
+          <a:xfrm>
+            <a:off x="2113943" y="4318096"/>
+            <a:ext cx="4257675" cy="295275"/>
+          </a:xfrm>
+          <a:prstGeom prst="rect">
+            <a:avLst/>
+          </a:prstGeom>
+        </p:spPr>
+      </p:pic>
+      <p:pic>
+        <p:nvPicPr>
+          <p:cNvPr id="6" name="Imagen 5"/>
+          <p:cNvPicPr>
+            <a:picLocks noChangeAspect="1"/>
+          </p:cNvPicPr>
+          <p:nvPr/>
+        </p:nvPicPr>
+        <p:blipFill>
+          <a:blip r:embed="rId4"/>
+          <a:stretch>
+            <a:fillRect/>
+          </a:stretch>
+        </p:blipFill>
+        <p:spPr>
+          <a:xfrm>
+            <a:off x="2113943" y="4712036"/>
+            <a:ext cx="4876800" cy="247650"/>
+          </a:xfrm>
+          <a:prstGeom prst="rect">
+            <a:avLst/>
+          </a:prstGeom>
+        </p:spPr>
+      </p:pic>
+      <p:pic>
+        <p:nvPicPr>
+          <p:cNvPr id="7" name="Imagen 6"/>
+          <p:cNvPicPr>
+            <a:picLocks noChangeAspect="1"/>
+          </p:cNvPicPr>
+          <p:nvPr/>
+        </p:nvPicPr>
+        <p:blipFill>
+          <a:blip r:embed="rId5"/>
+          <a:stretch>
+            <a:fillRect/>
+          </a:stretch>
+        </p:blipFill>
+        <p:spPr>
+          <a:xfrm>
+            <a:off x="2113943" y="5322756"/>
+            <a:ext cx="5591175" cy="1123950"/>
+          </a:xfrm>
+          <a:prstGeom prst="rect">
+            <a:avLst/>
+          </a:prstGeom>
+        </p:spPr>
+      </p:pic>
+    </p:spTree>
+    <p:extLst>
+      <p:ext uri="{BB962C8B-B14F-4D97-AF65-F5344CB8AC3E}">
+        <p14:creationId xmlns:p14="http://schemas.microsoft.com/office/powerpoint/2010/main" val="7638092"/>
+      </p:ext>
+    </p:extLst>
+  </p:cSld>
+  <p:clrMapOvr>
+    <a:masterClrMapping/>
+  </p:clrMapOvr>
+</p:sld>
+</file>
+
+<file path=ppt/slides/slide12.xml><?xml version="1.0" encoding="utf-8"?>
+<p:sld xmlns:a="http://schemas.openxmlformats.org/drawingml/2006/main" xmlns:r="http://schemas.openxmlformats.org/officeDocument/2006/relationships" xmlns:p="http://schemas.openxmlformats.org/presentationml/2006/main">
+  <p:cSld>
+    <p:spTree>
+      <p:nvGrpSpPr>
+        <p:cNvPr id="1" name=""/>
+        <p:cNvGrpSpPr/>
+        <p:nvPr/>
+      </p:nvGrpSpPr>
+      <p:grpSpPr>
+        <a:xfrm>
+          <a:off x="0" y="0"/>
+          <a:ext cx="0" cy="0"/>
+          <a:chOff x="0" y="0"/>
+          <a:chExt cx="0" cy="0"/>
+        </a:xfrm>
+      </p:grpSpPr>
+      <p:sp>
+        <p:nvSpPr>
+          <p:cNvPr id="2" name="Título 1"/>
+          <p:cNvSpPr>
+            <a:spLocks noGrp="1"/>
+          </p:cNvSpPr>
+          <p:nvPr>
+            <p:ph type="title"/>
+          </p:nvPr>
+        </p:nvSpPr>
+        <p:spPr>
+          <a:xfrm>
+            <a:off x="646111" y="452718"/>
+            <a:ext cx="9404723" cy="1006805"/>
+          </a:xfrm>
+        </p:spPr>
+        <p:txBody>
+          <a:bodyPr/>
+          <a:lstStyle/>
+          <a:p>
+            <a:pPr algn="ctr"/>
+            <a:r>
+              <a:rPr lang="es-ES_tradnl"/>
+              <a:t>SERVIDOR</a:t>
+            </a:r>
+          </a:p>
+        </p:txBody>
+      </p:sp>
+      <p:sp>
+        <p:nvSpPr>
+          <p:cNvPr id="3" name="Marcador de contenido 2"/>
+          <p:cNvSpPr>
+            <a:spLocks noGrp="1"/>
+          </p:cNvSpPr>
+          <p:nvPr>
+            <p:ph idx="1"/>
+          </p:nvPr>
+        </p:nvSpPr>
+        <p:spPr>
+          <a:xfrm>
+            <a:off x="1103312" y="1591408"/>
+            <a:ext cx="8946541" cy="4656991"/>
+          </a:xfrm>
+        </p:spPr>
+        <p:txBody>
+          <a:bodyPr/>
+          <a:lstStyle/>
+          <a:p>
+            <a:pPr marL="0" marR="0" lvl="0" indent="0" defTabSz="914400" eaLnBrk="1" fontAlgn="auto" latinLnBrk="0" hangingPunct="1">
+              <a:lnSpc>
+                <a:spcPct val="100000"/>
+              </a:lnSpc>
+              <a:spcBef>
+                <a:spcPts val="0"/>
+              </a:spcBef>
+              <a:spcAft>
+                <a:spcPts val="0"/>
+              </a:spcAft>
+              <a:buClrTx/>
+              <a:buSzTx/>
+              <a:buFontTx/>
+              <a:buNone/>
+              <a:tabLst/>
+              <a:defRPr/>
+            </a:pPr>
+            <a:r>
+              <a:rPr lang="es-ES_tradnl" dirty="0"/>
+              <a:t>La función de los otros módulos son:</a:t>
+            </a:r>
+          </a:p>
+          <a:p>
+            <a:pPr marL="0" marR="0" lvl="0" indent="0" defTabSz="914400" eaLnBrk="1" fontAlgn="auto" latinLnBrk="0" hangingPunct="1">
+              <a:lnSpc>
+                <a:spcPct val="100000"/>
+              </a:lnSpc>
+              <a:spcBef>
+                <a:spcPts val="0"/>
+              </a:spcBef>
+              <a:spcAft>
+                <a:spcPts val="0"/>
+              </a:spcAft>
+              <a:buClrTx/>
+              <a:buSzTx/>
+              <a:buFontTx/>
+              <a:buNone/>
+              <a:tabLst/>
+              <a:defRPr/>
+            </a:pPr>
+            <a:endParaRPr lang="es-ES_tradnl" dirty="0"/>
+          </a:p>
+          <a:p>
+            <a:pPr marL="0" marR="0" lvl="0" indent="0" defTabSz="914400" eaLnBrk="1" fontAlgn="auto" latinLnBrk="0" hangingPunct="1">
+              <a:lnSpc>
+                <a:spcPct val="100000"/>
+              </a:lnSpc>
+              <a:spcBef>
+                <a:spcPts val="0"/>
+              </a:spcBef>
+              <a:spcAft>
+                <a:spcPts val="0"/>
+              </a:spcAft>
+              <a:buClrTx/>
+              <a:buSzTx/>
+              <a:buFontTx/>
+              <a:buNone/>
+              <a:tabLst/>
+              <a:defRPr/>
+            </a:pPr>
+            <a:endParaRPr lang="es-ES_tradnl" dirty="0"/>
+          </a:p>
+          <a:p>
+            <a:pPr defTabSz="914400">
+              <a:spcBef>
+                <a:spcPts val="0"/>
+              </a:spcBef>
+              <a:buClrTx/>
+              <a:buSzTx/>
+            </a:pPr>
+            <a:r>
+              <a:rPr lang="es-ES_tradnl" dirty="0" err="1"/>
+              <a:t>Body</a:t>
+            </a:r>
+            <a:r>
+              <a:rPr lang="es-ES_tradnl" dirty="0"/>
+              <a:t>-parser: utilizado para obtener los datos enviados por una petición HTTP.</a:t>
+            </a:r>
+          </a:p>
+          <a:p>
+            <a:pPr defTabSz="914400">
+              <a:spcBef>
+                <a:spcPts val="0"/>
+              </a:spcBef>
+              <a:buClrTx/>
+              <a:buSzTx/>
+            </a:pPr>
+            <a:endParaRPr lang="es-ES_tradnl" dirty="0"/>
+          </a:p>
+          <a:p>
+            <a:pPr defTabSz="914400">
+              <a:spcBef>
+                <a:spcPts val="0"/>
+              </a:spcBef>
+              <a:buClrTx/>
+              <a:buSzTx/>
+            </a:pPr>
+            <a:endParaRPr lang="es-ES_tradnl" dirty="0"/>
+          </a:p>
+          <a:p>
+            <a:pPr defTabSz="914400">
+              <a:spcBef>
+                <a:spcPts val="0"/>
+              </a:spcBef>
+              <a:buClrTx/>
+              <a:buSzTx/>
+            </a:pPr>
+            <a:r>
+              <a:rPr lang="es-ES_tradnl" dirty="0" err="1"/>
+              <a:t>Cors</a:t>
+            </a:r>
+            <a:r>
+              <a:rPr lang="es-ES_tradnl" dirty="0"/>
+              <a:t> (Cross-</a:t>
+            </a:r>
+            <a:r>
+              <a:rPr lang="es-ES_tradnl" dirty="0" err="1"/>
+              <a:t>origin</a:t>
+            </a:r>
+            <a:r>
+              <a:rPr lang="es-ES_tradnl" dirty="0"/>
+              <a:t> </a:t>
+            </a:r>
+            <a:r>
+              <a:rPr lang="es-ES_tradnl" dirty="0" err="1"/>
+              <a:t>resource</a:t>
+            </a:r>
+            <a:r>
+              <a:rPr lang="es-ES_tradnl" dirty="0"/>
+              <a:t> </a:t>
+            </a:r>
+            <a:r>
+              <a:rPr lang="es-ES_tradnl" dirty="0" err="1"/>
+              <a:t>sharing</a:t>
+            </a:r>
+            <a:r>
+              <a:rPr lang="es-ES_tradnl" dirty="0"/>
+              <a:t>): para permitir que el/los cliente/s  puedan interactuar con el servidor en distintos dominios</a:t>
+            </a:r>
+          </a:p>
+          <a:p>
+            <a:pPr defTabSz="914400">
+              <a:spcBef>
+                <a:spcPts val="0"/>
+              </a:spcBef>
+              <a:buClrTx/>
+              <a:buSzTx/>
+            </a:pPr>
+            <a:endParaRPr lang="es-ES_tradnl" dirty="0"/>
+          </a:p>
+          <a:p>
+            <a:pPr defTabSz="914400">
+              <a:spcBef>
+                <a:spcPts val="0"/>
+              </a:spcBef>
+              <a:buClrTx/>
+              <a:buSzTx/>
+            </a:pPr>
+            <a:endParaRPr lang="es-ES_tradnl" dirty="0"/>
+          </a:p>
+          <a:p>
+            <a:pPr defTabSz="914400">
+              <a:spcBef>
+                <a:spcPts val="0"/>
+              </a:spcBef>
+              <a:buClrTx/>
+              <a:buSzTx/>
+            </a:pPr>
+            <a:r>
+              <a:rPr lang="es-ES_tradnl" dirty="0" err="1"/>
+              <a:t>Mysql</a:t>
+            </a:r>
+            <a:r>
+              <a:rPr lang="es-ES_tradnl" dirty="0"/>
+              <a:t>: Necesario para la conexión con la base de datos.</a:t>
+            </a:r>
+          </a:p>
+          <a:p>
+            <a:pPr marL="0" indent="0" defTabSz="914400">
+              <a:spcBef>
+                <a:spcPts val="0"/>
+              </a:spcBef>
+              <a:buClrTx/>
+              <a:buSzTx/>
+              <a:buNone/>
+            </a:pPr>
+            <a:endParaRPr lang="es-ES_tradnl" dirty="0"/>
+          </a:p>
+          <a:p>
+            <a:pPr marL="0" indent="0" defTabSz="914400">
+              <a:spcBef>
+                <a:spcPts val="0"/>
+              </a:spcBef>
+              <a:buClrTx/>
+              <a:buSzTx/>
+              <a:buNone/>
+            </a:pPr>
+            <a:endParaRPr lang="es-ES_tradnl" dirty="0"/>
+          </a:p>
+          <a:p>
+            <a:pPr marL="0" indent="0" defTabSz="914400">
+              <a:spcBef>
+                <a:spcPts val="0"/>
+              </a:spcBef>
+              <a:buClrTx/>
+              <a:buSzTx/>
+              <a:buNone/>
+            </a:pPr>
+            <a:endParaRPr lang="es-ES_tradnl" dirty="0"/>
+          </a:p>
+        </p:txBody>
+      </p:sp>
+    </p:spTree>
+    <p:extLst>
+      <p:ext uri="{BB962C8B-B14F-4D97-AF65-F5344CB8AC3E}">
+        <p14:creationId xmlns:p14="http://schemas.microsoft.com/office/powerpoint/2010/main" val="572574350"/>
+      </p:ext>
+    </p:extLst>
+  </p:cSld>
+  <p:clrMapOvr>
+    <a:masterClrMapping/>
+  </p:clrMapOvr>
+</p:sld>
+</file>
+
+<file path=ppt/slides/slide13.xml><?xml version="1.0" encoding="utf-8"?>
 <p:sld xmlns:a="http://schemas.openxmlformats.org/drawingml/2006/main" xmlns:r="http://schemas.openxmlformats.org/officeDocument/2006/relationships" xmlns:p="http://schemas.openxmlformats.org/presentationml/2006/main">
   <p:cSld>
     <p:spTree>
@@ -7953,7 +8958,7 @@
 </p:sld>
 </file>
 
-<file path=ppt/slides/slide11.xml><?xml version="1.0" encoding="utf-8"?>
+<file path=ppt/slides/slide14.xml><?xml version="1.0" encoding="utf-8"?>
 <p:sld xmlns:a="http://schemas.openxmlformats.org/drawingml/2006/main" xmlns:r="http://schemas.openxmlformats.org/officeDocument/2006/relationships" xmlns:p="http://schemas.openxmlformats.org/presentationml/2006/main">
   <p:cSld>
     <p:spTree>
@@ -8136,7 +9141,7 @@
 </p:sld>
 </file>
 
-<file path=ppt/slides/slide12.xml><?xml version="1.0" encoding="utf-8"?>
+<file path=ppt/slides/slide15.xml><?xml version="1.0" encoding="utf-8"?>
 <p:sld xmlns:a="http://schemas.openxmlformats.org/drawingml/2006/main" xmlns:r="http://schemas.openxmlformats.org/officeDocument/2006/relationships" xmlns:p="http://schemas.openxmlformats.org/presentationml/2006/main">
   <p:cSld>
     <p:spTree>
@@ -8414,7 +9419,7 @@
 </p:sld>
 </file>
 
-<file path=ppt/slides/slide13.xml><?xml version="1.0" encoding="utf-8"?>
+<file path=ppt/slides/slide16.xml><?xml version="1.0" encoding="utf-8"?>
 <p:sld xmlns:a="http://schemas.openxmlformats.org/drawingml/2006/main" xmlns:r="http://schemas.openxmlformats.org/officeDocument/2006/relationships" xmlns:p="http://schemas.openxmlformats.org/presentationml/2006/main">
   <p:cSld>
     <p:spTree>
@@ -8588,7 +9593,7 @@
 </p:sld>
 </file>
 
-<file path=ppt/slides/slide14.xml><?xml version="1.0" encoding="utf-8"?>
+<file path=ppt/slides/slide17.xml><?xml version="1.0" encoding="utf-8"?>
 <p:sld xmlns:a="http://schemas.openxmlformats.org/drawingml/2006/main" xmlns:r="http://schemas.openxmlformats.org/officeDocument/2006/relationships" xmlns:p="http://schemas.openxmlformats.org/presentationml/2006/main">
   <p:cSld>
     <p:spTree>
@@ -8954,7 +9959,7 @@
 </p:sld>
 </file>
 
-<file path=ppt/slides/slide15.xml><?xml version="1.0" encoding="utf-8"?>
+<file path=ppt/slides/slide18.xml><?xml version="1.0" encoding="utf-8"?>
 <p:sld xmlns:a="http://schemas.openxmlformats.org/drawingml/2006/main" xmlns:r="http://schemas.openxmlformats.org/officeDocument/2006/relationships" xmlns:p="http://schemas.openxmlformats.org/presentationml/2006/main">
   <p:cSld>
     <p:spTree>
@@ -9465,7 +10470,7 @@
 </p:sld>
 </file>
 
-<file path=ppt/slides/slide16.xml><?xml version="1.0" encoding="utf-8"?>
+<file path=ppt/slides/slide19.xml><?xml version="1.0" encoding="utf-8"?>
 <p:sld xmlns:a="http://schemas.openxmlformats.org/drawingml/2006/main" xmlns:r="http://schemas.openxmlformats.org/officeDocument/2006/relationships" xmlns:p="http://schemas.openxmlformats.org/presentationml/2006/main">
   <p:cSld>
     <p:spTree>
@@ -9593,1552 +10598,6 @@
   </p:cSld>
   <p:clrMapOvr>
     <a:masterClrMapping/>
-  </p:clrMapOvr>
-</p:sld>
-</file>
-
-<file path=ppt/slides/slide17.xml><?xml version="1.0" encoding="utf-8"?>
-<p:sld xmlns:a="http://schemas.openxmlformats.org/drawingml/2006/main" xmlns:r="http://schemas.openxmlformats.org/officeDocument/2006/relationships" xmlns:p="http://schemas.openxmlformats.org/presentationml/2006/main">
-  <p:cSld>
-    <p:spTree>
-      <p:nvGrpSpPr>
-        <p:cNvPr id="1" name=""/>
-        <p:cNvGrpSpPr/>
-        <p:nvPr/>
-      </p:nvGrpSpPr>
-      <p:grpSpPr>
-        <a:xfrm>
-          <a:off x="0" y="0"/>
-          <a:ext cx="0" cy="0"/>
-          <a:chOff x="0" y="0"/>
-          <a:chExt cx="0" cy="0"/>
-        </a:xfrm>
-      </p:grpSpPr>
-      <p:sp>
-        <p:nvSpPr>
-          <p:cNvPr id="2" name="Título 1">
-            <a:extLst>
-              <a:ext uri="{FF2B5EF4-FFF2-40B4-BE49-F238E27FC236}">
-                <a16:creationId xmlns:a16="http://schemas.microsoft.com/office/drawing/2014/main" id="{F005234F-7502-4E8D-B1A6-B5A02AEF8B00}"/>
-              </a:ext>
-            </a:extLst>
-          </p:cNvPr>
-          <p:cNvSpPr>
-            <a:spLocks noGrp="1"/>
-          </p:cNvSpPr>
-          <p:nvPr>
-            <p:ph type="title"/>
-          </p:nvPr>
-        </p:nvSpPr>
-        <p:spPr/>
-        <p:txBody>
-          <a:bodyPr/>
-          <a:lstStyle/>
-          <a:p>
-            <a:r>
-              <a:rPr lang="es-ES" dirty="0"/>
-              <a:t>Funcionalidad de la aplicación</a:t>
-            </a:r>
-          </a:p>
-        </p:txBody>
-      </p:sp>
-      <p:sp>
-        <p:nvSpPr>
-          <p:cNvPr id="3" name="Marcador de contenido 2">
-            <a:extLst>
-              <a:ext uri="{FF2B5EF4-FFF2-40B4-BE49-F238E27FC236}">
-                <a16:creationId xmlns:a16="http://schemas.microsoft.com/office/drawing/2014/main" id="{0625D7AF-7A74-4F03-97C6-F956CB59C254}"/>
-              </a:ext>
-            </a:extLst>
-          </p:cNvPr>
-          <p:cNvSpPr>
-            <a:spLocks noGrp="1"/>
-          </p:cNvSpPr>
-          <p:nvPr>
-            <p:ph idx="1"/>
-          </p:nvPr>
-        </p:nvSpPr>
-        <p:spPr/>
-        <p:txBody>
-          <a:bodyPr/>
-          <a:lstStyle/>
-          <a:p>
-            <a:endParaRPr lang="es-ES" dirty="0"/>
-          </a:p>
-        </p:txBody>
-      </p:sp>
-      <p:pic>
-        <p:nvPicPr>
-          <p:cNvPr id="4" name="Imagen 3">
-            <a:extLst>
-              <a:ext uri="{FF2B5EF4-FFF2-40B4-BE49-F238E27FC236}">
-                <a16:creationId xmlns:a16="http://schemas.microsoft.com/office/drawing/2014/main" id="{0A3C3FCE-59BE-4FD1-9089-E8D1A1A3CA66}"/>
-              </a:ext>
-            </a:extLst>
-          </p:cNvPr>
-          <p:cNvPicPr>
-            <a:picLocks noChangeAspect="1"/>
-          </p:cNvPicPr>
-          <p:nvPr/>
-        </p:nvPicPr>
-        <p:blipFill>
-          <a:blip r:embed="rId2"/>
-          <a:stretch>
-            <a:fillRect/>
-          </a:stretch>
-        </p:blipFill>
-        <p:spPr>
-          <a:xfrm>
-            <a:off x="382789" y="1389015"/>
-            <a:ext cx="11429384" cy="5004751"/>
-          </a:xfrm>
-          <a:prstGeom prst="rect">
-            <a:avLst/>
-          </a:prstGeom>
-        </p:spPr>
-      </p:pic>
-    </p:spTree>
-    <p:extLst>
-      <p:ext uri="{BB962C8B-B14F-4D97-AF65-F5344CB8AC3E}">
-        <p14:creationId xmlns:p14="http://schemas.microsoft.com/office/powerpoint/2010/main" val="1065365532"/>
-      </p:ext>
-    </p:extLst>
-  </p:cSld>
-  <p:clrMapOvr>
-    <a:masterClrMapping/>
-  </p:clrMapOvr>
-</p:sld>
-</file>
-
-<file path=ppt/slides/slide18.xml><?xml version="1.0" encoding="utf-8"?>
-<p:sld xmlns:a="http://schemas.openxmlformats.org/drawingml/2006/main" xmlns:r="http://schemas.openxmlformats.org/officeDocument/2006/relationships" xmlns:p="http://schemas.openxmlformats.org/presentationml/2006/main">
-  <p:cSld>
-    <p:bg>
-      <p:bgPr>
-        <a:solidFill>
-          <a:schemeClr val="bg1"/>
-        </a:solidFill>
-        <a:effectLst/>
-      </p:bgPr>
-    </p:bg>
-    <p:spTree>
-      <p:nvGrpSpPr>
-        <p:cNvPr id="1" name=""/>
-        <p:cNvGrpSpPr/>
-        <p:nvPr/>
-      </p:nvGrpSpPr>
-      <p:grpSpPr>
-        <a:xfrm>
-          <a:off x="0" y="0"/>
-          <a:ext cx="0" cy="0"/>
-          <a:chOff x="0" y="0"/>
-          <a:chExt cx="0" cy="0"/>
-        </a:xfrm>
-      </p:grpSpPr>
-      <p:pic>
-        <p:nvPicPr>
-          <p:cNvPr id="31" name="Picture 10">
-            <a:extLst>
-              <a:ext uri="{FF2B5EF4-FFF2-40B4-BE49-F238E27FC236}">
-                <a16:creationId xmlns:a16="http://schemas.microsoft.com/office/drawing/2014/main" id="{41B68C77-138E-4BF7-A276-BD0C78A4219F}"/>
-              </a:ext>
-              <a:ext uri="{C183D7F6-B498-43B3-948B-1728B52AA6E4}">
-                <adec:decorative xmlns="" xmlns:adec="http://schemas.microsoft.com/office/drawing/2017/decorative" val="1"/>
-              </a:ext>
-            </a:extLst>
-          </p:cNvPr>
-          <p:cNvPicPr>
-            <a:picLocks noGrp="1" noRot="1" noChangeAspect="1" noMove="1" noResize="1" noEditPoints="1" noAdjustHandles="1" noChangeArrowheads="1" noChangeShapeType="1" noCrop="1"/>
-          </p:cNvPicPr>
-          <p:nvPr>
-            <p:extLst>
-              <p:ext uri="{386F3935-93C4-4BCD-93E2-E3B085C9AB24}">
-                <p16:designElem xmlns:p16="http://schemas.microsoft.com/office/powerpoint/2015/main" val="1"/>
-              </p:ext>
-            </p:extLst>
-          </p:nvPr>
-        </p:nvPicPr>
-        <p:blipFill rotWithShape="1">
-          <a:blip r:embed="rId2">
-            <a:extLst>
-              <a:ext uri="{28A0092B-C50C-407E-A947-70E740481C1C}">
-                <a14:useLocalDpi xmlns:a14="http://schemas.microsoft.com/office/drawing/2010/main" val="0"/>
-              </a:ext>
-            </a:extLst>
-          </a:blip>
-          <a:srcRect l="3613"/>
-          <a:stretch/>
-        </p:blipFill>
-        <p:spPr>
-          <a:xfrm>
-            <a:off x="0" y="2669685"/>
-            <a:ext cx="4037012" cy="4188315"/>
-          </a:xfrm>
-          <a:prstGeom prst="rect">
-            <a:avLst/>
-          </a:prstGeom>
-        </p:spPr>
-      </p:pic>
-      <p:pic>
-        <p:nvPicPr>
-          <p:cNvPr id="32" name="Picture 12">
-            <a:extLst>
-              <a:ext uri="{FF2B5EF4-FFF2-40B4-BE49-F238E27FC236}">
-                <a16:creationId xmlns:a16="http://schemas.microsoft.com/office/drawing/2014/main" id="{7C268552-D473-46ED-B1B8-422042C4DEF1}"/>
-              </a:ext>
-              <a:ext uri="{C183D7F6-B498-43B3-948B-1728B52AA6E4}">
-                <adec:decorative xmlns="" xmlns:adec="http://schemas.microsoft.com/office/drawing/2017/decorative" val="1"/>
-              </a:ext>
-            </a:extLst>
-          </p:cNvPr>
-          <p:cNvPicPr>
-            <a:picLocks noGrp="1" noRot="1" noChangeAspect="1" noMove="1" noResize="1" noEditPoints="1" noAdjustHandles="1" noChangeArrowheads="1" noChangeShapeType="1" noCrop="1"/>
-          </p:cNvPicPr>
-          <p:nvPr>
-            <p:extLst>
-              <p:ext uri="{386F3935-93C4-4BCD-93E2-E3B085C9AB24}">
-                <p16:designElem xmlns:p16="http://schemas.microsoft.com/office/powerpoint/2015/main" val="1"/>
-              </p:ext>
-            </p:extLst>
-          </p:nvPr>
-        </p:nvPicPr>
-        <p:blipFill rotWithShape="1">
-          <a:blip r:embed="rId3">
-            <a:extLst>
-              <a:ext uri="{28A0092B-C50C-407E-A947-70E740481C1C}">
-                <a14:useLocalDpi xmlns:a14="http://schemas.microsoft.com/office/drawing/2010/main" val="0"/>
-              </a:ext>
-            </a:extLst>
-          </a:blip>
-          <a:srcRect l="35640"/>
-          <a:stretch/>
-        </p:blipFill>
-        <p:spPr>
-          <a:xfrm>
-            <a:off x="0" y="2892347"/>
-            <a:ext cx="1522412" cy="2365453"/>
-          </a:xfrm>
-          <a:prstGeom prst="rect">
-            <a:avLst/>
-          </a:prstGeom>
-        </p:spPr>
-      </p:pic>
-      <p:sp>
-        <p:nvSpPr>
-          <p:cNvPr id="33" name="Oval 14">
-            <a:extLst>
-              <a:ext uri="{FF2B5EF4-FFF2-40B4-BE49-F238E27FC236}">
-                <a16:creationId xmlns:a16="http://schemas.microsoft.com/office/drawing/2014/main" id="{4AC0CD9D-7610-4620-93B4-798CCD9AB581}"/>
-              </a:ext>
-              <a:ext uri="{C183D7F6-B498-43B3-948B-1728B52AA6E4}">
-                <adec:decorative xmlns="" xmlns:adec="http://schemas.microsoft.com/office/drawing/2017/decorative" val="1"/>
-              </a:ext>
-            </a:extLst>
-          </p:cNvPr>
-          <p:cNvSpPr>
-            <a:spLocks noGrp="1" noRot="1" noChangeAspect="1" noMove="1" noResize="1" noEditPoints="1" noAdjustHandles="1" noChangeArrowheads="1" noChangeShapeType="1" noTextEdit="1"/>
-          </p:cNvSpPr>
-          <p:nvPr>
-            <p:extLst>
-              <p:ext uri="{386F3935-93C4-4BCD-93E2-E3B085C9AB24}">
-                <p16:designElem xmlns:p16="http://schemas.microsoft.com/office/powerpoint/2015/main" val="1"/>
-              </p:ext>
-            </p:extLst>
-          </p:nvPr>
-        </p:nvSpPr>
-        <p:spPr>
-          <a:xfrm>
-            <a:off x="8609012" y="1676400"/>
-            <a:ext cx="2819400" cy="2819400"/>
-          </a:xfrm>
-          <a:prstGeom prst="ellipse">
-            <a:avLst/>
-          </a:prstGeom>
-          <a:gradFill flip="none" rotWithShape="1">
-            <a:gsLst>
-              <a:gs pos="0">
-                <a:schemeClr val="bg2">
-                  <a:lumMod val="60000"/>
-                  <a:lumOff val="40000"/>
-                  <a:alpha val="7000"/>
-                </a:schemeClr>
-              </a:gs>
-              <a:gs pos="69000">
-                <a:schemeClr val="bg2">
-                  <a:lumMod val="60000"/>
-                  <a:lumOff val="40000"/>
-                  <a:alpha val="0"/>
-                </a:schemeClr>
-              </a:gs>
-              <a:gs pos="36000">
-                <a:schemeClr val="bg2">
-                  <a:lumMod val="60000"/>
-                  <a:lumOff val="40000"/>
-                  <a:alpha val="6000"/>
-                </a:schemeClr>
-              </a:gs>
-            </a:gsLst>
-            <a:path path="circle">
-              <a:fillToRect l="50000" t="50000" r="50000" b="50000"/>
-            </a:path>
-            <a:tileRect/>
-          </a:gradFill>
-          <a:ln>
-            <a:noFill/>
-          </a:ln>
-          <a:effectLst/>
-        </p:spPr>
-        <p:style>
-          <a:lnRef idx="1">
-            <a:schemeClr val="accent1"/>
-          </a:lnRef>
-          <a:fillRef idx="3">
-            <a:schemeClr val="accent1"/>
-          </a:fillRef>
-          <a:effectRef idx="2">
-            <a:schemeClr val="accent1"/>
-          </a:effectRef>
-          <a:fontRef idx="minor">
-            <a:schemeClr val="lt1"/>
-          </a:fontRef>
-        </p:style>
-      </p:sp>
-      <p:pic>
-        <p:nvPicPr>
-          <p:cNvPr id="34" name="Picture 16">
-            <a:extLst>
-              <a:ext uri="{FF2B5EF4-FFF2-40B4-BE49-F238E27FC236}">
-                <a16:creationId xmlns:a16="http://schemas.microsoft.com/office/drawing/2014/main" id="{B9238B3E-24AA-439A-B527-6C5DF6D72145}"/>
-              </a:ext>
-              <a:ext uri="{C183D7F6-B498-43B3-948B-1728B52AA6E4}">
-                <adec:decorative xmlns="" xmlns:adec="http://schemas.microsoft.com/office/drawing/2017/decorative" val="1"/>
-              </a:ext>
-            </a:extLst>
-          </p:cNvPr>
-          <p:cNvPicPr>
-            <a:picLocks noGrp="1" noRot="1" noChangeAspect="1" noMove="1" noResize="1" noEditPoints="1" noAdjustHandles="1" noChangeArrowheads="1" noChangeShapeType="1" noCrop="1"/>
-          </p:cNvPicPr>
-          <p:nvPr>
-            <p:extLst>
-              <p:ext uri="{386F3935-93C4-4BCD-93E2-E3B085C9AB24}">
-                <p16:designElem xmlns:p16="http://schemas.microsoft.com/office/powerpoint/2015/main" val="1"/>
-              </p:ext>
-            </p:extLst>
-          </p:nvPr>
-        </p:nvPicPr>
-        <p:blipFill rotWithShape="1">
-          <a:blip r:embed="rId4">
-            <a:extLst>
-              <a:ext uri="{28A0092B-C50C-407E-A947-70E740481C1C}">
-                <a14:useLocalDpi xmlns:a14="http://schemas.microsoft.com/office/drawing/2010/main" val="0"/>
-              </a:ext>
-            </a:extLst>
-          </a:blip>
-          <a:srcRect t="28813"/>
-          <a:stretch/>
-        </p:blipFill>
-        <p:spPr>
-          <a:xfrm>
-            <a:off x="7999412" y="0"/>
-            <a:ext cx="1603387" cy="1141407"/>
-          </a:xfrm>
-          <a:prstGeom prst="rect">
-            <a:avLst/>
-          </a:prstGeom>
-        </p:spPr>
-      </p:pic>
-      <p:pic>
-        <p:nvPicPr>
-          <p:cNvPr id="35" name="Picture 18">
-            <a:extLst>
-              <a:ext uri="{FF2B5EF4-FFF2-40B4-BE49-F238E27FC236}">
-                <a16:creationId xmlns:a16="http://schemas.microsoft.com/office/drawing/2014/main" id="{69F01145-BEA3-4CBF-AA21-10077B948CA8}"/>
-              </a:ext>
-              <a:ext uri="{C183D7F6-B498-43B3-948B-1728B52AA6E4}">
-                <adec:decorative xmlns="" xmlns:adec="http://schemas.microsoft.com/office/drawing/2017/decorative" val="1"/>
-              </a:ext>
-            </a:extLst>
-          </p:cNvPr>
-          <p:cNvPicPr>
-            <a:picLocks noGrp="1" noRot="1" noChangeAspect="1" noMove="1" noResize="1" noEditPoints="1" noAdjustHandles="1" noChangeArrowheads="1" noChangeShapeType="1" noCrop="1"/>
-          </p:cNvPicPr>
-          <p:nvPr>
-            <p:extLst>
-              <p:ext uri="{386F3935-93C4-4BCD-93E2-E3B085C9AB24}">
-                <p16:designElem xmlns:p16="http://schemas.microsoft.com/office/powerpoint/2015/main" val="1"/>
-              </p:ext>
-            </p:extLst>
-          </p:nvPr>
-        </p:nvPicPr>
-        <p:blipFill rotWithShape="1">
-          <a:blip r:embed="rId5">
-            <a:extLst>
-              <a:ext uri="{28A0092B-C50C-407E-A947-70E740481C1C}">
-                <a14:useLocalDpi xmlns:a14="http://schemas.microsoft.com/office/drawing/2010/main" val="0"/>
-              </a:ext>
-            </a:extLst>
-          </a:blip>
-          <a:srcRect b="23320"/>
-          <a:stretch/>
-        </p:blipFill>
-        <p:spPr>
-          <a:xfrm>
-            <a:off x="8605878" y="6096000"/>
-            <a:ext cx="993734" cy="762000"/>
-          </a:xfrm>
-          <a:prstGeom prst="rect">
-            <a:avLst/>
-          </a:prstGeom>
-        </p:spPr>
-      </p:pic>
-      <p:sp>
-        <p:nvSpPr>
-          <p:cNvPr id="36" name="Rectangle 20">
-            <a:extLst>
-              <a:ext uri="{FF2B5EF4-FFF2-40B4-BE49-F238E27FC236}">
-                <a16:creationId xmlns:a16="http://schemas.microsoft.com/office/drawing/2014/main" id="{DE4D62F9-188E-4530-84C2-24BDEE4BEB82}"/>
-              </a:ext>
-              <a:ext uri="{C183D7F6-B498-43B3-948B-1728B52AA6E4}">
-                <adec:decorative xmlns="" xmlns:adec="http://schemas.microsoft.com/office/drawing/2017/decorative" val="1"/>
-              </a:ext>
-            </a:extLst>
-          </p:cNvPr>
-          <p:cNvSpPr>
-            <a:spLocks noGrp="1" noRot="1" noChangeAspect="1" noMove="1" noResize="1" noEditPoints="1" noAdjustHandles="1" noChangeArrowheads="1" noChangeShapeType="1" noTextEdit="1"/>
-          </p:cNvSpPr>
-          <p:nvPr>
-            <p:extLst>
-              <p:ext uri="{386F3935-93C4-4BCD-93E2-E3B085C9AB24}">
-                <p16:designElem xmlns:p16="http://schemas.microsoft.com/office/powerpoint/2015/main" val="1"/>
-              </p:ext>
-            </p:extLst>
-          </p:nvPr>
-        </p:nvSpPr>
-        <p:spPr>
-          <a:xfrm>
-            <a:off x="10437812" y="0"/>
-            <a:ext cx="685800" cy="1143000"/>
-          </a:xfrm>
-          <a:prstGeom prst="rect">
-            <a:avLst/>
-          </a:prstGeom>
-          <a:solidFill>
-            <a:schemeClr val="accent1"/>
-          </a:solidFill>
-          <a:ln>
-            <a:noFill/>
-          </a:ln>
-        </p:spPr>
-        <p:style>
-          <a:lnRef idx="1">
-            <a:schemeClr val="accent1"/>
-          </a:lnRef>
-          <a:fillRef idx="3">
-            <a:schemeClr val="accent1"/>
-          </a:fillRef>
-          <a:effectRef idx="2">
-            <a:schemeClr val="accent1"/>
-          </a:effectRef>
-          <a:fontRef idx="minor">
-            <a:schemeClr val="lt1"/>
-          </a:fontRef>
-        </p:style>
-      </p:sp>
-      <p:sp useBgFill="1">
-        <p:nvSpPr>
-          <p:cNvPr id="37" name="Rectangle 22">
-            <a:extLst>
-              <a:ext uri="{FF2B5EF4-FFF2-40B4-BE49-F238E27FC236}">
-                <a16:creationId xmlns:a16="http://schemas.microsoft.com/office/drawing/2014/main" id="{DE92A8BB-07B9-40DB-984F-2CB1A2535B9E}"/>
-              </a:ext>
-              <a:ext uri="{C183D7F6-B498-43B3-948B-1728B52AA6E4}">
-                <adec:decorative xmlns="" xmlns:adec="http://schemas.microsoft.com/office/drawing/2017/decorative" val="1"/>
-              </a:ext>
-            </a:extLst>
-          </p:cNvPr>
-          <p:cNvSpPr>
-            <a:spLocks noGrp="1" noRot="1" noChangeAspect="1" noMove="1" noResize="1" noEditPoints="1" noAdjustHandles="1" noChangeArrowheads="1" noChangeShapeType="1" noTextEdit="1"/>
-          </p:cNvSpPr>
-          <p:nvPr>
-            <p:extLst>
-              <p:ext uri="{386F3935-93C4-4BCD-93E2-E3B085C9AB24}">
-                <p16:designElem xmlns:p16="http://schemas.microsoft.com/office/powerpoint/2015/main" val="1"/>
-              </p:ext>
-            </p:extLst>
-          </p:nvPr>
-        </p:nvSpPr>
-        <p:spPr>
-          <a:xfrm>
-            <a:off x="0" y="-5"/>
-            <a:ext cx="12191695" cy="4730744"/>
-          </a:xfrm>
-          <a:prstGeom prst="rect">
-            <a:avLst/>
-          </a:prstGeom>
-          <a:ln>
-            <a:noFill/>
-          </a:ln>
-        </p:spPr>
-        <p:style>
-          <a:lnRef idx="2">
-            <a:schemeClr val="accent1">
-              <a:shade val="50000"/>
-            </a:schemeClr>
-          </a:lnRef>
-          <a:fillRef idx="1">
-            <a:schemeClr val="accent1"/>
-          </a:fillRef>
-          <a:effectRef idx="0">
-            <a:schemeClr val="accent1"/>
-          </a:effectRef>
-          <a:fontRef idx="minor">
-            <a:schemeClr val="lt1"/>
-          </a:fontRef>
-        </p:style>
-        <p:txBody>
-          <a:bodyPr rtlCol="0" anchor="ctr"/>
-          <a:lstStyle/>
-          <a:p>
-            <a:pPr algn="ctr"/>
-            <a:endParaRPr lang="en-US"/>
-          </a:p>
-        </p:txBody>
-      </p:sp>
-      <p:sp>
-        <p:nvSpPr>
-          <p:cNvPr id="38" name="Rectangle 24">
-            <a:extLst>
-              <a:ext uri="{FF2B5EF4-FFF2-40B4-BE49-F238E27FC236}">
-                <a16:creationId xmlns:a16="http://schemas.microsoft.com/office/drawing/2014/main" id="{2CDDB745-6C26-4B79-9EF2-08E3E4AB9024}"/>
-              </a:ext>
-              <a:ext uri="{C183D7F6-B498-43B3-948B-1728B52AA6E4}">
-                <adec:decorative xmlns="" xmlns:adec="http://schemas.microsoft.com/office/drawing/2017/decorative" val="1"/>
-              </a:ext>
-            </a:extLst>
-          </p:cNvPr>
-          <p:cNvSpPr>
-            <a:spLocks noGrp="1" noRot="1" noChangeAspect="1" noMove="1" noResize="1" noEditPoints="1" noAdjustHandles="1" noChangeArrowheads="1" noChangeShapeType="1" noTextEdit="1"/>
-          </p:cNvSpPr>
-          <p:nvPr>
-            <p:extLst>
-              <p:ext uri="{386F3935-93C4-4BCD-93E2-E3B085C9AB24}">
-                <p16:designElem xmlns:p16="http://schemas.microsoft.com/office/powerpoint/2015/main" val="1"/>
-              </p:ext>
-            </p:extLst>
-          </p:nvPr>
-        </p:nvSpPr>
-        <p:spPr>
-          <a:xfrm>
-            <a:off x="10437812" y="0"/>
-            <a:ext cx="685800" cy="1143000"/>
-          </a:xfrm>
-          <a:prstGeom prst="rect">
-            <a:avLst/>
-          </a:prstGeom>
-          <a:solidFill>
-            <a:schemeClr val="accent1"/>
-          </a:solidFill>
-          <a:ln>
-            <a:noFill/>
-          </a:ln>
-        </p:spPr>
-        <p:style>
-          <a:lnRef idx="1">
-            <a:schemeClr val="accent1"/>
-          </a:lnRef>
-          <a:fillRef idx="3">
-            <a:schemeClr val="accent1"/>
-          </a:fillRef>
-          <a:effectRef idx="2">
-            <a:schemeClr val="accent1"/>
-          </a:effectRef>
-          <a:fontRef idx="minor">
-            <a:schemeClr val="lt1"/>
-          </a:fontRef>
-        </p:style>
-      </p:sp>
-      <p:sp>
-        <p:nvSpPr>
-          <p:cNvPr id="39" name="Freeform 16">
-            <a:extLst>
-              <a:ext uri="{FF2B5EF4-FFF2-40B4-BE49-F238E27FC236}">
-                <a16:creationId xmlns:a16="http://schemas.microsoft.com/office/drawing/2014/main" id="{80B3FE6C-0A59-4114-88CB-3C3172D6AFF8}"/>
-              </a:ext>
-              <a:ext uri="{C183D7F6-B498-43B3-948B-1728B52AA6E4}">
-                <adec:decorative xmlns="" xmlns:adec="http://schemas.microsoft.com/office/drawing/2017/decorative" val="1"/>
-              </a:ext>
-            </a:extLst>
-          </p:cNvPr>
-          <p:cNvSpPr>
-            <a:spLocks noGrp="1" noRot="1" noChangeAspect="1" noMove="1" noResize="1" noEditPoints="1" noAdjustHandles="1" noChangeArrowheads="1" noChangeShapeType="1" noTextEdit="1"/>
-          </p:cNvSpPr>
-          <p:nvPr>
-            <p:extLst>
-              <p:ext uri="{386F3935-93C4-4BCD-93E2-E3B085C9AB24}">
-                <p16:designElem xmlns:p16="http://schemas.microsoft.com/office/powerpoint/2015/main" val="1"/>
-              </p:ext>
-            </p:extLst>
-          </p:nvPr>
-        </p:nvSpPr>
-        <p:spPr>
-          <a:xfrm>
-            <a:off x="8719939" y="2835162"/>
-            <a:ext cx="3472060" cy="825932"/>
-          </a:xfrm>
-          <a:custGeom>
-            <a:avLst/>
-            <a:gdLst>
-              <a:gd name="connsiteX0" fmla="*/ 3470310 w 3472060"/>
-              <a:gd name="connsiteY0" fmla="*/ 0 h 825932"/>
-              <a:gd name="connsiteX1" fmla="*/ 3472060 w 3472060"/>
-              <a:gd name="connsiteY1" fmla="*/ 12850 h 825932"/>
-              <a:gd name="connsiteX2" fmla="*/ 3472060 w 3472060"/>
-              <a:gd name="connsiteY2" fmla="*/ 480529 h 825932"/>
-              <a:gd name="connsiteX3" fmla="*/ 3363699 w 3472060"/>
-              <a:gd name="connsiteY3" fmla="*/ 498471 h 825932"/>
-              <a:gd name="connsiteX4" fmla="*/ 42060 w 3472060"/>
-              <a:gd name="connsiteY4" fmla="*/ 824486 h 825932"/>
-              <a:gd name="connsiteX5" fmla="*/ 0 w 3472060"/>
-              <a:gd name="connsiteY5" fmla="*/ 758452 h 825932"/>
-              <a:gd name="connsiteX6" fmla="*/ 188014 w 3472060"/>
-              <a:gd name="connsiteY6" fmla="*/ 735602 h 825932"/>
-              <a:gd name="connsiteX7" fmla="*/ 284087 w 3472060"/>
-              <a:gd name="connsiteY7" fmla="*/ 722590 h 825932"/>
-              <a:gd name="connsiteX8" fmla="*/ 382288 w 3472060"/>
-              <a:gd name="connsiteY8" fmla="*/ 709392 h 825932"/>
-              <a:gd name="connsiteX9" fmla="*/ 481858 w 3472060"/>
-              <a:gd name="connsiteY9" fmla="*/ 695774 h 825932"/>
-              <a:gd name="connsiteX10" fmla="*/ 581897 w 3472060"/>
-              <a:gd name="connsiteY10" fmla="*/ 680711 h 825932"/>
-              <a:gd name="connsiteX11" fmla="*/ 683670 w 3472060"/>
-              <a:gd name="connsiteY11" fmla="*/ 665256 h 825932"/>
-              <a:gd name="connsiteX12" fmla="*/ 787206 w 3472060"/>
-              <a:gd name="connsiteY12" fmla="*/ 649587 h 825932"/>
-              <a:gd name="connsiteX13" fmla="*/ 892019 w 3472060"/>
-              <a:gd name="connsiteY13" fmla="*/ 632968 h 825932"/>
-              <a:gd name="connsiteX14" fmla="*/ 997620 w 3472060"/>
-              <a:gd name="connsiteY14" fmla="*/ 614667 h 825932"/>
-              <a:gd name="connsiteX15" fmla="*/ 1104727 w 3472060"/>
-              <a:gd name="connsiteY15" fmla="*/ 596741 h 825932"/>
-              <a:gd name="connsiteX16" fmla="*/ 1212669 w 3472060"/>
-              <a:gd name="connsiteY16" fmla="*/ 577397 h 825932"/>
-              <a:gd name="connsiteX17" fmla="*/ 1321506 w 3472060"/>
-              <a:gd name="connsiteY17" fmla="*/ 556988 h 825932"/>
-              <a:gd name="connsiteX18" fmla="*/ 1430709 w 3472060"/>
-              <a:gd name="connsiteY18" fmla="*/ 536607 h 825932"/>
-              <a:gd name="connsiteX19" fmla="*/ 1541050 w 3472060"/>
-              <a:gd name="connsiteY19" fmla="*/ 514481 h 825932"/>
-              <a:gd name="connsiteX20" fmla="*/ 1652805 w 3472060"/>
-              <a:gd name="connsiteY20" fmla="*/ 492202 h 825932"/>
-              <a:gd name="connsiteX21" fmla="*/ 1763708 w 3472060"/>
-              <a:gd name="connsiteY21" fmla="*/ 469161 h 825932"/>
-              <a:gd name="connsiteX22" fmla="*/ 1875795 w 3472060"/>
-              <a:gd name="connsiteY22" fmla="*/ 444641 h 825932"/>
-              <a:gd name="connsiteX23" fmla="*/ 1989128 w 3472060"/>
-              <a:gd name="connsiteY23" fmla="*/ 418995 h 825932"/>
-              <a:gd name="connsiteX24" fmla="*/ 2102476 w 3472060"/>
-              <a:gd name="connsiteY24" fmla="*/ 393438 h 825932"/>
-              <a:gd name="connsiteX25" fmla="*/ 2215549 w 3472060"/>
-              <a:gd name="connsiteY25" fmla="*/ 366291 h 825932"/>
-              <a:gd name="connsiteX26" fmla="*/ 2330490 w 3472060"/>
-              <a:gd name="connsiteY26" fmla="*/ 337455 h 825932"/>
-              <a:gd name="connsiteX27" fmla="*/ 2443333 w 3472060"/>
-              <a:gd name="connsiteY27" fmla="*/ 308983 h 825932"/>
-              <a:gd name="connsiteX28" fmla="*/ 2558014 w 3472060"/>
-              <a:gd name="connsiteY28" fmla="*/ 278646 h 825932"/>
-              <a:gd name="connsiteX29" fmla="*/ 2673621 w 3472060"/>
-              <a:gd name="connsiteY29" fmla="*/ 247421 h 825932"/>
-              <a:gd name="connsiteX30" fmla="*/ 2787008 w 3472060"/>
-              <a:gd name="connsiteY30" fmla="*/ 215853 h 825932"/>
-              <a:gd name="connsiteX31" fmla="*/ 2901442 w 3472060"/>
-              <a:gd name="connsiteY31" fmla="*/ 182011 h 825932"/>
-              <a:gd name="connsiteX32" fmla="*/ 3015722 w 3472060"/>
-              <a:gd name="connsiteY32" fmla="*/ 147286 h 825932"/>
-              <a:gd name="connsiteX33" fmla="*/ 3130018 w 3472060"/>
-              <a:gd name="connsiteY33" fmla="*/ 112649 h 825932"/>
-              <a:gd name="connsiteX34" fmla="*/ 3243551 w 3472060"/>
-              <a:gd name="connsiteY34" fmla="*/ 75688 h 825932"/>
-              <a:gd name="connsiteX35" fmla="*/ 3356992 w 3472060"/>
-              <a:gd name="connsiteY35" fmla="*/ 38197 h 825932"/>
-              <a:gd name="connsiteX36" fmla="*/ 3470310 w 3472060"/>
-              <a:gd name="connsiteY36" fmla="*/ 0 h 825932"/>
-            </a:gdLst>
-            <a:ahLst/>
-            <a:cxnLst>
-              <a:cxn ang="0">
-                <a:pos x="connsiteX0" y="connsiteY0"/>
-              </a:cxn>
-              <a:cxn ang="0">
-                <a:pos x="connsiteX1" y="connsiteY1"/>
-              </a:cxn>
-              <a:cxn ang="0">
-                <a:pos x="connsiteX2" y="connsiteY2"/>
-              </a:cxn>
-              <a:cxn ang="0">
-                <a:pos x="connsiteX3" y="connsiteY3"/>
-              </a:cxn>
-              <a:cxn ang="0">
-                <a:pos x="connsiteX4" y="connsiteY4"/>
-              </a:cxn>
-              <a:cxn ang="0">
-                <a:pos x="connsiteX5" y="connsiteY5"/>
-              </a:cxn>
-              <a:cxn ang="0">
-                <a:pos x="connsiteX6" y="connsiteY6"/>
-              </a:cxn>
-              <a:cxn ang="0">
-                <a:pos x="connsiteX7" y="connsiteY7"/>
-              </a:cxn>
-              <a:cxn ang="0">
-                <a:pos x="connsiteX8" y="connsiteY8"/>
-              </a:cxn>
-              <a:cxn ang="0">
-                <a:pos x="connsiteX9" y="connsiteY9"/>
-              </a:cxn>
-              <a:cxn ang="0">
-                <a:pos x="connsiteX10" y="connsiteY10"/>
-              </a:cxn>
-              <a:cxn ang="0">
-                <a:pos x="connsiteX11" y="connsiteY11"/>
-              </a:cxn>
-              <a:cxn ang="0">
-                <a:pos x="connsiteX12" y="connsiteY12"/>
-              </a:cxn>
-              <a:cxn ang="0">
-                <a:pos x="connsiteX13" y="connsiteY13"/>
-              </a:cxn>
-              <a:cxn ang="0">
-                <a:pos x="connsiteX14" y="connsiteY14"/>
-              </a:cxn>
-              <a:cxn ang="0">
-                <a:pos x="connsiteX15" y="connsiteY15"/>
-              </a:cxn>
-              <a:cxn ang="0">
-                <a:pos x="connsiteX16" y="connsiteY16"/>
-              </a:cxn>
-              <a:cxn ang="0">
-                <a:pos x="connsiteX17" y="connsiteY17"/>
-              </a:cxn>
-              <a:cxn ang="0">
-                <a:pos x="connsiteX18" y="connsiteY18"/>
-              </a:cxn>
-              <a:cxn ang="0">
-                <a:pos x="connsiteX19" y="connsiteY19"/>
-              </a:cxn>
-              <a:cxn ang="0">
-                <a:pos x="connsiteX20" y="connsiteY20"/>
-              </a:cxn>
-              <a:cxn ang="0">
-                <a:pos x="connsiteX21" y="connsiteY21"/>
-              </a:cxn>
-              <a:cxn ang="0">
-                <a:pos x="connsiteX22" y="connsiteY22"/>
-              </a:cxn>
-              <a:cxn ang="0">
-                <a:pos x="connsiteX23" y="connsiteY23"/>
-              </a:cxn>
-              <a:cxn ang="0">
-                <a:pos x="connsiteX24" y="connsiteY24"/>
-              </a:cxn>
-              <a:cxn ang="0">
-                <a:pos x="connsiteX25" y="connsiteY25"/>
-              </a:cxn>
-              <a:cxn ang="0">
-                <a:pos x="connsiteX26" y="connsiteY26"/>
-              </a:cxn>
-              <a:cxn ang="0">
-                <a:pos x="connsiteX27" y="connsiteY27"/>
-              </a:cxn>
-              <a:cxn ang="0">
-                <a:pos x="connsiteX28" y="connsiteY28"/>
-              </a:cxn>
-              <a:cxn ang="0">
-                <a:pos x="connsiteX29" y="connsiteY29"/>
-              </a:cxn>
-              <a:cxn ang="0">
-                <a:pos x="connsiteX30" y="connsiteY30"/>
-              </a:cxn>
-              <a:cxn ang="0">
-                <a:pos x="connsiteX31" y="connsiteY31"/>
-              </a:cxn>
-              <a:cxn ang="0">
-                <a:pos x="connsiteX32" y="connsiteY32"/>
-              </a:cxn>
-              <a:cxn ang="0">
-                <a:pos x="connsiteX33" y="connsiteY33"/>
-              </a:cxn>
-              <a:cxn ang="0">
-                <a:pos x="connsiteX34" y="connsiteY34"/>
-              </a:cxn>
-              <a:cxn ang="0">
-                <a:pos x="connsiteX35" y="connsiteY35"/>
-              </a:cxn>
-              <a:cxn ang="0">
-                <a:pos x="connsiteX36" y="connsiteY36"/>
-              </a:cxn>
-            </a:cxnLst>
-            <a:rect l="l" t="t" r="r" b="b"/>
-            <a:pathLst>
-              <a:path w="3472060" h="825932">
-                <a:moveTo>
-                  <a:pt x="3470310" y="0"/>
-                </a:moveTo>
-                <a:lnTo>
-                  <a:pt x="3472060" y="12850"/>
-                </a:lnTo>
-                <a:lnTo>
-                  <a:pt x="3472060" y="480529"/>
-                </a:lnTo>
-                <a:lnTo>
-                  <a:pt x="3363699" y="498471"/>
-                </a:lnTo>
-                <a:cubicBezTo>
-                  <a:pt x="2435623" y="645518"/>
-                  <a:pt x="603076" y="844866"/>
-                  <a:pt x="42060" y="824486"/>
-                </a:cubicBezTo>
-                <a:cubicBezTo>
-                  <a:pt x="28151" y="802425"/>
-                  <a:pt x="13909" y="780513"/>
-                  <a:pt x="0" y="758452"/>
-                </a:cubicBezTo>
-                <a:lnTo>
-                  <a:pt x="188014" y="735602"/>
-                </a:lnTo>
-                <a:lnTo>
-                  <a:pt x="284087" y="722590"/>
-                </a:lnTo>
-                <a:lnTo>
-                  <a:pt x="382288" y="709392"/>
-                </a:lnTo>
-                <a:lnTo>
-                  <a:pt x="481858" y="695774"/>
-                </a:lnTo>
-                <a:lnTo>
-                  <a:pt x="581897" y="680711"/>
-                </a:lnTo>
-                <a:lnTo>
-                  <a:pt x="683670" y="665256"/>
-                </a:lnTo>
-                <a:lnTo>
-                  <a:pt x="787206" y="649587"/>
-                </a:lnTo>
-                <a:lnTo>
-                  <a:pt x="892019" y="632968"/>
-                </a:lnTo>
-                <a:lnTo>
-                  <a:pt x="997620" y="614667"/>
-                </a:lnTo>
-                <a:lnTo>
-                  <a:pt x="1104727" y="596741"/>
-                </a:lnTo>
-                <a:lnTo>
-                  <a:pt x="1212669" y="577397"/>
-                </a:lnTo>
-                <a:lnTo>
-                  <a:pt x="1321506" y="556988"/>
-                </a:lnTo>
-                <a:lnTo>
-                  <a:pt x="1430709" y="536607"/>
-                </a:lnTo>
-                <a:lnTo>
-                  <a:pt x="1541050" y="514481"/>
-                </a:lnTo>
-                <a:lnTo>
-                  <a:pt x="1652805" y="492202"/>
-                </a:lnTo>
-                <a:lnTo>
-                  <a:pt x="1763708" y="469161"/>
-                </a:lnTo>
-                <a:lnTo>
-                  <a:pt x="1875795" y="444641"/>
-                </a:lnTo>
-                <a:lnTo>
-                  <a:pt x="1989128" y="418995"/>
-                </a:lnTo>
-                <a:lnTo>
-                  <a:pt x="2102476" y="393438"/>
-                </a:lnTo>
-                <a:lnTo>
-                  <a:pt x="2215549" y="366291"/>
-                </a:lnTo>
-                <a:lnTo>
-                  <a:pt x="2330490" y="337455"/>
-                </a:lnTo>
-                <a:lnTo>
-                  <a:pt x="2443333" y="308983"/>
-                </a:lnTo>
-                <a:lnTo>
-                  <a:pt x="2558014" y="278646"/>
-                </a:lnTo>
-                <a:lnTo>
-                  <a:pt x="2673621" y="247421"/>
-                </a:lnTo>
-                <a:lnTo>
-                  <a:pt x="2787008" y="215853"/>
-                </a:lnTo>
-                <a:lnTo>
-                  <a:pt x="2901442" y="182011"/>
-                </a:lnTo>
-                <a:lnTo>
-                  <a:pt x="3015722" y="147286"/>
-                </a:lnTo>
-                <a:lnTo>
-                  <a:pt x="3130018" y="112649"/>
-                </a:lnTo>
-                <a:lnTo>
-                  <a:pt x="3243551" y="75688"/>
-                </a:lnTo>
-                <a:lnTo>
-                  <a:pt x="3356992" y="38197"/>
-                </a:lnTo>
-                <a:lnTo>
-                  <a:pt x="3470310" y="0"/>
-                </a:lnTo>
-                <a:close/>
-              </a:path>
-            </a:pathLst>
-          </a:custGeom>
-          <a:solidFill>
-            <a:schemeClr val="tx2">
-              <a:alpha val="20000"/>
-            </a:schemeClr>
-          </a:solidFill>
-          <a:ln>
-            <a:noFill/>
-          </a:ln>
-        </p:spPr>
-        <p:txBody>
-          <a:bodyPr rtlCol="0" anchor="ctr"/>
-          <a:lstStyle/>
-          <a:p>
-            <a:pPr algn="ctr"/>
-            <a:endParaRPr lang="en-US">
-              <a:solidFill>
-                <a:schemeClr val="tx1"/>
-              </a:solidFill>
-            </a:endParaRPr>
-          </a:p>
-        </p:txBody>
-      </p:sp>
-      <p:pic>
-        <p:nvPicPr>
-          <p:cNvPr id="6" name="Imagen 5">
-            <a:extLst>
-              <a:ext uri="{FF2B5EF4-FFF2-40B4-BE49-F238E27FC236}">
-                <a16:creationId xmlns:a16="http://schemas.microsoft.com/office/drawing/2014/main" id="{D9DD4137-6206-4BFE-8C6B-BA8AC8C0102E}"/>
-              </a:ext>
-            </a:extLst>
-          </p:cNvPr>
-          <p:cNvPicPr>
-            <a:picLocks noChangeAspect="1"/>
-          </p:cNvPicPr>
-          <p:nvPr/>
-        </p:nvPicPr>
-        <p:blipFill>
-          <a:blip r:embed="rId6"/>
-          <a:stretch>
-            <a:fillRect/>
-          </a:stretch>
-        </p:blipFill>
-        <p:spPr>
-          <a:xfrm>
-            <a:off x="635458" y="640082"/>
-            <a:ext cx="4469675" cy="2373552"/>
-          </a:xfrm>
-          <a:prstGeom prst="rect">
-            <a:avLst/>
-          </a:prstGeom>
-          <a:effectLst/>
-        </p:spPr>
-      </p:pic>
-      <p:sp>
-        <p:nvSpPr>
-          <p:cNvPr id="40" name="Freeform: Shape 28">
-            <a:extLst>
-              <a:ext uri="{FF2B5EF4-FFF2-40B4-BE49-F238E27FC236}">
-                <a16:creationId xmlns:a16="http://schemas.microsoft.com/office/drawing/2014/main" id="{DDA3A238-516A-4076-B3C2-230D913508F2}"/>
-              </a:ext>
-              <a:ext uri="{C183D7F6-B498-43B3-948B-1728B52AA6E4}">
-                <adec:decorative xmlns="" xmlns:adec="http://schemas.microsoft.com/office/drawing/2017/decorative" val="1"/>
-              </a:ext>
-            </a:extLst>
-          </p:cNvPr>
-          <p:cNvSpPr>
-            <a:spLocks noGrp="1" noRot="1" noChangeAspect="1" noMove="1" noResize="1" noEditPoints="1" noAdjustHandles="1" noChangeArrowheads="1" noChangeShapeType="1" noTextEdit="1"/>
-          </p:cNvSpPr>
-          <p:nvPr>
-            <p:extLst>
-              <p:ext uri="{386F3935-93C4-4BCD-93E2-E3B085C9AB24}">
-                <p16:designElem xmlns:p16="http://schemas.microsoft.com/office/powerpoint/2015/main" val="1"/>
-              </p:ext>
-            </p:extLst>
-          </p:nvPr>
-        </p:nvSpPr>
-        <p:spPr>
-          <a:xfrm>
-            <a:off x="-1" y="3136999"/>
-            <a:ext cx="12191696" cy="3721001"/>
-          </a:xfrm>
-          <a:custGeom>
-            <a:avLst/>
-            <a:gdLst>
-              <a:gd name="connsiteX0" fmla="*/ 1 w 12191696"/>
-              <a:gd name="connsiteY0" fmla="*/ 0 h 3721001"/>
-              <a:gd name="connsiteX1" fmla="*/ 71932 w 12191696"/>
-              <a:gd name="connsiteY1" fmla="*/ 12261 h 3721001"/>
-              <a:gd name="connsiteX2" fmla="*/ 282849 w 12191696"/>
-              <a:gd name="connsiteY2" fmla="*/ 48342 h 3721001"/>
-              <a:gd name="connsiteX3" fmla="*/ 436464 w 12191696"/>
-              <a:gd name="connsiteY3" fmla="*/ 73565 h 3721001"/>
-              <a:gd name="connsiteX4" fmla="*/ 619339 w 12191696"/>
-              <a:gd name="connsiteY4" fmla="*/ 100188 h 3721001"/>
-              <a:gd name="connsiteX5" fmla="*/ 836351 w 12191696"/>
-              <a:gd name="connsiteY5" fmla="*/ 132066 h 3721001"/>
-              <a:gd name="connsiteX6" fmla="*/ 1076528 w 12191696"/>
-              <a:gd name="connsiteY6" fmla="*/ 165696 h 3721001"/>
-              <a:gd name="connsiteX7" fmla="*/ 1347183 w 12191696"/>
-              <a:gd name="connsiteY7" fmla="*/ 201077 h 3721001"/>
-              <a:gd name="connsiteX8" fmla="*/ 1642223 w 12191696"/>
-              <a:gd name="connsiteY8" fmla="*/ 238560 h 3721001"/>
-              <a:gd name="connsiteX9" fmla="*/ 1962864 w 12191696"/>
-              <a:gd name="connsiteY9" fmla="*/ 276043 h 3721001"/>
-              <a:gd name="connsiteX10" fmla="*/ 2304232 w 12191696"/>
-              <a:gd name="connsiteY10" fmla="*/ 314226 h 3721001"/>
-              <a:gd name="connsiteX11" fmla="*/ 2672421 w 12191696"/>
-              <a:gd name="connsiteY11" fmla="*/ 349608 h 3721001"/>
-              <a:gd name="connsiteX12" fmla="*/ 3057678 w 12191696"/>
-              <a:gd name="connsiteY12" fmla="*/ 383588 h 3721001"/>
-              <a:gd name="connsiteX13" fmla="*/ 3464881 w 12191696"/>
-              <a:gd name="connsiteY13" fmla="*/ 414415 h 3721001"/>
-              <a:gd name="connsiteX14" fmla="*/ 3889152 w 12191696"/>
-              <a:gd name="connsiteY14" fmla="*/ 443841 h 3721001"/>
-              <a:gd name="connsiteX15" fmla="*/ 4331710 w 12191696"/>
-              <a:gd name="connsiteY15" fmla="*/ 471515 h 3721001"/>
-              <a:gd name="connsiteX16" fmla="*/ 4558476 w 12191696"/>
-              <a:gd name="connsiteY16" fmla="*/ 481324 h 3721001"/>
-              <a:gd name="connsiteX17" fmla="*/ 4790118 w 12191696"/>
-              <a:gd name="connsiteY17" fmla="*/ 492183 h 3721001"/>
-              <a:gd name="connsiteX18" fmla="*/ 5025418 w 12191696"/>
-              <a:gd name="connsiteY18" fmla="*/ 502342 h 3721001"/>
-              <a:gd name="connsiteX19" fmla="*/ 5261937 w 12191696"/>
-              <a:gd name="connsiteY19" fmla="*/ 508998 h 3721001"/>
-              <a:gd name="connsiteX20" fmla="*/ 5503333 w 12191696"/>
-              <a:gd name="connsiteY20" fmla="*/ 514953 h 3721001"/>
-              <a:gd name="connsiteX21" fmla="*/ 5747166 w 12191696"/>
-              <a:gd name="connsiteY21" fmla="*/ 521259 h 3721001"/>
-              <a:gd name="connsiteX22" fmla="*/ 5995877 w 12191696"/>
-              <a:gd name="connsiteY22" fmla="*/ 525462 h 3721001"/>
-              <a:gd name="connsiteX23" fmla="*/ 6247026 w 12191696"/>
-              <a:gd name="connsiteY23" fmla="*/ 525462 h 3721001"/>
-              <a:gd name="connsiteX24" fmla="*/ 6500613 w 12191696"/>
-              <a:gd name="connsiteY24" fmla="*/ 527564 h 3721001"/>
-              <a:gd name="connsiteX25" fmla="*/ 6756639 w 12191696"/>
-              <a:gd name="connsiteY25" fmla="*/ 525462 h 3721001"/>
-              <a:gd name="connsiteX26" fmla="*/ 7016322 w 12191696"/>
-              <a:gd name="connsiteY26" fmla="*/ 521259 h 3721001"/>
-              <a:gd name="connsiteX27" fmla="*/ 7276005 w 12191696"/>
-              <a:gd name="connsiteY27" fmla="*/ 517405 h 3721001"/>
-              <a:gd name="connsiteX28" fmla="*/ 7539345 w 12191696"/>
-              <a:gd name="connsiteY28" fmla="*/ 508998 h 3721001"/>
-              <a:gd name="connsiteX29" fmla="*/ 7805124 w 12191696"/>
-              <a:gd name="connsiteY29" fmla="*/ 500240 h 3721001"/>
-              <a:gd name="connsiteX30" fmla="*/ 8070903 w 12191696"/>
-              <a:gd name="connsiteY30" fmla="*/ 490081 h 3721001"/>
-              <a:gd name="connsiteX31" fmla="*/ 8339121 w 12191696"/>
-              <a:gd name="connsiteY31" fmla="*/ 475719 h 3721001"/>
-              <a:gd name="connsiteX32" fmla="*/ 8609776 w 12191696"/>
-              <a:gd name="connsiteY32" fmla="*/ 458554 h 3721001"/>
-              <a:gd name="connsiteX33" fmla="*/ 8881651 w 12191696"/>
-              <a:gd name="connsiteY33" fmla="*/ 442089 h 3721001"/>
-              <a:gd name="connsiteX34" fmla="*/ 9153526 w 12191696"/>
-              <a:gd name="connsiteY34" fmla="*/ 421071 h 3721001"/>
-              <a:gd name="connsiteX35" fmla="*/ 9429058 w 12191696"/>
-              <a:gd name="connsiteY35" fmla="*/ 395848 h 3721001"/>
-              <a:gd name="connsiteX36" fmla="*/ 9700933 w 12191696"/>
-              <a:gd name="connsiteY36" fmla="*/ 370626 h 3721001"/>
-              <a:gd name="connsiteX37" fmla="*/ 9977684 w 12191696"/>
-              <a:gd name="connsiteY37" fmla="*/ 341551 h 3721001"/>
-              <a:gd name="connsiteX38" fmla="*/ 10255655 w 12191696"/>
-              <a:gd name="connsiteY38" fmla="*/ 309672 h 3721001"/>
-              <a:gd name="connsiteX39" fmla="*/ 10529968 w 12191696"/>
-              <a:gd name="connsiteY39" fmla="*/ 276043 h 3721001"/>
-              <a:gd name="connsiteX40" fmla="*/ 10807939 w 12191696"/>
-              <a:gd name="connsiteY40" fmla="*/ 236808 h 3721001"/>
-              <a:gd name="connsiteX41" fmla="*/ 11084690 w 12191696"/>
-              <a:gd name="connsiteY41" fmla="*/ 194771 h 3721001"/>
-              <a:gd name="connsiteX42" fmla="*/ 11362661 w 12191696"/>
-              <a:gd name="connsiteY42" fmla="*/ 153085 h 3721001"/>
-              <a:gd name="connsiteX43" fmla="*/ 11639412 w 12191696"/>
-              <a:gd name="connsiteY43" fmla="*/ 104392 h 3721001"/>
-              <a:gd name="connsiteX44" fmla="*/ 11914945 w 12191696"/>
-              <a:gd name="connsiteY44" fmla="*/ 54648 h 3721001"/>
-              <a:gd name="connsiteX45" fmla="*/ 12191696 w 12191696"/>
-              <a:gd name="connsiteY45" fmla="*/ 2452 h 3721001"/>
-              <a:gd name="connsiteX46" fmla="*/ 12191696 w 12191696"/>
-              <a:gd name="connsiteY46" fmla="*/ 2802467 h 3721001"/>
-              <a:gd name="connsiteX47" fmla="*/ 12191695 w 12191696"/>
-              <a:gd name="connsiteY47" fmla="*/ 2802467 h 3721001"/>
-              <a:gd name="connsiteX48" fmla="*/ 12191695 w 12191696"/>
-              <a:gd name="connsiteY48" fmla="*/ 3721001 h 3721001"/>
-              <a:gd name="connsiteX49" fmla="*/ 0 w 12191696"/>
-              <a:gd name="connsiteY49" fmla="*/ 3721001 h 3721001"/>
-              <a:gd name="connsiteX50" fmla="*/ 0 w 12191696"/>
-              <a:gd name="connsiteY50" fmla="*/ 2233825 h 3721001"/>
-              <a:gd name="connsiteX51" fmla="*/ 1 w 12191696"/>
-              <a:gd name="connsiteY51" fmla="*/ 2233825 h 3721001"/>
-            </a:gdLst>
-            <a:ahLst/>
-            <a:cxnLst>
-              <a:cxn ang="0">
-                <a:pos x="connsiteX0" y="connsiteY0"/>
-              </a:cxn>
-              <a:cxn ang="0">
-                <a:pos x="connsiteX1" y="connsiteY1"/>
-              </a:cxn>
-              <a:cxn ang="0">
-                <a:pos x="connsiteX2" y="connsiteY2"/>
-              </a:cxn>
-              <a:cxn ang="0">
-                <a:pos x="connsiteX3" y="connsiteY3"/>
-              </a:cxn>
-              <a:cxn ang="0">
-                <a:pos x="connsiteX4" y="connsiteY4"/>
-              </a:cxn>
-              <a:cxn ang="0">
-                <a:pos x="connsiteX5" y="connsiteY5"/>
-              </a:cxn>
-              <a:cxn ang="0">
-                <a:pos x="connsiteX6" y="connsiteY6"/>
-              </a:cxn>
-              <a:cxn ang="0">
-                <a:pos x="connsiteX7" y="connsiteY7"/>
-              </a:cxn>
-              <a:cxn ang="0">
-                <a:pos x="connsiteX8" y="connsiteY8"/>
-              </a:cxn>
-              <a:cxn ang="0">
-                <a:pos x="connsiteX9" y="connsiteY9"/>
-              </a:cxn>
-              <a:cxn ang="0">
-                <a:pos x="connsiteX10" y="connsiteY10"/>
-              </a:cxn>
-              <a:cxn ang="0">
-                <a:pos x="connsiteX11" y="connsiteY11"/>
-              </a:cxn>
-              <a:cxn ang="0">
-                <a:pos x="connsiteX12" y="connsiteY12"/>
-              </a:cxn>
-              <a:cxn ang="0">
-                <a:pos x="connsiteX13" y="connsiteY13"/>
-              </a:cxn>
-              <a:cxn ang="0">
-                <a:pos x="connsiteX14" y="connsiteY14"/>
-              </a:cxn>
-              <a:cxn ang="0">
-                <a:pos x="connsiteX15" y="connsiteY15"/>
-              </a:cxn>
-              <a:cxn ang="0">
-                <a:pos x="connsiteX16" y="connsiteY16"/>
-              </a:cxn>
-              <a:cxn ang="0">
-                <a:pos x="connsiteX17" y="connsiteY17"/>
-              </a:cxn>
-              <a:cxn ang="0">
-                <a:pos x="connsiteX18" y="connsiteY18"/>
-              </a:cxn>
-              <a:cxn ang="0">
-                <a:pos x="connsiteX19" y="connsiteY19"/>
-              </a:cxn>
-              <a:cxn ang="0">
-                <a:pos x="connsiteX20" y="connsiteY20"/>
-              </a:cxn>
-              <a:cxn ang="0">
-                <a:pos x="connsiteX21" y="connsiteY21"/>
-              </a:cxn>
-              <a:cxn ang="0">
-                <a:pos x="connsiteX22" y="connsiteY22"/>
-              </a:cxn>
-              <a:cxn ang="0">
-                <a:pos x="connsiteX23" y="connsiteY23"/>
-              </a:cxn>
-              <a:cxn ang="0">
-                <a:pos x="connsiteX24" y="connsiteY24"/>
-              </a:cxn>
-              <a:cxn ang="0">
-                <a:pos x="connsiteX25" y="connsiteY25"/>
-              </a:cxn>
-              <a:cxn ang="0">
-                <a:pos x="connsiteX26" y="connsiteY26"/>
-              </a:cxn>
-              <a:cxn ang="0">
-                <a:pos x="connsiteX27" y="connsiteY27"/>
-              </a:cxn>
-              <a:cxn ang="0">
-                <a:pos x="connsiteX28" y="connsiteY28"/>
-              </a:cxn>
-              <a:cxn ang="0">
-                <a:pos x="connsiteX29" y="connsiteY29"/>
-              </a:cxn>
-              <a:cxn ang="0">
-                <a:pos x="connsiteX30" y="connsiteY30"/>
-              </a:cxn>
-              <a:cxn ang="0">
-                <a:pos x="connsiteX31" y="connsiteY31"/>
-              </a:cxn>
-              <a:cxn ang="0">
-                <a:pos x="connsiteX32" y="connsiteY32"/>
-              </a:cxn>
-              <a:cxn ang="0">
-                <a:pos x="connsiteX33" y="connsiteY33"/>
-              </a:cxn>
-              <a:cxn ang="0">
-                <a:pos x="connsiteX34" y="connsiteY34"/>
-              </a:cxn>
-              <a:cxn ang="0">
-                <a:pos x="connsiteX35" y="connsiteY35"/>
-              </a:cxn>
-              <a:cxn ang="0">
-                <a:pos x="connsiteX36" y="connsiteY36"/>
-              </a:cxn>
-              <a:cxn ang="0">
-                <a:pos x="connsiteX37" y="connsiteY37"/>
-              </a:cxn>
-              <a:cxn ang="0">
-                <a:pos x="connsiteX38" y="connsiteY38"/>
-              </a:cxn>
-              <a:cxn ang="0">
-                <a:pos x="connsiteX39" y="connsiteY39"/>
-              </a:cxn>
-              <a:cxn ang="0">
-                <a:pos x="connsiteX40" y="connsiteY40"/>
-              </a:cxn>
-              <a:cxn ang="0">
-                <a:pos x="connsiteX41" y="connsiteY41"/>
-              </a:cxn>
-              <a:cxn ang="0">
-                <a:pos x="connsiteX42" y="connsiteY42"/>
-              </a:cxn>
-              <a:cxn ang="0">
-                <a:pos x="connsiteX43" y="connsiteY43"/>
-              </a:cxn>
-              <a:cxn ang="0">
-                <a:pos x="connsiteX44" y="connsiteY44"/>
-              </a:cxn>
-              <a:cxn ang="0">
-                <a:pos x="connsiteX45" y="connsiteY45"/>
-              </a:cxn>
-              <a:cxn ang="0">
-                <a:pos x="connsiteX46" y="connsiteY46"/>
-              </a:cxn>
-              <a:cxn ang="0">
-                <a:pos x="connsiteX47" y="connsiteY47"/>
-              </a:cxn>
-              <a:cxn ang="0">
-                <a:pos x="connsiteX48" y="connsiteY48"/>
-              </a:cxn>
-              <a:cxn ang="0">
-                <a:pos x="connsiteX49" y="connsiteY49"/>
-              </a:cxn>
-              <a:cxn ang="0">
-                <a:pos x="connsiteX50" y="connsiteY50"/>
-              </a:cxn>
-              <a:cxn ang="0">
-                <a:pos x="connsiteX51" y="connsiteY51"/>
-              </a:cxn>
-            </a:cxnLst>
-            <a:rect l="l" t="t" r="r" b="b"/>
-            <a:pathLst>
-              <a:path w="12191696" h="3721001">
-                <a:moveTo>
-                  <a:pt x="1" y="0"/>
-                </a:moveTo>
-                <a:lnTo>
-                  <a:pt x="71932" y="12261"/>
-                </a:lnTo>
-                <a:lnTo>
-                  <a:pt x="282849" y="48342"/>
-                </a:lnTo>
-                <a:lnTo>
-                  <a:pt x="436464" y="73565"/>
-                </a:lnTo>
-                <a:lnTo>
-                  <a:pt x="619339" y="100188"/>
-                </a:lnTo>
-                <a:lnTo>
-                  <a:pt x="836351" y="132066"/>
-                </a:lnTo>
-                <a:lnTo>
-                  <a:pt x="1076528" y="165696"/>
-                </a:lnTo>
-                <a:lnTo>
-                  <a:pt x="1347183" y="201077"/>
-                </a:lnTo>
-                <a:lnTo>
-                  <a:pt x="1642223" y="238560"/>
-                </a:lnTo>
-                <a:lnTo>
-                  <a:pt x="1962864" y="276043"/>
-                </a:lnTo>
-                <a:lnTo>
-                  <a:pt x="2304232" y="314226"/>
-                </a:lnTo>
-                <a:lnTo>
-                  <a:pt x="2672421" y="349608"/>
-                </a:lnTo>
-                <a:lnTo>
-                  <a:pt x="3057678" y="383588"/>
-                </a:lnTo>
-                <a:lnTo>
-                  <a:pt x="3464881" y="414415"/>
-                </a:lnTo>
-                <a:lnTo>
-                  <a:pt x="3889152" y="443841"/>
-                </a:lnTo>
-                <a:lnTo>
-                  <a:pt x="4331710" y="471515"/>
-                </a:lnTo>
-                <a:lnTo>
-                  <a:pt x="4558476" y="481324"/>
-                </a:lnTo>
-                <a:lnTo>
-                  <a:pt x="4790118" y="492183"/>
-                </a:lnTo>
-                <a:lnTo>
-                  <a:pt x="5025418" y="502342"/>
-                </a:lnTo>
-                <a:lnTo>
-                  <a:pt x="5261937" y="508998"/>
-                </a:lnTo>
-                <a:lnTo>
-                  <a:pt x="5503333" y="514953"/>
-                </a:lnTo>
-                <a:lnTo>
-                  <a:pt x="5747166" y="521259"/>
-                </a:lnTo>
-                <a:lnTo>
-                  <a:pt x="5995877" y="525462"/>
-                </a:lnTo>
-                <a:lnTo>
-                  <a:pt x="6247026" y="525462"/>
-                </a:lnTo>
-                <a:lnTo>
-                  <a:pt x="6500613" y="527564"/>
-                </a:lnTo>
-                <a:lnTo>
-                  <a:pt x="6756639" y="525462"/>
-                </a:lnTo>
-                <a:lnTo>
-                  <a:pt x="7016322" y="521259"/>
-                </a:lnTo>
-                <a:lnTo>
-                  <a:pt x="7276005" y="517405"/>
-                </a:lnTo>
-                <a:lnTo>
-                  <a:pt x="7539345" y="508998"/>
-                </a:lnTo>
-                <a:lnTo>
-                  <a:pt x="7805124" y="500240"/>
-                </a:lnTo>
-                <a:lnTo>
-                  <a:pt x="8070903" y="490081"/>
-                </a:lnTo>
-                <a:lnTo>
-                  <a:pt x="8339121" y="475719"/>
-                </a:lnTo>
-                <a:lnTo>
-                  <a:pt x="8609776" y="458554"/>
-                </a:lnTo>
-                <a:lnTo>
-                  <a:pt x="8881651" y="442089"/>
-                </a:lnTo>
-                <a:lnTo>
-                  <a:pt x="9153526" y="421071"/>
-                </a:lnTo>
-                <a:lnTo>
-                  <a:pt x="9429058" y="395848"/>
-                </a:lnTo>
-                <a:lnTo>
-                  <a:pt x="9700933" y="370626"/>
-                </a:lnTo>
-                <a:lnTo>
-                  <a:pt x="9977684" y="341551"/>
-                </a:lnTo>
-                <a:lnTo>
-                  <a:pt x="10255655" y="309672"/>
-                </a:lnTo>
-                <a:lnTo>
-                  <a:pt x="10529968" y="276043"/>
-                </a:lnTo>
-                <a:lnTo>
-                  <a:pt x="10807939" y="236808"/>
-                </a:lnTo>
-                <a:lnTo>
-                  <a:pt x="11084690" y="194771"/>
-                </a:lnTo>
-                <a:lnTo>
-                  <a:pt x="11362661" y="153085"/>
-                </a:lnTo>
-                <a:lnTo>
-                  <a:pt x="11639412" y="104392"/>
-                </a:lnTo>
-                <a:lnTo>
-                  <a:pt x="11914945" y="54648"/>
-                </a:lnTo>
-                <a:lnTo>
-                  <a:pt x="12191696" y="2452"/>
-                </a:lnTo>
-                <a:lnTo>
-                  <a:pt x="12191696" y="2802467"/>
-                </a:lnTo>
-                <a:lnTo>
-                  <a:pt x="12191695" y="2802467"/>
-                </a:lnTo>
-                <a:lnTo>
-                  <a:pt x="12191695" y="3721001"/>
-                </a:lnTo>
-                <a:lnTo>
-                  <a:pt x="0" y="3721001"/>
-                </a:lnTo>
-                <a:lnTo>
-                  <a:pt x="0" y="2233825"/>
-                </a:lnTo>
-                <a:lnTo>
-                  <a:pt x="1" y="2233825"/>
-                </a:lnTo>
-                <a:close/>
-              </a:path>
-            </a:pathLst>
-          </a:custGeom>
-          <a:ln>
-            <a:noFill/>
-          </a:ln>
-        </p:spPr>
-        <p:style>
-          <a:lnRef idx="2">
-            <a:schemeClr val="accent1">
-              <a:shade val="50000"/>
-            </a:schemeClr>
-          </a:lnRef>
-          <a:fillRef idx="1003">
-            <a:schemeClr val="dk2"/>
-          </a:fillRef>
-          <a:effectRef idx="0">
-            <a:schemeClr val="accent1"/>
-          </a:effectRef>
-          <a:fontRef idx="minor">
-            <a:schemeClr val="lt1"/>
-          </a:fontRef>
-        </p:style>
-        <p:txBody>
-          <a:bodyPr wrap="square" rtlCol="0" anchor="ctr">
-            <a:noAutofit/>
-          </a:bodyPr>
-          <a:lstStyle/>
-          <a:p>
-            <a:pPr algn="ctr"/>
-            <a:endParaRPr lang="en-US"/>
-          </a:p>
-        </p:txBody>
-      </p:sp>
-      <p:sp>
-        <p:nvSpPr>
-          <p:cNvPr id="4" name="Título 3">
-            <a:extLst>
-              <a:ext uri="{FF2B5EF4-FFF2-40B4-BE49-F238E27FC236}">
-                <a16:creationId xmlns:a16="http://schemas.microsoft.com/office/drawing/2014/main" id="{0524CB94-6000-4564-9047-EDDD07BCFC4A}"/>
-              </a:ext>
-            </a:extLst>
-          </p:cNvPr>
-          <p:cNvSpPr>
-            <a:spLocks noGrp="1"/>
-          </p:cNvSpPr>
-          <p:nvPr>
-            <p:ph type="title"/>
-          </p:nvPr>
-        </p:nvSpPr>
-        <p:spPr>
-          <a:xfrm>
-            <a:off x="636916" y="3928983"/>
-            <a:ext cx="9149350" cy="1793390"/>
-          </a:xfrm>
-        </p:spPr>
-        <p:txBody>
-          <a:bodyPr vert="horz" lIns="91440" tIns="45720" rIns="91440" bIns="45720" rtlCol="0" anchor="b">
-            <a:normAutofit/>
-          </a:bodyPr>
-          <a:lstStyle/>
-          <a:p>
-            <a:pPr>
-              <a:lnSpc>
-                <a:spcPct val="90000"/>
-              </a:lnSpc>
-            </a:pPr>
-            <a:r>
-              <a:rPr lang="en-US" sz="6100" b="0" i="0" kern="1200">
-                <a:solidFill>
-                  <a:srgbClr val="EBEBEB"/>
-                </a:solidFill>
-                <a:latin typeface="+mj-lt"/>
-                <a:ea typeface="+mj-ea"/>
-                <a:cs typeface="+mj-cs"/>
-              </a:rPr>
-              <a:t>Fin de la presentación</a:t>
-            </a:r>
-          </a:p>
-        </p:txBody>
-      </p:sp>
-      <p:sp>
-        <p:nvSpPr>
-          <p:cNvPr id="5" name="Marcador de texto 4">
-            <a:extLst>
-              <a:ext uri="{FF2B5EF4-FFF2-40B4-BE49-F238E27FC236}">
-                <a16:creationId xmlns:a16="http://schemas.microsoft.com/office/drawing/2014/main" id="{839D2FB0-27E6-44B4-B7AD-6332D615789E}"/>
-              </a:ext>
-            </a:extLst>
-          </p:cNvPr>
-          <p:cNvSpPr>
-            <a:spLocks noGrp="1"/>
-          </p:cNvSpPr>
-          <p:nvPr>
-            <p:ph type="body" idx="1"/>
-          </p:nvPr>
-        </p:nvSpPr>
-        <p:spPr>
-          <a:xfrm>
-            <a:off x="636916" y="5722374"/>
-            <a:ext cx="9149349" cy="487924"/>
-          </a:xfrm>
-        </p:spPr>
-        <p:txBody>
-          <a:bodyPr vert="horz" lIns="91440" tIns="45720" rIns="91440" bIns="45720" rtlCol="0" anchor="t">
-            <a:normAutofit/>
-          </a:bodyPr>
-          <a:lstStyle/>
-          <a:p>
-            <a:r>
-              <a:rPr lang="en-US">
-                <a:solidFill>
-                  <a:schemeClr val="tx2">
-                    <a:lumMod val="40000"/>
-                    <a:lumOff val="60000"/>
-                  </a:schemeClr>
-                </a:solidFill>
-              </a:rPr>
-              <a:t>(Turno de preguntas)</a:t>
-            </a:r>
-          </a:p>
-        </p:txBody>
-      </p:sp>
-    </p:spTree>
-    <p:extLst>
-      <p:ext uri="{BB962C8B-B14F-4D97-AF65-F5344CB8AC3E}">
-        <p14:creationId xmlns:p14="http://schemas.microsoft.com/office/powerpoint/2010/main" val="493101756"/>
-      </p:ext>
-    </p:extLst>
-  </p:cSld>
-  <p:clrMapOvr>
-    <a:overrideClrMapping bg1="lt1" tx1="dk1" bg2="lt2" tx2="dk2" accent1="accent1" accent2="accent2" accent3="accent3" accent4="accent4" accent5="accent5" accent6="accent6" hlink="hlink" folHlink="folHlink"/>
   </p:clrMapOvr>
 </p:sld>
 </file>
@@ -11913,6 +11372,1704 @@
 </p:sld>
 </file>
 
+<file path=ppt/slides/slide20.xml><?xml version="1.0" encoding="utf-8"?>
+<p:sld xmlns:a="http://schemas.openxmlformats.org/drawingml/2006/main" xmlns:r="http://schemas.openxmlformats.org/officeDocument/2006/relationships" xmlns:p="http://schemas.openxmlformats.org/presentationml/2006/main">
+  <p:cSld>
+    <p:spTree>
+      <p:nvGrpSpPr>
+        <p:cNvPr id="1" name=""/>
+        <p:cNvGrpSpPr/>
+        <p:nvPr/>
+      </p:nvGrpSpPr>
+      <p:grpSpPr>
+        <a:xfrm>
+          <a:off x="0" y="0"/>
+          <a:ext cx="0" cy="0"/>
+          <a:chOff x="0" y="0"/>
+          <a:chExt cx="0" cy="0"/>
+        </a:xfrm>
+      </p:grpSpPr>
+      <p:sp>
+        <p:nvSpPr>
+          <p:cNvPr id="2" name="Título 1">
+            <a:extLst>
+              <a:ext uri="{FF2B5EF4-FFF2-40B4-BE49-F238E27FC236}">
+                <a16:creationId xmlns:a16="http://schemas.microsoft.com/office/drawing/2014/main" id="{48B54EFE-5EC5-488A-A665-4F2BD8C05DF5}"/>
+              </a:ext>
+            </a:extLst>
+          </p:cNvPr>
+          <p:cNvSpPr>
+            <a:spLocks noGrp="1"/>
+          </p:cNvSpPr>
+          <p:nvPr>
+            <p:ph type="title"/>
+          </p:nvPr>
+        </p:nvSpPr>
+        <p:spPr/>
+        <p:txBody>
+          <a:bodyPr/>
+          <a:lstStyle/>
+          <a:p>
+            <a:endParaRPr lang="es-ES"/>
+          </a:p>
+        </p:txBody>
+      </p:sp>
+      <p:sp>
+        <p:nvSpPr>
+          <p:cNvPr id="3" name="Marcador de contenido 2">
+            <a:extLst>
+              <a:ext uri="{FF2B5EF4-FFF2-40B4-BE49-F238E27FC236}">
+                <a16:creationId xmlns:a16="http://schemas.microsoft.com/office/drawing/2014/main" id="{9C4A1EBE-F897-4B23-A4D7-97FCADEA6842}"/>
+              </a:ext>
+            </a:extLst>
+          </p:cNvPr>
+          <p:cNvSpPr>
+            <a:spLocks noGrp="1"/>
+          </p:cNvSpPr>
+          <p:nvPr>
+            <p:ph idx="1"/>
+          </p:nvPr>
+        </p:nvSpPr>
+        <p:spPr/>
+        <p:txBody>
+          <a:bodyPr/>
+          <a:lstStyle/>
+          <a:p>
+            <a:endParaRPr lang="es-ES"/>
+          </a:p>
+        </p:txBody>
+      </p:sp>
+      <p:pic>
+        <p:nvPicPr>
+          <p:cNvPr id="4" name="Imagen 3">
+            <a:extLst>
+              <a:ext uri="{FF2B5EF4-FFF2-40B4-BE49-F238E27FC236}">
+                <a16:creationId xmlns:a16="http://schemas.microsoft.com/office/drawing/2014/main" id="{947C2C70-A039-4EE9-95B9-FAEEC3F3DAA1}"/>
+              </a:ext>
+            </a:extLst>
+          </p:cNvPr>
+          <p:cNvPicPr/>
+          <p:nvPr/>
+        </p:nvPicPr>
+        <p:blipFill>
+          <a:blip r:embed="rId2"/>
+          <a:stretch>
+            <a:fillRect/>
+          </a:stretch>
+        </p:blipFill>
+        <p:spPr>
+          <a:xfrm>
+            <a:off x="0" y="0"/>
+            <a:ext cx="12192000" cy="6858000"/>
+          </a:xfrm>
+          <a:prstGeom prst="rect">
+            <a:avLst/>
+          </a:prstGeom>
+        </p:spPr>
+      </p:pic>
+    </p:spTree>
+    <p:extLst>
+      <p:ext uri="{BB962C8B-B14F-4D97-AF65-F5344CB8AC3E}">
+        <p14:creationId xmlns:p14="http://schemas.microsoft.com/office/powerpoint/2010/main" val="3461040666"/>
+      </p:ext>
+    </p:extLst>
+  </p:cSld>
+  <p:clrMapOvr>
+    <a:masterClrMapping/>
+  </p:clrMapOvr>
+</p:sld>
+</file>
+
+<file path=ppt/slides/slide21.xml><?xml version="1.0" encoding="utf-8"?>
+<p:sld xmlns:a="http://schemas.openxmlformats.org/drawingml/2006/main" xmlns:r="http://schemas.openxmlformats.org/officeDocument/2006/relationships" xmlns:p="http://schemas.openxmlformats.org/presentationml/2006/main">
+  <p:cSld>
+    <p:spTree>
+      <p:nvGrpSpPr>
+        <p:cNvPr id="1" name=""/>
+        <p:cNvGrpSpPr/>
+        <p:nvPr/>
+      </p:nvGrpSpPr>
+      <p:grpSpPr>
+        <a:xfrm>
+          <a:off x="0" y="0"/>
+          <a:ext cx="0" cy="0"/>
+          <a:chOff x="0" y="0"/>
+          <a:chExt cx="0" cy="0"/>
+        </a:xfrm>
+      </p:grpSpPr>
+      <p:sp>
+        <p:nvSpPr>
+          <p:cNvPr id="2" name="Título 1">
+            <a:extLst>
+              <a:ext uri="{FF2B5EF4-FFF2-40B4-BE49-F238E27FC236}">
+                <a16:creationId xmlns:a16="http://schemas.microsoft.com/office/drawing/2014/main" id="{F005234F-7502-4E8D-B1A6-B5A02AEF8B00}"/>
+              </a:ext>
+            </a:extLst>
+          </p:cNvPr>
+          <p:cNvSpPr>
+            <a:spLocks noGrp="1"/>
+          </p:cNvSpPr>
+          <p:nvPr>
+            <p:ph type="title"/>
+          </p:nvPr>
+        </p:nvSpPr>
+        <p:spPr/>
+        <p:txBody>
+          <a:bodyPr/>
+          <a:lstStyle/>
+          <a:p>
+            <a:r>
+              <a:rPr lang="es-ES" dirty="0"/>
+              <a:t>Funcionalidad de la aplicación</a:t>
+            </a:r>
+          </a:p>
+        </p:txBody>
+      </p:sp>
+      <p:sp>
+        <p:nvSpPr>
+          <p:cNvPr id="3" name="Marcador de contenido 2">
+            <a:extLst>
+              <a:ext uri="{FF2B5EF4-FFF2-40B4-BE49-F238E27FC236}">
+                <a16:creationId xmlns:a16="http://schemas.microsoft.com/office/drawing/2014/main" id="{0625D7AF-7A74-4F03-97C6-F956CB59C254}"/>
+              </a:ext>
+            </a:extLst>
+          </p:cNvPr>
+          <p:cNvSpPr>
+            <a:spLocks noGrp="1"/>
+          </p:cNvSpPr>
+          <p:nvPr>
+            <p:ph idx="1"/>
+          </p:nvPr>
+        </p:nvSpPr>
+        <p:spPr/>
+        <p:txBody>
+          <a:bodyPr/>
+          <a:lstStyle/>
+          <a:p>
+            <a:endParaRPr lang="es-ES" dirty="0"/>
+          </a:p>
+        </p:txBody>
+      </p:sp>
+      <p:pic>
+        <p:nvPicPr>
+          <p:cNvPr id="4" name="Imagen 3">
+            <a:extLst>
+              <a:ext uri="{FF2B5EF4-FFF2-40B4-BE49-F238E27FC236}">
+                <a16:creationId xmlns:a16="http://schemas.microsoft.com/office/drawing/2014/main" id="{0A3C3FCE-59BE-4FD1-9089-E8D1A1A3CA66}"/>
+              </a:ext>
+            </a:extLst>
+          </p:cNvPr>
+          <p:cNvPicPr>
+            <a:picLocks noChangeAspect="1"/>
+          </p:cNvPicPr>
+          <p:nvPr/>
+        </p:nvPicPr>
+        <p:blipFill>
+          <a:blip r:embed="rId2"/>
+          <a:stretch>
+            <a:fillRect/>
+          </a:stretch>
+        </p:blipFill>
+        <p:spPr>
+          <a:xfrm>
+            <a:off x="382789" y="1389015"/>
+            <a:ext cx="11429384" cy="5004751"/>
+          </a:xfrm>
+          <a:prstGeom prst="rect">
+            <a:avLst/>
+          </a:prstGeom>
+        </p:spPr>
+      </p:pic>
+    </p:spTree>
+    <p:extLst>
+      <p:ext uri="{BB962C8B-B14F-4D97-AF65-F5344CB8AC3E}">
+        <p14:creationId xmlns:p14="http://schemas.microsoft.com/office/powerpoint/2010/main" val="1065365532"/>
+      </p:ext>
+    </p:extLst>
+  </p:cSld>
+  <p:clrMapOvr>
+    <a:masterClrMapping/>
+  </p:clrMapOvr>
+</p:sld>
+</file>
+
+<file path=ppt/slides/slide22.xml><?xml version="1.0" encoding="utf-8"?>
+<p:sld xmlns:a="http://schemas.openxmlformats.org/drawingml/2006/main" xmlns:r="http://schemas.openxmlformats.org/officeDocument/2006/relationships" xmlns:p="http://schemas.openxmlformats.org/presentationml/2006/main">
+  <p:cSld>
+    <p:bg>
+      <p:bgPr>
+        <a:solidFill>
+          <a:schemeClr val="bg1"/>
+        </a:solidFill>
+        <a:effectLst/>
+      </p:bgPr>
+    </p:bg>
+    <p:spTree>
+      <p:nvGrpSpPr>
+        <p:cNvPr id="1" name=""/>
+        <p:cNvGrpSpPr/>
+        <p:nvPr/>
+      </p:nvGrpSpPr>
+      <p:grpSpPr>
+        <a:xfrm>
+          <a:off x="0" y="0"/>
+          <a:ext cx="0" cy="0"/>
+          <a:chOff x="0" y="0"/>
+          <a:chExt cx="0" cy="0"/>
+        </a:xfrm>
+      </p:grpSpPr>
+      <p:pic>
+        <p:nvPicPr>
+          <p:cNvPr id="31" name="Picture 10">
+            <a:extLst>
+              <a:ext uri="{FF2B5EF4-FFF2-40B4-BE49-F238E27FC236}">
+                <a16:creationId xmlns:a16="http://schemas.microsoft.com/office/drawing/2014/main" id="{41B68C77-138E-4BF7-A276-BD0C78A4219F}"/>
+              </a:ext>
+              <a:ext uri="{C183D7F6-B498-43B3-948B-1728B52AA6E4}">
+                <adec:decorative xmlns:adec="http://schemas.microsoft.com/office/drawing/2017/decorative" xmlns="" val="1"/>
+              </a:ext>
+            </a:extLst>
+          </p:cNvPr>
+          <p:cNvPicPr>
+            <a:picLocks noGrp="1" noRot="1" noChangeAspect="1" noMove="1" noResize="1" noEditPoints="1" noAdjustHandles="1" noChangeArrowheads="1" noChangeShapeType="1" noCrop="1"/>
+          </p:cNvPicPr>
+          <p:nvPr>
+            <p:extLst>
+              <p:ext uri="{386F3935-93C4-4BCD-93E2-E3B085C9AB24}">
+                <p16:designElem xmlns:p16="http://schemas.microsoft.com/office/powerpoint/2015/main" val="1"/>
+              </p:ext>
+            </p:extLst>
+          </p:nvPr>
+        </p:nvPicPr>
+        <p:blipFill rotWithShape="1">
+          <a:blip r:embed="rId2">
+            <a:extLst>
+              <a:ext uri="{28A0092B-C50C-407E-A947-70E740481C1C}">
+                <a14:useLocalDpi xmlns:a14="http://schemas.microsoft.com/office/drawing/2010/main" val="0"/>
+              </a:ext>
+            </a:extLst>
+          </a:blip>
+          <a:srcRect l="3613"/>
+          <a:stretch/>
+        </p:blipFill>
+        <p:spPr>
+          <a:xfrm>
+            <a:off x="0" y="2669685"/>
+            <a:ext cx="4037012" cy="4188315"/>
+          </a:xfrm>
+          <a:prstGeom prst="rect">
+            <a:avLst/>
+          </a:prstGeom>
+        </p:spPr>
+      </p:pic>
+      <p:pic>
+        <p:nvPicPr>
+          <p:cNvPr id="32" name="Picture 12">
+            <a:extLst>
+              <a:ext uri="{FF2B5EF4-FFF2-40B4-BE49-F238E27FC236}">
+                <a16:creationId xmlns:a16="http://schemas.microsoft.com/office/drawing/2014/main" id="{7C268552-D473-46ED-B1B8-422042C4DEF1}"/>
+              </a:ext>
+              <a:ext uri="{C183D7F6-B498-43B3-948B-1728B52AA6E4}">
+                <adec:decorative xmlns:adec="http://schemas.microsoft.com/office/drawing/2017/decorative" xmlns="" val="1"/>
+              </a:ext>
+            </a:extLst>
+          </p:cNvPr>
+          <p:cNvPicPr>
+            <a:picLocks noGrp="1" noRot="1" noChangeAspect="1" noMove="1" noResize="1" noEditPoints="1" noAdjustHandles="1" noChangeArrowheads="1" noChangeShapeType="1" noCrop="1"/>
+          </p:cNvPicPr>
+          <p:nvPr>
+            <p:extLst>
+              <p:ext uri="{386F3935-93C4-4BCD-93E2-E3B085C9AB24}">
+                <p16:designElem xmlns:p16="http://schemas.microsoft.com/office/powerpoint/2015/main" val="1"/>
+              </p:ext>
+            </p:extLst>
+          </p:nvPr>
+        </p:nvPicPr>
+        <p:blipFill rotWithShape="1">
+          <a:blip r:embed="rId3">
+            <a:extLst>
+              <a:ext uri="{28A0092B-C50C-407E-A947-70E740481C1C}">
+                <a14:useLocalDpi xmlns:a14="http://schemas.microsoft.com/office/drawing/2010/main" val="0"/>
+              </a:ext>
+            </a:extLst>
+          </a:blip>
+          <a:srcRect l="35640"/>
+          <a:stretch/>
+        </p:blipFill>
+        <p:spPr>
+          <a:xfrm>
+            <a:off x="0" y="2892347"/>
+            <a:ext cx="1522412" cy="2365453"/>
+          </a:xfrm>
+          <a:prstGeom prst="rect">
+            <a:avLst/>
+          </a:prstGeom>
+        </p:spPr>
+      </p:pic>
+      <p:sp>
+        <p:nvSpPr>
+          <p:cNvPr id="33" name="Oval 14">
+            <a:extLst>
+              <a:ext uri="{FF2B5EF4-FFF2-40B4-BE49-F238E27FC236}">
+                <a16:creationId xmlns:a16="http://schemas.microsoft.com/office/drawing/2014/main" id="{4AC0CD9D-7610-4620-93B4-798CCD9AB581}"/>
+              </a:ext>
+              <a:ext uri="{C183D7F6-B498-43B3-948B-1728B52AA6E4}">
+                <adec:decorative xmlns:adec="http://schemas.microsoft.com/office/drawing/2017/decorative" xmlns="" val="1"/>
+              </a:ext>
+            </a:extLst>
+          </p:cNvPr>
+          <p:cNvSpPr>
+            <a:spLocks noGrp="1" noRot="1" noChangeAspect="1" noMove="1" noResize="1" noEditPoints="1" noAdjustHandles="1" noChangeArrowheads="1" noChangeShapeType="1" noTextEdit="1"/>
+          </p:cNvSpPr>
+          <p:nvPr>
+            <p:extLst>
+              <p:ext uri="{386F3935-93C4-4BCD-93E2-E3B085C9AB24}">
+                <p16:designElem xmlns:p16="http://schemas.microsoft.com/office/powerpoint/2015/main" val="1"/>
+              </p:ext>
+            </p:extLst>
+          </p:nvPr>
+        </p:nvSpPr>
+        <p:spPr>
+          <a:xfrm>
+            <a:off x="8609012" y="1676400"/>
+            <a:ext cx="2819400" cy="2819400"/>
+          </a:xfrm>
+          <a:prstGeom prst="ellipse">
+            <a:avLst/>
+          </a:prstGeom>
+          <a:gradFill flip="none" rotWithShape="1">
+            <a:gsLst>
+              <a:gs pos="0">
+                <a:schemeClr val="bg2">
+                  <a:lumMod val="60000"/>
+                  <a:lumOff val="40000"/>
+                  <a:alpha val="7000"/>
+                </a:schemeClr>
+              </a:gs>
+              <a:gs pos="69000">
+                <a:schemeClr val="bg2">
+                  <a:lumMod val="60000"/>
+                  <a:lumOff val="40000"/>
+                  <a:alpha val="0"/>
+                </a:schemeClr>
+              </a:gs>
+              <a:gs pos="36000">
+                <a:schemeClr val="bg2">
+                  <a:lumMod val="60000"/>
+                  <a:lumOff val="40000"/>
+                  <a:alpha val="6000"/>
+                </a:schemeClr>
+              </a:gs>
+            </a:gsLst>
+            <a:path path="circle">
+              <a:fillToRect l="50000" t="50000" r="50000" b="50000"/>
+            </a:path>
+            <a:tileRect/>
+          </a:gradFill>
+          <a:ln>
+            <a:noFill/>
+          </a:ln>
+          <a:effectLst/>
+        </p:spPr>
+        <p:style>
+          <a:lnRef idx="1">
+            <a:schemeClr val="accent1"/>
+          </a:lnRef>
+          <a:fillRef idx="3">
+            <a:schemeClr val="accent1"/>
+          </a:fillRef>
+          <a:effectRef idx="2">
+            <a:schemeClr val="accent1"/>
+          </a:effectRef>
+          <a:fontRef idx="minor">
+            <a:schemeClr val="lt1"/>
+          </a:fontRef>
+        </p:style>
+      </p:sp>
+      <p:pic>
+        <p:nvPicPr>
+          <p:cNvPr id="34" name="Picture 16">
+            <a:extLst>
+              <a:ext uri="{FF2B5EF4-FFF2-40B4-BE49-F238E27FC236}">
+                <a16:creationId xmlns:a16="http://schemas.microsoft.com/office/drawing/2014/main" id="{B9238B3E-24AA-439A-B527-6C5DF6D72145}"/>
+              </a:ext>
+              <a:ext uri="{C183D7F6-B498-43B3-948B-1728B52AA6E4}">
+                <adec:decorative xmlns:adec="http://schemas.microsoft.com/office/drawing/2017/decorative" xmlns="" val="1"/>
+              </a:ext>
+            </a:extLst>
+          </p:cNvPr>
+          <p:cNvPicPr>
+            <a:picLocks noGrp="1" noRot="1" noChangeAspect="1" noMove="1" noResize="1" noEditPoints="1" noAdjustHandles="1" noChangeArrowheads="1" noChangeShapeType="1" noCrop="1"/>
+          </p:cNvPicPr>
+          <p:nvPr>
+            <p:extLst>
+              <p:ext uri="{386F3935-93C4-4BCD-93E2-E3B085C9AB24}">
+                <p16:designElem xmlns:p16="http://schemas.microsoft.com/office/powerpoint/2015/main" val="1"/>
+              </p:ext>
+            </p:extLst>
+          </p:nvPr>
+        </p:nvPicPr>
+        <p:blipFill rotWithShape="1">
+          <a:blip r:embed="rId4">
+            <a:extLst>
+              <a:ext uri="{28A0092B-C50C-407E-A947-70E740481C1C}">
+                <a14:useLocalDpi xmlns:a14="http://schemas.microsoft.com/office/drawing/2010/main" val="0"/>
+              </a:ext>
+            </a:extLst>
+          </a:blip>
+          <a:srcRect t="28813"/>
+          <a:stretch/>
+        </p:blipFill>
+        <p:spPr>
+          <a:xfrm>
+            <a:off x="7999412" y="0"/>
+            <a:ext cx="1603387" cy="1141407"/>
+          </a:xfrm>
+          <a:prstGeom prst="rect">
+            <a:avLst/>
+          </a:prstGeom>
+        </p:spPr>
+      </p:pic>
+      <p:pic>
+        <p:nvPicPr>
+          <p:cNvPr id="35" name="Picture 18">
+            <a:extLst>
+              <a:ext uri="{FF2B5EF4-FFF2-40B4-BE49-F238E27FC236}">
+                <a16:creationId xmlns:a16="http://schemas.microsoft.com/office/drawing/2014/main" id="{69F01145-BEA3-4CBF-AA21-10077B948CA8}"/>
+              </a:ext>
+              <a:ext uri="{C183D7F6-B498-43B3-948B-1728B52AA6E4}">
+                <adec:decorative xmlns:adec="http://schemas.microsoft.com/office/drawing/2017/decorative" xmlns="" val="1"/>
+              </a:ext>
+            </a:extLst>
+          </p:cNvPr>
+          <p:cNvPicPr>
+            <a:picLocks noGrp="1" noRot="1" noChangeAspect="1" noMove="1" noResize="1" noEditPoints="1" noAdjustHandles="1" noChangeArrowheads="1" noChangeShapeType="1" noCrop="1"/>
+          </p:cNvPicPr>
+          <p:nvPr>
+            <p:extLst>
+              <p:ext uri="{386F3935-93C4-4BCD-93E2-E3B085C9AB24}">
+                <p16:designElem xmlns:p16="http://schemas.microsoft.com/office/powerpoint/2015/main" val="1"/>
+              </p:ext>
+            </p:extLst>
+          </p:nvPr>
+        </p:nvPicPr>
+        <p:blipFill rotWithShape="1">
+          <a:blip r:embed="rId5">
+            <a:extLst>
+              <a:ext uri="{28A0092B-C50C-407E-A947-70E740481C1C}">
+                <a14:useLocalDpi xmlns:a14="http://schemas.microsoft.com/office/drawing/2010/main" val="0"/>
+              </a:ext>
+            </a:extLst>
+          </a:blip>
+          <a:srcRect b="23320"/>
+          <a:stretch/>
+        </p:blipFill>
+        <p:spPr>
+          <a:xfrm>
+            <a:off x="8605878" y="6096000"/>
+            <a:ext cx="993734" cy="762000"/>
+          </a:xfrm>
+          <a:prstGeom prst="rect">
+            <a:avLst/>
+          </a:prstGeom>
+        </p:spPr>
+      </p:pic>
+      <p:sp>
+        <p:nvSpPr>
+          <p:cNvPr id="36" name="Rectangle 20">
+            <a:extLst>
+              <a:ext uri="{FF2B5EF4-FFF2-40B4-BE49-F238E27FC236}">
+                <a16:creationId xmlns:a16="http://schemas.microsoft.com/office/drawing/2014/main" id="{DE4D62F9-188E-4530-84C2-24BDEE4BEB82}"/>
+              </a:ext>
+              <a:ext uri="{C183D7F6-B498-43B3-948B-1728B52AA6E4}">
+                <adec:decorative xmlns:adec="http://schemas.microsoft.com/office/drawing/2017/decorative" xmlns="" val="1"/>
+              </a:ext>
+            </a:extLst>
+          </p:cNvPr>
+          <p:cNvSpPr>
+            <a:spLocks noGrp="1" noRot="1" noChangeAspect="1" noMove="1" noResize="1" noEditPoints="1" noAdjustHandles="1" noChangeArrowheads="1" noChangeShapeType="1" noTextEdit="1"/>
+          </p:cNvSpPr>
+          <p:nvPr>
+            <p:extLst>
+              <p:ext uri="{386F3935-93C4-4BCD-93E2-E3B085C9AB24}">
+                <p16:designElem xmlns:p16="http://schemas.microsoft.com/office/powerpoint/2015/main" val="1"/>
+              </p:ext>
+            </p:extLst>
+          </p:nvPr>
+        </p:nvSpPr>
+        <p:spPr>
+          <a:xfrm>
+            <a:off x="10437812" y="0"/>
+            <a:ext cx="685800" cy="1143000"/>
+          </a:xfrm>
+          <a:prstGeom prst="rect">
+            <a:avLst/>
+          </a:prstGeom>
+          <a:solidFill>
+            <a:schemeClr val="accent1"/>
+          </a:solidFill>
+          <a:ln>
+            <a:noFill/>
+          </a:ln>
+        </p:spPr>
+        <p:style>
+          <a:lnRef idx="1">
+            <a:schemeClr val="accent1"/>
+          </a:lnRef>
+          <a:fillRef idx="3">
+            <a:schemeClr val="accent1"/>
+          </a:fillRef>
+          <a:effectRef idx="2">
+            <a:schemeClr val="accent1"/>
+          </a:effectRef>
+          <a:fontRef idx="minor">
+            <a:schemeClr val="lt1"/>
+          </a:fontRef>
+        </p:style>
+      </p:sp>
+      <p:sp useBgFill="1">
+        <p:nvSpPr>
+          <p:cNvPr id="37" name="Rectangle 22">
+            <a:extLst>
+              <a:ext uri="{FF2B5EF4-FFF2-40B4-BE49-F238E27FC236}">
+                <a16:creationId xmlns:a16="http://schemas.microsoft.com/office/drawing/2014/main" id="{DE92A8BB-07B9-40DB-984F-2CB1A2535B9E}"/>
+              </a:ext>
+              <a:ext uri="{C183D7F6-B498-43B3-948B-1728B52AA6E4}">
+                <adec:decorative xmlns:adec="http://schemas.microsoft.com/office/drawing/2017/decorative" xmlns="" val="1"/>
+              </a:ext>
+            </a:extLst>
+          </p:cNvPr>
+          <p:cNvSpPr>
+            <a:spLocks noGrp="1" noRot="1" noChangeAspect="1" noMove="1" noResize="1" noEditPoints="1" noAdjustHandles="1" noChangeArrowheads="1" noChangeShapeType="1" noTextEdit="1"/>
+          </p:cNvSpPr>
+          <p:nvPr>
+            <p:extLst>
+              <p:ext uri="{386F3935-93C4-4BCD-93E2-E3B085C9AB24}">
+                <p16:designElem xmlns:p16="http://schemas.microsoft.com/office/powerpoint/2015/main" val="1"/>
+              </p:ext>
+            </p:extLst>
+          </p:nvPr>
+        </p:nvSpPr>
+        <p:spPr>
+          <a:xfrm>
+            <a:off x="0" y="-5"/>
+            <a:ext cx="12191695" cy="4730744"/>
+          </a:xfrm>
+          <a:prstGeom prst="rect">
+            <a:avLst/>
+          </a:prstGeom>
+          <a:ln>
+            <a:noFill/>
+          </a:ln>
+        </p:spPr>
+        <p:style>
+          <a:lnRef idx="2">
+            <a:schemeClr val="accent1">
+              <a:shade val="50000"/>
+            </a:schemeClr>
+          </a:lnRef>
+          <a:fillRef idx="1">
+            <a:schemeClr val="accent1"/>
+          </a:fillRef>
+          <a:effectRef idx="0">
+            <a:schemeClr val="accent1"/>
+          </a:effectRef>
+          <a:fontRef idx="minor">
+            <a:schemeClr val="lt1"/>
+          </a:fontRef>
+        </p:style>
+        <p:txBody>
+          <a:bodyPr rtlCol="0" anchor="ctr"/>
+          <a:lstStyle/>
+          <a:p>
+            <a:pPr algn="ctr"/>
+            <a:endParaRPr lang="en-US"/>
+          </a:p>
+        </p:txBody>
+      </p:sp>
+      <p:sp>
+        <p:nvSpPr>
+          <p:cNvPr id="38" name="Rectangle 24">
+            <a:extLst>
+              <a:ext uri="{FF2B5EF4-FFF2-40B4-BE49-F238E27FC236}">
+                <a16:creationId xmlns:a16="http://schemas.microsoft.com/office/drawing/2014/main" id="{2CDDB745-6C26-4B79-9EF2-08E3E4AB9024}"/>
+              </a:ext>
+              <a:ext uri="{C183D7F6-B498-43B3-948B-1728B52AA6E4}">
+                <adec:decorative xmlns:adec="http://schemas.microsoft.com/office/drawing/2017/decorative" xmlns="" val="1"/>
+              </a:ext>
+            </a:extLst>
+          </p:cNvPr>
+          <p:cNvSpPr>
+            <a:spLocks noGrp="1" noRot="1" noChangeAspect="1" noMove="1" noResize="1" noEditPoints="1" noAdjustHandles="1" noChangeArrowheads="1" noChangeShapeType="1" noTextEdit="1"/>
+          </p:cNvSpPr>
+          <p:nvPr>
+            <p:extLst>
+              <p:ext uri="{386F3935-93C4-4BCD-93E2-E3B085C9AB24}">
+                <p16:designElem xmlns:p16="http://schemas.microsoft.com/office/powerpoint/2015/main" val="1"/>
+              </p:ext>
+            </p:extLst>
+          </p:nvPr>
+        </p:nvSpPr>
+        <p:spPr>
+          <a:xfrm>
+            <a:off x="10437812" y="0"/>
+            <a:ext cx="685800" cy="1143000"/>
+          </a:xfrm>
+          <a:prstGeom prst="rect">
+            <a:avLst/>
+          </a:prstGeom>
+          <a:solidFill>
+            <a:schemeClr val="accent1"/>
+          </a:solidFill>
+          <a:ln>
+            <a:noFill/>
+          </a:ln>
+        </p:spPr>
+        <p:style>
+          <a:lnRef idx="1">
+            <a:schemeClr val="accent1"/>
+          </a:lnRef>
+          <a:fillRef idx="3">
+            <a:schemeClr val="accent1"/>
+          </a:fillRef>
+          <a:effectRef idx="2">
+            <a:schemeClr val="accent1"/>
+          </a:effectRef>
+          <a:fontRef idx="minor">
+            <a:schemeClr val="lt1"/>
+          </a:fontRef>
+        </p:style>
+      </p:sp>
+      <p:sp>
+        <p:nvSpPr>
+          <p:cNvPr id="39" name="Freeform 16">
+            <a:extLst>
+              <a:ext uri="{FF2B5EF4-FFF2-40B4-BE49-F238E27FC236}">
+                <a16:creationId xmlns:a16="http://schemas.microsoft.com/office/drawing/2014/main" id="{80B3FE6C-0A59-4114-88CB-3C3172D6AFF8}"/>
+              </a:ext>
+              <a:ext uri="{C183D7F6-B498-43B3-948B-1728B52AA6E4}">
+                <adec:decorative xmlns:adec="http://schemas.microsoft.com/office/drawing/2017/decorative" xmlns="" val="1"/>
+              </a:ext>
+            </a:extLst>
+          </p:cNvPr>
+          <p:cNvSpPr>
+            <a:spLocks noGrp="1" noRot="1" noChangeAspect="1" noMove="1" noResize="1" noEditPoints="1" noAdjustHandles="1" noChangeArrowheads="1" noChangeShapeType="1" noTextEdit="1"/>
+          </p:cNvSpPr>
+          <p:nvPr>
+            <p:extLst>
+              <p:ext uri="{386F3935-93C4-4BCD-93E2-E3B085C9AB24}">
+                <p16:designElem xmlns:p16="http://schemas.microsoft.com/office/powerpoint/2015/main" val="1"/>
+              </p:ext>
+            </p:extLst>
+          </p:nvPr>
+        </p:nvSpPr>
+        <p:spPr>
+          <a:xfrm>
+            <a:off x="8719939" y="2835162"/>
+            <a:ext cx="3472060" cy="825932"/>
+          </a:xfrm>
+          <a:custGeom>
+            <a:avLst/>
+            <a:gdLst>
+              <a:gd name="connsiteX0" fmla="*/ 3470310 w 3472060"/>
+              <a:gd name="connsiteY0" fmla="*/ 0 h 825932"/>
+              <a:gd name="connsiteX1" fmla="*/ 3472060 w 3472060"/>
+              <a:gd name="connsiteY1" fmla="*/ 12850 h 825932"/>
+              <a:gd name="connsiteX2" fmla="*/ 3472060 w 3472060"/>
+              <a:gd name="connsiteY2" fmla="*/ 480529 h 825932"/>
+              <a:gd name="connsiteX3" fmla="*/ 3363699 w 3472060"/>
+              <a:gd name="connsiteY3" fmla="*/ 498471 h 825932"/>
+              <a:gd name="connsiteX4" fmla="*/ 42060 w 3472060"/>
+              <a:gd name="connsiteY4" fmla="*/ 824486 h 825932"/>
+              <a:gd name="connsiteX5" fmla="*/ 0 w 3472060"/>
+              <a:gd name="connsiteY5" fmla="*/ 758452 h 825932"/>
+              <a:gd name="connsiteX6" fmla="*/ 188014 w 3472060"/>
+              <a:gd name="connsiteY6" fmla="*/ 735602 h 825932"/>
+              <a:gd name="connsiteX7" fmla="*/ 284087 w 3472060"/>
+              <a:gd name="connsiteY7" fmla="*/ 722590 h 825932"/>
+              <a:gd name="connsiteX8" fmla="*/ 382288 w 3472060"/>
+              <a:gd name="connsiteY8" fmla="*/ 709392 h 825932"/>
+              <a:gd name="connsiteX9" fmla="*/ 481858 w 3472060"/>
+              <a:gd name="connsiteY9" fmla="*/ 695774 h 825932"/>
+              <a:gd name="connsiteX10" fmla="*/ 581897 w 3472060"/>
+              <a:gd name="connsiteY10" fmla="*/ 680711 h 825932"/>
+              <a:gd name="connsiteX11" fmla="*/ 683670 w 3472060"/>
+              <a:gd name="connsiteY11" fmla="*/ 665256 h 825932"/>
+              <a:gd name="connsiteX12" fmla="*/ 787206 w 3472060"/>
+              <a:gd name="connsiteY12" fmla="*/ 649587 h 825932"/>
+              <a:gd name="connsiteX13" fmla="*/ 892019 w 3472060"/>
+              <a:gd name="connsiteY13" fmla="*/ 632968 h 825932"/>
+              <a:gd name="connsiteX14" fmla="*/ 997620 w 3472060"/>
+              <a:gd name="connsiteY14" fmla="*/ 614667 h 825932"/>
+              <a:gd name="connsiteX15" fmla="*/ 1104727 w 3472060"/>
+              <a:gd name="connsiteY15" fmla="*/ 596741 h 825932"/>
+              <a:gd name="connsiteX16" fmla="*/ 1212669 w 3472060"/>
+              <a:gd name="connsiteY16" fmla="*/ 577397 h 825932"/>
+              <a:gd name="connsiteX17" fmla="*/ 1321506 w 3472060"/>
+              <a:gd name="connsiteY17" fmla="*/ 556988 h 825932"/>
+              <a:gd name="connsiteX18" fmla="*/ 1430709 w 3472060"/>
+              <a:gd name="connsiteY18" fmla="*/ 536607 h 825932"/>
+              <a:gd name="connsiteX19" fmla="*/ 1541050 w 3472060"/>
+              <a:gd name="connsiteY19" fmla="*/ 514481 h 825932"/>
+              <a:gd name="connsiteX20" fmla="*/ 1652805 w 3472060"/>
+              <a:gd name="connsiteY20" fmla="*/ 492202 h 825932"/>
+              <a:gd name="connsiteX21" fmla="*/ 1763708 w 3472060"/>
+              <a:gd name="connsiteY21" fmla="*/ 469161 h 825932"/>
+              <a:gd name="connsiteX22" fmla="*/ 1875795 w 3472060"/>
+              <a:gd name="connsiteY22" fmla="*/ 444641 h 825932"/>
+              <a:gd name="connsiteX23" fmla="*/ 1989128 w 3472060"/>
+              <a:gd name="connsiteY23" fmla="*/ 418995 h 825932"/>
+              <a:gd name="connsiteX24" fmla="*/ 2102476 w 3472060"/>
+              <a:gd name="connsiteY24" fmla="*/ 393438 h 825932"/>
+              <a:gd name="connsiteX25" fmla="*/ 2215549 w 3472060"/>
+              <a:gd name="connsiteY25" fmla="*/ 366291 h 825932"/>
+              <a:gd name="connsiteX26" fmla="*/ 2330490 w 3472060"/>
+              <a:gd name="connsiteY26" fmla="*/ 337455 h 825932"/>
+              <a:gd name="connsiteX27" fmla="*/ 2443333 w 3472060"/>
+              <a:gd name="connsiteY27" fmla="*/ 308983 h 825932"/>
+              <a:gd name="connsiteX28" fmla="*/ 2558014 w 3472060"/>
+              <a:gd name="connsiteY28" fmla="*/ 278646 h 825932"/>
+              <a:gd name="connsiteX29" fmla="*/ 2673621 w 3472060"/>
+              <a:gd name="connsiteY29" fmla="*/ 247421 h 825932"/>
+              <a:gd name="connsiteX30" fmla="*/ 2787008 w 3472060"/>
+              <a:gd name="connsiteY30" fmla="*/ 215853 h 825932"/>
+              <a:gd name="connsiteX31" fmla="*/ 2901442 w 3472060"/>
+              <a:gd name="connsiteY31" fmla="*/ 182011 h 825932"/>
+              <a:gd name="connsiteX32" fmla="*/ 3015722 w 3472060"/>
+              <a:gd name="connsiteY32" fmla="*/ 147286 h 825932"/>
+              <a:gd name="connsiteX33" fmla="*/ 3130018 w 3472060"/>
+              <a:gd name="connsiteY33" fmla="*/ 112649 h 825932"/>
+              <a:gd name="connsiteX34" fmla="*/ 3243551 w 3472060"/>
+              <a:gd name="connsiteY34" fmla="*/ 75688 h 825932"/>
+              <a:gd name="connsiteX35" fmla="*/ 3356992 w 3472060"/>
+              <a:gd name="connsiteY35" fmla="*/ 38197 h 825932"/>
+              <a:gd name="connsiteX36" fmla="*/ 3470310 w 3472060"/>
+              <a:gd name="connsiteY36" fmla="*/ 0 h 825932"/>
+            </a:gdLst>
+            <a:ahLst/>
+            <a:cxnLst>
+              <a:cxn ang="0">
+                <a:pos x="connsiteX0" y="connsiteY0"/>
+              </a:cxn>
+              <a:cxn ang="0">
+                <a:pos x="connsiteX1" y="connsiteY1"/>
+              </a:cxn>
+              <a:cxn ang="0">
+                <a:pos x="connsiteX2" y="connsiteY2"/>
+              </a:cxn>
+              <a:cxn ang="0">
+                <a:pos x="connsiteX3" y="connsiteY3"/>
+              </a:cxn>
+              <a:cxn ang="0">
+                <a:pos x="connsiteX4" y="connsiteY4"/>
+              </a:cxn>
+              <a:cxn ang="0">
+                <a:pos x="connsiteX5" y="connsiteY5"/>
+              </a:cxn>
+              <a:cxn ang="0">
+                <a:pos x="connsiteX6" y="connsiteY6"/>
+              </a:cxn>
+              <a:cxn ang="0">
+                <a:pos x="connsiteX7" y="connsiteY7"/>
+              </a:cxn>
+              <a:cxn ang="0">
+                <a:pos x="connsiteX8" y="connsiteY8"/>
+              </a:cxn>
+              <a:cxn ang="0">
+                <a:pos x="connsiteX9" y="connsiteY9"/>
+              </a:cxn>
+              <a:cxn ang="0">
+                <a:pos x="connsiteX10" y="connsiteY10"/>
+              </a:cxn>
+              <a:cxn ang="0">
+                <a:pos x="connsiteX11" y="connsiteY11"/>
+              </a:cxn>
+              <a:cxn ang="0">
+                <a:pos x="connsiteX12" y="connsiteY12"/>
+              </a:cxn>
+              <a:cxn ang="0">
+                <a:pos x="connsiteX13" y="connsiteY13"/>
+              </a:cxn>
+              <a:cxn ang="0">
+                <a:pos x="connsiteX14" y="connsiteY14"/>
+              </a:cxn>
+              <a:cxn ang="0">
+                <a:pos x="connsiteX15" y="connsiteY15"/>
+              </a:cxn>
+              <a:cxn ang="0">
+                <a:pos x="connsiteX16" y="connsiteY16"/>
+              </a:cxn>
+              <a:cxn ang="0">
+                <a:pos x="connsiteX17" y="connsiteY17"/>
+              </a:cxn>
+              <a:cxn ang="0">
+                <a:pos x="connsiteX18" y="connsiteY18"/>
+              </a:cxn>
+              <a:cxn ang="0">
+                <a:pos x="connsiteX19" y="connsiteY19"/>
+              </a:cxn>
+              <a:cxn ang="0">
+                <a:pos x="connsiteX20" y="connsiteY20"/>
+              </a:cxn>
+              <a:cxn ang="0">
+                <a:pos x="connsiteX21" y="connsiteY21"/>
+              </a:cxn>
+              <a:cxn ang="0">
+                <a:pos x="connsiteX22" y="connsiteY22"/>
+              </a:cxn>
+              <a:cxn ang="0">
+                <a:pos x="connsiteX23" y="connsiteY23"/>
+              </a:cxn>
+              <a:cxn ang="0">
+                <a:pos x="connsiteX24" y="connsiteY24"/>
+              </a:cxn>
+              <a:cxn ang="0">
+                <a:pos x="connsiteX25" y="connsiteY25"/>
+              </a:cxn>
+              <a:cxn ang="0">
+                <a:pos x="connsiteX26" y="connsiteY26"/>
+              </a:cxn>
+              <a:cxn ang="0">
+                <a:pos x="connsiteX27" y="connsiteY27"/>
+              </a:cxn>
+              <a:cxn ang="0">
+                <a:pos x="connsiteX28" y="connsiteY28"/>
+              </a:cxn>
+              <a:cxn ang="0">
+                <a:pos x="connsiteX29" y="connsiteY29"/>
+              </a:cxn>
+              <a:cxn ang="0">
+                <a:pos x="connsiteX30" y="connsiteY30"/>
+              </a:cxn>
+              <a:cxn ang="0">
+                <a:pos x="connsiteX31" y="connsiteY31"/>
+              </a:cxn>
+              <a:cxn ang="0">
+                <a:pos x="connsiteX32" y="connsiteY32"/>
+              </a:cxn>
+              <a:cxn ang="0">
+                <a:pos x="connsiteX33" y="connsiteY33"/>
+              </a:cxn>
+              <a:cxn ang="0">
+                <a:pos x="connsiteX34" y="connsiteY34"/>
+              </a:cxn>
+              <a:cxn ang="0">
+                <a:pos x="connsiteX35" y="connsiteY35"/>
+              </a:cxn>
+              <a:cxn ang="0">
+                <a:pos x="connsiteX36" y="connsiteY36"/>
+              </a:cxn>
+            </a:cxnLst>
+            <a:rect l="l" t="t" r="r" b="b"/>
+            <a:pathLst>
+              <a:path w="3472060" h="825932">
+                <a:moveTo>
+                  <a:pt x="3470310" y="0"/>
+                </a:moveTo>
+                <a:lnTo>
+                  <a:pt x="3472060" y="12850"/>
+                </a:lnTo>
+                <a:lnTo>
+                  <a:pt x="3472060" y="480529"/>
+                </a:lnTo>
+                <a:lnTo>
+                  <a:pt x="3363699" y="498471"/>
+                </a:lnTo>
+                <a:cubicBezTo>
+                  <a:pt x="2435623" y="645518"/>
+                  <a:pt x="603076" y="844866"/>
+                  <a:pt x="42060" y="824486"/>
+                </a:cubicBezTo>
+                <a:cubicBezTo>
+                  <a:pt x="28151" y="802425"/>
+                  <a:pt x="13909" y="780513"/>
+                  <a:pt x="0" y="758452"/>
+                </a:cubicBezTo>
+                <a:lnTo>
+                  <a:pt x="188014" y="735602"/>
+                </a:lnTo>
+                <a:lnTo>
+                  <a:pt x="284087" y="722590"/>
+                </a:lnTo>
+                <a:lnTo>
+                  <a:pt x="382288" y="709392"/>
+                </a:lnTo>
+                <a:lnTo>
+                  <a:pt x="481858" y="695774"/>
+                </a:lnTo>
+                <a:lnTo>
+                  <a:pt x="581897" y="680711"/>
+                </a:lnTo>
+                <a:lnTo>
+                  <a:pt x="683670" y="665256"/>
+                </a:lnTo>
+                <a:lnTo>
+                  <a:pt x="787206" y="649587"/>
+                </a:lnTo>
+                <a:lnTo>
+                  <a:pt x="892019" y="632968"/>
+                </a:lnTo>
+                <a:lnTo>
+                  <a:pt x="997620" y="614667"/>
+                </a:lnTo>
+                <a:lnTo>
+                  <a:pt x="1104727" y="596741"/>
+                </a:lnTo>
+                <a:lnTo>
+                  <a:pt x="1212669" y="577397"/>
+                </a:lnTo>
+                <a:lnTo>
+                  <a:pt x="1321506" y="556988"/>
+                </a:lnTo>
+                <a:lnTo>
+                  <a:pt x="1430709" y="536607"/>
+                </a:lnTo>
+                <a:lnTo>
+                  <a:pt x="1541050" y="514481"/>
+                </a:lnTo>
+                <a:lnTo>
+                  <a:pt x="1652805" y="492202"/>
+                </a:lnTo>
+                <a:lnTo>
+                  <a:pt x="1763708" y="469161"/>
+                </a:lnTo>
+                <a:lnTo>
+                  <a:pt x="1875795" y="444641"/>
+                </a:lnTo>
+                <a:lnTo>
+                  <a:pt x="1989128" y="418995"/>
+                </a:lnTo>
+                <a:lnTo>
+                  <a:pt x="2102476" y="393438"/>
+                </a:lnTo>
+                <a:lnTo>
+                  <a:pt x="2215549" y="366291"/>
+                </a:lnTo>
+                <a:lnTo>
+                  <a:pt x="2330490" y="337455"/>
+                </a:lnTo>
+                <a:lnTo>
+                  <a:pt x="2443333" y="308983"/>
+                </a:lnTo>
+                <a:lnTo>
+                  <a:pt x="2558014" y="278646"/>
+                </a:lnTo>
+                <a:lnTo>
+                  <a:pt x="2673621" y="247421"/>
+                </a:lnTo>
+                <a:lnTo>
+                  <a:pt x="2787008" y="215853"/>
+                </a:lnTo>
+                <a:lnTo>
+                  <a:pt x="2901442" y="182011"/>
+                </a:lnTo>
+                <a:lnTo>
+                  <a:pt x="3015722" y="147286"/>
+                </a:lnTo>
+                <a:lnTo>
+                  <a:pt x="3130018" y="112649"/>
+                </a:lnTo>
+                <a:lnTo>
+                  <a:pt x="3243551" y="75688"/>
+                </a:lnTo>
+                <a:lnTo>
+                  <a:pt x="3356992" y="38197"/>
+                </a:lnTo>
+                <a:lnTo>
+                  <a:pt x="3470310" y="0"/>
+                </a:lnTo>
+                <a:close/>
+              </a:path>
+            </a:pathLst>
+          </a:custGeom>
+          <a:solidFill>
+            <a:schemeClr val="tx2">
+              <a:alpha val="20000"/>
+            </a:schemeClr>
+          </a:solidFill>
+          <a:ln>
+            <a:noFill/>
+          </a:ln>
+        </p:spPr>
+        <p:txBody>
+          <a:bodyPr rtlCol="0" anchor="ctr"/>
+          <a:lstStyle/>
+          <a:p>
+            <a:pPr algn="ctr"/>
+            <a:endParaRPr lang="en-US">
+              <a:solidFill>
+                <a:schemeClr val="tx1"/>
+              </a:solidFill>
+            </a:endParaRPr>
+          </a:p>
+        </p:txBody>
+      </p:sp>
+      <p:pic>
+        <p:nvPicPr>
+          <p:cNvPr id="6" name="Imagen 5">
+            <a:extLst>
+              <a:ext uri="{FF2B5EF4-FFF2-40B4-BE49-F238E27FC236}">
+                <a16:creationId xmlns:a16="http://schemas.microsoft.com/office/drawing/2014/main" id="{D9DD4137-6206-4BFE-8C6B-BA8AC8C0102E}"/>
+              </a:ext>
+            </a:extLst>
+          </p:cNvPr>
+          <p:cNvPicPr>
+            <a:picLocks noChangeAspect="1"/>
+          </p:cNvPicPr>
+          <p:nvPr/>
+        </p:nvPicPr>
+        <p:blipFill>
+          <a:blip r:embed="rId6"/>
+          <a:stretch>
+            <a:fillRect/>
+          </a:stretch>
+        </p:blipFill>
+        <p:spPr>
+          <a:xfrm>
+            <a:off x="635458" y="640082"/>
+            <a:ext cx="4469675" cy="2373552"/>
+          </a:xfrm>
+          <a:prstGeom prst="rect">
+            <a:avLst/>
+          </a:prstGeom>
+          <a:effectLst/>
+        </p:spPr>
+      </p:pic>
+      <p:sp>
+        <p:nvSpPr>
+          <p:cNvPr id="40" name="Freeform: Shape 28">
+            <a:extLst>
+              <a:ext uri="{FF2B5EF4-FFF2-40B4-BE49-F238E27FC236}">
+                <a16:creationId xmlns:a16="http://schemas.microsoft.com/office/drawing/2014/main" id="{DDA3A238-516A-4076-B3C2-230D913508F2}"/>
+              </a:ext>
+              <a:ext uri="{C183D7F6-B498-43B3-948B-1728B52AA6E4}">
+                <adec:decorative xmlns:adec="http://schemas.microsoft.com/office/drawing/2017/decorative" xmlns="" val="1"/>
+              </a:ext>
+            </a:extLst>
+          </p:cNvPr>
+          <p:cNvSpPr>
+            <a:spLocks noGrp="1" noRot="1" noChangeAspect="1" noMove="1" noResize="1" noEditPoints="1" noAdjustHandles="1" noChangeArrowheads="1" noChangeShapeType="1" noTextEdit="1"/>
+          </p:cNvSpPr>
+          <p:nvPr>
+            <p:extLst>
+              <p:ext uri="{386F3935-93C4-4BCD-93E2-E3B085C9AB24}">
+                <p16:designElem xmlns:p16="http://schemas.microsoft.com/office/powerpoint/2015/main" val="1"/>
+              </p:ext>
+            </p:extLst>
+          </p:nvPr>
+        </p:nvSpPr>
+        <p:spPr>
+          <a:xfrm>
+            <a:off x="-1" y="3136999"/>
+            <a:ext cx="12191696" cy="3721001"/>
+          </a:xfrm>
+          <a:custGeom>
+            <a:avLst/>
+            <a:gdLst>
+              <a:gd name="connsiteX0" fmla="*/ 1 w 12191696"/>
+              <a:gd name="connsiteY0" fmla="*/ 0 h 3721001"/>
+              <a:gd name="connsiteX1" fmla="*/ 71932 w 12191696"/>
+              <a:gd name="connsiteY1" fmla="*/ 12261 h 3721001"/>
+              <a:gd name="connsiteX2" fmla="*/ 282849 w 12191696"/>
+              <a:gd name="connsiteY2" fmla="*/ 48342 h 3721001"/>
+              <a:gd name="connsiteX3" fmla="*/ 436464 w 12191696"/>
+              <a:gd name="connsiteY3" fmla="*/ 73565 h 3721001"/>
+              <a:gd name="connsiteX4" fmla="*/ 619339 w 12191696"/>
+              <a:gd name="connsiteY4" fmla="*/ 100188 h 3721001"/>
+              <a:gd name="connsiteX5" fmla="*/ 836351 w 12191696"/>
+              <a:gd name="connsiteY5" fmla="*/ 132066 h 3721001"/>
+              <a:gd name="connsiteX6" fmla="*/ 1076528 w 12191696"/>
+              <a:gd name="connsiteY6" fmla="*/ 165696 h 3721001"/>
+              <a:gd name="connsiteX7" fmla="*/ 1347183 w 12191696"/>
+              <a:gd name="connsiteY7" fmla="*/ 201077 h 3721001"/>
+              <a:gd name="connsiteX8" fmla="*/ 1642223 w 12191696"/>
+              <a:gd name="connsiteY8" fmla="*/ 238560 h 3721001"/>
+              <a:gd name="connsiteX9" fmla="*/ 1962864 w 12191696"/>
+              <a:gd name="connsiteY9" fmla="*/ 276043 h 3721001"/>
+              <a:gd name="connsiteX10" fmla="*/ 2304232 w 12191696"/>
+              <a:gd name="connsiteY10" fmla="*/ 314226 h 3721001"/>
+              <a:gd name="connsiteX11" fmla="*/ 2672421 w 12191696"/>
+              <a:gd name="connsiteY11" fmla="*/ 349608 h 3721001"/>
+              <a:gd name="connsiteX12" fmla="*/ 3057678 w 12191696"/>
+              <a:gd name="connsiteY12" fmla="*/ 383588 h 3721001"/>
+              <a:gd name="connsiteX13" fmla="*/ 3464881 w 12191696"/>
+              <a:gd name="connsiteY13" fmla="*/ 414415 h 3721001"/>
+              <a:gd name="connsiteX14" fmla="*/ 3889152 w 12191696"/>
+              <a:gd name="connsiteY14" fmla="*/ 443841 h 3721001"/>
+              <a:gd name="connsiteX15" fmla="*/ 4331710 w 12191696"/>
+              <a:gd name="connsiteY15" fmla="*/ 471515 h 3721001"/>
+              <a:gd name="connsiteX16" fmla="*/ 4558476 w 12191696"/>
+              <a:gd name="connsiteY16" fmla="*/ 481324 h 3721001"/>
+              <a:gd name="connsiteX17" fmla="*/ 4790118 w 12191696"/>
+              <a:gd name="connsiteY17" fmla="*/ 492183 h 3721001"/>
+              <a:gd name="connsiteX18" fmla="*/ 5025418 w 12191696"/>
+              <a:gd name="connsiteY18" fmla="*/ 502342 h 3721001"/>
+              <a:gd name="connsiteX19" fmla="*/ 5261937 w 12191696"/>
+              <a:gd name="connsiteY19" fmla="*/ 508998 h 3721001"/>
+              <a:gd name="connsiteX20" fmla="*/ 5503333 w 12191696"/>
+              <a:gd name="connsiteY20" fmla="*/ 514953 h 3721001"/>
+              <a:gd name="connsiteX21" fmla="*/ 5747166 w 12191696"/>
+              <a:gd name="connsiteY21" fmla="*/ 521259 h 3721001"/>
+              <a:gd name="connsiteX22" fmla="*/ 5995877 w 12191696"/>
+              <a:gd name="connsiteY22" fmla="*/ 525462 h 3721001"/>
+              <a:gd name="connsiteX23" fmla="*/ 6247026 w 12191696"/>
+              <a:gd name="connsiteY23" fmla="*/ 525462 h 3721001"/>
+              <a:gd name="connsiteX24" fmla="*/ 6500613 w 12191696"/>
+              <a:gd name="connsiteY24" fmla="*/ 527564 h 3721001"/>
+              <a:gd name="connsiteX25" fmla="*/ 6756639 w 12191696"/>
+              <a:gd name="connsiteY25" fmla="*/ 525462 h 3721001"/>
+              <a:gd name="connsiteX26" fmla="*/ 7016322 w 12191696"/>
+              <a:gd name="connsiteY26" fmla="*/ 521259 h 3721001"/>
+              <a:gd name="connsiteX27" fmla="*/ 7276005 w 12191696"/>
+              <a:gd name="connsiteY27" fmla="*/ 517405 h 3721001"/>
+              <a:gd name="connsiteX28" fmla="*/ 7539345 w 12191696"/>
+              <a:gd name="connsiteY28" fmla="*/ 508998 h 3721001"/>
+              <a:gd name="connsiteX29" fmla="*/ 7805124 w 12191696"/>
+              <a:gd name="connsiteY29" fmla="*/ 500240 h 3721001"/>
+              <a:gd name="connsiteX30" fmla="*/ 8070903 w 12191696"/>
+              <a:gd name="connsiteY30" fmla="*/ 490081 h 3721001"/>
+              <a:gd name="connsiteX31" fmla="*/ 8339121 w 12191696"/>
+              <a:gd name="connsiteY31" fmla="*/ 475719 h 3721001"/>
+              <a:gd name="connsiteX32" fmla="*/ 8609776 w 12191696"/>
+              <a:gd name="connsiteY32" fmla="*/ 458554 h 3721001"/>
+              <a:gd name="connsiteX33" fmla="*/ 8881651 w 12191696"/>
+              <a:gd name="connsiteY33" fmla="*/ 442089 h 3721001"/>
+              <a:gd name="connsiteX34" fmla="*/ 9153526 w 12191696"/>
+              <a:gd name="connsiteY34" fmla="*/ 421071 h 3721001"/>
+              <a:gd name="connsiteX35" fmla="*/ 9429058 w 12191696"/>
+              <a:gd name="connsiteY35" fmla="*/ 395848 h 3721001"/>
+              <a:gd name="connsiteX36" fmla="*/ 9700933 w 12191696"/>
+              <a:gd name="connsiteY36" fmla="*/ 370626 h 3721001"/>
+              <a:gd name="connsiteX37" fmla="*/ 9977684 w 12191696"/>
+              <a:gd name="connsiteY37" fmla="*/ 341551 h 3721001"/>
+              <a:gd name="connsiteX38" fmla="*/ 10255655 w 12191696"/>
+              <a:gd name="connsiteY38" fmla="*/ 309672 h 3721001"/>
+              <a:gd name="connsiteX39" fmla="*/ 10529968 w 12191696"/>
+              <a:gd name="connsiteY39" fmla="*/ 276043 h 3721001"/>
+              <a:gd name="connsiteX40" fmla="*/ 10807939 w 12191696"/>
+              <a:gd name="connsiteY40" fmla="*/ 236808 h 3721001"/>
+              <a:gd name="connsiteX41" fmla="*/ 11084690 w 12191696"/>
+              <a:gd name="connsiteY41" fmla="*/ 194771 h 3721001"/>
+              <a:gd name="connsiteX42" fmla="*/ 11362661 w 12191696"/>
+              <a:gd name="connsiteY42" fmla="*/ 153085 h 3721001"/>
+              <a:gd name="connsiteX43" fmla="*/ 11639412 w 12191696"/>
+              <a:gd name="connsiteY43" fmla="*/ 104392 h 3721001"/>
+              <a:gd name="connsiteX44" fmla="*/ 11914945 w 12191696"/>
+              <a:gd name="connsiteY44" fmla="*/ 54648 h 3721001"/>
+              <a:gd name="connsiteX45" fmla="*/ 12191696 w 12191696"/>
+              <a:gd name="connsiteY45" fmla="*/ 2452 h 3721001"/>
+              <a:gd name="connsiteX46" fmla="*/ 12191696 w 12191696"/>
+              <a:gd name="connsiteY46" fmla="*/ 2802467 h 3721001"/>
+              <a:gd name="connsiteX47" fmla="*/ 12191695 w 12191696"/>
+              <a:gd name="connsiteY47" fmla="*/ 2802467 h 3721001"/>
+              <a:gd name="connsiteX48" fmla="*/ 12191695 w 12191696"/>
+              <a:gd name="connsiteY48" fmla="*/ 3721001 h 3721001"/>
+              <a:gd name="connsiteX49" fmla="*/ 0 w 12191696"/>
+              <a:gd name="connsiteY49" fmla="*/ 3721001 h 3721001"/>
+              <a:gd name="connsiteX50" fmla="*/ 0 w 12191696"/>
+              <a:gd name="connsiteY50" fmla="*/ 2233825 h 3721001"/>
+              <a:gd name="connsiteX51" fmla="*/ 1 w 12191696"/>
+              <a:gd name="connsiteY51" fmla="*/ 2233825 h 3721001"/>
+            </a:gdLst>
+            <a:ahLst/>
+            <a:cxnLst>
+              <a:cxn ang="0">
+                <a:pos x="connsiteX0" y="connsiteY0"/>
+              </a:cxn>
+              <a:cxn ang="0">
+                <a:pos x="connsiteX1" y="connsiteY1"/>
+              </a:cxn>
+              <a:cxn ang="0">
+                <a:pos x="connsiteX2" y="connsiteY2"/>
+              </a:cxn>
+              <a:cxn ang="0">
+                <a:pos x="connsiteX3" y="connsiteY3"/>
+              </a:cxn>
+              <a:cxn ang="0">
+                <a:pos x="connsiteX4" y="connsiteY4"/>
+              </a:cxn>
+              <a:cxn ang="0">
+                <a:pos x="connsiteX5" y="connsiteY5"/>
+              </a:cxn>
+              <a:cxn ang="0">
+                <a:pos x="connsiteX6" y="connsiteY6"/>
+              </a:cxn>
+              <a:cxn ang="0">
+                <a:pos x="connsiteX7" y="connsiteY7"/>
+              </a:cxn>
+              <a:cxn ang="0">
+                <a:pos x="connsiteX8" y="connsiteY8"/>
+              </a:cxn>
+              <a:cxn ang="0">
+                <a:pos x="connsiteX9" y="connsiteY9"/>
+              </a:cxn>
+              <a:cxn ang="0">
+                <a:pos x="connsiteX10" y="connsiteY10"/>
+              </a:cxn>
+              <a:cxn ang="0">
+                <a:pos x="connsiteX11" y="connsiteY11"/>
+              </a:cxn>
+              <a:cxn ang="0">
+                <a:pos x="connsiteX12" y="connsiteY12"/>
+              </a:cxn>
+              <a:cxn ang="0">
+                <a:pos x="connsiteX13" y="connsiteY13"/>
+              </a:cxn>
+              <a:cxn ang="0">
+                <a:pos x="connsiteX14" y="connsiteY14"/>
+              </a:cxn>
+              <a:cxn ang="0">
+                <a:pos x="connsiteX15" y="connsiteY15"/>
+              </a:cxn>
+              <a:cxn ang="0">
+                <a:pos x="connsiteX16" y="connsiteY16"/>
+              </a:cxn>
+              <a:cxn ang="0">
+                <a:pos x="connsiteX17" y="connsiteY17"/>
+              </a:cxn>
+              <a:cxn ang="0">
+                <a:pos x="connsiteX18" y="connsiteY18"/>
+              </a:cxn>
+              <a:cxn ang="0">
+                <a:pos x="connsiteX19" y="connsiteY19"/>
+              </a:cxn>
+              <a:cxn ang="0">
+                <a:pos x="connsiteX20" y="connsiteY20"/>
+              </a:cxn>
+              <a:cxn ang="0">
+                <a:pos x="connsiteX21" y="connsiteY21"/>
+              </a:cxn>
+              <a:cxn ang="0">
+                <a:pos x="connsiteX22" y="connsiteY22"/>
+              </a:cxn>
+              <a:cxn ang="0">
+                <a:pos x="connsiteX23" y="connsiteY23"/>
+              </a:cxn>
+              <a:cxn ang="0">
+                <a:pos x="connsiteX24" y="connsiteY24"/>
+              </a:cxn>
+              <a:cxn ang="0">
+                <a:pos x="connsiteX25" y="connsiteY25"/>
+              </a:cxn>
+              <a:cxn ang="0">
+                <a:pos x="connsiteX26" y="connsiteY26"/>
+              </a:cxn>
+              <a:cxn ang="0">
+                <a:pos x="connsiteX27" y="connsiteY27"/>
+              </a:cxn>
+              <a:cxn ang="0">
+                <a:pos x="connsiteX28" y="connsiteY28"/>
+              </a:cxn>
+              <a:cxn ang="0">
+                <a:pos x="connsiteX29" y="connsiteY29"/>
+              </a:cxn>
+              <a:cxn ang="0">
+                <a:pos x="connsiteX30" y="connsiteY30"/>
+              </a:cxn>
+              <a:cxn ang="0">
+                <a:pos x="connsiteX31" y="connsiteY31"/>
+              </a:cxn>
+              <a:cxn ang="0">
+                <a:pos x="connsiteX32" y="connsiteY32"/>
+              </a:cxn>
+              <a:cxn ang="0">
+                <a:pos x="connsiteX33" y="connsiteY33"/>
+              </a:cxn>
+              <a:cxn ang="0">
+                <a:pos x="connsiteX34" y="connsiteY34"/>
+              </a:cxn>
+              <a:cxn ang="0">
+                <a:pos x="connsiteX35" y="connsiteY35"/>
+              </a:cxn>
+              <a:cxn ang="0">
+                <a:pos x="connsiteX36" y="connsiteY36"/>
+              </a:cxn>
+              <a:cxn ang="0">
+                <a:pos x="connsiteX37" y="connsiteY37"/>
+              </a:cxn>
+              <a:cxn ang="0">
+                <a:pos x="connsiteX38" y="connsiteY38"/>
+              </a:cxn>
+              <a:cxn ang="0">
+                <a:pos x="connsiteX39" y="connsiteY39"/>
+              </a:cxn>
+              <a:cxn ang="0">
+                <a:pos x="connsiteX40" y="connsiteY40"/>
+              </a:cxn>
+              <a:cxn ang="0">
+                <a:pos x="connsiteX41" y="connsiteY41"/>
+              </a:cxn>
+              <a:cxn ang="0">
+                <a:pos x="connsiteX42" y="connsiteY42"/>
+              </a:cxn>
+              <a:cxn ang="0">
+                <a:pos x="connsiteX43" y="connsiteY43"/>
+              </a:cxn>
+              <a:cxn ang="0">
+                <a:pos x="connsiteX44" y="connsiteY44"/>
+              </a:cxn>
+              <a:cxn ang="0">
+                <a:pos x="connsiteX45" y="connsiteY45"/>
+              </a:cxn>
+              <a:cxn ang="0">
+                <a:pos x="connsiteX46" y="connsiteY46"/>
+              </a:cxn>
+              <a:cxn ang="0">
+                <a:pos x="connsiteX47" y="connsiteY47"/>
+              </a:cxn>
+              <a:cxn ang="0">
+                <a:pos x="connsiteX48" y="connsiteY48"/>
+              </a:cxn>
+              <a:cxn ang="0">
+                <a:pos x="connsiteX49" y="connsiteY49"/>
+              </a:cxn>
+              <a:cxn ang="0">
+                <a:pos x="connsiteX50" y="connsiteY50"/>
+              </a:cxn>
+              <a:cxn ang="0">
+                <a:pos x="connsiteX51" y="connsiteY51"/>
+              </a:cxn>
+            </a:cxnLst>
+            <a:rect l="l" t="t" r="r" b="b"/>
+            <a:pathLst>
+              <a:path w="12191696" h="3721001">
+                <a:moveTo>
+                  <a:pt x="1" y="0"/>
+                </a:moveTo>
+                <a:lnTo>
+                  <a:pt x="71932" y="12261"/>
+                </a:lnTo>
+                <a:lnTo>
+                  <a:pt x="282849" y="48342"/>
+                </a:lnTo>
+                <a:lnTo>
+                  <a:pt x="436464" y="73565"/>
+                </a:lnTo>
+                <a:lnTo>
+                  <a:pt x="619339" y="100188"/>
+                </a:lnTo>
+                <a:lnTo>
+                  <a:pt x="836351" y="132066"/>
+                </a:lnTo>
+                <a:lnTo>
+                  <a:pt x="1076528" y="165696"/>
+                </a:lnTo>
+                <a:lnTo>
+                  <a:pt x="1347183" y="201077"/>
+                </a:lnTo>
+                <a:lnTo>
+                  <a:pt x="1642223" y="238560"/>
+                </a:lnTo>
+                <a:lnTo>
+                  <a:pt x="1962864" y="276043"/>
+                </a:lnTo>
+                <a:lnTo>
+                  <a:pt x="2304232" y="314226"/>
+                </a:lnTo>
+                <a:lnTo>
+                  <a:pt x="2672421" y="349608"/>
+                </a:lnTo>
+                <a:lnTo>
+                  <a:pt x="3057678" y="383588"/>
+                </a:lnTo>
+                <a:lnTo>
+                  <a:pt x="3464881" y="414415"/>
+                </a:lnTo>
+                <a:lnTo>
+                  <a:pt x="3889152" y="443841"/>
+                </a:lnTo>
+                <a:lnTo>
+                  <a:pt x="4331710" y="471515"/>
+                </a:lnTo>
+                <a:lnTo>
+                  <a:pt x="4558476" y="481324"/>
+                </a:lnTo>
+                <a:lnTo>
+                  <a:pt x="4790118" y="492183"/>
+                </a:lnTo>
+                <a:lnTo>
+                  <a:pt x="5025418" y="502342"/>
+                </a:lnTo>
+                <a:lnTo>
+                  <a:pt x="5261937" y="508998"/>
+                </a:lnTo>
+                <a:lnTo>
+                  <a:pt x="5503333" y="514953"/>
+                </a:lnTo>
+                <a:lnTo>
+                  <a:pt x="5747166" y="521259"/>
+                </a:lnTo>
+                <a:lnTo>
+                  <a:pt x="5995877" y="525462"/>
+                </a:lnTo>
+                <a:lnTo>
+                  <a:pt x="6247026" y="525462"/>
+                </a:lnTo>
+                <a:lnTo>
+                  <a:pt x="6500613" y="527564"/>
+                </a:lnTo>
+                <a:lnTo>
+                  <a:pt x="6756639" y="525462"/>
+                </a:lnTo>
+                <a:lnTo>
+                  <a:pt x="7016322" y="521259"/>
+                </a:lnTo>
+                <a:lnTo>
+                  <a:pt x="7276005" y="517405"/>
+                </a:lnTo>
+                <a:lnTo>
+                  <a:pt x="7539345" y="508998"/>
+                </a:lnTo>
+                <a:lnTo>
+                  <a:pt x="7805124" y="500240"/>
+                </a:lnTo>
+                <a:lnTo>
+                  <a:pt x="8070903" y="490081"/>
+                </a:lnTo>
+                <a:lnTo>
+                  <a:pt x="8339121" y="475719"/>
+                </a:lnTo>
+                <a:lnTo>
+                  <a:pt x="8609776" y="458554"/>
+                </a:lnTo>
+                <a:lnTo>
+                  <a:pt x="8881651" y="442089"/>
+                </a:lnTo>
+                <a:lnTo>
+                  <a:pt x="9153526" y="421071"/>
+                </a:lnTo>
+                <a:lnTo>
+                  <a:pt x="9429058" y="395848"/>
+                </a:lnTo>
+                <a:lnTo>
+                  <a:pt x="9700933" y="370626"/>
+                </a:lnTo>
+                <a:lnTo>
+                  <a:pt x="9977684" y="341551"/>
+                </a:lnTo>
+                <a:lnTo>
+                  <a:pt x="10255655" y="309672"/>
+                </a:lnTo>
+                <a:lnTo>
+                  <a:pt x="10529968" y="276043"/>
+                </a:lnTo>
+                <a:lnTo>
+                  <a:pt x="10807939" y="236808"/>
+                </a:lnTo>
+                <a:lnTo>
+                  <a:pt x="11084690" y="194771"/>
+                </a:lnTo>
+                <a:lnTo>
+                  <a:pt x="11362661" y="153085"/>
+                </a:lnTo>
+                <a:lnTo>
+                  <a:pt x="11639412" y="104392"/>
+                </a:lnTo>
+                <a:lnTo>
+                  <a:pt x="11914945" y="54648"/>
+                </a:lnTo>
+                <a:lnTo>
+                  <a:pt x="12191696" y="2452"/>
+                </a:lnTo>
+                <a:lnTo>
+                  <a:pt x="12191696" y="2802467"/>
+                </a:lnTo>
+                <a:lnTo>
+                  <a:pt x="12191695" y="2802467"/>
+                </a:lnTo>
+                <a:lnTo>
+                  <a:pt x="12191695" y="3721001"/>
+                </a:lnTo>
+                <a:lnTo>
+                  <a:pt x="0" y="3721001"/>
+                </a:lnTo>
+                <a:lnTo>
+                  <a:pt x="0" y="2233825"/>
+                </a:lnTo>
+                <a:lnTo>
+                  <a:pt x="1" y="2233825"/>
+                </a:lnTo>
+                <a:close/>
+              </a:path>
+            </a:pathLst>
+          </a:custGeom>
+          <a:ln>
+            <a:noFill/>
+          </a:ln>
+        </p:spPr>
+        <p:style>
+          <a:lnRef idx="2">
+            <a:schemeClr val="accent1">
+              <a:shade val="50000"/>
+            </a:schemeClr>
+          </a:lnRef>
+          <a:fillRef idx="1003">
+            <a:schemeClr val="dk2"/>
+          </a:fillRef>
+          <a:effectRef idx="0">
+            <a:schemeClr val="accent1"/>
+          </a:effectRef>
+          <a:fontRef idx="minor">
+            <a:schemeClr val="lt1"/>
+          </a:fontRef>
+        </p:style>
+        <p:txBody>
+          <a:bodyPr wrap="square" rtlCol="0" anchor="ctr">
+            <a:noAutofit/>
+          </a:bodyPr>
+          <a:lstStyle/>
+          <a:p>
+            <a:pPr algn="ctr"/>
+            <a:endParaRPr lang="en-US"/>
+          </a:p>
+        </p:txBody>
+      </p:sp>
+      <p:sp>
+        <p:nvSpPr>
+          <p:cNvPr id="4" name="Título 3">
+            <a:extLst>
+              <a:ext uri="{FF2B5EF4-FFF2-40B4-BE49-F238E27FC236}">
+                <a16:creationId xmlns:a16="http://schemas.microsoft.com/office/drawing/2014/main" id="{0524CB94-6000-4564-9047-EDDD07BCFC4A}"/>
+              </a:ext>
+            </a:extLst>
+          </p:cNvPr>
+          <p:cNvSpPr>
+            <a:spLocks noGrp="1"/>
+          </p:cNvSpPr>
+          <p:nvPr>
+            <p:ph type="title"/>
+          </p:nvPr>
+        </p:nvSpPr>
+        <p:spPr>
+          <a:xfrm>
+            <a:off x="636916" y="3928983"/>
+            <a:ext cx="9149350" cy="1793390"/>
+          </a:xfrm>
+        </p:spPr>
+        <p:txBody>
+          <a:bodyPr vert="horz" lIns="91440" tIns="45720" rIns="91440" bIns="45720" rtlCol="0" anchor="b">
+            <a:normAutofit/>
+          </a:bodyPr>
+          <a:lstStyle/>
+          <a:p>
+            <a:pPr>
+              <a:lnSpc>
+                <a:spcPct val="90000"/>
+              </a:lnSpc>
+            </a:pPr>
+            <a:r>
+              <a:rPr lang="en-US" sz="6100" b="0" i="0" kern="1200">
+                <a:solidFill>
+                  <a:srgbClr val="EBEBEB"/>
+                </a:solidFill>
+                <a:latin typeface="+mj-lt"/>
+                <a:ea typeface="+mj-ea"/>
+                <a:cs typeface="+mj-cs"/>
+              </a:rPr>
+              <a:t>Fin de la presentación</a:t>
+            </a:r>
+          </a:p>
+        </p:txBody>
+      </p:sp>
+      <p:sp>
+        <p:nvSpPr>
+          <p:cNvPr id="5" name="Marcador de texto 4">
+            <a:extLst>
+              <a:ext uri="{FF2B5EF4-FFF2-40B4-BE49-F238E27FC236}">
+                <a16:creationId xmlns:a16="http://schemas.microsoft.com/office/drawing/2014/main" id="{839D2FB0-27E6-44B4-B7AD-6332D615789E}"/>
+              </a:ext>
+            </a:extLst>
+          </p:cNvPr>
+          <p:cNvSpPr>
+            <a:spLocks noGrp="1"/>
+          </p:cNvSpPr>
+          <p:nvPr>
+            <p:ph type="body" idx="1"/>
+          </p:nvPr>
+        </p:nvSpPr>
+        <p:spPr>
+          <a:xfrm>
+            <a:off x="636916" y="5722374"/>
+            <a:ext cx="9149349" cy="487924"/>
+          </a:xfrm>
+        </p:spPr>
+        <p:txBody>
+          <a:bodyPr vert="horz" lIns="91440" tIns="45720" rIns="91440" bIns="45720" rtlCol="0" anchor="t">
+            <a:normAutofit/>
+          </a:bodyPr>
+          <a:lstStyle/>
+          <a:p>
+            <a:r>
+              <a:rPr lang="en-US" dirty="0">
+                <a:solidFill>
+                  <a:schemeClr val="tx2">
+                    <a:lumMod val="40000"/>
+                    <a:lumOff val="60000"/>
+                  </a:schemeClr>
+                </a:solidFill>
+              </a:rPr>
+              <a:t>(</a:t>
+            </a:r>
+            <a:r>
+              <a:rPr lang="en-US" dirty="0" err="1">
+                <a:solidFill>
+                  <a:schemeClr val="tx2">
+                    <a:lumMod val="40000"/>
+                    <a:lumOff val="60000"/>
+                  </a:schemeClr>
+                </a:solidFill>
+              </a:rPr>
+              <a:t>Turno</a:t>
+            </a:r>
+            <a:r>
+              <a:rPr lang="en-US" dirty="0">
+                <a:solidFill>
+                  <a:schemeClr val="tx2">
+                    <a:lumMod val="40000"/>
+                    <a:lumOff val="60000"/>
+                  </a:schemeClr>
+                </a:solidFill>
+              </a:rPr>
+              <a:t> de </a:t>
+            </a:r>
+            <a:r>
+              <a:rPr lang="en-US" dirty="0" err="1">
+                <a:solidFill>
+                  <a:schemeClr val="tx2">
+                    <a:lumMod val="40000"/>
+                    <a:lumOff val="60000"/>
+                  </a:schemeClr>
+                </a:solidFill>
+              </a:rPr>
+              <a:t>preguntas</a:t>
+            </a:r>
+            <a:r>
+              <a:rPr lang="en-US" dirty="0">
+                <a:solidFill>
+                  <a:schemeClr val="tx2">
+                    <a:lumMod val="40000"/>
+                    <a:lumOff val="60000"/>
+                  </a:schemeClr>
+                </a:solidFill>
+              </a:rPr>
+              <a:t>)</a:t>
+            </a:r>
+          </a:p>
+        </p:txBody>
+      </p:sp>
+    </p:spTree>
+    <p:extLst>
+      <p:ext uri="{BB962C8B-B14F-4D97-AF65-F5344CB8AC3E}">
+        <p14:creationId xmlns:p14="http://schemas.microsoft.com/office/powerpoint/2010/main" val="493101756"/>
+      </p:ext>
+    </p:extLst>
+  </p:cSld>
+  <p:clrMapOvr>
+    <a:overrideClrMapping bg1="lt1" tx1="dk1" bg2="lt2" tx2="dk2" accent1="accent1" accent2="accent2" accent3="accent3" accent4="accent4" accent5="accent5" accent6="accent6" hlink="hlink" folHlink="folHlink"/>
+  </p:clrMapOvr>
+</p:sld>
+</file>
+
 <file path=ppt/slides/slide3.xml><?xml version="1.0" encoding="utf-8"?>
 <p:sld xmlns:a="http://schemas.openxmlformats.org/drawingml/2006/main" xmlns:r="http://schemas.openxmlformats.org/officeDocument/2006/relationships" xmlns:p="http://schemas.openxmlformats.org/presentationml/2006/main">
   <p:cSld>
@@ -12199,7 +13356,13 @@
       </p:grpSpPr>
       <p:sp>
         <p:nvSpPr>
-          <p:cNvPr id="2" name="Título 1"/>
+          <p:cNvPr id="2" name="Título 1">
+            <a:extLst>
+              <a:ext uri="{FF2B5EF4-FFF2-40B4-BE49-F238E27FC236}">
+                <a16:creationId xmlns:a16="http://schemas.microsoft.com/office/drawing/2014/main" id="{E2BABBFC-DFA7-4B15-889A-57629889B9A0}"/>
+              </a:ext>
+            </a:extLst>
+          </p:cNvPr>
           <p:cNvSpPr>
             <a:spLocks noGrp="1"/>
           </p:cNvSpPr>
@@ -12210,7 +13373,7 @@
         <p:spPr>
           <a:xfrm>
             <a:off x="646111" y="452718"/>
-            <a:ext cx="9404723" cy="913966"/>
+            <a:ext cx="9404723" cy="1400530"/>
           </a:xfrm>
         </p:spPr>
         <p:txBody>
@@ -12220,288 +13383,48 @@
             <a:pPr algn="ctr"/>
             <a:r>
               <a:rPr lang="es-ES_tradnl" dirty="0"/>
-              <a:t>CLIENTE: ANGULAR</a:t>
-            </a:r>
-          </a:p>
-        </p:txBody>
-      </p:sp>
-      <p:sp>
-        <p:nvSpPr>
-          <p:cNvPr id="3" name="Marcador de contenido 2"/>
-          <p:cNvSpPr>
-            <a:spLocks noGrp="1"/>
-          </p:cNvSpPr>
+              <a:t>CLIENTE: HTML</a:t>
+            </a:r>
+            <a:endParaRPr lang="es-ES" dirty="0"/>
+          </a:p>
+        </p:txBody>
+      </p:sp>
+      <p:pic>
+        <p:nvPicPr>
+          <p:cNvPr id="4" name="Marcador de contenido 3">
+            <a:extLst>
+              <a:ext uri="{FF2B5EF4-FFF2-40B4-BE49-F238E27FC236}">
+                <a16:creationId xmlns:a16="http://schemas.microsoft.com/office/drawing/2014/main" id="{100DF0BA-BBB1-4884-BEC8-11FAF9E1C5DF}"/>
+              </a:ext>
+            </a:extLst>
+          </p:cNvPr>
+          <p:cNvPicPr>
+            <a:picLocks noGrp="1" noChangeAspect="1"/>
+          </p:cNvPicPr>
           <p:nvPr>
             <p:ph idx="1"/>
           </p:nvPr>
-        </p:nvSpPr>
+        </p:nvPicPr>
+        <p:blipFill>
+          <a:blip r:embed="rId2"/>
+          <a:stretch>
+            <a:fillRect/>
+          </a:stretch>
+        </p:blipFill>
         <p:spPr>
           <a:xfrm>
-            <a:off x="1103312" y="1799304"/>
-            <a:ext cx="8946541" cy="4520813"/>
+            <a:off x="1645920" y="1152983"/>
+            <a:ext cx="8577465" cy="5702906"/>
           </a:xfrm>
+          <a:prstGeom prst="rect">
+            <a:avLst/>
+          </a:prstGeom>
         </p:spPr>
-        <p:txBody>
-          <a:bodyPr>
-            <a:normAutofit/>
-          </a:bodyPr>
-          <a:lstStyle/>
-          <a:p>
-            <a:pPr marL="0" marR="0" lvl="0" indent="0" defTabSz="914400" eaLnBrk="1" fontAlgn="auto" latinLnBrk="0" hangingPunct="1">
-              <a:lnSpc>
-                <a:spcPct val="100000"/>
-              </a:lnSpc>
-              <a:spcBef>
-                <a:spcPts val="0"/>
-              </a:spcBef>
-              <a:spcAft>
-                <a:spcPts val="0"/>
-              </a:spcAft>
-              <a:buClrTx/>
-              <a:buSzTx/>
-              <a:buFontTx/>
-              <a:buNone/>
-              <a:tabLst/>
-              <a:defRPr/>
-            </a:pPr>
-            <a:r>
-              <a:rPr lang="es-ES_tradnl" sz="1800" dirty="0"/>
-              <a:t>En esta parte de angular es donde se definen la mayor parte de las funciones que vamos a utilizar en nuestra web por ejemplo:</a:t>
-            </a:r>
-          </a:p>
-          <a:p>
-            <a:pPr marL="0" marR="0" lvl="0" indent="0" defTabSz="914400" eaLnBrk="1" fontAlgn="auto" latinLnBrk="0" hangingPunct="1">
-              <a:lnSpc>
-                <a:spcPct val="100000"/>
-              </a:lnSpc>
-              <a:spcBef>
-                <a:spcPts val="0"/>
-              </a:spcBef>
-              <a:spcAft>
-                <a:spcPts val="0"/>
-              </a:spcAft>
-              <a:buClrTx/>
-              <a:buSzTx/>
-              <a:buFontTx/>
-              <a:buNone/>
-              <a:tabLst/>
-              <a:defRPr/>
-            </a:pPr>
-            <a:endParaRPr lang="es-ES_tradnl" sz="1800" dirty="0"/>
-          </a:p>
-          <a:p>
-            <a:pPr defTabSz="914400">
-              <a:spcBef>
-                <a:spcPts val="0"/>
-              </a:spcBef>
-              <a:buClrTx/>
-              <a:buSzTx/>
-            </a:pPr>
-            <a:r>
-              <a:rPr lang="es-ES_tradnl" sz="1800" dirty="0"/>
-              <a:t> Crear o leer cookies (para lo que hemos  empleado </a:t>
-            </a:r>
-            <a:r>
-              <a:rPr lang="es-ES_tradnl" sz="1800" i="1" dirty="0" err="1"/>
-              <a:t>factory</a:t>
-            </a:r>
-            <a:r>
-              <a:rPr lang="es-ES_tradnl" sz="1800" dirty="0"/>
-              <a:t>)</a:t>
-            </a:r>
-          </a:p>
-          <a:p>
-            <a:pPr defTabSz="914400">
-              <a:spcBef>
-                <a:spcPts val="0"/>
-              </a:spcBef>
-              <a:buClrTx/>
-              <a:buSzTx/>
-            </a:pPr>
-            <a:endParaRPr lang="es-ES_tradnl" sz="1800" dirty="0"/>
-          </a:p>
-          <a:p>
-            <a:pPr defTabSz="914400">
-              <a:spcBef>
-                <a:spcPts val="0"/>
-              </a:spcBef>
-              <a:buClrTx/>
-              <a:buSzTx/>
-            </a:pPr>
-            <a:r>
-              <a:rPr lang="es-ES_tradnl" sz="1800" dirty="0"/>
-              <a:t> Iniciar o finalizar sesión.</a:t>
-            </a:r>
-          </a:p>
-          <a:p>
-            <a:pPr defTabSz="914400">
-              <a:spcBef>
-                <a:spcPts val="0"/>
-              </a:spcBef>
-              <a:buClrTx/>
-              <a:buSzTx/>
-            </a:pPr>
-            <a:endParaRPr lang="es-ES_tradnl" sz="1800" dirty="0"/>
-          </a:p>
-          <a:p>
-            <a:pPr defTabSz="914400">
-              <a:spcBef>
-                <a:spcPts val="0"/>
-              </a:spcBef>
-              <a:buClrTx/>
-              <a:buSzTx/>
-            </a:pPr>
-            <a:r>
-              <a:rPr lang="es-ES_tradnl" sz="1800" dirty="0"/>
-              <a:t> Funciones que envían peticiones al servidor</a:t>
-            </a:r>
-          </a:p>
-          <a:p>
-            <a:pPr defTabSz="914400">
-              <a:spcBef>
-                <a:spcPts val="0"/>
-              </a:spcBef>
-              <a:buClrTx/>
-              <a:buSzTx/>
-              <a:buNone/>
-            </a:pPr>
-            <a:endParaRPr lang="es-ES_tradnl" sz="1800" dirty="0"/>
-          </a:p>
-          <a:p>
-            <a:pPr defTabSz="914400">
-              <a:spcBef>
-                <a:spcPts val="0"/>
-              </a:spcBef>
-              <a:buClrTx/>
-              <a:buSzTx/>
-              <a:buNone/>
-            </a:pPr>
-            <a:r>
-              <a:rPr lang="es-ES_tradnl" sz="1800" dirty="0"/>
-              <a:t>Los servicios (Variable empezadas por $) mas empleados han sido </a:t>
-            </a:r>
-            <a:r>
-              <a:rPr lang="es-ES_tradnl" sz="1800" i="1" dirty="0"/>
-              <a:t> $</a:t>
-            </a:r>
-            <a:r>
-              <a:rPr lang="es-ES_tradnl" sz="1800" i="1" dirty="0" err="1"/>
-              <a:t>scope</a:t>
-            </a:r>
-            <a:r>
-              <a:rPr lang="es-ES_tradnl" sz="1800" i="1" dirty="0"/>
-              <a:t> </a:t>
-            </a:r>
-            <a:r>
-              <a:rPr lang="es-ES_tradnl" sz="1800" dirty="0"/>
-              <a:t>y </a:t>
-            </a:r>
-            <a:r>
-              <a:rPr lang="es-ES_tradnl" sz="1800" i="1" dirty="0"/>
-              <a:t>$http</a:t>
-            </a:r>
-          </a:p>
-          <a:p>
-            <a:pPr defTabSz="914400">
-              <a:spcBef>
-                <a:spcPts val="0"/>
-              </a:spcBef>
-              <a:buClrTx/>
-              <a:buSzTx/>
-              <a:buNone/>
-            </a:pPr>
-            <a:endParaRPr lang="es-ES_tradnl" sz="1800" dirty="0"/>
-          </a:p>
-          <a:p>
-            <a:pPr defTabSz="914400">
-              <a:spcBef>
-                <a:spcPts val="0"/>
-              </a:spcBef>
-              <a:buClrTx/>
-              <a:buSzTx/>
-              <a:buNone/>
-            </a:pPr>
-            <a:r>
-              <a:rPr lang="es-ES_tradnl" sz="1800" dirty="0"/>
-              <a:t>También han sido empleadas las funciones </a:t>
-            </a:r>
-            <a:r>
-              <a:rPr lang="es-ES_tradnl" sz="1800" i="1" dirty="0" err="1"/>
-              <a:t>directive</a:t>
-            </a:r>
-            <a:r>
-              <a:rPr lang="es-ES_tradnl" sz="1800" dirty="0"/>
-              <a:t> y </a:t>
-            </a:r>
-            <a:r>
-              <a:rPr lang="es-ES_tradnl" sz="1800" i="1" dirty="0" err="1"/>
-              <a:t>service</a:t>
-            </a:r>
-            <a:r>
-              <a:rPr lang="es-ES_tradnl" sz="1800" dirty="0"/>
-              <a:t> para la implementación de la subida de ficheros</a:t>
-            </a:r>
-          </a:p>
-          <a:p>
-            <a:pPr defTabSz="914400">
-              <a:spcBef>
-                <a:spcPts val="0"/>
-              </a:spcBef>
-              <a:buClrTx/>
-              <a:buSzTx/>
-              <a:buNone/>
-            </a:pPr>
-            <a:r>
-              <a:rPr lang="es-ES_tradnl" sz="1600" dirty="0"/>
-              <a:t>	</a:t>
-            </a:r>
-          </a:p>
-          <a:p>
-            <a:pPr marL="0" marR="0" lvl="0" indent="0" defTabSz="914400" eaLnBrk="1" fontAlgn="auto" latinLnBrk="0" hangingPunct="1">
-              <a:lnSpc>
-                <a:spcPct val="100000"/>
-              </a:lnSpc>
-              <a:spcBef>
-                <a:spcPts val="0"/>
-              </a:spcBef>
-              <a:spcAft>
-                <a:spcPts val="0"/>
-              </a:spcAft>
-              <a:buClrTx/>
-              <a:buSzTx/>
-              <a:buFontTx/>
-              <a:buNone/>
-              <a:tabLst/>
-              <a:defRPr/>
-            </a:pPr>
-            <a:endParaRPr lang="es-ES_tradnl" dirty="0"/>
-          </a:p>
-          <a:p>
-            <a:pPr marL="0" marR="0" lvl="0" indent="0" defTabSz="914400" eaLnBrk="1" fontAlgn="auto" latinLnBrk="0" hangingPunct="1">
-              <a:lnSpc>
-                <a:spcPct val="100000"/>
-              </a:lnSpc>
-              <a:spcBef>
-                <a:spcPts val="0"/>
-              </a:spcBef>
-              <a:spcAft>
-                <a:spcPts val="0"/>
-              </a:spcAft>
-              <a:buClrTx/>
-              <a:buSzTx/>
-              <a:buFontTx/>
-              <a:buNone/>
-              <a:tabLst/>
-              <a:defRPr/>
-            </a:pPr>
-            <a:endParaRPr lang="es-ES_tradnl" dirty="0"/>
-          </a:p>
-        </p:txBody>
-      </p:sp>
+      </p:pic>
     </p:spTree>
     <p:extLst>
       <p:ext uri="{BB962C8B-B14F-4D97-AF65-F5344CB8AC3E}">
-        <p14:creationId xmlns:p14="http://schemas.microsoft.com/office/powerpoint/2010/main" val="872029118"/>
+        <p14:creationId xmlns:p14="http://schemas.microsoft.com/office/powerpoint/2010/main" val="1582581822"/>
       </p:ext>
     </p:extLst>
   </p:cSld>
@@ -12541,6 +13464,472 @@
         <p:spPr>
           <a:xfrm>
             <a:off x="646111" y="452718"/>
+            <a:ext cx="9404723" cy="913966"/>
+          </a:xfrm>
+        </p:spPr>
+        <p:txBody>
+          <a:bodyPr/>
+          <a:lstStyle/>
+          <a:p>
+            <a:pPr algn="ctr"/>
+            <a:r>
+              <a:rPr lang="es-ES_tradnl" dirty="0"/>
+              <a:t>CLIENTE: ANGULAR</a:t>
+            </a:r>
+          </a:p>
+        </p:txBody>
+      </p:sp>
+      <p:sp>
+        <p:nvSpPr>
+          <p:cNvPr id="3" name="Marcador de contenido 2"/>
+          <p:cNvSpPr>
+            <a:spLocks noGrp="1"/>
+          </p:cNvSpPr>
+          <p:nvPr>
+            <p:ph idx="1"/>
+          </p:nvPr>
+        </p:nvSpPr>
+        <p:spPr>
+          <a:xfrm>
+            <a:off x="1103312" y="1799304"/>
+            <a:ext cx="8946541" cy="4520813"/>
+          </a:xfrm>
+        </p:spPr>
+        <p:txBody>
+          <a:bodyPr>
+            <a:normAutofit/>
+          </a:bodyPr>
+          <a:lstStyle/>
+          <a:p>
+            <a:pPr marL="0" marR="0" lvl="0" indent="0" defTabSz="914400" eaLnBrk="1" fontAlgn="auto" latinLnBrk="0" hangingPunct="1">
+              <a:lnSpc>
+                <a:spcPct val="100000"/>
+              </a:lnSpc>
+              <a:spcBef>
+                <a:spcPts val="0"/>
+              </a:spcBef>
+              <a:spcAft>
+                <a:spcPts val="0"/>
+              </a:spcAft>
+              <a:buClrTx/>
+              <a:buSzTx/>
+              <a:buFontTx/>
+              <a:buNone/>
+              <a:tabLst/>
+              <a:defRPr/>
+            </a:pPr>
+            <a:r>
+              <a:rPr lang="es-ES_tradnl" sz="1800" dirty="0"/>
+              <a:t>En esta parte de angular es donde se definen la mayor parte de las funciones que vamos a utilizar en nuestra web por ejemplo:</a:t>
+            </a:r>
+          </a:p>
+          <a:p>
+            <a:pPr marL="0" marR="0" lvl="0" indent="0" defTabSz="914400" eaLnBrk="1" fontAlgn="auto" latinLnBrk="0" hangingPunct="1">
+              <a:lnSpc>
+                <a:spcPct val="100000"/>
+              </a:lnSpc>
+              <a:spcBef>
+                <a:spcPts val="0"/>
+              </a:spcBef>
+              <a:spcAft>
+                <a:spcPts val="0"/>
+              </a:spcAft>
+              <a:buClrTx/>
+              <a:buSzTx/>
+              <a:buFontTx/>
+              <a:buNone/>
+              <a:tabLst/>
+              <a:defRPr/>
+            </a:pPr>
+            <a:endParaRPr lang="es-ES_tradnl" sz="1800" dirty="0"/>
+          </a:p>
+          <a:p>
+            <a:pPr defTabSz="914400">
+              <a:spcBef>
+                <a:spcPts val="0"/>
+              </a:spcBef>
+              <a:buClrTx/>
+              <a:buSzTx/>
+            </a:pPr>
+            <a:r>
+              <a:rPr lang="es-ES_tradnl" sz="1800" dirty="0"/>
+              <a:t> Crear o leer cookies (para lo que hemos  empleado </a:t>
+            </a:r>
+            <a:r>
+              <a:rPr lang="es-ES_tradnl" sz="1800" i="1" dirty="0" err="1"/>
+              <a:t>factory</a:t>
+            </a:r>
+            <a:r>
+              <a:rPr lang="es-ES_tradnl" sz="1800" dirty="0"/>
+              <a:t>)</a:t>
+            </a:r>
+          </a:p>
+          <a:p>
+            <a:pPr defTabSz="914400">
+              <a:spcBef>
+                <a:spcPts val="0"/>
+              </a:spcBef>
+              <a:buClrTx/>
+              <a:buSzTx/>
+            </a:pPr>
+            <a:endParaRPr lang="es-ES_tradnl" sz="1800" dirty="0"/>
+          </a:p>
+          <a:p>
+            <a:pPr defTabSz="914400">
+              <a:spcBef>
+                <a:spcPts val="0"/>
+              </a:spcBef>
+              <a:buClrTx/>
+              <a:buSzTx/>
+            </a:pPr>
+            <a:r>
+              <a:rPr lang="es-ES_tradnl" sz="1800" dirty="0"/>
+              <a:t> Iniciar o finalizar sesión.</a:t>
+            </a:r>
+          </a:p>
+          <a:p>
+            <a:pPr defTabSz="914400">
+              <a:spcBef>
+                <a:spcPts val="0"/>
+              </a:spcBef>
+              <a:buClrTx/>
+              <a:buSzTx/>
+            </a:pPr>
+            <a:endParaRPr lang="es-ES_tradnl" sz="1800" dirty="0"/>
+          </a:p>
+          <a:p>
+            <a:pPr defTabSz="914400">
+              <a:spcBef>
+                <a:spcPts val="0"/>
+              </a:spcBef>
+              <a:buClrTx/>
+              <a:buSzTx/>
+            </a:pPr>
+            <a:r>
+              <a:rPr lang="es-ES_tradnl" sz="1800" dirty="0"/>
+              <a:t> Funciones que envían peticiones al servidor</a:t>
+            </a:r>
+          </a:p>
+          <a:p>
+            <a:pPr defTabSz="914400">
+              <a:spcBef>
+                <a:spcPts val="0"/>
+              </a:spcBef>
+              <a:buClrTx/>
+              <a:buSzTx/>
+              <a:buNone/>
+            </a:pPr>
+            <a:endParaRPr lang="es-ES_tradnl" sz="1800" dirty="0"/>
+          </a:p>
+          <a:p>
+            <a:pPr defTabSz="914400">
+              <a:spcBef>
+                <a:spcPts val="0"/>
+              </a:spcBef>
+              <a:buClrTx/>
+              <a:buSzTx/>
+              <a:buNone/>
+            </a:pPr>
+            <a:r>
+              <a:rPr lang="es-ES_tradnl" sz="1800" dirty="0"/>
+              <a:t>Los servicios (Variable empezadas por $) mas empleados han sido </a:t>
+            </a:r>
+            <a:r>
+              <a:rPr lang="es-ES_tradnl" sz="1800" i="1" dirty="0"/>
+              <a:t> $</a:t>
+            </a:r>
+            <a:r>
+              <a:rPr lang="es-ES_tradnl" sz="1800" i="1" dirty="0" err="1"/>
+              <a:t>scope</a:t>
+            </a:r>
+            <a:r>
+              <a:rPr lang="es-ES_tradnl" sz="1800" i="1" dirty="0"/>
+              <a:t> </a:t>
+            </a:r>
+            <a:r>
+              <a:rPr lang="es-ES_tradnl" sz="1800" dirty="0"/>
+              <a:t>y </a:t>
+            </a:r>
+            <a:r>
+              <a:rPr lang="es-ES_tradnl" sz="1800" i="1" dirty="0"/>
+              <a:t>$http</a:t>
+            </a:r>
+          </a:p>
+          <a:p>
+            <a:pPr defTabSz="914400">
+              <a:spcBef>
+                <a:spcPts val="0"/>
+              </a:spcBef>
+              <a:buClrTx/>
+              <a:buSzTx/>
+              <a:buNone/>
+            </a:pPr>
+            <a:endParaRPr lang="es-ES_tradnl" sz="1800" dirty="0"/>
+          </a:p>
+          <a:p>
+            <a:pPr defTabSz="914400">
+              <a:spcBef>
+                <a:spcPts val="0"/>
+              </a:spcBef>
+              <a:buClrTx/>
+              <a:buSzTx/>
+              <a:buNone/>
+            </a:pPr>
+            <a:r>
+              <a:rPr lang="es-ES_tradnl" sz="1800" dirty="0"/>
+              <a:t>También han sido empleadas las funciones </a:t>
+            </a:r>
+            <a:r>
+              <a:rPr lang="es-ES_tradnl" sz="1800" i="1" dirty="0" err="1"/>
+              <a:t>directive</a:t>
+            </a:r>
+            <a:r>
+              <a:rPr lang="es-ES_tradnl" sz="1800" dirty="0"/>
+              <a:t> y </a:t>
+            </a:r>
+            <a:r>
+              <a:rPr lang="es-ES_tradnl" sz="1800" i="1" dirty="0" err="1"/>
+              <a:t>service</a:t>
+            </a:r>
+            <a:r>
+              <a:rPr lang="es-ES_tradnl" sz="1800" dirty="0"/>
+              <a:t> para la implementación de la subida de ficheros</a:t>
+            </a:r>
+          </a:p>
+          <a:p>
+            <a:pPr defTabSz="914400">
+              <a:spcBef>
+                <a:spcPts val="0"/>
+              </a:spcBef>
+              <a:buClrTx/>
+              <a:buSzTx/>
+              <a:buNone/>
+            </a:pPr>
+            <a:r>
+              <a:rPr lang="es-ES_tradnl" sz="1600" dirty="0"/>
+              <a:t>	</a:t>
+            </a:r>
+          </a:p>
+          <a:p>
+            <a:pPr marL="0" marR="0" lvl="0" indent="0" defTabSz="914400" eaLnBrk="1" fontAlgn="auto" latinLnBrk="0" hangingPunct="1">
+              <a:lnSpc>
+                <a:spcPct val="100000"/>
+              </a:lnSpc>
+              <a:spcBef>
+                <a:spcPts val="0"/>
+              </a:spcBef>
+              <a:spcAft>
+                <a:spcPts val="0"/>
+              </a:spcAft>
+              <a:buClrTx/>
+              <a:buSzTx/>
+              <a:buFontTx/>
+              <a:buNone/>
+              <a:tabLst/>
+              <a:defRPr/>
+            </a:pPr>
+            <a:endParaRPr lang="es-ES_tradnl" dirty="0"/>
+          </a:p>
+          <a:p>
+            <a:pPr marL="0" marR="0" lvl="0" indent="0" defTabSz="914400" eaLnBrk="1" fontAlgn="auto" latinLnBrk="0" hangingPunct="1">
+              <a:lnSpc>
+                <a:spcPct val="100000"/>
+              </a:lnSpc>
+              <a:spcBef>
+                <a:spcPts val="0"/>
+              </a:spcBef>
+              <a:spcAft>
+                <a:spcPts val="0"/>
+              </a:spcAft>
+              <a:buClrTx/>
+              <a:buSzTx/>
+              <a:buFontTx/>
+              <a:buNone/>
+              <a:tabLst/>
+              <a:defRPr/>
+            </a:pPr>
+            <a:endParaRPr lang="es-ES_tradnl" dirty="0"/>
+          </a:p>
+        </p:txBody>
+      </p:sp>
+    </p:spTree>
+    <p:extLst>
+      <p:ext uri="{BB962C8B-B14F-4D97-AF65-F5344CB8AC3E}">
+        <p14:creationId xmlns:p14="http://schemas.microsoft.com/office/powerpoint/2010/main" val="872029118"/>
+      </p:ext>
+    </p:extLst>
+  </p:cSld>
+  <p:clrMapOvr>
+    <a:masterClrMapping/>
+  </p:clrMapOvr>
+</p:sld>
+</file>
+
+<file path=ppt/slides/slide6.xml><?xml version="1.0" encoding="utf-8"?>
+<p:sld xmlns:a="http://schemas.openxmlformats.org/drawingml/2006/main" xmlns:r="http://schemas.openxmlformats.org/officeDocument/2006/relationships" xmlns:p="http://schemas.openxmlformats.org/presentationml/2006/main">
+  <p:cSld>
+    <p:spTree>
+      <p:nvGrpSpPr>
+        <p:cNvPr id="1" name=""/>
+        <p:cNvGrpSpPr/>
+        <p:nvPr/>
+      </p:nvGrpSpPr>
+      <p:grpSpPr>
+        <a:xfrm>
+          <a:off x="0" y="0"/>
+          <a:ext cx="0" cy="0"/>
+          <a:chOff x="0" y="0"/>
+          <a:chExt cx="0" cy="0"/>
+        </a:xfrm>
+      </p:grpSpPr>
+      <p:sp>
+        <p:nvSpPr>
+          <p:cNvPr id="2" name="Título 1">
+            <a:extLst>
+              <a:ext uri="{FF2B5EF4-FFF2-40B4-BE49-F238E27FC236}">
+                <a16:creationId xmlns:a16="http://schemas.microsoft.com/office/drawing/2014/main" id="{82002C53-BFD5-4630-B5E3-B19FCC49553A}"/>
+              </a:ext>
+            </a:extLst>
+          </p:cNvPr>
+          <p:cNvSpPr>
+            <a:spLocks noGrp="1"/>
+          </p:cNvSpPr>
+          <p:nvPr>
+            <p:ph type="title"/>
+          </p:nvPr>
+        </p:nvSpPr>
+        <p:spPr/>
+        <p:txBody>
+          <a:bodyPr/>
+          <a:lstStyle/>
+          <a:p>
+            <a:pPr algn="ctr"/>
+            <a:r>
+              <a:rPr lang="es-ES_tradnl" dirty="0"/>
+              <a:t>CLIENTE: ANGULAR</a:t>
+            </a:r>
+            <a:endParaRPr lang="es-ES" dirty="0"/>
+          </a:p>
+        </p:txBody>
+      </p:sp>
+      <p:sp>
+        <p:nvSpPr>
+          <p:cNvPr id="3" name="Marcador de contenido 2">
+            <a:extLst>
+              <a:ext uri="{FF2B5EF4-FFF2-40B4-BE49-F238E27FC236}">
+                <a16:creationId xmlns:a16="http://schemas.microsoft.com/office/drawing/2014/main" id="{2323D19B-850A-408F-AB47-A8763B0B5878}"/>
+              </a:ext>
+            </a:extLst>
+          </p:cNvPr>
+          <p:cNvSpPr>
+            <a:spLocks noGrp="1"/>
+          </p:cNvSpPr>
+          <p:nvPr>
+            <p:ph idx="1"/>
+          </p:nvPr>
+        </p:nvSpPr>
+        <p:spPr>
+          <a:xfrm>
+            <a:off x="1103312" y="2052918"/>
+            <a:ext cx="10066436" cy="4195481"/>
+          </a:xfrm>
+        </p:spPr>
+        <p:txBody>
+          <a:bodyPr/>
+          <a:lstStyle/>
+          <a:p>
+            <a:r>
+              <a:rPr lang="es-ES" dirty="0"/>
+              <a:t>En la parte del controlador de angular se han implementado dos partes distintas:</a:t>
+            </a:r>
+          </a:p>
+          <a:p>
+            <a:pPr lvl="1"/>
+            <a:r>
+              <a:rPr lang="es-ES" dirty="0" err="1"/>
+              <a:t>IniciarSesion</a:t>
+            </a:r>
+            <a:r>
+              <a:rPr lang="es-ES" dirty="0"/>
+              <a:t>: En la primera parte se ha dedicado exclusivamente para la identificación de usuario (inicio de sesión). En este controlador se crean las funciones </a:t>
+            </a:r>
+            <a:r>
+              <a:rPr lang="es-ES" dirty="0" err="1"/>
+              <a:t>readCookie</a:t>
+            </a:r>
+            <a:r>
+              <a:rPr lang="es-ES" dirty="0"/>
+              <a:t> y </a:t>
+            </a:r>
+            <a:r>
+              <a:rPr lang="es-ES" dirty="0" err="1"/>
+              <a:t>writeCookie</a:t>
+            </a:r>
+            <a:r>
+              <a:rPr lang="es-ES" dirty="0"/>
+              <a:t>. Para poder utilizar estas en el segundo controlador se ha hecho uso de una factoría.</a:t>
+            </a:r>
+          </a:p>
+          <a:p>
+            <a:pPr lvl="1"/>
+            <a:endParaRPr lang="es-ES" dirty="0"/>
+          </a:p>
+          <a:p>
+            <a:pPr lvl="1"/>
+            <a:r>
+              <a:rPr lang="es-ES" dirty="0" err="1"/>
+              <a:t>MainCtrl</a:t>
+            </a:r>
+            <a:r>
+              <a:rPr lang="es-ES" dirty="0"/>
+              <a:t>: El segundo contiene la implementación de todas las funciones que se han utilizado para mostrar e implementar todo el diseño y control del resto de la aplicación.</a:t>
+            </a:r>
+          </a:p>
+        </p:txBody>
+      </p:sp>
+    </p:spTree>
+    <p:extLst>
+      <p:ext uri="{BB962C8B-B14F-4D97-AF65-F5344CB8AC3E}">
+        <p14:creationId xmlns:p14="http://schemas.microsoft.com/office/powerpoint/2010/main" val="1652775843"/>
+      </p:ext>
+    </p:extLst>
+  </p:cSld>
+  <p:clrMapOvr>
+    <a:masterClrMapping/>
+  </p:clrMapOvr>
+</p:sld>
+</file>
+
+<file path=ppt/slides/slide7.xml><?xml version="1.0" encoding="utf-8"?>
+<p:sld xmlns:a="http://schemas.openxmlformats.org/drawingml/2006/main" xmlns:r="http://schemas.openxmlformats.org/officeDocument/2006/relationships" xmlns:p="http://schemas.openxmlformats.org/presentationml/2006/main">
+  <p:cSld>
+    <p:spTree>
+      <p:nvGrpSpPr>
+        <p:cNvPr id="1" name=""/>
+        <p:cNvGrpSpPr/>
+        <p:nvPr/>
+      </p:nvGrpSpPr>
+      <p:grpSpPr>
+        <a:xfrm>
+          <a:off x="0" y="0"/>
+          <a:ext cx="0" cy="0"/>
+          <a:chOff x="0" y="0"/>
+          <a:chExt cx="0" cy="0"/>
+        </a:xfrm>
+      </p:grpSpPr>
+      <p:sp>
+        <p:nvSpPr>
+          <p:cNvPr id="2" name="Título 1"/>
+          <p:cNvSpPr>
+            <a:spLocks noGrp="1"/>
+          </p:cNvSpPr>
+          <p:nvPr>
+            <p:ph type="title"/>
+          </p:nvPr>
+        </p:nvSpPr>
+        <p:spPr>
+          <a:xfrm>
+            <a:off x="646111" y="452718"/>
             <a:ext cx="9404723" cy="963127"/>
           </a:xfrm>
         </p:spPr>
@@ -12770,7 +14159,7 @@
 </p:sld>
 </file>
 
-<file path=ppt/slides/slide6.xml><?xml version="1.0" encoding="utf-8"?>
+<file path=ppt/slides/slide8.xml><?xml version="1.0" encoding="utf-8"?>
 <p:sld xmlns:a="http://schemas.openxmlformats.org/drawingml/2006/main" xmlns:r="http://schemas.openxmlformats.org/officeDocument/2006/relationships" xmlns:p="http://schemas.openxmlformats.org/presentationml/2006/main">
   <p:cSld>
     <p:spTree>
@@ -13275,601 +14664,6 @@
 </p:sld>
 </file>
 
-<file path=ppt/slides/slide7.xml><?xml version="1.0" encoding="utf-8"?>
-<p:sld xmlns:a="http://schemas.openxmlformats.org/drawingml/2006/main" xmlns:r="http://schemas.openxmlformats.org/officeDocument/2006/relationships" xmlns:p="http://schemas.openxmlformats.org/presentationml/2006/main">
-  <p:cSld>
-    <p:spTree>
-      <p:nvGrpSpPr>
-        <p:cNvPr id="1" name=""/>
-        <p:cNvGrpSpPr/>
-        <p:nvPr/>
-      </p:nvGrpSpPr>
-      <p:grpSpPr>
-        <a:xfrm>
-          <a:off x="0" y="0"/>
-          <a:ext cx="0" cy="0"/>
-          <a:chOff x="0" y="0"/>
-          <a:chExt cx="0" cy="0"/>
-        </a:xfrm>
-      </p:grpSpPr>
-      <p:sp>
-        <p:nvSpPr>
-          <p:cNvPr id="2" name="Título 1"/>
-          <p:cNvSpPr>
-            <a:spLocks noGrp="1"/>
-          </p:cNvSpPr>
-          <p:nvPr>
-            <p:ph type="title"/>
-          </p:nvPr>
-        </p:nvSpPr>
-        <p:spPr>
-          <a:xfrm>
-            <a:off x="646111" y="452718"/>
-            <a:ext cx="9404723" cy="955458"/>
-          </a:xfrm>
-        </p:spPr>
-        <p:txBody>
-          <a:bodyPr/>
-          <a:lstStyle/>
-          <a:p>
-            <a:pPr algn="ctr"/>
-            <a:r>
-              <a:rPr lang="es-ES_tradnl" dirty="0"/>
-              <a:t>CLIENTE: ANGULAR</a:t>
-            </a:r>
-          </a:p>
-        </p:txBody>
-      </p:sp>
-      <p:sp>
-        <p:nvSpPr>
-          <p:cNvPr id="3" name="Marcador de contenido 2"/>
-          <p:cNvSpPr>
-            <a:spLocks noGrp="1"/>
-          </p:cNvSpPr>
-          <p:nvPr>
-            <p:ph idx="1"/>
-          </p:nvPr>
-        </p:nvSpPr>
-        <p:spPr>
-          <a:xfrm>
-            <a:off x="1103312" y="1773936"/>
-            <a:ext cx="8946541" cy="4474463"/>
-          </a:xfrm>
-        </p:spPr>
-        <p:txBody>
-          <a:bodyPr/>
-          <a:lstStyle/>
-          <a:p>
-            <a:pPr marL="0" indent="0" defTabSz="914400">
-              <a:spcBef>
-                <a:spcPts val="0"/>
-              </a:spcBef>
-              <a:buClrTx/>
-              <a:buSzTx/>
-              <a:buNone/>
-              <a:defRPr/>
-            </a:pPr>
-            <a:r>
-              <a:rPr lang="es-ES_tradnl" dirty="0"/>
-              <a:t>De esta forma angular gestiona todas las peticiones enviadas al servidor, lo único que puede cambiar es:</a:t>
-            </a:r>
-          </a:p>
-          <a:p>
-            <a:pPr marL="0" indent="0" defTabSz="914400">
-              <a:spcBef>
-                <a:spcPts val="0"/>
-              </a:spcBef>
-              <a:buClrTx/>
-              <a:buSzTx/>
-              <a:buNone/>
-              <a:defRPr/>
-            </a:pPr>
-            <a:endParaRPr lang="es-ES_tradnl" dirty="0"/>
-          </a:p>
-          <a:p>
-            <a:pPr defTabSz="914400">
-              <a:spcBef>
-                <a:spcPts val="0"/>
-              </a:spcBef>
-              <a:buClrTx/>
-              <a:buSzTx/>
-              <a:defRPr/>
-            </a:pPr>
-            <a:endParaRPr lang="es-ES_tradnl" dirty="0"/>
-          </a:p>
-          <a:p>
-            <a:pPr defTabSz="914400">
-              <a:spcBef>
-                <a:spcPts val="0"/>
-              </a:spcBef>
-              <a:buClrTx/>
-              <a:buSzTx/>
-              <a:defRPr/>
-            </a:pPr>
-            <a:r>
-              <a:rPr lang="es-ES_tradnl" dirty="0"/>
-              <a:t>Unas veces se usa post, otras </a:t>
-            </a:r>
-            <a:r>
-              <a:rPr lang="es-ES_tradnl" dirty="0" err="1"/>
-              <a:t>get</a:t>
-            </a:r>
-            <a:r>
-              <a:rPr lang="es-ES_tradnl" dirty="0"/>
-              <a:t>, otras </a:t>
-            </a:r>
-            <a:r>
-              <a:rPr lang="es-ES_tradnl" dirty="0" err="1"/>
-              <a:t>put</a:t>
-            </a:r>
-            <a:r>
-              <a:rPr lang="es-ES_tradnl" dirty="0"/>
-              <a:t> y otras </a:t>
-            </a:r>
-            <a:r>
-              <a:rPr lang="es-ES_tradnl" dirty="0" err="1"/>
-              <a:t>delete</a:t>
-            </a:r>
-            <a:r>
-              <a:rPr lang="es-ES_tradnl" dirty="0"/>
-              <a:t> según lo que se tenga que hacer.</a:t>
-            </a:r>
-          </a:p>
-          <a:p>
-            <a:pPr defTabSz="914400">
-              <a:spcBef>
-                <a:spcPts val="0"/>
-              </a:spcBef>
-              <a:buClrTx/>
-              <a:buSzTx/>
-              <a:defRPr/>
-            </a:pPr>
-            <a:endParaRPr lang="es-ES_tradnl" dirty="0"/>
-          </a:p>
-          <a:p>
-            <a:pPr defTabSz="914400">
-              <a:spcBef>
-                <a:spcPts val="0"/>
-              </a:spcBef>
-              <a:buClrTx/>
-              <a:buSzTx/>
-              <a:defRPr/>
-            </a:pPr>
-            <a:r>
-              <a:rPr lang="es-ES_tradnl" dirty="0"/>
-              <a:t>El código dentro de las funciones </a:t>
-            </a:r>
-            <a:r>
-              <a:rPr lang="es-ES_tradnl" dirty="0" err="1"/>
-              <a:t>mySuccess</a:t>
-            </a:r>
-            <a:r>
-              <a:rPr lang="es-ES_tradnl" dirty="0"/>
-              <a:t> y </a:t>
-            </a:r>
-            <a:r>
-              <a:rPr lang="es-ES_tradnl" dirty="0" err="1"/>
-              <a:t>myError</a:t>
-            </a:r>
-            <a:r>
-              <a:rPr lang="es-ES_tradnl" dirty="0"/>
-              <a:t> son cambiantes y a veces no se implementan.</a:t>
-            </a:r>
-          </a:p>
-          <a:p>
-            <a:pPr defTabSz="914400">
-              <a:spcBef>
-                <a:spcPts val="0"/>
-              </a:spcBef>
-              <a:buClrTx/>
-              <a:buSzTx/>
-              <a:defRPr/>
-            </a:pPr>
-            <a:endParaRPr lang="es-ES_tradnl" dirty="0"/>
-          </a:p>
-          <a:p>
-            <a:pPr defTabSz="914400">
-              <a:spcBef>
-                <a:spcPts val="0"/>
-              </a:spcBef>
-              <a:buClrTx/>
-              <a:buSzTx/>
-              <a:defRPr/>
-            </a:pPr>
-            <a:r>
-              <a:rPr lang="es-ES_tradnl" dirty="0"/>
-              <a:t>Algunas veces la variable data no es necesaria depende del tipo de petición</a:t>
-            </a:r>
-          </a:p>
-          <a:p>
-            <a:pPr marL="0" marR="0" lvl="0" indent="0" defTabSz="914400" eaLnBrk="1" fontAlgn="auto" latinLnBrk="0" hangingPunct="1">
-              <a:lnSpc>
-                <a:spcPct val="100000"/>
-              </a:lnSpc>
-              <a:spcBef>
-                <a:spcPts val="0"/>
-              </a:spcBef>
-              <a:spcAft>
-                <a:spcPts val="0"/>
-              </a:spcAft>
-              <a:buClrTx/>
-              <a:buSzTx/>
-              <a:buFontTx/>
-              <a:buNone/>
-              <a:tabLst/>
-              <a:defRPr/>
-            </a:pPr>
-            <a:endParaRPr lang="es-ES_tradnl" dirty="0"/>
-          </a:p>
-        </p:txBody>
-      </p:sp>
-    </p:spTree>
-    <p:extLst>
-      <p:ext uri="{BB962C8B-B14F-4D97-AF65-F5344CB8AC3E}">
-        <p14:creationId xmlns:p14="http://schemas.microsoft.com/office/powerpoint/2010/main" val="362225335"/>
-      </p:ext>
-    </p:extLst>
-  </p:cSld>
-  <p:clrMapOvr>
-    <a:masterClrMapping/>
-  </p:clrMapOvr>
-</p:sld>
-</file>
-
-<file path=ppt/slides/slide8.xml><?xml version="1.0" encoding="utf-8"?>
-<p:sld xmlns:a="http://schemas.openxmlformats.org/drawingml/2006/main" xmlns:r="http://schemas.openxmlformats.org/officeDocument/2006/relationships" xmlns:p="http://schemas.openxmlformats.org/presentationml/2006/main">
-  <p:cSld>
-    <p:spTree>
-      <p:nvGrpSpPr>
-        <p:cNvPr id="1" name=""/>
-        <p:cNvGrpSpPr/>
-        <p:nvPr/>
-      </p:nvGrpSpPr>
-      <p:grpSpPr>
-        <a:xfrm>
-          <a:off x="0" y="0"/>
-          <a:ext cx="0" cy="0"/>
-          <a:chOff x="0" y="0"/>
-          <a:chExt cx="0" cy="0"/>
-        </a:xfrm>
-      </p:grpSpPr>
-      <p:sp>
-        <p:nvSpPr>
-          <p:cNvPr id="2" name="Título 1"/>
-          <p:cNvSpPr>
-            <a:spLocks noGrp="1"/>
-          </p:cNvSpPr>
-          <p:nvPr>
-            <p:ph type="title"/>
-          </p:nvPr>
-        </p:nvSpPr>
-        <p:spPr>
-          <a:xfrm>
-            <a:off x="646111" y="452718"/>
-            <a:ext cx="9404723" cy="789228"/>
-          </a:xfrm>
-        </p:spPr>
-        <p:txBody>
-          <a:bodyPr/>
-          <a:lstStyle/>
-          <a:p>
-            <a:pPr algn="ctr"/>
-            <a:r>
-              <a:rPr lang="es-ES_tradnl"/>
-              <a:t>SERVIDOR</a:t>
-            </a:r>
-          </a:p>
-        </p:txBody>
-      </p:sp>
-      <p:sp>
-        <p:nvSpPr>
-          <p:cNvPr id="3" name="Marcador de contenido 2"/>
-          <p:cNvSpPr>
-            <a:spLocks noGrp="1"/>
-          </p:cNvSpPr>
-          <p:nvPr>
-            <p:ph idx="1"/>
-          </p:nvPr>
-        </p:nvSpPr>
-        <p:spPr>
-          <a:xfrm>
-            <a:off x="1104293" y="1241945"/>
-            <a:ext cx="9500017" cy="5204761"/>
-          </a:xfrm>
-        </p:spPr>
-        <p:txBody>
-          <a:bodyPr/>
-          <a:lstStyle/>
-          <a:p>
-            <a:pPr marL="0" marR="0" lvl="0" indent="0" defTabSz="914400" eaLnBrk="1" fontAlgn="auto" latinLnBrk="0" hangingPunct="1">
-              <a:lnSpc>
-                <a:spcPct val="100000"/>
-              </a:lnSpc>
-              <a:spcBef>
-                <a:spcPts val="0"/>
-              </a:spcBef>
-              <a:spcAft>
-                <a:spcPts val="0"/>
-              </a:spcAft>
-              <a:buClrTx/>
-              <a:buSzTx/>
-              <a:buFontTx/>
-              <a:buNone/>
-              <a:tabLst/>
-              <a:defRPr/>
-            </a:pPr>
-            <a:r>
-              <a:rPr lang="es-ES_tradnl" dirty="0"/>
-              <a:t>Se ha implementador un servidor REST para el que hemos utilizado </a:t>
-            </a:r>
-            <a:r>
-              <a:rPr lang="es-ES_tradnl" dirty="0" err="1"/>
-              <a:t>Nodejs</a:t>
-            </a:r>
-            <a:r>
-              <a:rPr lang="es-ES_tradnl" dirty="0"/>
-              <a:t> con una serie de módulos (que hay que instalar), que facilitan la implementación del mismo:</a:t>
-            </a:r>
-          </a:p>
-          <a:p>
-            <a:pPr marL="0" marR="0" lvl="0" indent="0" defTabSz="914400" eaLnBrk="1" fontAlgn="auto" latinLnBrk="0" hangingPunct="1">
-              <a:lnSpc>
-                <a:spcPct val="100000"/>
-              </a:lnSpc>
-              <a:spcBef>
-                <a:spcPts val="0"/>
-              </a:spcBef>
-              <a:spcAft>
-                <a:spcPts val="0"/>
-              </a:spcAft>
-              <a:buClrTx/>
-              <a:buSzTx/>
-              <a:buFontTx/>
-              <a:buNone/>
-              <a:tabLst/>
-              <a:defRPr/>
-            </a:pPr>
-            <a:endParaRPr lang="es-ES_tradnl" dirty="0"/>
-          </a:p>
-          <a:p>
-            <a:pPr marL="0" marR="0" lvl="0" indent="0" defTabSz="914400" eaLnBrk="1" fontAlgn="auto" latinLnBrk="0" hangingPunct="1">
-              <a:lnSpc>
-                <a:spcPct val="100000"/>
-              </a:lnSpc>
-              <a:spcBef>
-                <a:spcPts val="0"/>
-              </a:spcBef>
-              <a:spcAft>
-                <a:spcPts val="0"/>
-              </a:spcAft>
-              <a:buClrTx/>
-              <a:buSzTx/>
-              <a:buFontTx/>
-              <a:buNone/>
-              <a:tabLst/>
-              <a:defRPr/>
-            </a:pPr>
-            <a:endParaRPr lang="es-ES_tradnl" dirty="0"/>
-          </a:p>
-          <a:p>
-            <a:pPr marL="0" marR="0" lvl="0" indent="0" defTabSz="914400" eaLnBrk="1" fontAlgn="auto" latinLnBrk="0" hangingPunct="1">
-              <a:lnSpc>
-                <a:spcPct val="100000"/>
-              </a:lnSpc>
-              <a:spcBef>
-                <a:spcPts val="0"/>
-              </a:spcBef>
-              <a:spcAft>
-                <a:spcPts val="0"/>
-              </a:spcAft>
-              <a:buClrTx/>
-              <a:buSzTx/>
-              <a:buFontTx/>
-              <a:buNone/>
-              <a:tabLst/>
-              <a:defRPr/>
-            </a:pPr>
-            <a:endParaRPr lang="es-ES_tradnl" dirty="0"/>
-          </a:p>
-          <a:p>
-            <a:pPr marL="0" marR="0" lvl="0" indent="0" defTabSz="914400" eaLnBrk="1" fontAlgn="auto" latinLnBrk="0" hangingPunct="1">
-              <a:lnSpc>
-                <a:spcPct val="100000"/>
-              </a:lnSpc>
-              <a:spcBef>
-                <a:spcPts val="0"/>
-              </a:spcBef>
-              <a:spcAft>
-                <a:spcPts val="0"/>
-              </a:spcAft>
-              <a:buClrTx/>
-              <a:buSzTx/>
-              <a:buFontTx/>
-              <a:buNone/>
-              <a:tabLst/>
-              <a:defRPr/>
-            </a:pPr>
-            <a:endParaRPr lang="es-ES_tradnl" dirty="0"/>
-          </a:p>
-          <a:p>
-            <a:pPr marL="0" marR="0" lvl="0" indent="0" defTabSz="914400" eaLnBrk="1" fontAlgn="auto" latinLnBrk="0" hangingPunct="1">
-              <a:lnSpc>
-                <a:spcPct val="100000"/>
-              </a:lnSpc>
-              <a:spcBef>
-                <a:spcPts val="0"/>
-              </a:spcBef>
-              <a:spcAft>
-                <a:spcPts val="0"/>
-              </a:spcAft>
-              <a:buClrTx/>
-              <a:buSzTx/>
-              <a:buFontTx/>
-              <a:buNone/>
-              <a:tabLst/>
-              <a:defRPr/>
-            </a:pPr>
-            <a:endParaRPr lang="es-ES_tradnl" dirty="0"/>
-          </a:p>
-          <a:p>
-            <a:pPr defTabSz="914400">
-              <a:spcBef>
-                <a:spcPts val="0"/>
-              </a:spcBef>
-              <a:buClrTx/>
-              <a:buSzTx/>
-            </a:pPr>
-            <a:r>
-              <a:rPr lang="es-ES_tradnl" dirty="0"/>
-              <a:t>Express es el más importante y nos permite crear una servidor web de manera flexible y a la vez robusta.</a:t>
-            </a:r>
-          </a:p>
-          <a:p>
-            <a:pPr marL="0" indent="0" defTabSz="914400">
-              <a:spcBef>
-                <a:spcPts val="0"/>
-              </a:spcBef>
-              <a:buClrTx/>
-              <a:buSzTx/>
-              <a:buNone/>
-            </a:pPr>
-            <a:endParaRPr lang="es-ES_tradnl" dirty="0"/>
-          </a:p>
-          <a:p>
-            <a:pPr marL="0" indent="0" defTabSz="914400">
-              <a:spcBef>
-                <a:spcPts val="0"/>
-              </a:spcBef>
-              <a:buClrTx/>
-              <a:buSzTx/>
-              <a:buNone/>
-            </a:pPr>
-            <a:endParaRPr lang="es-ES_tradnl" dirty="0"/>
-          </a:p>
-          <a:p>
-            <a:pPr defTabSz="914400">
-              <a:spcBef>
-                <a:spcPts val="0"/>
-              </a:spcBef>
-              <a:buClrTx/>
-              <a:buSzTx/>
-            </a:pPr>
-            <a:r>
-              <a:rPr lang="es-ES_tradnl" dirty="0"/>
-              <a:t>Nuestro servidor empieza a escuchar peticiones una vez lo ejecutamos:</a:t>
-            </a:r>
-          </a:p>
-        </p:txBody>
-      </p:sp>
-      <p:pic>
-        <p:nvPicPr>
-          <p:cNvPr id="4" name="Imagen 3"/>
-          <p:cNvPicPr>
-            <a:picLocks noChangeAspect="1"/>
-          </p:cNvPicPr>
-          <p:nvPr/>
-        </p:nvPicPr>
-        <p:blipFill>
-          <a:blip r:embed="rId2"/>
-          <a:stretch>
-            <a:fillRect/>
-          </a:stretch>
-        </p:blipFill>
-        <p:spPr>
-          <a:xfrm>
-            <a:off x="2113943" y="2344126"/>
-            <a:ext cx="6496050" cy="1400175"/>
-          </a:xfrm>
-          <a:prstGeom prst="rect">
-            <a:avLst/>
-          </a:prstGeom>
-        </p:spPr>
-      </p:pic>
-      <p:pic>
-        <p:nvPicPr>
-          <p:cNvPr id="5" name="Imagen 4"/>
-          <p:cNvPicPr>
-            <a:picLocks noChangeAspect="1"/>
-          </p:cNvPicPr>
-          <p:nvPr/>
-        </p:nvPicPr>
-        <p:blipFill>
-          <a:blip r:embed="rId3"/>
-          <a:stretch>
-            <a:fillRect/>
-          </a:stretch>
-        </p:blipFill>
-        <p:spPr>
-          <a:xfrm>
-            <a:off x="2113943" y="4318096"/>
-            <a:ext cx="4257675" cy="295275"/>
-          </a:xfrm>
-          <a:prstGeom prst="rect">
-            <a:avLst/>
-          </a:prstGeom>
-        </p:spPr>
-      </p:pic>
-      <p:pic>
-        <p:nvPicPr>
-          <p:cNvPr id="6" name="Imagen 5"/>
-          <p:cNvPicPr>
-            <a:picLocks noChangeAspect="1"/>
-          </p:cNvPicPr>
-          <p:nvPr/>
-        </p:nvPicPr>
-        <p:blipFill>
-          <a:blip r:embed="rId4"/>
-          <a:stretch>
-            <a:fillRect/>
-          </a:stretch>
-        </p:blipFill>
-        <p:spPr>
-          <a:xfrm>
-            <a:off x="2113943" y="4712036"/>
-            <a:ext cx="4876800" cy="247650"/>
-          </a:xfrm>
-          <a:prstGeom prst="rect">
-            <a:avLst/>
-          </a:prstGeom>
-        </p:spPr>
-      </p:pic>
-      <p:pic>
-        <p:nvPicPr>
-          <p:cNvPr id="7" name="Imagen 6"/>
-          <p:cNvPicPr>
-            <a:picLocks noChangeAspect="1"/>
-          </p:cNvPicPr>
-          <p:nvPr/>
-        </p:nvPicPr>
-        <p:blipFill>
-          <a:blip r:embed="rId5"/>
-          <a:stretch>
-            <a:fillRect/>
-          </a:stretch>
-        </p:blipFill>
-        <p:spPr>
-          <a:xfrm>
-            <a:off x="2113943" y="5322756"/>
-            <a:ext cx="5591175" cy="1123950"/>
-          </a:xfrm>
-          <a:prstGeom prst="rect">
-            <a:avLst/>
-          </a:prstGeom>
-        </p:spPr>
-      </p:pic>
-    </p:spTree>
-    <p:extLst>
-      <p:ext uri="{BB962C8B-B14F-4D97-AF65-F5344CB8AC3E}">
-        <p14:creationId xmlns:p14="http://schemas.microsoft.com/office/powerpoint/2010/main" val="7638092"/>
-      </p:ext>
-    </p:extLst>
-  </p:cSld>
-  <p:clrMapOvr>
-    <a:masterClrMapping/>
-  </p:clrMapOvr>
-</p:sld>
-</file>
-
 <file path=ppt/slides/slide9.xml><?xml version="1.0" encoding="utf-8"?>
 <p:sld xmlns:a="http://schemas.openxmlformats.org/drawingml/2006/main" xmlns:r="http://schemas.openxmlformats.org/officeDocument/2006/relationships" xmlns:p="http://schemas.openxmlformats.org/presentationml/2006/main">
   <p:cSld>
@@ -13900,7 +14694,7 @@
         <p:spPr>
           <a:xfrm>
             <a:off x="646111" y="452718"/>
-            <a:ext cx="9404723" cy="1006805"/>
+            <a:ext cx="9404723" cy="955458"/>
           </a:xfrm>
         </p:spPr>
         <p:txBody>
@@ -13909,8 +14703,8 @@
           <a:p>
             <a:pPr algn="ctr"/>
             <a:r>
-              <a:rPr lang="es-ES_tradnl"/>
-              <a:t>SERVIDOR</a:t>
+              <a:rPr lang="es-ES_tradnl" dirty="0"/>
+              <a:t>CLIENTE: ANGULAR</a:t>
             </a:r>
           </a:p>
         </p:txBody>
@@ -13927,13 +14721,155 @@
         </p:nvSpPr>
         <p:spPr>
           <a:xfrm>
-            <a:off x="1103312" y="1591408"/>
-            <a:ext cx="8946541" cy="4656991"/>
+            <a:off x="1103312" y="1773936"/>
+            <a:ext cx="8946541" cy="4474463"/>
           </a:xfrm>
         </p:spPr>
         <p:txBody>
           <a:bodyPr/>
           <a:lstStyle/>
+          <a:p>
+            <a:pPr marL="0" indent="0" defTabSz="914400">
+              <a:spcBef>
+                <a:spcPts val="0"/>
+              </a:spcBef>
+              <a:buClrTx/>
+              <a:buSzTx/>
+              <a:buNone/>
+              <a:defRPr/>
+            </a:pPr>
+            <a:r>
+              <a:rPr lang="es-ES_tradnl" dirty="0"/>
+              <a:t>De esta forma angular gestiona todas las peticiones enviadas al servidor, lo único que puede cambiar es:</a:t>
+            </a:r>
+          </a:p>
+          <a:p>
+            <a:pPr marL="0" indent="0" defTabSz="914400">
+              <a:spcBef>
+                <a:spcPts val="0"/>
+              </a:spcBef>
+              <a:buClrTx/>
+              <a:buSzTx/>
+              <a:buNone/>
+              <a:defRPr/>
+            </a:pPr>
+            <a:endParaRPr lang="es-ES_tradnl" dirty="0"/>
+          </a:p>
+          <a:p>
+            <a:pPr defTabSz="914400">
+              <a:spcBef>
+                <a:spcPts val="0"/>
+              </a:spcBef>
+              <a:buClrTx/>
+              <a:buSzTx/>
+              <a:defRPr/>
+            </a:pPr>
+            <a:endParaRPr lang="es-ES_tradnl" dirty="0"/>
+          </a:p>
+          <a:p>
+            <a:pPr defTabSz="914400">
+              <a:spcBef>
+                <a:spcPts val="0"/>
+              </a:spcBef>
+              <a:buClrTx/>
+              <a:buSzTx/>
+              <a:defRPr/>
+            </a:pPr>
+            <a:r>
+              <a:rPr lang="es-ES_tradnl" dirty="0"/>
+              <a:t>Unas veces se usa post, otras </a:t>
+            </a:r>
+            <a:r>
+              <a:rPr lang="es-ES_tradnl" dirty="0" err="1"/>
+              <a:t>get</a:t>
+            </a:r>
+            <a:r>
+              <a:rPr lang="es-ES_tradnl" dirty="0"/>
+              <a:t>, otras </a:t>
+            </a:r>
+            <a:r>
+              <a:rPr lang="es-ES_tradnl" dirty="0" err="1"/>
+              <a:t>put</a:t>
+            </a:r>
+            <a:r>
+              <a:rPr lang="es-ES_tradnl" dirty="0"/>
+              <a:t> y otras </a:t>
+            </a:r>
+            <a:r>
+              <a:rPr lang="es-ES_tradnl" dirty="0" err="1"/>
+              <a:t>delete</a:t>
+            </a:r>
+            <a:r>
+              <a:rPr lang="es-ES_tradnl" dirty="0"/>
+              <a:t> según lo que se tenga que hacer.</a:t>
+            </a:r>
+          </a:p>
+          <a:p>
+            <a:pPr defTabSz="914400">
+              <a:spcBef>
+                <a:spcPts val="0"/>
+              </a:spcBef>
+              <a:buClrTx/>
+              <a:buSzTx/>
+              <a:defRPr/>
+            </a:pPr>
+            <a:endParaRPr lang="es-ES_tradnl" dirty="0"/>
+          </a:p>
+          <a:p>
+            <a:pPr defTabSz="914400">
+              <a:spcBef>
+                <a:spcPts val="0"/>
+              </a:spcBef>
+              <a:buClrTx/>
+              <a:buSzTx/>
+              <a:defRPr/>
+            </a:pPr>
+            <a:r>
+              <a:rPr lang="es-ES_tradnl" dirty="0"/>
+              <a:t>El código dentro de las funciones </a:t>
+            </a:r>
+            <a:r>
+              <a:rPr lang="es-ES_tradnl" dirty="0" err="1"/>
+              <a:t>mySuccess</a:t>
+            </a:r>
+            <a:r>
+              <a:rPr lang="es-ES_tradnl" dirty="0"/>
+              <a:t> y </a:t>
+            </a:r>
+            <a:r>
+              <a:rPr lang="es-ES_tradnl" dirty="0" err="1"/>
+              <a:t>myError</a:t>
+            </a:r>
+            <a:r>
+              <a:rPr lang="es-ES_tradnl" dirty="0"/>
+              <a:t> son cambiantes y a veces no se implementan.</a:t>
+            </a:r>
+          </a:p>
+          <a:p>
+            <a:pPr defTabSz="914400">
+              <a:spcBef>
+                <a:spcPts val="0"/>
+              </a:spcBef>
+              <a:buClrTx/>
+              <a:buSzTx/>
+              <a:defRPr/>
+            </a:pPr>
+            <a:endParaRPr lang="es-ES_tradnl" dirty="0"/>
+          </a:p>
+          <a:p>
+            <a:pPr defTabSz="914400">
+              <a:spcBef>
+                <a:spcPts val="0"/>
+              </a:spcBef>
+              <a:buClrTx/>
+              <a:buSzTx/>
+              <a:defRPr/>
+            </a:pPr>
+            <a:r>
+              <a:rPr lang="es-ES_tradnl" dirty="0"/>
+              <a:t>Algunas veces la variable data no es necesaria depende del tipo de petición</a:t>
+            </a:r>
+          </a:p>
           <a:p>
             <a:pPr marL="0" marR="0" lvl="0" indent="0" defTabSz="914400" eaLnBrk="1" fontAlgn="auto" latinLnBrk="0" hangingPunct="1">
               <a:lnSpc>
@@ -13952,197 +14888,6 @@
               <a:tabLst/>
               <a:defRPr/>
             </a:pPr>
-            <a:r>
-              <a:rPr lang="es-ES_tradnl" dirty="0"/>
-              <a:t>La función de los otros módulos son:</a:t>
-            </a:r>
-          </a:p>
-          <a:p>
-            <a:pPr marL="0" marR="0" lvl="0" indent="0" defTabSz="914400" eaLnBrk="1" fontAlgn="auto" latinLnBrk="0" hangingPunct="1">
-              <a:lnSpc>
-                <a:spcPct val="100000"/>
-              </a:lnSpc>
-              <a:spcBef>
-                <a:spcPts val="0"/>
-              </a:spcBef>
-              <a:spcAft>
-                <a:spcPts val="0"/>
-              </a:spcAft>
-              <a:buClrTx/>
-              <a:buSzTx/>
-              <a:buFontTx/>
-              <a:buNone/>
-              <a:tabLst/>
-              <a:defRPr/>
-            </a:pPr>
-            <a:endParaRPr lang="es-ES_tradnl" dirty="0"/>
-          </a:p>
-          <a:p>
-            <a:pPr marL="0" marR="0" lvl="0" indent="0" defTabSz="914400" eaLnBrk="1" fontAlgn="auto" latinLnBrk="0" hangingPunct="1">
-              <a:lnSpc>
-                <a:spcPct val="100000"/>
-              </a:lnSpc>
-              <a:spcBef>
-                <a:spcPts val="0"/>
-              </a:spcBef>
-              <a:spcAft>
-                <a:spcPts val="0"/>
-              </a:spcAft>
-              <a:buClrTx/>
-              <a:buSzTx/>
-              <a:buFontTx/>
-              <a:buNone/>
-              <a:tabLst/>
-              <a:defRPr/>
-            </a:pPr>
-            <a:endParaRPr lang="es-ES_tradnl" dirty="0"/>
-          </a:p>
-          <a:p>
-            <a:pPr defTabSz="914400">
-              <a:spcBef>
-                <a:spcPts val="0"/>
-              </a:spcBef>
-              <a:buClrTx/>
-              <a:buSzTx/>
-            </a:pPr>
-            <a:r>
-              <a:rPr lang="es-ES_tradnl" dirty="0" err="1"/>
-              <a:t>Body</a:t>
-            </a:r>
-            <a:r>
-              <a:rPr lang="es-ES_tradnl" dirty="0"/>
-              <a:t>-parser: utilizado para obtener los datos enviados por una petición HTTP.</a:t>
-            </a:r>
-          </a:p>
-          <a:p>
-            <a:pPr defTabSz="914400">
-              <a:spcBef>
-                <a:spcPts val="0"/>
-              </a:spcBef>
-              <a:buClrTx/>
-              <a:buSzTx/>
-            </a:pPr>
-            <a:endParaRPr lang="es-ES_tradnl" dirty="0"/>
-          </a:p>
-          <a:p>
-            <a:pPr defTabSz="914400">
-              <a:spcBef>
-                <a:spcPts val="0"/>
-              </a:spcBef>
-              <a:buClrTx/>
-              <a:buSzTx/>
-            </a:pPr>
-            <a:endParaRPr lang="es-ES_tradnl" dirty="0"/>
-          </a:p>
-          <a:p>
-            <a:pPr defTabSz="914400">
-              <a:spcBef>
-                <a:spcPts val="0"/>
-              </a:spcBef>
-              <a:buClrTx/>
-              <a:buSzTx/>
-            </a:pPr>
-            <a:r>
-              <a:rPr lang="es-ES_tradnl" dirty="0" err="1"/>
-              <a:t>Cors</a:t>
-            </a:r>
-            <a:r>
-              <a:rPr lang="es-ES_tradnl" dirty="0"/>
-              <a:t> (Cross-</a:t>
-            </a:r>
-            <a:r>
-              <a:rPr lang="es-ES_tradnl" dirty="0" err="1"/>
-              <a:t>origin</a:t>
-            </a:r>
-            <a:r>
-              <a:rPr lang="es-ES_tradnl" dirty="0"/>
-              <a:t> </a:t>
-            </a:r>
-            <a:r>
-              <a:rPr lang="es-ES_tradnl" dirty="0" err="1"/>
-              <a:t>resource</a:t>
-            </a:r>
-            <a:r>
-              <a:rPr lang="es-ES_tradnl" dirty="0"/>
-              <a:t> </a:t>
-            </a:r>
-            <a:r>
-              <a:rPr lang="es-ES_tradnl" dirty="0" err="1"/>
-              <a:t>sharing</a:t>
-            </a:r>
-            <a:r>
-              <a:rPr lang="es-ES_tradnl" dirty="0"/>
-              <a:t>): para permitir que el/los cliente/s  puedan interactuar con el servidor en distintos dominios</a:t>
-            </a:r>
-          </a:p>
-          <a:p>
-            <a:pPr defTabSz="914400">
-              <a:spcBef>
-                <a:spcPts val="0"/>
-              </a:spcBef>
-              <a:buClrTx/>
-              <a:buSzTx/>
-            </a:pPr>
-            <a:endParaRPr lang="es-ES_tradnl" dirty="0"/>
-          </a:p>
-          <a:p>
-            <a:pPr defTabSz="914400">
-              <a:spcBef>
-                <a:spcPts val="0"/>
-              </a:spcBef>
-              <a:buClrTx/>
-              <a:buSzTx/>
-            </a:pPr>
-            <a:endParaRPr lang="es-ES_tradnl" dirty="0"/>
-          </a:p>
-          <a:p>
-            <a:pPr defTabSz="914400">
-              <a:spcBef>
-                <a:spcPts val="0"/>
-              </a:spcBef>
-              <a:buClrTx/>
-              <a:buSzTx/>
-            </a:pPr>
-            <a:r>
-              <a:rPr lang="es-ES_tradnl" dirty="0" err="1"/>
-              <a:t>Mysql</a:t>
-            </a:r>
-            <a:r>
-              <a:rPr lang="es-ES_tradnl" dirty="0"/>
-              <a:t>: Necesario para la conexión con la base de datos.</a:t>
-            </a:r>
-          </a:p>
-          <a:p>
-            <a:pPr marL="0" indent="0" defTabSz="914400">
-              <a:spcBef>
-                <a:spcPts val="0"/>
-              </a:spcBef>
-              <a:buClrTx/>
-              <a:buSzTx/>
-              <a:buNone/>
-            </a:pPr>
-            <a:endParaRPr lang="es-ES_tradnl" dirty="0"/>
-          </a:p>
-          <a:p>
-            <a:pPr marL="0" indent="0" defTabSz="914400">
-              <a:spcBef>
-                <a:spcPts val="0"/>
-              </a:spcBef>
-              <a:buClrTx/>
-              <a:buSzTx/>
-              <a:buNone/>
-            </a:pPr>
-            <a:endParaRPr lang="es-ES_tradnl" dirty="0"/>
-          </a:p>
-          <a:p>
-            <a:pPr marL="0" indent="0" defTabSz="914400">
-              <a:spcBef>
-                <a:spcPts val="0"/>
-              </a:spcBef>
-              <a:buClrTx/>
-              <a:buSzTx/>
-              <a:buNone/>
-            </a:pPr>
             <a:endParaRPr lang="es-ES_tradnl" dirty="0"/>
           </a:p>
         </p:txBody>
@@ -14150,7 +14895,7 @@
     </p:spTree>
     <p:extLst>
       <p:ext uri="{BB962C8B-B14F-4D97-AF65-F5344CB8AC3E}">
-        <p14:creationId xmlns:p14="http://schemas.microsoft.com/office/powerpoint/2010/main" val="572574350"/>
+        <p14:creationId xmlns:p14="http://schemas.microsoft.com/office/powerpoint/2010/main" val="362225335"/>
       </p:ext>
     </p:extLst>
   </p:cSld>
